--- a/넷플릭스.pptx
+++ b/넷플릭스.pptx
@@ -12,8 +12,21 @@
     <p:sldId id="260" r:id="rId6"/>
     <p:sldId id="261" r:id="rId7"/>
     <p:sldId id="262" r:id="rId8"/>
-    <p:sldId id="263" r:id="rId9"/>
-    <p:sldId id="264" r:id="rId10"/>
+    <p:sldId id="265" r:id="rId9"/>
+    <p:sldId id="263" r:id="rId10"/>
+    <p:sldId id="268" r:id="rId11"/>
+    <p:sldId id="264" r:id="rId12"/>
+    <p:sldId id="266" r:id="rId13"/>
+    <p:sldId id="267" r:id="rId14"/>
+    <p:sldId id="269" r:id="rId15"/>
+    <p:sldId id="270" r:id="rId16"/>
+    <p:sldId id="271" r:id="rId17"/>
+    <p:sldId id="272" r:id="rId18"/>
+    <p:sldId id="273" r:id="rId19"/>
+    <p:sldId id="274" r:id="rId20"/>
+    <p:sldId id="275" r:id="rId21"/>
+    <p:sldId id="276" r:id="rId22"/>
+    <p:sldId id="277" r:id="rId23"/>
   </p:sldIdLst>
   <p:sldSz cx="12192000" cy="6858000"/>
   <p:notesSz cx="6858000" cy="9144000"/>
@@ -112,6 +125,11 @@
       </a:defRPr>
     </a:lvl9pPr>
   </p:defaultTextStyle>
+  <p:extLst>
+    <p:ext uri="{EFAFB233-063F-42B5-8137-9DF3F51BA10A}">
+      <p15:sldGuideLst xmlns:p15="http://schemas.microsoft.com/office/powerpoint/2012/main"/>
+    </p:ext>
+  </p:extLst>
 </p:presentation>
 </file>
 
@@ -246,7 +264,7 @@
           <a:p>
             <a:fld id="{DE9DA6C0-B28F-46EF-86A1-81A5908CA26F}" type="datetimeFigureOut">
               <a:rPr lang="ko-KR" altLang="en-US" smtClean="0"/>
-              <a:t>2018. 7. 18.</a:t>
+              <a:t>2018. 7. 19.</a:t>
             </a:fld>
             <a:endParaRPr lang="ko-KR" altLang="en-US"/>
           </a:p>
@@ -416,7 +434,7 @@
           <a:p>
             <a:fld id="{DE9DA6C0-B28F-46EF-86A1-81A5908CA26F}" type="datetimeFigureOut">
               <a:rPr lang="ko-KR" altLang="en-US" smtClean="0"/>
-              <a:t>2018. 7. 18.</a:t>
+              <a:t>2018. 7. 19.</a:t>
             </a:fld>
             <a:endParaRPr lang="ko-KR" altLang="en-US"/>
           </a:p>
@@ -596,7 +614,7 @@
           <a:p>
             <a:fld id="{DE9DA6C0-B28F-46EF-86A1-81A5908CA26F}" type="datetimeFigureOut">
               <a:rPr lang="ko-KR" altLang="en-US" smtClean="0"/>
-              <a:t>2018. 7. 18.</a:t>
+              <a:t>2018. 7. 19.</a:t>
             </a:fld>
             <a:endParaRPr lang="ko-KR" altLang="en-US"/>
           </a:p>
@@ -766,7 +784,7 @@
           <a:p>
             <a:fld id="{DE9DA6C0-B28F-46EF-86A1-81A5908CA26F}" type="datetimeFigureOut">
               <a:rPr lang="ko-KR" altLang="en-US" smtClean="0"/>
-              <a:t>2018. 7. 18.</a:t>
+              <a:t>2018. 7. 19.</a:t>
             </a:fld>
             <a:endParaRPr lang="ko-KR" altLang="en-US"/>
           </a:p>
@@ -1012,7 +1030,7 @@
           <a:p>
             <a:fld id="{DE9DA6C0-B28F-46EF-86A1-81A5908CA26F}" type="datetimeFigureOut">
               <a:rPr lang="ko-KR" altLang="en-US" smtClean="0"/>
-              <a:t>2018. 7. 18.</a:t>
+              <a:t>2018. 7. 19.</a:t>
             </a:fld>
             <a:endParaRPr lang="ko-KR" altLang="en-US"/>
           </a:p>
@@ -1244,7 +1262,7 @@
           <a:p>
             <a:fld id="{DE9DA6C0-B28F-46EF-86A1-81A5908CA26F}" type="datetimeFigureOut">
               <a:rPr lang="ko-KR" altLang="en-US" smtClean="0"/>
-              <a:t>2018. 7. 18.</a:t>
+              <a:t>2018. 7. 19.</a:t>
             </a:fld>
             <a:endParaRPr lang="ko-KR" altLang="en-US"/>
           </a:p>
@@ -1611,7 +1629,7 @@
           <a:p>
             <a:fld id="{DE9DA6C0-B28F-46EF-86A1-81A5908CA26F}" type="datetimeFigureOut">
               <a:rPr lang="ko-KR" altLang="en-US" smtClean="0"/>
-              <a:t>2018. 7. 18.</a:t>
+              <a:t>2018. 7. 19.</a:t>
             </a:fld>
             <a:endParaRPr lang="ko-KR" altLang="en-US"/>
           </a:p>
@@ -1729,7 +1747,7 @@
           <a:p>
             <a:fld id="{DE9DA6C0-B28F-46EF-86A1-81A5908CA26F}" type="datetimeFigureOut">
               <a:rPr lang="ko-KR" altLang="en-US" smtClean="0"/>
-              <a:t>2018. 7. 18.</a:t>
+              <a:t>2018. 7. 19.</a:t>
             </a:fld>
             <a:endParaRPr lang="ko-KR" altLang="en-US"/>
           </a:p>
@@ -1824,7 +1842,7 @@
           <a:p>
             <a:fld id="{DE9DA6C0-B28F-46EF-86A1-81A5908CA26F}" type="datetimeFigureOut">
               <a:rPr lang="ko-KR" altLang="en-US" smtClean="0"/>
-              <a:t>2018. 7. 18.</a:t>
+              <a:t>2018. 7. 19.</a:t>
             </a:fld>
             <a:endParaRPr lang="ko-KR" altLang="en-US"/>
           </a:p>
@@ -2101,7 +2119,7 @@
           <a:p>
             <a:fld id="{DE9DA6C0-B28F-46EF-86A1-81A5908CA26F}" type="datetimeFigureOut">
               <a:rPr lang="ko-KR" altLang="en-US" smtClean="0"/>
-              <a:t>2018. 7. 18.</a:t>
+              <a:t>2018. 7. 19.</a:t>
             </a:fld>
             <a:endParaRPr lang="ko-KR" altLang="en-US"/>
           </a:p>
@@ -2354,7 +2372,7 @@
           <a:p>
             <a:fld id="{DE9DA6C0-B28F-46EF-86A1-81A5908CA26F}" type="datetimeFigureOut">
               <a:rPr lang="ko-KR" altLang="en-US" smtClean="0"/>
-              <a:t>2018. 7. 18.</a:t>
+              <a:t>2018. 7. 19.</a:t>
             </a:fld>
             <a:endParaRPr lang="ko-KR" altLang="en-US"/>
           </a:p>
@@ -2567,7 +2585,7 @@
           <a:p>
             <a:fld id="{DE9DA6C0-B28F-46EF-86A1-81A5908CA26F}" type="datetimeFigureOut">
               <a:rPr lang="ko-KR" altLang="en-US" smtClean="0"/>
-              <a:t>2018. 7. 18.</a:t>
+              <a:t>2018. 7. 19.</a:t>
             </a:fld>
             <a:endParaRPr lang="ko-KR" altLang="en-US"/>
           </a:p>
@@ -3081,6 +3099,5224 @@
 </p:sld>
 </file>
 
+<file path=ppt/slides/slide10.xml><?xml version="1.0" encoding="utf-8"?>
+<p:sld xmlns:a="http://schemas.openxmlformats.org/drawingml/2006/main" xmlns:r="http://schemas.openxmlformats.org/officeDocument/2006/relationships" xmlns:p="http://schemas.openxmlformats.org/presentationml/2006/main">
+  <p:cSld>
+    <p:spTree>
+      <p:nvGrpSpPr>
+        <p:cNvPr id="1" name=""/>
+        <p:cNvGrpSpPr/>
+        <p:nvPr/>
+      </p:nvGrpSpPr>
+      <p:grpSpPr>
+        <a:xfrm>
+          <a:off x="0" y="0"/>
+          <a:ext cx="0" cy="0"/>
+          <a:chOff x="0" y="0"/>
+          <a:chExt cx="0" cy="0"/>
+        </a:xfrm>
+      </p:grpSpPr>
+      <p:sp>
+        <p:nvSpPr>
+          <p:cNvPr id="4" name="TextBox 3"/>
+          <p:cNvSpPr txBox="1"/>
+          <p:nvPr/>
+        </p:nvSpPr>
+        <p:spPr>
+          <a:xfrm>
+            <a:off x="548643" y="384803"/>
+            <a:ext cx="4697128" cy="523220"/>
+          </a:xfrm>
+          <a:prstGeom prst="rect">
+            <a:avLst/>
+          </a:prstGeom>
+          <a:noFill/>
+        </p:spPr>
+        <p:txBody>
+          <a:bodyPr wrap="square" rtlCol="0">
+            <a:spAutoFit/>
+          </a:bodyPr>
+          <a:lstStyle/>
+          <a:p>
+            <a:r>
+              <a:rPr lang="en-US" altLang="ko-KR" sz="2800" dirty="0"/>
+              <a:t>2</a:t>
+            </a:r>
+            <a:r>
+              <a:rPr lang="en-US" altLang="ko-KR" sz="2800" dirty="0" smtClean="0"/>
+              <a:t>) </a:t>
+            </a:r>
+            <a:r>
+              <a:rPr lang="ko-KR" altLang="en-US" sz="2800" dirty="0" smtClean="0"/>
+              <a:t>데이터 가공</a:t>
+            </a:r>
+            <a:endParaRPr lang="ko-KR" altLang="en-US" sz="2800" dirty="0"/>
+          </a:p>
+        </p:txBody>
+      </p:sp>
+      <p:sp>
+        <p:nvSpPr>
+          <p:cNvPr id="5" name="TextBox 4"/>
+          <p:cNvSpPr txBox="1"/>
+          <p:nvPr/>
+        </p:nvSpPr>
+        <p:spPr>
+          <a:xfrm>
+            <a:off x="548643" y="1548713"/>
+            <a:ext cx="5642919" cy="923330"/>
+          </a:xfrm>
+          <a:prstGeom prst="rect">
+            <a:avLst/>
+          </a:prstGeom>
+          <a:noFill/>
+        </p:spPr>
+        <p:txBody>
+          <a:bodyPr wrap="square" rtlCol="0">
+            <a:spAutoFit/>
+          </a:bodyPr>
+          <a:lstStyle/>
+          <a:p>
+            <a:r>
+              <a:rPr lang="en-US" altLang="ko-KR" dirty="0" smtClean="0"/>
+              <a:t>Singular Value Decomposition, Stochastic Gradient Descent </a:t>
+            </a:r>
+            <a:r>
+              <a:rPr lang="ko-KR" altLang="en-US" dirty="0" smtClean="0"/>
+              <a:t>같은 </a:t>
+            </a:r>
+            <a:r>
+              <a:rPr lang="en-US" altLang="ko-KR" dirty="0" smtClean="0"/>
+              <a:t>Machine-Learning Algorithm </a:t>
+            </a:r>
+          </a:p>
+          <a:p>
+            <a:r>
+              <a:rPr lang="ko-KR" altLang="en-US" dirty="0" smtClean="0"/>
+              <a:t>에 대입시킬수 있는 형태로 데이터 가공</a:t>
+            </a:r>
+            <a:endParaRPr lang="en-US" altLang="ko-KR" dirty="0" smtClean="0"/>
+          </a:p>
+        </p:txBody>
+      </p:sp>
+      <p:sp>
+        <p:nvSpPr>
+          <p:cNvPr id="6" name="TextBox 5"/>
+          <p:cNvSpPr txBox="1"/>
+          <p:nvPr/>
+        </p:nvSpPr>
+        <p:spPr>
+          <a:xfrm>
+            <a:off x="548643" y="3501081"/>
+            <a:ext cx="5296929" cy="923330"/>
+          </a:xfrm>
+          <a:prstGeom prst="rect">
+            <a:avLst/>
+          </a:prstGeom>
+          <a:noFill/>
+        </p:spPr>
+        <p:txBody>
+          <a:bodyPr wrap="square" rtlCol="0">
+            <a:spAutoFit/>
+          </a:bodyPr>
+          <a:lstStyle/>
+          <a:p>
+            <a:r>
+              <a:rPr lang="ko-KR" altLang="en-US" dirty="0" smtClean="0"/>
+              <a:t>이상적인 데이터 형태</a:t>
+            </a:r>
+            <a:r>
+              <a:rPr lang="en-US" altLang="ko-KR" dirty="0" smtClean="0"/>
+              <a:t>:</a:t>
+            </a:r>
+          </a:p>
+          <a:p>
+            <a:endParaRPr lang="en-US" altLang="ko-KR" dirty="0"/>
+          </a:p>
+          <a:p>
+            <a:r>
+              <a:rPr lang="en-US" altLang="ko-KR" dirty="0" smtClean="0"/>
+              <a:t>Movie * User </a:t>
+            </a:r>
+            <a:r>
+              <a:rPr lang="ko-KR" altLang="en-US" dirty="0" smtClean="0"/>
+              <a:t>의 </a:t>
+            </a:r>
+            <a:r>
+              <a:rPr lang="en-US" altLang="ko-KR" dirty="0" smtClean="0"/>
+              <a:t>Matrix</a:t>
+            </a:r>
+            <a:endParaRPr lang="ko-KR" altLang="en-US" dirty="0"/>
+          </a:p>
+        </p:txBody>
+      </p:sp>
+      <p:pic>
+        <p:nvPicPr>
+          <p:cNvPr id="7" name="Picture 6"/>
+          <p:cNvPicPr>
+            <a:picLocks noChangeAspect="1"/>
+          </p:cNvPicPr>
+          <p:nvPr/>
+        </p:nvPicPr>
+        <p:blipFill rotWithShape="1">
+          <a:blip r:embed="rId2"/>
+          <a:srcRect l="24201"/>
+          <a:stretch/>
+        </p:blipFill>
+        <p:spPr>
+          <a:xfrm>
+            <a:off x="7924800" y="2730891"/>
+            <a:ext cx="3407632" cy="2463709"/>
+          </a:xfrm>
+          <a:prstGeom prst="rect">
+            <a:avLst/>
+          </a:prstGeom>
+        </p:spPr>
+      </p:pic>
+      <p:cxnSp>
+        <p:nvCxnSpPr>
+          <p:cNvPr id="9" name="Straight Arrow Connector 8"/>
+          <p:cNvCxnSpPr/>
+          <p:nvPr/>
+        </p:nvCxnSpPr>
+        <p:spPr>
+          <a:xfrm>
+            <a:off x="6969211" y="3146854"/>
+            <a:ext cx="807308" cy="0"/>
+          </a:xfrm>
+          <a:prstGeom prst="straightConnector1">
+            <a:avLst/>
+          </a:prstGeom>
+          <a:ln>
+            <a:tailEnd type="triangle"/>
+          </a:ln>
+        </p:spPr>
+        <p:style>
+          <a:lnRef idx="1">
+            <a:schemeClr val="accent1"/>
+          </a:lnRef>
+          <a:fillRef idx="0">
+            <a:schemeClr val="accent1"/>
+          </a:fillRef>
+          <a:effectRef idx="0">
+            <a:schemeClr val="accent1"/>
+          </a:effectRef>
+          <a:fontRef idx="minor">
+            <a:schemeClr val="tx1"/>
+          </a:fontRef>
+        </p:style>
+      </p:cxnSp>
+      <p:sp>
+        <p:nvSpPr>
+          <p:cNvPr id="10" name="TextBox 9"/>
+          <p:cNvSpPr txBox="1"/>
+          <p:nvPr/>
+        </p:nvSpPr>
+        <p:spPr>
+          <a:xfrm>
+            <a:off x="6083642" y="2962188"/>
+            <a:ext cx="1178011" cy="369332"/>
+          </a:xfrm>
+          <a:prstGeom prst="rect">
+            <a:avLst/>
+          </a:prstGeom>
+          <a:noFill/>
+        </p:spPr>
+        <p:txBody>
+          <a:bodyPr wrap="square" rtlCol="0">
+            <a:spAutoFit/>
+          </a:bodyPr>
+          <a:lstStyle/>
+          <a:p>
+            <a:r>
+              <a:rPr lang="ko-KR" altLang="en-US" dirty="0" smtClean="0">
+                <a:solidFill>
+                  <a:schemeClr val="accent2"/>
+                </a:solidFill>
+              </a:rPr>
+              <a:t>영화 </a:t>
+            </a:r>
+            <a:r>
+              <a:rPr lang="en-US" altLang="ko-KR" dirty="0" smtClean="0">
+                <a:solidFill>
+                  <a:schemeClr val="accent2"/>
+                </a:solidFill>
+              </a:rPr>
+              <a:t>1</a:t>
+            </a:r>
+          </a:p>
+        </p:txBody>
+      </p:sp>
+      <p:cxnSp>
+        <p:nvCxnSpPr>
+          <p:cNvPr id="13" name="Straight Arrow Connector 12"/>
+          <p:cNvCxnSpPr/>
+          <p:nvPr/>
+        </p:nvCxnSpPr>
+        <p:spPr>
+          <a:xfrm>
+            <a:off x="8386119" y="2133600"/>
+            <a:ext cx="8238" cy="597291"/>
+          </a:xfrm>
+          <a:prstGeom prst="straightConnector1">
+            <a:avLst/>
+          </a:prstGeom>
+          <a:ln>
+            <a:tailEnd type="triangle"/>
+          </a:ln>
+        </p:spPr>
+        <p:style>
+          <a:lnRef idx="1">
+            <a:schemeClr val="accent1"/>
+          </a:lnRef>
+          <a:fillRef idx="0">
+            <a:schemeClr val="accent1"/>
+          </a:fillRef>
+          <a:effectRef idx="0">
+            <a:schemeClr val="accent1"/>
+          </a:effectRef>
+          <a:fontRef idx="minor">
+            <a:schemeClr val="tx1"/>
+          </a:fontRef>
+        </p:style>
+      </p:cxnSp>
+      <p:sp>
+        <p:nvSpPr>
+          <p:cNvPr id="14" name="TextBox 13"/>
+          <p:cNvSpPr txBox="1"/>
+          <p:nvPr/>
+        </p:nvSpPr>
+        <p:spPr>
+          <a:xfrm>
+            <a:off x="7924800" y="1861751"/>
+            <a:ext cx="906162" cy="369332"/>
+          </a:xfrm>
+          <a:prstGeom prst="rect">
+            <a:avLst/>
+          </a:prstGeom>
+          <a:noFill/>
+        </p:spPr>
+        <p:txBody>
+          <a:bodyPr wrap="square" rtlCol="0">
+            <a:spAutoFit/>
+          </a:bodyPr>
+          <a:lstStyle/>
+          <a:p>
+            <a:r>
+              <a:rPr lang="ko-KR" altLang="en-US" dirty="0" smtClean="0">
+                <a:solidFill>
+                  <a:schemeClr val="accent2"/>
+                </a:solidFill>
+              </a:rPr>
+              <a:t>유저 </a:t>
+            </a:r>
+            <a:r>
+              <a:rPr lang="en-US" altLang="ko-KR" dirty="0" smtClean="0">
+                <a:solidFill>
+                  <a:schemeClr val="accent2"/>
+                </a:solidFill>
+              </a:rPr>
+              <a:t>1</a:t>
+            </a:r>
+            <a:endParaRPr lang="ko-KR" altLang="en-US" dirty="0">
+              <a:solidFill>
+                <a:schemeClr val="accent2"/>
+              </a:solidFill>
+            </a:endParaRPr>
+          </a:p>
+        </p:txBody>
+      </p:sp>
+      <p:cxnSp>
+        <p:nvCxnSpPr>
+          <p:cNvPr id="16" name="Curved Connector 15"/>
+          <p:cNvCxnSpPr/>
+          <p:nvPr/>
+        </p:nvCxnSpPr>
+        <p:spPr>
+          <a:xfrm rot="5400000" flipH="1" flipV="1">
+            <a:off x="7445268" y="5228969"/>
+            <a:ext cx="967303" cy="930876"/>
+          </a:xfrm>
+          <a:prstGeom prst="curvedConnector3">
+            <a:avLst>
+              <a:gd name="adj1" fmla="val -61564"/>
+            </a:avLst>
+          </a:prstGeom>
+          <a:ln>
+            <a:tailEnd type="triangle"/>
+          </a:ln>
+        </p:spPr>
+        <p:style>
+          <a:lnRef idx="1">
+            <a:schemeClr val="accent1"/>
+          </a:lnRef>
+          <a:fillRef idx="0">
+            <a:schemeClr val="accent1"/>
+          </a:fillRef>
+          <a:effectRef idx="0">
+            <a:schemeClr val="accent1"/>
+          </a:effectRef>
+          <a:fontRef idx="minor">
+            <a:schemeClr val="tx1"/>
+          </a:fontRef>
+        </p:style>
+      </p:cxnSp>
+      <p:sp>
+        <p:nvSpPr>
+          <p:cNvPr id="20" name="TextBox 19"/>
+          <p:cNvSpPr txBox="1"/>
+          <p:nvPr/>
+        </p:nvSpPr>
+        <p:spPr>
+          <a:xfrm>
+            <a:off x="6384324" y="5664862"/>
+            <a:ext cx="1441622" cy="461665"/>
+          </a:xfrm>
+          <a:prstGeom prst="rect">
+            <a:avLst/>
+          </a:prstGeom>
+          <a:noFill/>
+        </p:spPr>
+        <p:txBody>
+          <a:bodyPr wrap="square" rtlCol="0">
+            <a:spAutoFit/>
+          </a:bodyPr>
+          <a:lstStyle/>
+          <a:p>
+            <a:r>
+              <a:rPr lang="ko-KR" altLang="en-US" sz="1200" dirty="0" smtClean="0">
+                <a:solidFill>
+                  <a:schemeClr val="accent2"/>
+                </a:solidFill>
+              </a:rPr>
+              <a:t>영화 </a:t>
+            </a:r>
+            <a:r>
+              <a:rPr lang="en-US" altLang="ko-KR" sz="1200" dirty="0" smtClean="0">
+                <a:solidFill>
+                  <a:schemeClr val="accent2"/>
+                </a:solidFill>
+              </a:rPr>
+              <a:t>n </a:t>
+            </a:r>
+            <a:r>
+              <a:rPr lang="ko-KR" altLang="en-US" sz="1200" dirty="0" smtClean="0">
+                <a:solidFill>
+                  <a:schemeClr val="accent2"/>
+                </a:solidFill>
+              </a:rPr>
+              <a:t>에대한 유저 </a:t>
+            </a:r>
+            <a:r>
+              <a:rPr lang="en-US" altLang="ko-KR" sz="1200" dirty="0" smtClean="0">
+                <a:solidFill>
+                  <a:schemeClr val="accent2"/>
+                </a:solidFill>
+              </a:rPr>
+              <a:t>1 </a:t>
+            </a:r>
+            <a:r>
+              <a:rPr lang="ko-KR" altLang="en-US" sz="1200" dirty="0" smtClean="0">
+                <a:solidFill>
+                  <a:schemeClr val="accent2"/>
+                </a:solidFill>
+              </a:rPr>
+              <a:t>의 </a:t>
+            </a:r>
+            <a:r>
+              <a:rPr lang="en-US" altLang="ko-KR" sz="1200" dirty="0" smtClean="0">
+                <a:solidFill>
+                  <a:schemeClr val="accent2"/>
+                </a:solidFill>
+              </a:rPr>
+              <a:t>Rating</a:t>
+            </a:r>
+            <a:endParaRPr lang="ko-KR" altLang="en-US" sz="1200" dirty="0">
+              <a:solidFill>
+                <a:schemeClr val="accent2"/>
+              </a:solidFill>
+            </a:endParaRPr>
+          </a:p>
+        </p:txBody>
+      </p:sp>
+    </p:spTree>
+    <p:extLst>
+      <p:ext uri="{BB962C8B-B14F-4D97-AF65-F5344CB8AC3E}">
+        <p14:creationId xmlns:p14="http://schemas.microsoft.com/office/powerpoint/2010/main" val="825609731"/>
+      </p:ext>
+    </p:extLst>
+  </p:cSld>
+  <p:clrMapOvr>
+    <a:masterClrMapping/>
+  </p:clrMapOvr>
+</p:sld>
+</file>
+
+<file path=ppt/slides/slide11.xml><?xml version="1.0" encoding="utf-8"?>
+<p:sld xmlns:a="http://schemas.openxmlformats.org/drawingml/2006/main" xmlns:r="http://schemas.openxmlformats.org/officeDocument/2006/relationships" xmlns:p="http://schemas.openxmlformats.org/presentationml/2006/main">
+  <p:cSld>
+    <p:spTree>
+      <p:nvGrpSpPr>
+        <p:cNvPr id="1" name=""/>
+        <p:cNvGrpSpPr/>
+        <p:nvPr/>
+      </p:nvGrpSpPr>
+      <p:grpSpPr>
+        <a:xfrm>
+          <a:off x="0" y="0"/>
+          <a:ext cx="0" cy="0"/>
+          <a:chOff x="0" y="0"/>
+          <a:chExt cx="0" cy="0"/>
+        </a:xfrm>
+      </p:grpSpPr>
+      <p:sp>
+        <p:nvSpPr>
+          <p:cNvPr id="6" name="TextBox 5"/>
+          <p:cNvSpPr txBox="1"/>
+          <p:nvPr/>
+        </p:nvSpPr>
+        <p:spPr>
+          <a:xfrm>
+            <a:off x="548643" y="384803"/>
+            <a:ext cx="4697128" cy="523220"/>
+          </a:xfrm>
+          <a:prstGeom prst="rect">
+            <a:avLst/>
+          </a:prstGeom>
+          <a:noFill/>
+        </p:spPr>
+        <p:txBody>
+          <a:bodyPr wrap="square" rtlCol="0">
+            <a:spAutoFit/>
+          </a:bodyPr>
+          <a:lstStyle/>
+          <a:p>
+            <a:r>
+              <a:rPr lang="en-US" altLang="ko-KR" sz="2800" dirty="0"/>
+              <a:t>2</a:t>
+            </a:r>
+            <a:r>
+              <a:rPr lang="en-US" altLang="ko-KR" sz="2800" dirty="0" smtClean="0"/>
+              <a:t>) </a:t>
+            </a:r>
+            <a:r>
+              <a:rPr lang="ko-KR" altLang="en-US" sz="2800" dirty="0" smtClean="0"/>
+              <a:t>데이터 가공</a:t>
+            </a:r>
+            <a:endParaRPr lang="ko-KR" altLang="en-US" sz="2800" dirty="0"/>
+          </a:p>
+        </p:txBody>
+      </p:sp>
+      <p:sp>
+        <p:nvSpPr>
+          <p:cNvPr id="2" name="TextBox 1"/>
+          <p:cNvSpPr txBox="1"/>
+          <p:nvPr/>
+        </p:nvSpPr>
+        <p:spPr>
+          <a:xfrm>
+            <a:off x="4975654" y="1036610"/>
+            <a:ext cx="1771650" cy="371475"/>
+          </a:xfrm>
+          <a:prstGeom prst="rect">
+            <a:avLst/>
+          </a:prstGeom>
+          <a:noFill/>
+        </p:spPr>
+        <p:txBody>
+          <a:bodyPr wrap="square" rtlCol="0">
+            <a:spAutoFit/>
+          </a:bodyPr>
+          <a:lstStyle/>
+          <a:p>
+            <a:r>
+              <a:rPr lang="en-US" altLang="ko-KR" dirty="0" smtClean="0">
+                <a:solidFill>
+                  <a:srgbClr val="FF0000"/>
+                </a:solidFill>
+              </a:rPr>
+              <a:t>Option</a:t>
+            </a:r>
+            <a:r>
+              <a:rPr lang="ko-KR" altLang="en-US" dirty="0" smtClean="0">
+                <a:solidFill>
+                  <a:srgbClr val="FF0000"/>
+                </a:solidFill>
+              </a:rPr>
+              <a:t> </a:t>
+            </a:r>
+            <a:r>
+              <a:rPr lang="en-US" altLang="ko-KR" dirty="0" smtClean="0">
+                <a:solidFill>
+                  <a:srgbClr val="FF0000"/>
+                </a:solidFill>
+              </a:rPr>
+              <a:t>1</a:t>
+            </a:r>
+            <a:endParaRPr lang="ko-KR" altLang="en-US" dirty="0">
+              <a:solidFill>
+                <a:srgbClr val="FF0000"/>
+              </a:solidFill>
+            </a:endParaRPr>
+          </a:p>
+        </p:txBody>
+      </p:sp>
+      <p:sp>
+        <p:nvSpPr>
+          <p:cNvPr id="3" name="Rectangle 2"/>
+          <p:cNvSpPr/>
+          <p:nvPr/>
+        </p:nvSpPr>
+        <p:spPr>
+          <a:xfrm>
+            <a:off x="3762375" y="1609725"/>
+            <a:ext cx="3419475" cy="800100"/>
+          </a:xfrm>
+          <a:prstGeom prst="rect">
+            <a:avLst/>
+          </a:prstGeom>
+        </p:spPr>
+        <p:style>
+          <a:lnRef idx="2">
+            <a:schemeClr val="accent1">
+              <a:shade val="50000"/>
+            </a:schemeClr>
+          </a:lnRef>
+          <a:fillRef idx="1">
+            <a:schemeClr val="accent1"/>
+          </a:fillRef>
+          <a:effectRef idx="0">
+            <a:schemeClr val="accent1"/>
+          </a:effectRef>
+          <a:fontRef idx="minor">
+            <a:schemeClr val="lt1"/>
+          </a:fontRef>
+        </p:style>
+        <p:txBody>
+          <a:bodyPr rtlCol="0" anchor="ctr"/>
+          <a:lstStyle/>
+          <a:p>
+            <a:pPr algn="ctr"/>
+            <a:r>
+              <a:rPr lang="en-US" altLang="ko-KR" dirty="0" smtClean="0"/>
+              <a:t>.txt </a:t>
+            </a:r>
+            <a:r>
+              <a:rPr lang="ko-KR" altLang="en-US" dirty="0" smtClean="0"/>
+              <a:t>파일</a:t>
+            </a:r>
+            <a:endParaRPr lang="ko-KR" altLang="en-US" dirty="0"/>
+          </a:p>
+        </p:txBody>
+      </p:sp>
+      <p:sp>
+        <p:nvSpPr>
+          <p:cNvPr id="7" name="Oval 6"/>
+          <p:cNvSpPr/>
+          <p:nvPr/>
+        </p:nvSpPr>
+        <p:spPr>
+          <a:xfrm>
+            <a:off x="1600200" y="3187400"/>
+            <a:ext cx="2933700" cy="857250"/>
+          </a:xfrm>
+          <a:prstGeom prst="ellipse">
+            <a:avLst/>
+          </a:prstGeom>
+        </p:spPr>
+        <p:style>
+          <a:lnRef idx="2">
+            <a:schemeClr val="accent1">
+              <a:shade val="50000"/>
+            </a:schemeClr>
+          </a:lnRef>
+          <a:fillRef idx="1">
+            <a:schemeClr val="accent1"/>
+          </a:fillRef>
+          <a:effectRef idx="0">
+            <a:schemeClr val="accent1"/>
+          </a:effectRef>
+          <a:fontRef idx="minor">
+            <a:schemeClr val="lt1"/>
+          </a:fontRef>
+        </p:style>
+        <p:txBody>
+          <a:bodyPr rtlCol="0" anchor="ctr"/>
+          <a:lstStyle/>
+          <a:p>
+            <a:pPr algn="ctr"/>
+            <a:r>
+              <a:rPr lang="ko-KR" altLang="en-US" dirty="0" smtClean="0"/>
+              <a:t>영화 </a:t>
+            </a:r>
+            <a:r>
+              <a:rPr lang="en-US" altLang="ko-KR" dirty="0" smtClean="0"/>
+              <a:t>list</a:t>
+            </a:r>
+            <a:endParaRPr lang="ko-KR" altLang="en-US" dirty="0"/>
+          </a:p>
+        </p:txBody>
+      </p:sp>
+      <p:sp>
+        <p:nvSpPr>
+          <p:cNvPr id="8" name="Oval 7"/>
+          <p:cNvSpPr/>
+          <p:nvPr/>
+        </p:nvSpPr>
+        <p:spPr>
+          <a:xfrm>
+            <a:off x="6419850" y="3165202"/>
+            <a:ext cx="2933700" cy="857250"/>
+          </a:xfrm>
+          <a:prstGeom prst="ellipse">
+            <a:avLst/>
+          </a:prstGeom>
+        </p:spPr>
+        <p:style>
+          <a:lnRef idx="2">
+            <a:schemeClr val="accent1">
+              <a:shade val="50000"/>
+            </a:schemeClr>
+          </a:lnRef>
+          <a:fillRef idx="1">
+            <a:schemeClr val="accent1"/>
+          </a:fillRef>
+          <a:effectRef idx="0">
+            <a:schemeClr val="accent1"/>
+          </a:effectRef>
+          <a:fontRef idx="minor">
+            <a:schemeClr val="lt1"/>
+          </a:fontRef>
+        </p:style>
+        <p:txBody>
+          <a:bodyPr rtlCol="0" anchor="ctr"/>
+          <a:lstStyle/>
+          <a:p>
+            <a:pPr algn="ctr"/>
+            <a:r>
+              <a:rPr lang="ko-KR" altLang="en-US" dirty="0" smtClean="0"/>
+              <a:t>유저 </a:t>
+            </a:r>
+            <a:r>
+              <a:rPr lang="en-US" altLang="ko-KR" dirty="0" smtClean="0"/>
+              <a:t>list</a:t>
+            </a:r>
+            <a:endParaRPr lang="ko-KR" altLang="en-US" dirty="0"/>
+          </a:p>
+        </p:txBody>
+      </p:sp>
+      <p:sp>
+        <p:nvSpPr>
+          <p:cNvPr id="10" name="Oval 9"/>
+          <p:cNvSpPr/>
+          <p:nvPr/>
+        </p:nvSpPr>
+        <p:spPr>
+          <a:xfrm>
+            <a:off x="1600200" y="4689202"/>
+            <a:ext cx="2933700" cy="857250"/>
+          </a:xfrm>
+          <a:prstGeom prst="ellipse">
+            <a:avLst/>
+          </a:prstGeom>
+        </p:spPr>
+        <p:style>
+          <a:lnRef idx="2">
+            <a:schemeClr val="accent1">
+              <a:shade val="50000"/>
+            </a:schemeClr>
+          </a:lnRef>
+          <a:fillRef idx="1">
+            <a:schemeClr val="accent1"/>
+          </a:fillRef>
+          <a:effectRef idx="0">
+            <a:schemeClr val="accent1"/>
+          </a:effectRef>
+          <a:fontRef idx="minor">
+            <a:schemeClr val="lt1"/>
+          </a:fontRef>
+        </p:style>
+        <p:txBody>
+          <a:bodyPr rtlCol="0" anchor="ctr"/>
+          <a:lstStyle/>
+          <a:p>
+            <a:pPr algn="ctr"/>
+            <a:r>
+              <a:rPr lang="ko-KR" altLang="en-US" dirty="0" smtClean="0"/>
+              <a:t>영화 </a:t>
+            </a:r>
+            <a:r>
+              <a:rPr lang="en-US" altLang="ko-KR" dirty="0" err="1" smtClean="0"/>
+              <a:t>dict</a:t>
+            </a:r>
+            <a:endParaRPr lang="ko-KR" altLang="en-US" dirty="0"/>
+          </a:p>
+        </p:txBody>
+      </p:sp>
+      <p:cxnSp>
+        <p:nvCxnSpPr>
+          <p:cNvPr id="13" name="Straight Arrow Connector 12"/>
+          <p:cNvCxnSpPr>
+            <a:stCxn id="3" idx="2"/>
+            <a:endCxn id="7" idx="0"/>
+          </p:cNvCxnSpPr>
+          <p:nvPr/>
+        </p:nvCxnSpPr>
+        <p:spPr>
+          <a:xfrm flipH="1">
+            <a:off x="3067050" y="2409825"/>
+            <a:ext cx="2405063" cy="777575"/>
+          </a:xfrm>
+          <a:prstGeom prst="straightConnector1">
+            <a:avLst/>
+          </a:prstGeom>
+          <a:ln>
+            <a:tailEnd type="triangle"/>
+          </a:ln>
+        </p:spPr>
+        <p:style>
+          <a:lnRef idx="1">
+            <a:schemeClr val="accent1"/>
+          </a:lnRef>
+          <a:fillRef idx="0">
+            <a:schemeClr val="accent1"/>
+          </a:fillRef>
+          <a:effectRef idx="0">
+            <a:schemeClr val="accent1"/>
+          </a:effectRef>
+          <a:fontRef idx="minor">
+            <a:schemeClr val="tx1"/>
+          </a:fontRef>
+        </p:style>
+      </p:cxnSp>
+      <p:cxnSp>
+        <p:nvCxnSpPr>
+          <p:cNvPr id="14" name="Straight Arrow Connector 13"/>
+          <p:cNvCxnSpPr>
+            <a:endCxn id="8" idx="0"/>
+          </p:cNvCxnSpPr>
+          <p:nvPr/>
+        </p:nvCxnSpPr>
+        <p:spPr>
+          <a:xfrm>
+            <a:off x="5472112" y="2420924"/>
+            <a:ext cx="2414588" cy="744278"/>
+          </a:xfrm>
+          <a:prstGeom prst="straightConnector1">
+            <a:avLst/>
+          </a:prstGeom>
+          <a:ln>
+            <a:tailEnd type="triangle"/>
+          </a:ln>
+        </p:spPr>
+        <p:style>
+          <a:lnRef idx="1">
+            <a:schemeClr val="accent1"/>
+          </a:lnRef>
+          <a:fillRef idx="0">
+            <a:schemeClr val="accent1"/>
+          </a:fillRef>
+          <a:effectRef idx="0">
+            <a:schemeClr val="accent1"/>
+          </a:effectRef>
+          <a:fontRef idx="minor">
+            <a:schemeClr val="tx1"/>
+          </a:fontRef>
+        </p:style>
+      </p:cxnSp>
+      <p:cxnSp>
+        <p:nvCxnSpPr>
+          <p:cNvPr id="18" name="Straight Arrow Connector 17"/>
+          <p:cNvCxnSpPr>
+            <a:stCxn id="7" idx="4"/>
+            <a:endCxn id="10" idx="0"/>
+          </p:cNvCxnSpPr>
+          <p:nvPr/>
+        </p:nvCxnSpPr>
+        <p:spPr>
+          <a:xfrm>
+            <a:off x="3067050" y="4044650"/>
+            <a:ext cx="0" cy="644552"/>
+          </a:xfrm>
+          <a:prstGeom prst="straightConnector1">
+            <a:avLst/>
+          </a:prstGeom>
+          <a:ln>
+            <a:tailEnd type="triangle"/>
+          </a:ln>
+        </p:spPr>
+        <p:style>
+          <a:lnRef idx="1">
+            <a:schemeClr val="accent1"/>
+          </a:lnRef>
+          <a:fillRef idx="0">
+            <a:schemeClr val="accent1"/>
+          </a:fillRef>
+          <a:effectRef idx="0">
+            <a:schemeClr val="accent1"/>
+          </a:effectRef>
+          <a:fontRef idx="minor">
+            <a:schemeClr val="tx1"/>
+          </a:fontRef>
+        </p:style>
+      </p:cxnSp>
+      <p:cxnSp>
+        <p:nvCxnSpPr>
+          <p:cNvPr id="20" name="Curved Connector 19"/>
+          <p:cNvCxnSpPr>
+            <a:stCxn id="10" idx="2"/>
+            <a:endCxn id="7" idx="2"/>
+          </p:cNvCxnSpPr>
+          <p:nvPr/>
+        </p:nvCxnSpPr>
+        <p:spPr>
+          <a:xfrm rot="10800000">
+            <a:off x="1600200" y="3616025"/>
+            <a:ext cx="12700" cy="1501802"/>
+          </a:xfrm>
+          <a:prstGeom prst="curvedConnector3">
+            <a:avLst>
+              <a:gd name="adj1" fmla="val 1800000"/>
+            </a:avLst>
+          </a:prstGeom>
+          <a:ln>
+            <a:tailEnd type="triangle"/>
+          </a:ln>
+        </p:spPr>
+        <p:style>
+          <a:lnRef idx="1">
+            <a:schemeClr val="accent1"/>
+          </a:lnRef>
+          <a:fillRef idx="0">
+            <a:schemeClr val="accent1"/>
+          </a:fillRef>
+          <a:effectRef idx="0">
+            <a:schemeClr val="accent1"/>
+          </a:effectRef>
+          <a:fontRef idx="minor">
+            <a:schemeClr val="tx1"/>
+          </a:fontRef>
+        </p:style>
+      </p:cxnSp>
+      <p:sp>
+        <p:nvSpPr>
+          <p:cNvPr id="24" name="Oval 23"/>
+          <p:cNvSpPr/>
+          <p:nvPr/>
+        </p:nvSpPr>
+        <p:spPr>
+          <a:xfrm>
+            <a:off x="6419850" y="4689202"/>
+            <a:ext cx="2933700" cy="857250"/>
+          </a:xfrm>
+          <a:prstGeom prst="ellipse">
+            <a:avLst/>
+          </a:prstGeom>
+        </p:spPr>
+        <p:style>
+          <a:lnRef idx="2">
+            <a:schemeClr val="accent1">
+              <a:shade val="50000"/>
+            </a:schemeClr>
+          </a:lnRef>
+          <a:fillRef idx="1">
+            <a:schemeClr val="accent1"/>
+          </a:fillRef>
+          <a:effectRef idx="0">
+            <a:schemeClr val="accent1"/>
+          </a:effectRef>
+          <a:fontRef idx="minor">
+            <a:schemeClr val="lt1"/>
+          </a:fontRef>
+        </p:style>
+        <p:txBody>
+          <a:bodyPr rtlCol="0" anchor="ctr"/>
+          <a:lstStyle/>
+          <a:p>
+            <a:pPr algn="ctr"/>
+            <a:r>
+              <a:rPr lang="ko-KR" altLang="en-US" dirty="0" smtClean="0"/>
+              <a:t>유저 </a:t>
+            </a:r>
+            <a:r>
+              <a:rPr lang="en-US" altLang="ko-KR" dirty="0" err="1" smtClean="0"/>
+              <a:t>dict</a:t>
+            </a:r>
+            <a:endParaRPr lang="ko-KR" altLang="en-US" dirty="0"/>
+          </a:p>
+        </p:txBody>
+      </p:sp>
+      <p:cxnSp>
+        <p:nvCxnSpPr>
+          <p:cNvPr id="26" name="Straight Arrow Connector 25"/>
+          <p:cNvCxnSpPr>
+            <a:stCxn id="8" idx="4"/>
+            <a:endCxn id="24" idx="0"/>
+          </p:cNvCxnSpPr>
+          <p:nvPr/>
+        </p:nvCxnSpPr>
+        <p:spPr>
+          <a:xfrm>
+            <a:off x="7886700" y="4022452"/>
+            <a:ext cx="0" cy="666750"/>
+          </a:xfrm>
+          <a:prstGeom prst="straightConnector1">
+            <a:avLst/>
+          </a:prstGeom>
+          <a:ln>
+            <a:tailEnd type="triangle"/>
+          </a:ln>
+        </p:spPr>
+        <p:style>
+          <a:lnRef idx="1">
+            <a:schemeClr val="accent1"/>
+          </a:lnRef>
+          <a:fillRef idx="0">
+            <a:schemeClr val="accent1"/>
+          </a:fillRef>
+          <a:effectRef idx="0">
+            <a:schemeClr val="accent1"/>
+          </a:effectRef>
+          <a:fontRef idx="minor">
+            <a:schemeClr val="tx1"/>
+          </a:fontRef>
+        </p:style>
+      </p:cxnSp>
+      <p:cxnSp>
+        <p:nvCxnSpPr>
+          <p:cNvPr id="27" name="Curved Connector 26"/>
+          <p:cNvCxnSpPr/>
+          <p:nvPr/>
+        </p:nvCxnSpPr>
+        <p:spPr>
+          <a:xfrm rot="10800000">
+            <a:off x="9353549" y="3568985"/>
+            <a:ext cx="12700" cy="1501802"/>
+          </a:xfrm>
+          <a:prstGeom prst="curvedConnector3">
+            <a:avLst>
+              <a:gd name="adj1" fmla="val -2481079"/>
+            </a:avLst>
+          </a:prstGeom>
+          <a:ln>
+            <a:tailEnd type="triangle"/>
+          </a:ln>
+        </p:spPr>
+        <p:style>
+          <a:lnRef idx="1">
+            <a:schemeClr val="accent1"/>
+          </a:lnRef>
+          <a:fillRef idx="0">
+            <a:schemeClr val="accent1"/>
+          </a:fillRef>
+          <a:effectRef idx="0">
+            <a:schemeClr val="accent1"/>
+          </a:effectRef>
+          <a:fontRef idx="minor">
+            <a:schemeClr val="tx1"/>
+          </a:fontRef>
+        </p:style>
+      </p:cxnSp>
+      <p:sp>
+        <p:nvSpPr>
+          <p:cNvPr id="29" name="TextBox 28"/>
+          <p:cNvSpPr txBox="1"/>
+          <p:nvPr/>
+        </p:nvSpPr>
+        <p:spPr>
+          <a:xfrm>
+            <a:off x="183031" y="2772898"/>
+            <a:ext cx="2884018" cy="369332"/>
+          </a:xfrm>
+          <a:prstGeom prst="rect">
+            <a:avLst/>
+          </a:prstGeom>
+          <a:noFill/>
+        </p:spPr>
+        <p:txBody>
+          <a:bodyPr wrap="square" rtlCol="0">
+            <a:spAutoFit/>
+          </a:bodyPr>
+          <a:lstStyle/>
+          <a:p>
+            <a:r>
+              <a:rPr lang="en-US" altLang="ko-KR" dirty="0" smtClean="0">
+                <a:solidFill>
+                  <a:schemeClr val="accent2"/>
+                </a:solidFill>
+              </a:rPr>
+              <a:t>[{</a:t>
+            </a:r>
+            <a:r>
+              <a:rPr lang="ko-KR" altLang="en-US" dirty="0" smtClean="0">
+                <a:solidFill>
+                  <a:schemeClr val="accent2"/>
+                </a:solidFill>
+              </a:rPr>
+              <a:t>영화</a:t>
+            </a:r>
+            <a:r>
+              <a:rPr lang="en-US" altLang="ko-KR" dirty="0" err="1" smtClean="0">
+                <a:solidFill>
+                  <a:schemeClr val="accent2"/>
+                </a:solidFill>
+              </a:rPr>
+              <a:t>dict</a:t>
+            </a:r>
+            <a:r>
+              <a:rPr lang="en-US" altLang="ko-KR" dirty="0" smtClean="0">
+                <a:solidFill>
+                  <a:schemeClr val="accent2"/>
+                </a:solidFill>
+              </a:rPr>
+              <a:t>}, {</a:t>
+            </a:r>
+            <a:r>
+              <a:rPr lang="ko-KR" altLang="en-US" dirty="0" smtClean="0">
+                <a:solidFill>
+                  <a:schemeClr val="accent2"/>
+                </a:solidFill>
+              </a:rPr>
+              <a:t>영화</a:t>
+            </a:r>
+            <a:r>
+              <a:rPr lang="en-US" altLang="ko-KR" dirty="0" err="1" smtClean="0">
+                <a:solidFill>
+                  <a:schemeClr val="accent2"/>
+                </a:solidFill>
+              </a:rPr>
+              <a:t>dict</a:t>
+            </a:r>
+            <a:r>
+              <a:rPr lang="en-US" altLang="ko-KR" dirty="0" smtClean="0">
+                <a:solidFill>
+                  <a:schemeClr val="accent2"/>
+                </a:solidFill>
+              </a:rPr>
+              <a:t>} …]</a:t>
+            </a:r>
+            <a:endParaRPr lang="ko-KR" altLang="en-US" dirty="0">
+              <a:solidFill>
+                <a:schemeClr val="accent2"/>
+              </a:solidFill>
+            </a:endParaRPr>
+          </a:p>
+        </p:txBody>
+      </p:sp>
+      <p:sp>
+        <p:nvSpPr>
+          <p:cNvPr id="30" name="TextBox 29"/>
+          <p:cNvSpPr txBox="1"/>
+          <p:nvPr/>
+        </p:nvSpPr>
+        <p:spPr>
+          <a:xfrm>
+            <a:off x="301494" y="4182260"/>
+            <a:ext cx="1143261" cy="369332"/>
+          </a:xfrm>
+          <a:prstGeom prst="rect">
+            <a:avLst/>
+          </a:prstGeom>
+          <a:noFill/>
+        </p:spPr>
+        <p:txBody>
+          <a:bodyPr wrap="square" rtlCol="0">
+            <a:spAutoFit/>
+          </a:bodyPr>
+          <a:lstStyle/>
+          <a:p>
+            <a:r>
+              <a:rPr lang="en-US" altLang="ko-KR" dirty="0" smtClean="0">
+                <a:solidFill>
+                  <a:srgbClr val="FF0000"/>
+                </a:solidFill>
+              </a:rPr>
+              <a:t>append</a:t>
+            </a:r>
+            <a:endParaRPr lang="ko-KR" altLang="en-US" dirty="0">
+              <a:solidFill>
+                <a:srgbClr val="FF0000"/>
+              </a:solidFill>
+            </a:endParaRPr>
+          </a:p>
+        </p:txBody>
+      </p:sp>
+      <p:sp>
+        <p:nvSpPr>
+          <p:cNvPr id="33" name="TextBox 32"/>
+          <p:cNvSpPr txBox="1"/>
+          <p:nvPr/>
+        </p:nvSpPr>
+        <p:spPr>
+          <a:xfrm>
+            <a:off x="183031" y="5605745"/>
+            <a:ext cx="4567068" cy="369332"/>
+          </a:xfrm>
+          <a:prstGeom prst="rect">
+            <a:avLst/>
+          </a:prstGeom>
+          <a:noFill/>
+        </p:spPr>
+        <p:txBody>
+          <a:bodyPr wrap="square" rtlCol="0">
+            <a:spAutoFit/>
+          </a:bodyPr>
+          <a:lstStyle/>
+          <a:p>
+            <a:r>
+              <a:rPr lang="en-US" altLang="ko-KR" dirty="0" err="1" smtClean="0">
+                <a:solidFill>
+                  <a:schemeClr val="accent2"/>
+                </a:solidFill>
+              </a:rPr>
+              <a:t>Movie_dict</a:t>
+            </a:r>
+            <a:r>
+              <a:rPr lang="en-US" altLang="ko-KR" dirty="0" smtClean="0">
+                <a:solidFill>
+                  <a:schemeClr val="accent2"/>
+                </a:solidFill>
+              </a:rPr>
+              <a:t> {“</a:t>
+            </a:r>
+            <a:r>
+              <a:rPr lang="en-US" altLang="ko-KR" dirty="0" err="1" smtClean="0">
+                <a:solidFill>
+                  <a:schemeClr val="accent2"/>
+                </a:solidFill>
+              </a:rPr>
+              <a:t>MovieID</a:t>
+            </a:r>
+            <a:r>
+              <a:rPr lang="en-US" altLang="ko-KR" dirty="0" smtClean="0">
+                <a:solidFill>
+                  <a:schemeClr val="accent2"/>
+                </a:solidFill>
+              </a:rPr>
+              <a:t>” : x, “</a:t>
+            </a:r>
+            <a:r>
+              <a:rPr lang="en-US" altLang="ko-KR" dirty="0" err="1" smtClean="0">
+                <a:solidFill>
+                  <a:schemeClr val="accent2"/>
+                </a:solidFill>
+              </a:rPr>
+              <a:t>Avg.Rating</a:t>
+            </a:r>
+            <a:r>
+              <a:rPr lang="en-US" altLang="ko-KR" dirty="0" smtClean="0">
+                <a:solidFill>
+                  <a:schemeClr val="accent2"/>
+                </a:solidFill>
+              </a:rPr>
+              <a:t> : y”}</a:t>
+            </a:r>
+            <a:endParaRPr lang="ko-KR" altLang="en-US" dirty="0">
+              <a:solidFill>
+                <a:schemeClr val="accent2"/>
+              </a:solidFill>
+            </a:endParaRPr>
+          </a:p>
+        </p:txBody>
+      </p:sp>
+      <p:sp>
+        <p:nvSpPr>
+          <p:cNvPr id="34" name="TextBox 33"/>
+          <p:cNvSpPr txBox="1"/>
+          <p:nvPr/>
+        </p:nvSpPr>
+        <p:spPr>
+          <a:xfrm>
+            <a:off x="9689836" y="4135220"/>
+            <a:ext cx="1143261" cy="369332"/>
+          </a:xfrm>
+          <a:prstGeom prst="rect">
+            <a:avLst/>
+          </a:prstGeom>
+          <a:noFill/>
+        </p:spPr>
+        <p:txBody>
+          <a:bodyPr wrap="square" rtlCol="0">
+            <a:spAutoFit/>
+          </a:bodyPr>
+          <a:lstStyle/>
+          <a:p>
+            <a:r>
+              <a:rPr lang="en-US" altLang="ko-KR" dirty="0" smtClean="0">
+                <a:solidFill>
+                  <a:srgbClr val="FF0000"/>
+                </a:solidFill>
+              </a:rPr>
+              <a:t>append</a:t>
+            </a:r>
+            <a:endParaRPr lang="ko-KR" altLang="en-US" dirty="0">
+              <a:solidFill>
+                <a:srgbClr val="FF0000"/>
+              </a:solidFill>
+            </a:endParaRPr>
+          </a:p>
+        </p:txBody>
+      </p:sp>
+      <p:sp>
+        <p:nvSpPr>
+          <p:cNvPr id="35" name="TextBox 34"/>
+          <p:cNvSpPr txBox="1"/>
+          <p:nvPr/>
+        </p:nvSpPr>
+        <p:spPr>
+          <a:xfrm>
+            <a:off x="8567351" y="2772898"/>
+            <a:ext cx="3056238" cy="369332"/>
+          </a:xfrm>
+          <a:prstGeom prst="rect">
+            <a:avLst/>
+          </a:prstGeom>
+          <a:noFill/>
+        </p:spPr>
+        <p:txBody>
+          <a:bodyPr wrap="square" rtlCol="0">
+            <a:spAutoFit/>
+          </a:bodyPr>
+          <a:lstStyle/>
+          <a:p>
+            <a:r>
+              <a:rPr lang="en-US" altLang="ko-KR" dirty="0" smtClean="0">
+                <a:solidFill>
+                  <a:schemeClr val="accent2"/>
+                </a:solidFill>
+              </a:rPr>
+              <a:t>[{</a:t>
+            </a:r>
+            <a:r>
+              <a:rPr lang="ko-KR" altLang="en-US" dirty="0" smtClean="0">
+                <a:solidFill>
+                  <a:schemeClr val="accent2"/>
+                </a:solidFill>
+              </a:rPr>
+              <a:t>유저</a:t>
+            </a:r>
+            <a:r>
+              <a:rPr lang="en-US" altLang="ko-KR" dirty="0" smtClean="0">
+                <a:solidFill>
+                  <a:schemeClr val="accent2"/>
+                </a:solidFill>
+              </a:rPr>
+              <a:t>1dict}, {</a:t>
+            </a:r>
+            <a:r>
+              <a:rPr lang="ko-KR" altLang="en-US" dirty="0" smtClean="0">
+                <a:solidFill>
+                  <a:schemeClr val="accent2"/>
+                </a:solidFill>
+              </a:rPr>
+              <a:t>유저</a:t>
+            </a:r>
+            <a:r>
+              <a:rPr lang="en-US" altLang="ko-KR" dirty="0" smtClean="0">
+                <a:solidFill>
+                  <a:schemeClr val="accent2"/>
+                </a:solidFill>
+              </a:rPr>
+              <a:t>2dict} …]</a:t>
+            </a:r>
+            <a:endParaRPr lang="ko-KR" altLang="en-US" dirty="0">
+              <a:solidFill>
+                <a:schemeClr val="accent2"/>
+              </a:solidFill>
+            </a:endParaRPr>
+          </a:p>
+        </p:txBody>
+      </p:sp>
+      <p:sp>
+        <p:nvSpPr>
+          <p:cNvPr id="36" name="TextBox 35"/>
+          <p:cNvSpPr txBox="1"/>
+          <p:nvPr/>
+        </p:nvSpPr>
+        <p:spPr>
+          <a:xfrm>
+            <a:off x="6381478" y="5604872"/>
+            <a:ext cx="6616716" cy="646331"/>
+          </a:xfrm>
+          <a:prstGeom prst="rect">
+            <a:avLst/>
+          </a:prstGeom>
+          <a:noFill/>
+        </p:spPr>
+        <p:txBody>
+          <a:bodyPr wrap="square" rtlCol="0">
+            <a:spAutoFit/>
+          </a:bodyPr>
+          <a:lstStyle/>
+          <a:p>
+            <a:r>
+              <a:rPr lang="en-US" altLang="ko-KR" dirty="0" err="1" smtClean="0">
+                <a:solidFill>
+                  <a:schemeClr val="accent2"/>
+                </a:solidFill>
+              </a:rPr>
+              <a:t>User_dict</a:t>
+            </a:r>
+            <a:r>
+              <a:rPr lang="en-US" altLang="ko-KR" dirty="0" smtClean="0">
+                <a:solidFill>
+                  <a:schemeClr val="accent2"/>
+                </a:solidFill>
+              </a:rPr>
+              <a:t> {“</a:t>
+            </a:r>
+            <a:r>
+              <a:rPr lang="en-US" altLang="ko-KR" dirty="0" err="1" smtClean="0">
+                <a:solidFill>
+                  <a:schemeClr val="accent2"/>
+                </a:solidFill>
+              </a:rPr>
+              <a:t>UserID</a:t>
+            </a:r>
+            <a:r>
+              <a:rPr lang="en-US" altLang="ko-KR" dirty="0" smtClean="0">
+                <a:solidFill>
+                  <a:schemeClr val="accent2"/>
+                </a:solidFill>
+              </a:rPr>
+              <a:t>“: x, </a:t>
+            </a:r>
+          </a:p>
+          <a:p>
+            <a:r>
+              <a:rPr lang="en-US" altLang="ko-KR" dirty="0" smtClean="0">
+                <a:solidFill>
+                  <a:schemeClr val="accent2"/>
+                </a:solidFill>
+              </a:rPr>
+              <a:t>“</a:t>
+            </a:r>
+            <a:r>
+              <a:rPr lang="en-US" altLang="ko-KR" dirty="0" err="1" smtClean="0">
+                <a:solidFill>
+                  <a:schemeClr val="accent2"/>
+                </a:solidFill>
+              </a:rPr>
+              <a:t>UserRating</a:t>
+            </a:r>
+            <a:r>
+              <a:rPr lang="en-US" altLang="ko-KR" dirty="0" smtClean="0">
+                <a:solidFill>
+                  <a:schemeClr val="accent2"/>
+                </a:solidFill>
+              </a:rPr>
+              <a:t>” : [{</a:t>
+            </a:r>
+            <a:r>
+              <a:rPr lang="en-US" altLang="ko-KR" dirty="0" err="1" smtClean="0">
+                <a:solidFill>
+                  <a:schemeClr val="accent2"/>
+                </a:solidFill>
+              </a:rPr>
+              <a:t>MovieID</a:t>
+            </a:r>
+            <a:r>
+              <a:rPr lang="en-US" altLang="ko-KR" dirty="0" smtClean="0">
+                <a:solidFill>
+                  <a:schemeClr val="accent2"/>
+                </a:solidFill>
+              </a:rPr>
+              <a:t> : Rating, MovieID2 : Rating}]} </a:t>
+            </a:r>
+            <a:endParaRPr lang="ko-KR" altLang="en-US" dirty="0">
+              <a:solidFill>
+                <a:schemeClr val="accent2"/>
+              </a:solidFill>
+            </a:endParaRPr>
+          </a:p>
+        </p:txBody>
+      </p:sp>
+    </p:spTree>
+    <p:extLst>
+      <p:ext uri="{BB962C8B-B14F-4D97-AF65-F5344CB8AC3E}">
+        <p14:creationId xmlns:p14="http://schemas.microsoft.com/office/powerpoint/2010/main" val="2616555566"/>
+      </p:ext>
+    </p:extLst>
+  </p:cSld>
+  <p:clrMapOvr>
+    <a:masterClrMapping/>
+  </p:clrMapOvr>
+  <mc:AlternateContent xmlns:mc="http://schemas.openxmlformats.org/markup-compatibility/2006">
+    <mc:Choice xmlns:p14="http://schemas.microsoft.com/office/powerpoint/2010/main" Requires="p14">
+      <p:transition p14:dur="10"/>
+    </mc:Choice>
+    <mc:Fallback>
+      <p:transition/>
+    </mc:Fallback>
+  </mc:AlternateContent>
+  <p:timing>
+    <p:tnLst>
+      <p:par>
+        <p:cTn id="1" dur="indefinite" restart="never" nodeType="tmRoot"/>
+      </p:par>
+    </p:tnLst>
+  </p:timing>
+</p:sld>
+</file>
+
+<file path=ppt/slides/slide12.xml><?xml version="1.0" encoding="utf-8"?>
+<p:sld xmlns:a="http://schemas.openxmlformats.org/drawingml/2006/main" xmlns:r="http://schemas.openxmlformats.org/officeDocument/2006/relationships" xmlns:p="http://schemas.openxmlformats.org/presentationml/2006/main">
+  <p:cSld>
+    <p:spTree>
+      <p:nvGrpSpPr>
+        <p:cNvPr id="1" name=""/>
+        <p:cNvGrpSpPr/>
+        <p:nvPr/>
+      </p:nvGrpSpPr>
+      <p:grpSpPr>
+        <a:xfrm>
+          <a:off x="0" y="0"/>
+          <a:ext cx="0" cy="0"/>
+          <a:chOff x="0" y="0"/>
+          <a:chExt cx="0" cy="0"/>
+        </a:xfrm>
+      </p:grpSpPr>
+      <p:graphicFrame>
+        <p:nvGraphicFramePr>
+          <p:cNvPr id="4" name="Table 3"/>
+          <p:cNvGraphicFramePr>
+            <a:graphicFrameLocks noGrp="1"/>
+          </p:cNvGraphicFramePr>
+          <p:nvPr>
+            <p:extLst>
+              <p:ext uri="{D42A27DB-BD31-4B8C-83A1-F6EECF244321}">
+                <p14:modId xmlns:p14="http://schemas.microsoft.com/office/powerpoint/2010/main" val="830808000"/>
+              </p:ext>
+            </p:extLst>
+          </p:nvPr>
+        </p:nvGraphicFramePr>
+        <p:xfrm>
+          <a:off x="7479956" y="1565704"/>
+          <a:ext cx="4598914" cy="2013693"/>
+        </p:xfrm>
+        <a:graphic>
+          <a:graphicData uri="http://schemas.openxmlformats.org/drawingml/2006/table">
+            <a:tbl>
+              <a:tblPr firstRow="1" bandRow="1">
+                <a:tableStyleId>{5C22544A-7EE6-4342-B048-85BDC9FD1C3A}</a:tableStyleId>
+              </a:tblPr>
+              <a:tblGrid>
+                <a:gridCol w="2299457"/>
+                <a:gridCol w="2299457"/>
+              </a:tblGrid>
+              <a:tr h="530333">
+                <a:tc>
+                  <a:txBody>
+                    <a:bodyPr/>
+                    <a:lstStyle/>
+                    <a:p>
+                      <a:pPr latinLnBrk="1"/>
+                      <a:r>
+                        <a:rPr lang="ko-KR" altLang="en-US" dirty="0" smtClean="0"/>
+                        <a:t>장점</a:t>
+                      </a:r>
+                      <a:endParaRPr lang="ko-KR" altLang="en-US" dirty="0"/>
+                    </a:p>
+                  </a:txBody>
+                  <a:tcPr/>
+                </a:tc>
+                <a:tc>
+                  <a:txBody>
+                    <a:bodyPr/>
+                    <a:lstStyle/>
+                    <a:p>
+                      <a:pPr latinLnBrk="1"/>
+                      <a:r>
+                        <a:rPr lang="ko-KR" altLang="en-US" dirty="0" smtClean="0"/>
+                        <a:t>단점</a:t>
+                      </a:r>
+                      <a:endParaRPr lang="ko-KR" altLang="en-US" dirty="0"/>
+                    </a:p>
+                  </a:txBody>
+                  <a:tcPr/>
+                </a:tc>
+              </a:tr>
+              <a:tr h="370840">
+                <a:tc>
+                  <a:txBody>
+                    <a:bodyPr/>
+                    <a:lstStyle/>
+                    <a:p>
+                      <a:pPr latinLnBrk="1"/>
+                      <a:r>
+                        <a:rPr lang="ko-KR" altLang="en-US" sz="1000" dirty="0" smtClean="0">
+                          <a:solidFill>
+                            <a:schemeClr val="accent6">
+                              <a:lumMod val="50000"/>
+                            </a:schemeClr>
+                          </a:solidFill>
+                        </a:rPr>
+                        <a:t>쉬운 데이터 정리</a:t>
+                      </a:r>
+                      <a:endParaRPr lang="ko-KR" altLang="en-US" sz="1000" dirty="0">
+                        <a:solidFill>
+                          <a:schemeClr val="accent6">
+                            <a:lumMod val="50000"/>
+                          </a:schemeClr>
+                        </a:solidFill>
+                      </a:endParaRPr>
+                    </a:p>
+                  </a:txBody>
+                  <a:tcPr/>
+                </a:tc>
+                <a:tc>
+                  <a:txBody>
+                    <a:bodyPr/>
+                    <a:lstStyle/>
+                    <a:p>
+                      <a:pPr latinLnBrk="1"/>
+                      <a:r>
+                        <a:rPr lang="ko-KR" altLang="en-US" sz="1000" dirty="0" smtClean="0">
+                          <a:solidFill>
+                            <a:srgbClr val="C00000"/>
+                          </a:solidFill>
+                        </a:rPr>
+                        <a:t>시간 소모</a:t>
+                      </a:r>
+                      <a:endParaRPr lang="ko-KR" altLang="en-US" sz="1000" dirty="0">
+                        <a:solidFill>
+                          <a:srgbClr val="C00000"/>
+                        </a:solidFill>
+                      </a:endParaRPr>
+                    </a:p>
+                  </a:txBody>
+                  <a:tcPr/>
+                </a:tc>
+              </a:tr>
+              <a:tr h="370840">
+                <a:tc>
+                  <a:txBody>
+                    <a:bodyPr/>
+                    <a:lstStyle/>
+                    <a:p>
+                      <a:pPr latinLnBrk="1"/>
+                      <a:r>
+                        <a:rPr lang="ko-KR" altLang="en-US" sz="1000" baseline="0" dirty="0" smtClean="0">
+                          <a:solidFill>
+                            <a:schemeClr val="accent6">
+                              <a:lumMod val="50000"/>
+                            </a:schemeClr>
+                          </a:solidFill>
+                        </a:rPr>
+                        <a:t>편리한 데이터 인덱</a:t>
+                      </a:r>
+                      <a:r>
+                        <a:rPr lang="ko-KR" altLang="en-US" sz="1000" baseline="0" dirty="0" smtClean="0">
+                          <a:solidFill>
+                            <a:schemeClr val="accent6">
+                              <a:lumMod val="50000"/>
+                            </a:schemeClr>
+                          </a:solidFill>
+                        </a:rPr>
+                        <a:t>싱</a:t>
+                      </a:r>
+                      <a:endParaRPr lang="ko-KR" altLang="en-US" sz="1000" dirty="0">
+                        <a:solidFill>
+                          <a:schemeClr val="accent6">
+                            <a:lumMod val="50000"/>
+                          </a:schemeClr>
+                        </a:solidFill>
+                      </a:endParaRPr>
+                    </a:p>
+                  </a:txBody>
+                  <a:tcPr/>
+                </a:tc>
+                <a:tc>
+                  <a:txBody>
+                    <a:bodyPr/>
+                    <a:lstStyle/>
+                    <a:p>
+                      <a:pPr latinLnBrk="1"/>
+                      <a:r>
+                        <a:rPr lang="en-US" altLang="ko-KR" sz="1000" dirty="0" smtClean="0">
+                          <a:solidFill>
+                            <a:srgbClr val="C00000"/>
+                          </a:solidFill>
+                        </a:rPr>
+                        <a:t>Matrix </a:t>
+                      </a:r>
+                      <a:r>
+                        <a:rPr lang="ko-KR" altLang="en-US" sz="1000" dirty="0" smtClean="0">
+                          <a:solidFill>
+                            <a:srgbClr val="C00000"/>
+                          </a:solidFill>
+                        </a:rPr>
+                        <a:t>형태 </a:t>
+                      </a:r>
+                      <a:r>
+                        <a:rPr lang="en-US" altLang="ko-KR" sz="1000" dirty="0" smtClean="0">
+                          <a:solidFill>
+                            <a:srgbClr val="C00000"/>
+                          </a:solidFill>
+                        </a:rPr>
+                        <a:t>X</a:t>
+                      </a:r>
+                      <a:endParaRPr lang="ko-KR" altLang="en-US" sz="1000" dirty="0">
+                        <a:solidFill>
+                          <a:srgbClr val="C00000"/>
+                        </a:solidFill>
+                      </a:endParaRPr>
+                    </a:p>
+                  </a:txBody>
+                  <a:tcPr/>
+                </a:tc>
+              </a:tr>
+              <a:tr h="370840">
+                <a:tc>
+                  <a:txBody>
+                    <a:bodyPr/>
+                    <a:lstStyle/>
+                    <a:p>
+                      <a:pPr latinLnBrk="1"/>
+                      <a:endParaRPr lang="ko-KR" altLang="en-US" dirty="0"/>
+                    </a:p>
+                  </a:txBody>
+                  <a:tcPr/>
+                </a:tc>
+                <a:tc>
+                  <a:txBody>
+                    <a:bodyPr/>
+                    <a:lstStyle/>
+                    <a:p>
+                      <a:pPr latinLnBrk="1"/>
+                      <a:endParaRPr lang="ko-KR" altLang="en-US" dirty="0"/>
+                    </a:p>
+                  </a:txBody>
+                  <a:tcPr/>
+                </a:tc>
+              </a:tr>
+              <a:tr h="370840">
+                <a:tc>
+                  <a:txBody>
+                    <a:bodyPr/>
+                    <a:lstStyle/>
+                    <a:p>
+                      <a:pPr latinLnBrk="1"/>
+                      <a:endParaRPr lang="ko-KR" altLang="en-US"/>
+                    </a:p>
+                  </a:txBody>
+                  <a:tcPr/>
+                </a:tc>
+                <a:tc>
+                  <a:txBody>
+                    <a:bodyPr/>
+                    <a:lstStyle/>
+                    <a:p>
+                      <a:pPr latinLnBrk="1"/>
+                      <a:endParaRPr lang="ko-KR" altLang="en-US" dirty="0"/>
+                    </a:p>
+                  </a:txBody>
+                  <a:tcPr/>
+                </a:tc>
+              </a:tr>
+            </a:tbl>
+          </a:graphicData>
+        </a:graphic>
+      </p:graphicFrame>
+      <p:sp>
+        <p:nvSpPr>
+          <p:cNvPr id="6" name="TextBox 5"/>
+          <p:cNvSpPr txBox="1"/>
+          <p:nvPr/>
+        </p:nvSpPr>
+        <p:spPr>
+          <a:xfrm>
+            <a:off x="548643" y="384803"/>
+            <a:ext cx="4697128" cy="523220"/>
+          </a:xfrm>
+          <a:prstGeom prst="rect">
+            <a:avLst/>
+          </a:prstGeom>
+          <a:noFill/>
+        </p:spPr>
+        <p:txBody>
+          <a:bodyPr wrap="square" rtlCol="0">
+            <a:spAutoFit/>
+          </a:bodyPr>
+          <a:lstStyle/>
+          <a:p>
+            <a:r>
+              <a:rPr lang="en-US" altLang="ko-KR" sz="2800" dirty="0"/>
+              <a:t>2</a:t>
+            </a:r>
+            <a:r>
+              <a:rPr lang="en-US" altLang="ko-KR" sz="2800" dirty="0" smtClean="0"/>
+              <a:t>) </a:t>
+            </a:r>
+            <a:r>
+              <a:rPr lang="ko-KR" altLang="en-US" sz="2800" dirty="0" smtClean="0"/>
+              <a:t>데이터 가공</a:t>
+            </a:r>
+            <a:endParaRPr lang="ko-KR" altLang="en-US" sz="2800" dirty="0"/>
+          </a:p>
+        </p:txBody>
+      </p:sp>
+      <p:sp>
+        <p:nvSpPr>
+          <p:cNvPr id="7" name="TextBox 6"/>
+          <p:cNvSpPr txBox="1"/>
+          <p:nvPr/>
+        </p:nvSpPr>
+        <p:spPr>
+          <a:xfrm>
+            <a:off x="870465" y="1097248"/>
+            <a:ext cx="2397211" cy="369332"/>
+          </a:xfrm>
+          <a:prstGeom prst="rect">
+            <a:avLst/>
+          </a:prstGeom>
+          <a:noFill/>
+        </p:spPr>
+        <p:txBody>
+          <a:bodyPr wrap="square" rtlCol="0">
+            <a:spAutoFit/>
+          </a:bodyPr>
+          <a:lstStyle/>
+          <a:p>
+            <a:r>
+              <a:rPr lang="ko-KR" altLang="en-US" dirty="0" smtClean="0">
+                <a:solidFill>
+                  <a:srgbClr val="FF0000"/>
+                </a:solidFill>
+              </a:rPr>
+              <a:t>옵션 </a:t>
+            </a:r>
+            <a:r>
+              <a:rPr lang="en-US" altLang="ko-KR" dirty="0" smtClean="0">
+                <a:solidFill>
+                  <a:srgbClr val="FF0000"/>
+                </a:solidFill>
+              </a:rPr>
+              <a:t>1 </a:t>
+            </a:r>
+            <a:r>
+              <a:rPr lang="ko-KR" altLang="en-US" dirty="0" smtClean="0">
+                <a:solidFill>
+                  <a:srgbClr val="FF0000"/>
+                </a:solidFill>
+              </a:rPr>
+              <a:t>분석</a:t>
+            </a:r>
+            <a:endParaRPr lang="ko-KR" altLang="en-US" dirty="0">
+              <a:solidFill>
+                <a:srgbClr val="FF0000"/>
+              </a:solidFill>
+            </a:endParaRPr>
+          </a:p>
+        </p:txBody>
+      </p:sp>
+      <p:pic>
+        <p:nvPicPr>
+          <p:cNvPr id="8" name="Picture 7"/>
+          <p:cNvPicPr>
+            <a:picLocks noChangeAspect="1"/>
+          </p:cNvPicPr>
+          <p:nvPr/>
+        </p:nvPicPr>
+        <p:blipFill>
+          <a:blip r:embed="rId2"/>
+          <a:stretch>
+            <a:fillRect/>
+          </a:stretch>
+        </p:blipFill>
+        <p:spPr>
+          <a:xfrm>
+            <a:off x="870465" y="1565704"/>
+            <a:ext cx="6315075" cy="4533900"/>
+          </a:xfrm>
+          <a:prstGeom prst="rect">
+            <a:avLst/>
+          </a:prstGeom>
+        </p:spPr>
+      </p:pic>
+      <p:cxnSp>
+        <p:nvCxnSpPr>
+          <p:cNvPr id="10" name="Straight Arrow Connector 9"/>
+          <p:cNvCxnSpPr>
+            <a:endCxn id="8" idx="3"/>
+          </p:cNvCxnSpPr>
+          <p:nvPr/>
+        </p:nvCxnSpPr>
+        <p:spPr>
+          <a:xfrm flipH="1" flipV="1">
+            <a:off x="7185540" y="3832654"/>
+            <a:ext cx="1892557" cy="1143000"/>
+          </a:xfrm>
+          <a:prstGeom prst="straightConnector1">
+            <a:avLst/>
+          </a:prstGeom>
+          <a:ln>
+            <a:tailEnd type="triangle"/>
+          </a:ln>
+        </p:spPr>
+        <p:style>
+          <a:lnRef idx="1">
+            <a:schemeClr val="accent1"/>
+          </a:lnRef>
+          <a:fillRef idx="0">
+            <a:schemeClr val="accent1"/>
+          </a:fillRef>
+          <a:effectRef idx="0">
+            <a:schemeClr val="accent1"/>
+          </a:effectRef>
+          <a:fontRef idx="minor">
+            <a:schemeClr val="tx1"/>
+          </a:fontRef>
+        </p:style>
+      </p:cxnSp>
+      <p:sp>
+        <p:nvSpPr>
+          <p:cNvPr id="11" name="TextBox 10"/>
+          <p:cNvSpPr txBox="1"/>
+          <p:nvPr/>
+        </p:nvSpPr>
+        <p:spPr>
+          <a:xfrm>
+            <a:off x="8262551" y="4975654"/>
+            <a:ext cx="1902941" cy="369332"/>
+          </a:xfrm>
+          <a:prstGeom prst="rect">
+            <a:avLst/>
+          </a:prstGeom>
+          <a:noFill/>
+        </p:spPr>
+        <p:txBody>
+          <a:bodyPr wrap="square" rtlCol="0">
+            <a:spAutoFit/>
+          </a:bodyPr>
+          <a:lstStyle/>
+          <a:p>
+            <a:r>
+              <a:rPr lang="en-US" altLang="ko-KR" dirty="0" err="1" smtClean="0">
+                <a:solidFill>
+                  <a:schemeClr val="accent2"/>
+                </a:solidFill>
+              </a:rPr>
+              <a:t>Movie_dict</a:t>
+            </a:r>
+            <a:r>
+              <a:rPr lang="en-US" altLang="ko-KR" dirty="0" smtClean="0">
+                <a:solidFill>
+                  <a:schemeClr val="accent2"/>
+                </a:solidFill>
+              </a:rPr>
+              <a:t> </a:t>
+            </a:r>
+            <a:r>
+              <a:rPr lang="ko-KR" altLang="en-US" dirty="0" smtClean="0">
+                <a:solidFill>
+                  <a:schemeClr val="accent2"/>
+                </a:solidFill>
+              </a:rPr>
+              <a:t>구축 </a:t>
+            </a:r>
+            <a:endParaRPr lang="en-US" altLang="ko-KR" dirty="0" smtClean="0">
+              <a:solidFill>
+                <a:schemeClr val="accent2"/>
+              </a:solidFill>
+            </a:endParaRPr>
+          </a:p>
+        </p:txBody>
+      </p:sp>
+      <p:sp>
+        <p:nvSpPr>
+          <p:cNvPr id="12" name="5-Point Star 11"/>
+          <p:cNvSpPr/>
+          <p:nvPr/>
+        </p:nvSpPr>
+        <p:spPr>
+          <a:xfrm>
+            <a:off x="10544432" y="2141838"/>
+            <a:ext cx="205946" cy="205946"/>
+          </a:xfrm>
+          <a:prstGeom prst="star5">
+            <a:avLst/>
+          </a:prstGeom>
+          <a:solidFill>
+            <a:srgbClr val="FFC000"/>
+          </a:solidFill>
+        </p:spPr>
+        <p:style>
+          <a:lnRef idx="2">
+            <a:schemeClr val="accent1">
+              <a:shade val="50000"/>
+            </a:schemeClr>
+          </a:lnRef>
+          <a:fillRef idx="1">
+            <a:schemeClr val="accent1"/>
+          </a:fillRef>
+          <a:effectRef idx="0">
+            <a:schemeClr val="accent1"/>
+          </a:effectRef>
+          <a:fontRef idx="minor">
+            <a:schemeClr val="lt1"/>
+          </a:fontRef>
+        </p:style>
+        <p:txBody>
+          <a:bodyPr rtlCol="0" anchor="ctr"/>
+          <a:lstStyle/>
+          <a:p>
+            <a:pPr algn="ctr"/>
+            <a:endParaRPr lang="ko-KR" altLang="en-US"/>
+          </a:p>
+        </p:txBody>
+      </p:sp>
+    </p:spTree>
+    <p:extLst>
+      <p:ext uri="{BB962C8B-B14F-4D97-AF65-F5344CB8AC3E}">
+        <p14:creationId xmlns:p14="http://schemas.microsoft.com/office/powerpoint/2010/main" val="4289489300"/>
+      </p:ext>
+    </p:extLst>
+  </p:cSld>
+  <p:clrMapOvr>
+    <a:masterClrMapping/>
+  </p:clrMapOvr>
+  <p:timing>
+    <p:tnLst>
+      <p:par>
+        <p:cTn id="1" dur="indefinite" restart="never" nodeType="tmRoot"/>
+      </p:par>
+    </p:tnLst>
+  </p:timing>
+</p:sld>
+</file>
+
+<file path=ppt/slides/slide13.xml><?xml version="1.0" encoding="utf-8"?>
+<p:sld xmlns:a="http://schemas.openxmlformats.org/drawingml/2006/main" xmlns:r="http://schemas.openxmlformats.org/officeDocument/2006/relationships" xmlns:p="http://schemas.openxmlformats.org/presentationml/2006/main">
+  <p:cSld>
+    <p:spTree>
+      <p:nvGrpSpPr>
+        <p:cNvPr id="1" name=""/>
+        <p:cNvGrpSpPr/>
+        <p:nvPr/>
+      </p:nvGrpSpPr>
+      <p:grpSpPr>
+        <a:xfrm>
+          <a:off x="0" y="0"/>
+          <a:ext cx="0" cy="0"/>
+          <a:chOff x="0" y="0"/>
+          <a:chExt cx="0" cy="0"/>
+        </a:xfrm>
+      </p:grpSpPr>
+      <p:sp>
+        <p:nvSpPr>
+          <p:cNvPr id="4" name="TextBox 3"/>
+          <p:cNvSpPr txBox="1"/>
+          <p:nvPr/>
+        </p:nvSpPr>
+        <p:spPr>
+          <a:xfrm>
+            <a:off x="548643" y="384803"/>
+            <a:ext cx="4697128" cy="523220"/>
+          </a:xfrm>
+          <a:prstGeom prst="rect">
+            <a:avLst/>
+          </a:prstGeom>
+          <a:noFill/>
+        </p:spPr>
+        <p:txBody>
+          <a:bodyPr wrap="square" rtlCol="0">
+            <a:spAutoFit/>
+          </a:bodyPr>
+          <a:lstStyle/>
+          <a:p>
+            <a:r>
+              <a:rPr lang="en-US" altLang="ko-KR" sz="2800" dirty="0"/>
+              <a:t>2</a:t>
+            </a:r>
+            <a:r>
+              <a:rPr lang="en-US" altLang="ko-KR" sz="2800" dirty="0" smtClean="0"/>
+              <a:t>) </a:t>
+            </a:r>
+            <a:r>
+              <a:rPr lang="ko-KR" altLang="en-US" sz="2800" dirty="0" smtClean="0"/>
+              <a:t>데이터 가공</a:t>
+            </a:r>
+            <a:endParaRPr lang="ko-KR" altLang="en-US" sz="2800" dirty="0"/>
+          </a:p>
+        </p:txBody>
+      </p:sp>
+      <p:sp>
+        <p:nvSpPr>
+          <p:cNvPr id="6" name="TextBox 5"/>
+          <p:cNvSpPr txBox="1"/>
+          <p:nvPr/>
+        </p:nvSpPr>
+        <p:spPr>
+          <a:xfrm>
+            <a:off x="1125557" y="1150196"/>
+            <a:ext cx="1771650" cy="371475"/>
+          </a:xfrm>
+          <a:prstGeom prst="rect">
+            <a:avLst/>
+          </a:prstGeom>
+          <a:noFill/>
+        </p:spPr>
+        <p:txBody>
+          <a:bodyPr wrap="square" rtlCol="0">
+            <a:spAutoFit/>
+          </a:bodyPr>
+          <a:lstStyle/>
+          <a:p>
+            <a:r>
+              <a:rPr lang="en-US" altLang="ko-KR" dirty="0" smtClean="0">
+                <a:solidFill>
+                  <a:srgbClr val="FF0000"/>
+                </a:solidFill>
+              </a:rPr>
+              <a:t>Option</a:t>
+            </a:r>
+            <a:r>
+              <a:rPr lang="ko-KR" altLang="en-US" dirty="0" smtClean="0">
+                <a:solidFill>
+                  <a:srgbClr val="FF0000"/>
+                </a:solidFill>
+              </a:rPr>
+              <a:t> </a:t>
+            </a:r>
+            <a:r>
+              <a:rPr lang="en-US" altLang="ko-KR" dirty="0">
+                <a:solidFill>
+                  <a:srgbClr val="FF0000"/>
+                </a:solidFill>
+              </a:rPr>
+              <a:t>2</a:t>
+            </a:r>
+            <a:endParaRPr lang="ko-KR" altLang="en-US" dirty="0">
+              <a:solidFill>
+                <a:srgbClr val="FF0000"/>
+              </a:solidFill>
+            </a:endParaRPr>
+          </a:p>
+        </p:txBody>
+      </p:sp>
+      <p:sp>
+        <p:nvSpPr>
+          <p:cNvPr id="7" name="Rectangle 6"/>
+          <p:cNvSpPr/>
+          <p:nvPr/>
+        </p:nvSpPr>
+        <p:spPr>
+          <a:xfrm>
+            <a:off x="548643" y="1635526"/>
+            <a:ext cx="2471352" cy="667265"/>
+          </a:xfrm>
+          <a:prstGeom prst="rect">
+            <a:avLst/>
+          </a:prstGeom>
+          <a:solidFill>
+            <a:schemeClr val="accent2"/>
+          </a:solidFill>
+        </p:spPr>
+        <p:style>
+          <a:lnRef idx="2">
+            <a:schemeClr val="accent1">
+              <a:shade val="50000"/>
+            </a:schemeClr>
+          </a:lnRef>
+          <a:fillRef idx="1">
+            <a:schemeClr val="accent1"/>
+          </a:fillRef>
+          <a:effectRef idx="0">
+            <a:schemeClr val="accent1"/>
+          </a:effectRef>
+          <a:fontRef idx="minor">
+            <a:schemeClr val="lt1"/>
+          </a:fontRef>
+        </p:style>
+        <p:txBody>
+          <a:bodyPr rtlCol="0" anchor="ctr"/>
+          <a:lstStyle/>
+          <a:p>
+            <a:pPr algn="ctr"/>
+            <a:r>
+              <a:rPr lang="en-US" altLang="ko-KR" dirty="0" smtClean="0"/>
+              <a:t>.txt </a:t>
+            </a:r>
+            <a:r>
+              <a:rPr lang="ko-KR" altLang="en-US" dirty="0" smtClean="0"/>
+              <a:t>파일</a:t>
+            </a:r>
+            <a:endParaRPr lang="ko-KR" altLang="en-US" dirty="0"/>
+          </a:p>
+        </p:txBody>
+      </p:sp>
+      <p:cxnSp>
+        <p:nvCxnSpPr>
+          <p:cNvPr id="9" name="Straight Arrow Connector 8"/>
+          <p:cNvCxnSpPr>
+            <a:stCxn id="7" idx="2"/>
+          </p:cNvCxnSpPr>
+          <p:nvPr/>
+        </p:nvCxnSpPr>
+        <p:spPr>
+          <a:xfrm>
+            <a:off x="1784319" y="2302791"/>
+            <a:ext cx="0" cy="638117"/>
+          </a:xfrm>
+          <a:prstGeom prst="straightConnector1">
+            <a:avLst/>
+          </a:prstGeom>
+          <a:ln>
+            <a:tailEnd type="triangle"/>
+          </a:ln>
+        </p:spPr>
+        <p:style>
+          <a:lnRef idx="1">
+            <a:schemeClr val="accent1"/>
+          </a:lnRef>
+          <a:fillRef idx="0">
+            <a:schemeClr val="accent1"/>
+          </a:fillRef>
+          <a:effectRef idx="0">
+            <a:schemeClr val="accent1"/>
+          </a:effectRef>
+          <a:fontRef idx="minor">
+            <a:schemeClr val="tx1"/>
+          </a:fontRef>
+        </p:style>
+      </p:cxnSp>
+      <p:sp>
+        <p:nvSpPr>
+          <p:cNvPr id="10" name="Oval 9"/>
+          <p:cNvSpPr/>
+          <p:nvPr/>
+        </p:nvSpPr>
+        <p:spPr>
+          <a:xfrm>
+            <a:off x="631287" y="2970056"/>
+            <a:ext cx="2265920" cy="1037968"/>
+          </a:xfrm>
+          <a:prstGeom prst="ellipse">
+            <a:avLst/>
+          </a:prstGeom>
+        </p:spPr>
+        <p:style>
+          <a:lnRef idx="2">
+            <a:schemeClr val="accent1">
+              <a:shade val="50000"/>
+            </a:schemeClr>
+          </a:lnRef>
+          <a:fillRef idx="1">
+            <a:schemeClr val="accent1"/>
+          </a:fillRef>
+          <a:effectRef idx="0">
+            <a:schemeClr val="accent1"/>
+          </a:effectRef>
+          <a:fontRef idx="minor">
+            <a:schemeClr val="lt1"/>
+          </a:fontRef>
+        </p:style>
+        <p:txBody>
+          <a:bodyPr rtlCol="0" anchor="ctr"/>
+          <a:lstStyle/>
+          <a:p>
+            <a:pPr algn="ctr"/>
+            <a:r>
+              <a:rPr lang="en-US" altLang="ko-KR" dirty="0" err="1" smtClean="0"/>
+              <a:t>Numpy</a:t>
+            </a:r>
+            <a:r>
+              <a:rPr lang="en-US" altLang="ko-KR" dirty="0" smtClean="0"/>
+              <a:t> </a:t>
+            </a:r>
+            <a:r>
+              <a:rPr lang="ko-KR" altLang="en-US" dirty="0" smtClean="0"/>
+              <a:t>모듈</a:t>
+            </a:r>
+            <a:endParaRPr lang="ko-KR" altLang="en-US" dirty="0"/>
+          </a:p>
+        </p:txBody>
+      </p:sp>
+      <p:cxnSp>
+        <p:nvCxnSpPr>
+          <p:cNvPr id="12" name="Straight Arrow Connector 11"/>
+          <p:cNvCxnSpPr/>
+          <p:nvPr/>
+        </p:nvCxnSpPr>
+        <p:spPr>
+          <a:xfrm>
+            <a:off x="1764247" y="4008024"/>
+            <a:ext cx="0" cy="786398"/>
+          </a:xfrm>
+          <a:prstGeom prst="straightConnector1">
+            <a:avLst/>
+          </a:prstGeom>
+          <a:ln>
+            <a:tailEnd type="triangle"/>
+          </a:ln>
+        </p:spPr>
+        <p:style>
+          <a:lnRef idx="1">
+            <a:schemeClr val="accent1"/>
+          </a:lnRef>
+          <a:fillRef idx="0">
+            <a:schemeClr val="accent1"/>
+          </a:fillRef>
+          <a:effectRef idx="0">
+            <a:schemeClr val="accent1"/>
+          </a:effectRef>
+          <a:fontRef idx="minor">
+            <a:schemeClr val="tx1"/>
+          </a:fontRef>
+        </p:style>
+      </p:cxnSp>
+      <p:sp>
+        <p:nvSpPr>
+          <p:cNvPr id="13" name="Rectangle 12"/>
+          <p:cNvSpPr/>
+          <p:nvPr/>
+        </p:nvSpPr>
+        <p:spPr>
+          <a:xfrm>
+            <a:off x="631287" y="4819135"/>
+            <a:ext cx="2265920" cy="922638"/>
+          </a:xfrm>
+          <a:prstGeom prst="rect">
+            <a:avLst/>
+          </a:prstGeom>
+          <a:solidFill>
+            <a:schemeClr val="accent2"/>
+          </a:solidFill>
+        </p:spPr>
+        <p:style>
+          <a:lnRef idx="2">
+            <a:schemeClr val="accent1">
+              <a:shade val="50000"/>
+            </a:schemeClr>
+          </a:lnRef>
+          <a:fillRef idx="1">
+            <a:schemeClr val="accent1"/>
+          </a:fillRef>
+          <a:effectRef idx="0">
+            <a:schemeClr val="accent1"/>
+          </a:effectRef>
+          <a:fontRef idx="minor">
+            <a:schemeClr val="lt1"/>
+          </a:fontRef>
+        </p:style>
+        <p:txBody>
+          <a:bodyPr rtlCol="0" anchor="ctr"/>
+          <a:lstStyle/>
+          <a:p>
+            <a:pPr algn="ctr"/>
+            <a:r>
+              <a:rPr lang="ko-KR" altLang="en-US" dirty="0" smtClean="0"/>
+              <a:t>영화 수 </a:t>
+            </a:r>
+            <a:r>
+              <a:rPr lang="en-US" altLang="ko-KR" dirty="0" smtClean="0"/>
+              <a:t>* </a:t>
+            </a:r>
+            <a:r>
+              <a:rPr lang="ko-KR" altLang="en-US" dirty="0" smtClean="0"/>
+              <a:t>유저 수 매트릭스 구현 </a:t>
+            </a:r>
+            <a:endParaRPr lang="ko-KR" altLang="en-US" dirty="0"/>
+          </a:p>
+        </p:txBody>
+      </p:sp>
+      <p:cxnSp>
+        <p:nvCxnSpPr>
+          <p:cNvPr id="15" name="Curved Connector 14"/>
+          <p:cNvCxnSpPr>
+            <a:stCxn id="13" idx="2"/>
+          </p:cNvCxnSpPr>
+          <p:nvPr/>
+        </p:nvCxnSpPr>
+        <p:spPr>
+          <a:xfrm rot="5400000" flipH="1" flipV="1">
+            <a:off x="2645020" y="2389648"/>
+            <a:ext cx="2471351" cy="4232899"/>
+          </a:xfrm>
+          <a:prstGeom prst="curvedConnector4">
+            <a:avLst>
+              <a:gd name="adj1" fmla="val -9250"/>
+              <a:gd name="adj2" fmla="val 63383"/>
+            </a:avLst>
+          </a:prstGeom>
+          <a:ln>
+            <a:tailEnd type="triangle"/>
+          </a:ln>
+        </p:spPr>
+        <p:style>
+          <a:lnRef idx="1">
+            <a:schemeClr val="accent1"/>
+          </a:lnRef>
+          <a:fillRef idx="0">
+            <a:schemeClr val="accent1"/>
+          </a:fillRef>
+          <a:effectRef idx="0">
+            <a:schemeClr val="accent1"/>
+          </a:effectRef>
+          <a:fontRef idx="minor">
+            <a:schemeClr val="tx1"/>
+          </a:fontRef>
+        </p:style>
+      </p:cxnSp>
+      <p:sp>
+        <p:nvSpPr>
+          <p:cNvPr id="16" name="Isosceles Triangle 15"/>
+          <p:cNvSpPr/>
+          <p:nvPr/>
+        </p:nvSpPr>
+        <p:spPr>
+          <a:xfrm>
+            <a:off x="5997145" y="2018586"/>
+            <a:ext cx="1482811" cy="2150075"/>
+          </a:xfrm>
+          <a:prstGeom prst="triangle">
+            <a:avLst/>
+          </a:prstGeom>
+          <a:solidFill>
+            <a:srgbClr val="FF0000"/>
+          </a:solidFill>
+        </p:spPr>
+        <p:style>
+          <a:lnRef idx="2">
+            <a:schemeClr val="accent1">
+              <a:shade val="50000"/>
+            </a:schemeClr>
+          </a:lnRef>
+          <a:fillRef idx="1">
+            <a:schemeClr val="accent1"/>
+          </a:fillRef>
+          <a:effectRef idx="0">
+            <a:schemeClr val="accent1"/>
+          </a:effectRef>
+          <a:fontRef idx="minor">
+            <a:schemeClr val="lt1"/>
+          </a:fontRef>
+        </p:style>
+        <p:txBody>
+          <a:bodyPr rtlCol="0" anchor="ctr"/>
+          <a:lstStyle/>
+          <a:p>
+            <a:pPr algn="ctr"/>
+            <a:r>
+              <a:rPr lang="en-US" altLang="ko-KR" sz="1100" dirty="0" smtClean="0"/>
+              <a:t>Memory Error</a:t>
+            </a:r>
+            <a:r>
+              <a:rPr lang="en-US" altLang="ko-KR" dirty="0" smtClean="0"/>
+              <a:t>!</a:t>
+            </a:r>
+            <a:endParaRPr lang="ko-KR" altLang="en-US" dirty="0"/>
+          </a:p>
+        </p:txBody>
+      </p:sp>
+      <p:sp>
+        <p:nvSpPr>
+          <p:cNvPr id="17" name="TextBox 16"/>
+          <p:cNvSpPr txBox="1"/>
+          <p:nvPr/>
+        </p:nvSpPr>
+        <p:spPr>
+          <a:xfrm>
+            <a:off x="5395784" y="1272883"/>
+            <a:ext cx="2842054" cy="923330"/>
+          </a:xfrm>
+          <a:prstGeom prst="rect">
+            <a:avLst/>
+          </a:prstGeom>
+          <a:noFill/>
+        </p:spPr>
+        <p:txBody>
+          <a:bodyPr wrap="square" rtlCol="0">
+            <a:spAutoFit/>
+          </a:bodyPr>
+          <a:lstStyle/>
+          <a:p>
+            <a:r>
+              <a:rPr lang="ko-KR" altLang="en-US" dirty="0" smtClean="0"/>
+              <a:t>구현될 </a:t>
+            </a:r>
+            <a:r>
+              <a:rPr lang="en-US" altLang="ko-KR" dirty="0" smtClean="0"/>
+              <a:t>Matrix </a:t>
+            </a:r>
+            <a:r>
+              <a:rPr lang="ko-KR" altLang="en-US" dirty="0" smtClean="0"/>
+              <a:t>가 너무 커서 해당 컴퓨터의 </a:t>
+            </a:r>
+            <a:r>
+              <a:rPr lang="en-US" altLang="ko-KR" dirty="0" smtClean="0"/>
+              <a:t>RAM</a:t>
+            </a:r>
+          </a:p>
+          <a:p>
+            <a:r>
+              <a:rPr lang="ko-KR" altLang="en-US" dirty="0" smtClean="0"/>
+              <a:t>용랑 부족</a:t>
+            </a:r>
+            <a:endParaRPr lang="en-US" altLang="ko-KR" dirty="0" smtClean="0"/>
+          </a:p>
+        </p:txBody>
+      </p:sp>
+      <p:sp>
+        <p:nvSpPr>
+          <p:cNvPr id="18" name="TextBox 17"/>
+          <p:cNvSpPr txBox="1"/>
+          <p:nvPr/>
+        </p:nvSpPr>
+        <p:spPr>
+          <a:xfrm>
+            <a:off x="8863914" y="4264445"/>
+            <a:ext cx="3328086" cy="1477328"/>
+          </a:xfrm>
+          <a:prstGeom prst="rect">
+            <a:avLst/>
+          </a:prstGeom>
+          <a:noFill/>
+        </p:spPr>
+        <p:txBody>
+          <a:bodyPr wrap="square" rtlCol="0">
+            <a:spAutoFit/>
+          </a:bodyPr>
+          <a:lstStyle/>
+          <a:p>
+            <a:r>
+              <a:rPr lang="ko-KR" altLang="en-US" dirty="0" smtClean="0">
+                <a:solidFill>
+                  <a:schemeClr val="accent2"/>
+                </a:solidFill>
+              </a:rPr>
+              <a:t>해결 방안</a:t>
+            </a:r>
+            <a:r>
+              <a:rPr lang="en-US" altLang="ko-KR" dirty="0" smtClean="0">
+                <a:solidFill>
+                  <a:schemeClr val="accent2"/>
+                </a:solidFill>
+              </a:rPr>
+              <a:t>:</a:t>
+            </a:r>
+          </a:p>
+          <a:p>
+            <a:endParaRPr lang="en-US" altLang="ko-KR" dirty="0"/>
+          </a:p>
+          <a:p>
+            <a:pPr marL="342900" indent="-342900">
+              <a:buAutoNum type="arabicPeriod"/>
+            </a:pPr>
+            <a:r>
+              <a:rPr lang="en-US" altLang="ko-KR" dirty="0" smtClean="0"/>
+              <a:t>Database </a:t>
+            </a:r>
+            <a:r>
+              <a:rPr lang="ko-KR" altLang="en-US" dirty="0" smtClean="0"/>
+              <a:t>이용</a:t>
+            </a:r>
+            <a:endParaRPr lang="en-US" altLang="ko-KR" dirty="0" smtClean="0"/>
+          </a:p>
+          <a:p>
+            <a:pPr marL="342900" indent="-342900">
+              <a:buAutoNum type="arabicPeriod"/>
+            </a:pPr>
+            <a:r>
+              <a:rPr lang="en-US" altLang="ko-KR" dirty="0" smtClean="0"/>
+              <a:t>RAM Space </a:t>
+            </a:r>
+            <a:r>
+              <a:rPr lang="ko-KR" altLang="en-US" dirty="0" smtClean="0"/>
+              <a:t>확보</a:t>
+            </a:r>
+            <a:endParaRPr lang="en-US" altLang="ko-KR" dirty="0" smtClean="0"/>
+          </a:p>
+          <a:p>
+            <a:pPr marL="342900" indent="-342900">
+              <a:buAutoNum type="arabicPeriod"/>
+            </a:pPr>
+            <a:endParaRPr lang="en-US" altLang="ko-KR" dirty="0" smtClean="0"/>
+          </a:p>
+        </p:txBody>
+      </p:sp>
+    </p:spTree>
+    <p:extLst>
+      <p:ext uri="{BB962C8B-B14F-4D97-AF65-F5344CB8AC3E}">
+        <p14:creationId xmlns:p14="http://schemas.microsoft.com/office/powerpoint/2010/main" val="2119754650"/>
+      </p:ext>
+    </p:extLst>
+  </p:cSld>
+  <p:clrMapOvr>
+    <a:masterClrMapping/>
+  </p:clrMapOvr>
+</p:sld>
+</file>
+
+<file path=ppt/slides/slide14.xml><?xml version="1.0" encoding="utf-8"?>
+<p:sld xmlns:a="http://schemas.openxmlformats.org/drawingml/2006/main" xmlns:r="http://schemas.openxmlformats.org/officeDocument/2006/relationships" xmlns:p="http://schemas.openxmlformats.org/presentationml/2006/main">
+  <p:cSld>
+    <p:spTree>
+      <p:nvGrpSpPr>
+        <p:cNvPr id="1" name=""/>
+        <p:cNvGrpSpPr/>
+        <p:nvPr/>
+      </p:nvGrpSpPr>
+      <p:grpSpPr>
+        <a:xfrm>
+          <a:off x="0" y="0"/>
+          <a:ext cx="0" cy="0"/>
+          <a:chOff x="0" y="0"/>
+          <a:chExt cx="0" cy="0"/>
+        </a:xfrm>
+      </p:grpSpPr>
+      <p:sp>
+        <p:nvSpPr>
+          <p:cNvPr id="4" name="TextBox 3"/>
+          <p:cNvSpPr txBox="1"/>
+          <p:nvPr/>
+        </p:nvSpPr>
+        <p:spPr>
+          <a:xfrm>
+            <a:off x="548643" y="384803"/>
+            <a:ext cx="4697128" cy="523220"/>
+          </a:xfrm>
+          <a:prstGeom prst="rect">
+            <a:avLst/>
+          </a:prstGeom>
+          <a:noFill/>
+        </p:spPr>
+        <p:txBody>
+          <a:bodyPr wrap="square" rtlCol="0">
+            <a:spAutoFit/>
+          </a:bodyPr>
+          <a:lstStyle/>
+          <a:p>
+            <a:r>
+              <a:rPr lang="en-US" altLang="ko-KR" sz="2800" dirty="0"/>
+              <a:t>2</a:t>
+            </a:r>
+            <a:r>
+              <a:rPr lang="en-US" altLang="ko-KR" sz="2800" dirty="0" smtClean="0"/>
+              <a:t>) </a:t>
+            </a:r>
+            <a:r>
+              <a:rPr lang="ko-KR" altLang="en-US" sz="2800" dirty="0" smtClean="0"/>
+              <a:t>데이터 가공</a:t>
+            </a:r>
+            <a:endParaRPr lang="ko-KR" altLang="en-US" sz="2800" dirty="0"/>
+          </a:p>
+        </p:txBody>
+      </p:sp>
+      <p:sp>
+        <p:nvSpPr>
+          <p:cNvPr id="6" name="TextBox 5"/>
+          <p:cNvSpPr txBox="1"/>
+          <p:nvPr/>
+        </p:nvSpPr>
+        <p:spPr>
+          <a:xfrm>
+            <a:off x="519811" y="1275047"/>
+            <a:ext cx="4048071" cy="369332"/>
+          </a:xfrm>
+          <a:prstGeom prst="rect">
+            <a:avLst/>
+          </a:prstGeom>
+          <a:noFill/>
+        </p:spPr>
+        <p:txBody>
+          <a:bodyPr wrap="square" rtlCol="0">
+            <a:spAutoFit/>
+          </a:bodyPr>
+          <a:lstStyle/>
+          <a:p>
+            <a:r>
+              <a:rPr lang="ko-KR" altLang="en-US" dirty="0" smtClean="0"/>
+              <a:t>다른 프로그램에서의 접근</a:t>
+            </a:r>
+            <a:endParaRPr lang="ko-KR" altLang="en-US" dirty="0"/>
+          </a:p>
+        </p:txBody>
+      </p:sp>
+      <p:sp>
+        <p:nvSpPr>
+          <p:cNvPr id="8" name="Rectangle 7"/>
+          <p:cNvSpPr/>
+          <p:nvPr/>
+        </p:nvSpPr>
+        <p:spPr>
+          <a:xfrm>
+            <a:off x="403654" y="2692510"/>
+            <a:ext cx="3715265" cy="1070919"/>
+          </a:xfrm>
+          <a:prstGeom prst="rect">
+            <a:avLst/>
+          </a:prstGeom>
+        </p:spPr>
+        <p:style>
+          <a:lnRef idx="2">
+            <a:schemeClr val="accent1">
+              <a:shade val="50000"/>
+            </a:schemeClr>
+          </a:lnRef>
+          <a:fillRef idx="1">
+            <a:schemeClr val="accent1"/>
+          </a:fillRef>
+          <a:effectRef idx="0">
+            <a:schemeClr val="accent1"/>
+          </a:effectRef>
+          <a:fontRef idx="minor">
+            <a:schemeClr val="lt1"/>
+          </a:fontRef>
+        </p:style>
+        <p:txBody>
+          <a:bodyPr rtlCol="0" anchor="ctr"/>
+          <a:lstStyle/>
+          <a:p>
+            <a:pPr algn="ctr"/>
+            <a:r>
+              <a:rPr lang="en-US" altLang="ko-KR" dirty="0" smtClean="0"/>
+              <a:t>Array </a:t>
+            </a:r>
+            <a:r>
+              <a:rPr lang="ko-KR" altLang="en-US" dirty="0" smtClean="0"/>
+              <a:t>구축을 </a:t>
+            </a:r>
+            <a:r>
+              <a:rPr lang="en-US" altLang="ko-KR" dirty="0" smtClean="0"/>
+              <a:t>C, C++ </a:t>
+            </a:r>
+            <a:r>
+              <a:rPr lang="ko-KR" altLang="en-US" dirty="0" smtClean="0"/>
+              <a:t>로 구현</a:t>
+            </a:r>
+            <a:endParaRPr lang="ko-KR" altLang="en-US" dirty="0"/>
+          </a:p>
+        </p:txBody>
+      </p:sp>
+      <p:cxnSp>
+        <p:nvCxnSpPr>
+          <p:cNvPr id="10" name="Straight Arrow Connector 9"/>
+          <p:cNvCxnSpPr>
+            <a:stCxn id="8" idx="3"/>
+          </p:cNvCxnSpPr>
+          <p:nvPr/>
+        </p:nvCxnSpPr>
+        <p:spPr>
+          <a:xfrm flipV="1">
+            <a:off x="4118919" y="2183027"/>
+            <a:ext cx="2710249" cy="1044943"/>
+          </a:xfrm>
+          <a:prstGeom prst="straightConnector1">
+            <a:avLst/>
+          </a:prstGeom>
+          <a:ln>
+            <a:tailEnd type="triangle"/>
+          </a:ln>
+        </p:spPr>
+        <p:style>
+          <a:lnRef idx="1">
+            <a:schemeClr val="accent1"/>
+          </a:lnRef>
+          <a:fillRef idx="0">
+            <a:schemeClr val="accent1"/>
+          </a:fillRef>
+          <a:effectRef idx="0">
+            <a:schemeClr val="accent1"/>
+          </a:effectRef>
+          <a:fontRef idx="minor">
+            <a:schemeClr val="tx1"/>
+          </a:fontRef>
+        </p:style>
+      </p:cxnSp>
+      <p:sp>
+        <p:nvSpPr>
+          <p:cNvPr id="11" name="Oval 10"/>
+          <p:cNvSpPr/>
+          <p:nvPr/>
+        </p:nvSpPr>
+        <p:spPr>
+          <a:xfrm>
+            <a:off x="6829168" y="1327554"/>
+            <a:ext cx="3122141" cy="1364956"/>
+          </a:xfrm>
+          <a:prstGeom prst="ellipse">
+            <a:avLst/>
+          </a:prstGeom>
+          <a:solidFill>
+            <a:schemeClr val="accent6">
+              <a:lumMod val="50000"/>
+            </a:schemeClr>
+          </a:solidFill>
+        </p:spPr>
+        <p:style>
+          <a:lnRef idx="2">
+            <a:schemeClr val="accent1">
+              <a:shade val="50000"/>
+            </a:schemeClr>
+          </a:lnRef>
+          <a:fillRef idx="1">
+            <a:schemeClr val="accent1"/>
+          </a:fillRef>
+          <a:effectRef idx="0">
+            <a:schemeClr val="accent1"/>
+          </a:effectRef>
+          <a:fontRef idx="minor">
+            <a:schemeClr val="lt1"/>
+          </a:fontRef>
+        </p:style>
+        <p:txBody>
+          <a:bodyPr rtlCol="0" anchor="ctr"/>
+          <a:lstStyle/>
+          <a:p>
+            <a:pPr algn="ctr"/>
+            <a:r>
+              <a:rPr lang="ko-KR" altLang="en-US" dirty="0" smtClean="0"/>
+              <a:t>장점</a:t>
+            </a:r>
+            <a:r>
+              <a:rPr lang="en-US" altLang="ko-KR" dirty="0" smtClean="0"/>
+              <a:t>: </a:t>
+            </a:r>
+            <a:r>
+              <a:rPr lang="ko-KR" altLang="en-US" dirty="0" smtClean="0"/>
+              <a:t>시간적으로 빨라짐</a:t>
+            </a:r>
+            <a:endParaRPr lang="ko-KR" altLang="en-US" dirty="0"/>
+          </a:p>
+        </p:txBody>
+      </p:sp>
+      <p:cxnSp>
+        <p:nvCxnSpPr>
+          <p:cNvPr id="14" name="Straight Arrow Connector 13"/>
+          <p:cNvCxnSpPr>
+            <a:stCxn id="8" idx="3"/>
+          </p:cNvCxnSpPr>
+          <p:nvPr/>
+        </p:nvCxnSpPr>
+        <p:spPr>
+          <a:xfrm>
+            <a:off x="4118919" y="3227970"/>
+            <a:ext cx="2710249" cy="1344030"/>
+          </a:xfrm>
+          <a:prstGeom prst="straightConnector1">
+            <a:avLst/>
+          </a:prstGeom>
+          <a:ln>
+            <a:tailEnd type="triangle"/>
+          </a:ln>
+        </p:spPr>
+        <p:style>
+          <a:lnRef idx="1">
+            <a:schemeClr val="accent1"/>
+          </a:lnRef>
+          <a:fillRef idx="0">
+            <a:schemeClr val="accent1"/>
+          </a:fillRef>
+          <a:effectRef idx="0">
+            <a:schemeClr val="accent1"/>
+          </a:effectRef>
+          <a:fontRef idx="minor">
+            <a:schemeClr val="tx1"/>
+          </a:fontRef>
+        </p:style>
+      </p:cxnSp>
+      <p:sp>
+        <p:nvSpPr>
+          <p:cNvPr id="15" name="Oval 14"/>
+          <p:cNvSpPr/>
+          <p:nvPr/>
+        </p:nvSpPr>
+        <p:spPr>
+          <a:xfrm>
+            <a:off x="6829168" y="4083443"/>
+            <a:ext cx="3122141" cy="1364956"/>
+          </a:xfrm>
+          <a:prstGeom prst="ellipse">
+            <a:avLst/>
+          </a:prstGeom>
+          <a:solidFill>
+            <a:srgbClr val="C00000"/>
+          </a:solidFill>
+        </p:spPr>
+        <p:style>
+          <a:lnRef idx="2">
+            <a:schemeClr val="accent1">
+              <a:shade val="50000"/>
+            </a:schemeClr>
+          </a:lnRef>
+          <a:fillRef idx="1">
+            <a:schemeClr val="accent1"/>
+          </a:fillRef>
+          <a:effectRef idx="0">
+            <a:schemeClr val="accent1"/>
+          </a:effectRef>
+          <a:fontRef idx="minor">
+            <a:schemeClr val="lt1"/>
+          </a:fontRef>
+        </p:style>
+        <p:txBody>
+          <a:bodyPr rtlCol="0" anchor="ctr"/>
+          <a:lstStyle/>
+          <a:p>
+            <a:pPr algn="ctr"/>
+            <a:r>
+              <a:rPr lang="ko-KR" altLang="en-US" dirty="0" smtClean="0"/>
+              <a:t>단점</a:t>
+            </a:r>
+            <a:r>
+              <a:rPr lang="en-US" altLang="ko-KR" dirty="0" smtClean="0"/>
+              <a:t>: </a:t>
+            </a:r>
+            <a:r>
+              <a:rPr lang="ko-KR" altLang="en-US" dirty="0" smtClean="0"/>
+              <a:t>코딩 난이도</a:t>
+            </a:r>
+            <a:endParaRPr lang="ko-KR" altLang="en-US" dirty="0"/>
+          </a:p>
+        </p:txBody>
+      </p:sp>
+      <p:sp>
+        <p:nvSpPr>
+          <p:cNvPr id="17" name="TextBox 16"/>
+          <p:cNvSpPr txBox="1"/>
+          <p:nvPr/>
+        </p:nvSpPr>
+        <p:spPr>
+          <a:xfrm>
+            <a:off x="4118919" y="1879873"/>
+            <a:ext cx="3847071" cy="1077218"/>
+          </a:xfrm>
+          <a:prstGeom prst="rect">
+            <a:avLst/>
+          </a:prstGeom>
+          <a:noFill/>
+        </p:spPr>
+        <p:txBody>
+          <a:bodyPr wrap="square" rtlCol="0">
+            <a:spAutoFit/>
+          </a:bodyPr>
+          <a:lstStyle/>
+          <a:p>
+            <a:r>
+              <a:rPr lang="en-US" altLang="ko-KR" sz="1400" dirty="0" smtClean="0">
+                <a:solidFill>
+                  <a:schemeClr val="accent2"/>
+                </a:solidFill>
+              </a:rPr>
+              <a:t>Data </a:t>
+            </a:r>
+            <a:r>
+              <a:rPr lang="ko-KR" altLang="en-US" sz="1400" dirty="0" smtClean="0">
+                <a:solidFill>
+                  <a:schemeClr val="accent2"/>
+                </a:solidFill>
+              </a:rPr>
+              <a:t>를 </a:t>
+            </a:r>
+            <a:r>
+              <a:rPr lang="en-US" altLang="ko-KR" sz="1400" dirty="0" smtClean="0">
+                <a:solidFill>
+                  <a:schemeClr val="accent2"/>
+                </a:solidFill>
+              </a:rPr>
+              <a:t>Cache </a:t>
+            </a:r>
+            <a:r>
+              <a:rPr lang="ko-KR" altLang="en-US" sz="1400" dirty="0" smtClean="0">
+                <a:solidFill>
+                  <a:schemeClr val="accent2"/>
+                </a:solidFill>
+              </a:rPr>
+              <a:t>해서 </a:t>
+            </a:r>
+            <a:endParaRPr lang="en-US" altLang="ko-KR" sz="1400" dirty="0" smtClean="0">
+              <a:solidFill>
+                <a:schemeClr val="accent2"/>
+              </a:solidFill>
+            </a:endParaRPr>
+          </a:p>
+          <a:p>
+            <a:r>
+              <a:rPr lang="ko-KR" altLang="en-US" sz="1400" dirty="0" smtClean="0">
+                <a:solidFill>
+                  <a:schemeClr val="accent2"/>
+                </a:solidFill>
+              </a:rPr>
+              <a:t>시간적으로 매우 빨라짐</a:t>
+            </a:r>
+            <a:r>
+              <a:rPr lang="en-US" altLang="ko-KR" sz="1400" dirty="0" smtClean="0">
+                <a:solidFill>
+                  <a:schemeClr val="accent2"/>
+                </a:solidFill>
+              </a:rPr>
+              <a:t>. </a:t>
+            </a:r>
+          </a:p>
+          <a:p>
+            <a:endParaRPr lang="en-US" altLang="ko-KR" dirty="0"/>
+          </a:p>
+          <a:p>
+            <a:endParaRPr lang="en-US" altLang="ko-KR" dirty="0" smtClean="0"/>
+          </a:p>
+        </p:txBody>
+      </p:sp>
+      <p:sp>
+        <p:nvSpPr>
+          <p:cNvPr id="19" name="TextBox 18"/>
+          <p:cNvSpPr txBox="1"/>
+          <p:nvPr/>
+        </p:nvSpPr>
+        <p:spPr>
+          <a:xfrm>
+            <a:off x="3921211" y="4272912"/>
+            <a:ext cx="2397211" cy="954107"/>
+          </a:xfrm>
+          <a:prstGeom prst="rect">
+            <a:avLst/>
+          </a:prstGeom>
+          <a:noFill/>
+        </p:spPr>
+        <p:txBody>
+          <a:bodyPr wrap="square" rtlCol="0">
+            <a:spAutoFit/>
+          </a:bodyPr>
+          <a:lstStyle/>
+          <a:p>
+            <a:r>
+              <a:rPr lang="en-US" altLang="ko-KR" sz="1400" dirty="0" smtClean="0">
+                <a:solidFill>
+                  <a:schemeClr val="accent2"/>
+                </a:solidFill>
+              </a:rPr>
+              <a:t>Cache </a:t>
+            </a:r>
+            <a:r>
+              <a:rPr lang="ko-KR" altLang="en-US" sz="1400" dirty="0" smtClean="0">
+                <a:solidFill>
+                  <a:schemeClr val="accent2"/>
+                </a:solidFill>
+              </a:rPr>
+              <a:t>한 데이터를 관리 하는데 어려움</a:t>
+            </a:r>
+            <a:r>
+              <a:rPr lang="en-US" altLang="ko-KR" sz="1400" dirty="0" smtClean="0">
+                <a:solidFill>
+                  <a:schemeClr val="accent2"/>
+                </a:solidFill>
+              </a:rPr>
+              <a:t>, </a:t>
+            </a:r>
+          </a:p>
+          <a:p>
+            <a:r>
+              <a:rPr lang="ko-KR" altLang="en-US" sz="1400" dirty="0" smtClean="0">
+                <a:solidFill>
+                  <a:schemeClr val="accent2"/>
+                </a:solidFill>
+              </a:rPr>
+              <a:t>이미 생성되있는 모듈을 쓸 수 없음</a:t>
+            </a:r>
+            <a:endParaRPr lang="ko-KR" altLang="en-US" sz="1400" dirty="0">
+              <a:solidFill>
+                <a:schemeClr val="accent2"/>
+              </a:solidFill>
+            </a:endParaRPr>
+          </a:p>
+        </p:txBody>
+      </p:sp>
+    </p:spTree>
+    <p:extLst>
+      <p:ext uri="{BB962C8B-B14F-4D97-AF65-F5344CB8AC3E}">
+        <p14:creationId xmlns:p14="http://schemas.microsoft.com/office/powerpoint/2010/main" val="3519468777"/>
+      </p:ext>
+    </p:extLst>
+  </p:cSld>
+  <p:clrMapOvr>
+    <a:masterClrMapping/>
+  </p:clrMapOvr>
+</p:sld>
+</file>
+
+<file path=ppt/slides/slide15.xml><?xml version="1.0" encoding="utf-8"?>
+<p:sld xmlns:a="http://schemas.openxmlformats.org/drawingml/2006/main" xmlns:r="http://schemas.openxmlformats.org/officeDocument/2006/relationships" xmlns:p="http://schemas.openxmlformats.org/presentationml/2006/main">
+  <p:cSld>
+    <p:bg>
+      <p:bgPr>
+        <a:gradFill>
+          <a:gsLst>
+            <a:gs pos="0">
+              <a:schemeClr val="accent1">
+                <a:lumMod val="5000"/>
+                <a:lumOff val="95000"/>
+              </a:schemeClr>
+            </a:gs>
+            <a:gs pos="74000">
+              <a:schemeClr val="accent1">
+                <a:lumMod val="45000"/>
+                <a:lumOff val="55000"/>
+              </a:schemeClr>
+            </a:gs>
+            <a:gs pos="83000">
+              <a:schemeClr val="accent1">
+                <a:lumMod val="45000"/>
+                <a:lumOff val="55000"/>
+              </a:schemeClr>
+            </a:gs>
+            <a:gs pos="100000">
+              <a:schemeClr val="accent1">
+                <a:lumMod val="30000"/>
+                <a:lumOff val="70000"/>
+              </a:schemeClr>
+            </a:gs>
+          </a:gsLst>
+          <a:lin ang="5400000" scaled="1"/>
+        </a:gradFill>
+        <a:effectLst/>
+      </p:bgPr>
+    </p:bg>
+    <p:spTree>
+      <p:nvGrpSpPr>
+        <p:cNvPr id="1" name=""/>
+        <p:cNvGrpSpPr/>
+        <p:nvPr/>
+      </p:nvGrpSpPr>
+      <p:grpSpPr>
+        <a:xfrm>
+          <a:off x="0" y="0"/>
+          <a:ext cx="0" cy="0"/>
+          <a:chOff x="0" y="0"/>
+          <a:chExt cx="0" cy="0"/>
+        </a:xfrm>
+      </p:grpSpPr>
+      <p:sp>
+        <p:nvSpPr>
+          <p:cNvPr id="5" name="TextBox 4"/>
+          <p:cNvSpPr txBox="1"/>
+          <p:nvPr/>
+        </p:nvSpPr>
+        <p:spPr>
+          <a:xfrm>
+            <a:off x="6930189" y="4148488"/>
+            <a:ext cx="5977289" cy="1384995"/>
+          </a:xfrm>
+          <a:prstGeom prst="rect">
+            <a:avLst/>
+          </a:prstGeom>
+          <a:noFill/>
+        </p:spPr>
+        <p:txBody>
+          <a:bodyPr wrap="square" rtlCol="0">
+            <a:spAutoFit/>
+          </a:bodyPr>
+          <a:lstStyle/>
+          <a:p>
+            <a:r>
+              <a:rPr lang="en-US" altLang="ko-KR" sz="4800" dirty="0" smtClean="0"/>
+              <a:t>3</a:t>
+            </a:r>
+            <a:r>
+              <a:rPr lang="en-US" altLang="ko-KR" sz="4800" dirty="0" smtClean="0"/>
+              <a:t>)</a:t>
+            </a:r>
+            <a:r>
+              <a:rPr lang="en-US" altLang="ko-KR" sz="4800" dirty="0"/>
+              <a:t> </a:t>
+            </a:r>
+            <a:r>
+              <a:rPr lang="ko-KR" altLang="en-US" sz="4800" dirty="0" smtClean="0"/>
+              <a:t>데이터 분석   </a:t>
+            </a:r>
+            <a:r>
+              <a:rPr lang="en-US" altLang="ko-KR" sz="3600" dirty="0" smtClean="0">
+                <a:solidFill>
+                  <a:schemeClr val="accent2"/>
+                </a:solidFill>
+              </a:rPr>
+              <a:t>Analyze</a:t>
+            </a:r>
+            <a:r>
+              <a:rPr lang="en-US" altLang="ko-KR" sz="3600" dirty="0" smtClean="0">
+                <a:solidFill>
+                  <a:schemeClr val="accent2"/>
+                </a:solidFill>
+              </a:rPr>
+              <a:t> </a:t>
+            </a:r>
+            <a:r>
+              <a:rPr lang="en-US" altLang="ko-KR" sz="3600" dirty="0" smtClean="0">
+                <a:solidFill>
+                  <a:schemeClr val="accent2"/>
+                </a:solidFill>
+              </a:rPr>
+              <a:t>Data</a:t>
+            </a:r>
+            <a:endParaRPr lang="ko-KR" altLang="en-US" sz="3600" dirty="0">
+              <a:solidFill>
+                <a:schemeClr val="accent2"/>
+              </a:solidFill>
+            </a:endParaRPr>
+          </a:p>
+        </p:txBody>
+      </p:sp>
+    </p:spTree>
+    <p:extLst>
+      <p:ext uri="{BB962C8B-B14F-4D97-AF65-F5344CB8AC3E}">
+        <p14:creationId xmlns:p14="http://schemas.microsoft.com/office/powerpoint/2010/main" val="2840912303"/>
+      </p:ext>
+    </p:extLst>
+  </p:cSld>
+  <p:clrMapOvr>
+    <a:masterClrMapping/>
+  </p:clrMapOvr>
+</p:sld>
+</file>
+
+<file path=ppt/slides/slide16.xml><?xml version="1.0" encoding="utf-8"?>
+<p:sld xmlns:a="http://schemas.openxmlformats.org/drawingml/2006/main" xmlns:r="http://schemas.openxmlformats.org/officeDocument/2006/relationships" xmlns:p="http://schemas.openxmlformats.org/presentationml/2006/main">
+  <p:cSld>
+    <p:spTree>
+      <p:nvGrpSpPr>
+        <p:cNvPr id="1" name=""/>
+        <p:cNvGrpSpPr/>
+        <p:nvPr/>
+      </p:nvGrpSpPr>
+      <p:grpSpPr>
+        <a:xfrm>
+          <a:off x="0" y="0"/>
+          <a:ext cx="0" cy="0"/>
+          <a:chOff x="0" y="0"/>
+          <a:chExt cx="0" cy="0"/>
+        </a:xfrm>
+      </p:grpSpPr>
+      <p:sp>
+        <p:nvSpPr>
+          <p:cNvPr id="4" name="TextBox 3"/>
+          <p:cNvSpPr txBox="1"/>
+          <p:nvPr/>
+        </p:nvSpPr>
+        <p:spPr>
+          <a:xfrm>
+            <a:off x="548643" y="384803"/>
+            <a:ext cx="4697128" cy="523220"/>
+          </a:xfrm>
+          <a:prstGeom prst="rect">
+            <a:avLst/>
+          </a:prstGeom>
+          <a:noFill/>
+        </p:spPr>
+        <p:txBody>
+          <a:bodyPr wrap="square" rtlCol="0">
+            <a:spAutoFit/>
+          </a:bodyPr>
+          <a:lstStyle/>
+          <a:p>
+            <a:r>
+              <a:rPr lang="en-US" altLang="ko-KR" sz="2800" dirty="0"/>
+              <a:t>3</a:t>
+            </a:r>
+            <a:r>
+              <a:rPr lang="en-US" altLang="ko-KR" sz="2800" dirty="0" smtClean="0"/>
+              <a:t>) </a:t>
+            </a:r>
+            <a:r>
+              <a:rPr lang="ko-KR" altLang="en-US" sz="2800" dirty="0" smtClean="0"/>
+              <a:t>데이터 분석</a:t>
+            </a:r>
+            <a:endParaRPr lang="ko-KR" altLang="en-US" sz="2800" dirty="0"/>
+          </a:p>
+        </p:txBody>
+      </p:sp>
+      <p:sp>
+        <p:nvSpPr>
+          <p:cNvPr id="5" name="TextBox 4"/>
+          <p:cNvSpPr txBox="1"/>
+          <p:nvPr/>
+        </p:nvSpPr>
+        <p:spPr>
+          <a:xfrm>
+            <a:off x="659027" y="1375719"/>
+            <a:ext cx="3328087" cy="3970318"/>
+          </a:xfrm>
+          <a:prstGeom prst="rect">
+            <a:avLst/>
+          </a:prstGeom>
+          <a:noFill/>
+        </p:spPr>
+        <p:txBody>
+          <a:bodyPr wrap="square" rtlCol="0">
+            <a:spAutoFit/>
+          </a:bodyPr>
+          <a:lstStyle/>
+          <a:p>
+            <a:pPr marL="342900" indent="-342900">
+              <a:buAutoNum type="arabicPeriod"/>
+            </a:pPr>
+            <a:r>
+              <a:rPr lang="en-US" altLang="ko-KR" dirty="0" smtClean="0">
+                <a:solidFill>
+                  <a:schemeClr val="accent2"/>
+                </a:solidFill>
+              </a:rPr>
+              <a:t>Singular Value Decomposition</a:t>
+            </a:r>
+          </a:p>
+          <a:p>
+            <a:pPr marL="342900" indent="-342900">
+              <a:buAutoNum type="arabicPeriod"/>
+            </a:pPr>
+            <a:endParaRPr lang="en-US" altLang="ko-KR" dirty="0" smtClean="0"/>
+          </a:p>
+          <a:p>
+            <a:pPr marL="342900" indent="-342900">
+              <a:buAutoNum type="arabicPeriod"/>
+            </a:pPr>
+            <a:endParaRPr lang="en-US" altLang="ko-KR" dirty="0"/>
+          </a:p>
+          <a:p>
+            <a:pPr marL="342900" indent="-342900">
+              <a:buAutoNum type="arabicPeriod"/>
+            </a:pPr>
+            <a:endParaRPr lang="en-US" altLang="ko-KR" dirty="0" smtClean="0"/>
+          </a:p>
+          <a:p>
+            <a:pPr marL="342900" indent="-342900">
+              <a:buAutoNum type="arabicPeriod"/>
+            </a:pPr>
+            <a:endParaRPr lang="en-US" altLang="ko-KR" dirty="0"/>
+          </a:p>
+          <a:p>
+            <a:pPr marL="342900" indent="-342900">
+              <a:buAutoNum type="arabicPeriod"/>
+            </a:pPr>
+            <a:endParaRPr lang="en-US" altLang="ko-KR" dirty="0" smtClean="0"/>
+          </a:p>
+          <a:p>
+            <a:pPr marL="342900" indent="-342900">
+              <a:buAutoNum type="arabicPeriod"/>
+            </a:pPr>
+            <a:endParaRPr lang="en-US" altLang="ko-KR" dirty="0"/>
+          </a:p>
+          <a:p>
+            <a:endParaRPr lang="en-US" altLang="ko-KR" dirty="0" smtClean="0"/>
+          </a:p>
+          <a:p>
+            <a:pPr marL="342900" indent="-342900">
+              <a:buAutoNum type="arabicPeriod"/>
+            </a:pPr>
+            <a:endParaRPr lang="en-US" altLang="ko-KR" dirty="0"/>
+          </a:p>
+          <a:p>
+            <a:endParaRPr lang="en-US" altLang="ko-KR" dirty="0"/>
+          </a:p>
+          <a:p>
+            <a:r>
+              <a:rPr lang="en-US" altLang="ko-KR" dirty="0" smtClean="0">
+                <a:solidFill>
+                  <a:schemeClr val="accent2"/>
+                </a:solidFill>
+              </a:rPr>
+              <a:t>2. User – Effects</a:t>
+            </a:r>
+          </a:p>
+          <a:p>
+            <a:r>
+              <a:rPr lang="en-US" altLang="ko-KR" dirty="0">
+                <a:solidFill>
+                  <a:schemeClr val="accent2"/>
+                </a:solidFill>
+              </a:rPr>
+              <a:t> </a:t>
+            </a:r>
+            <a:r>
+              <a:rPr lang="en-US" altLang="ko-KR" dirty="0" smtClean="0">
+                <a:solidFill>
+                  <a:schemeClr val="accent2"/>
+                </a:solidFill>
+              </a:rPr>
+              <a:t>  Global – Effects</a:t>
+            </a:r>
+          </a:p>
+          <a:p>
+            <a:r>
+              <a:rPr lang="en-US" altLang="ko-KR" dirty="0" smtClean="0">
+                <a:solidFill>
+                  <a:schemeClr val="accent2"/>
+                </a:solidFill>
+              </a:rPr>
+              <a:t>   Movie - Effects</a:t>
+            </a:r>
+            <a:endParaRPr lang="ko-KR" altLang="en-US" dirty="0">
+              <a:solidFill>
+                <a:schemeClr val="accent2"/>
+              </a:solidFill>
+            </a:endParaRPr>
+          </a:p>
+        </p:txBody>
+      </p:sp>
+      <p:cxnSp>
+        <p:nvCxnSpPr>
+          <p:cNvPr id="7" name="Straight Arrow Connector 6"/>
+          <p:cNvCxnSpPr/>
+          <p:nvPr/>
+        </p:nvCxnSpPr>
+        <p:spPr>
+          <a:xfrm>
+            <a:off x="3048000" y="1762897"/>
+            <a:ext cx="3591697" cy="8238"/>
+          </a:xfrm>
+          <a:prstGeom prst="straightConnector1">
+            <a:avLst/>
+          </a:prstGeom>
+          <a:ln>
+            <a:tailEnd type="triangle"/>
+          </a:ln>
+        </p:spPr>
+        <p:style>
+          <a:lnRef idx="1">
+            <a:schemeClr val="accent1"/>
+          </a:lnRef>
+          <a:fillRef idx="0">
+            <a:schemeClr val="accent1"/>
+          </a:fillRef>
+          <a:effectRef idx="0">
+            <a:schemeClr val="accent1"/>
+          </a:effectRef>
+          <a:fontRef idx="minor">
+            <a:schemeClr val="tx1"/>
+          </a:fontRef>
+        </p:style>
+      </p:cxnSp>
+      <p:sp>
+        <p:nvSpPr>
+          <p:cNvPr id="8" name="TextBox 7"/>
+          <p:cNvSpPr txBox="1"/>
+          <p:nvPr/>
+        </p:nvSpPr>
+        <p:spPr>
+          <a:xfrm>
+            <a:off x="7455243" y="1586469"/>
+            <a:ext cx="3674076" cy="369332"/>
+          </a:xfrm>
+          <a:prstGeom prst="rect">
+            <a:avLst/>
+          </a:prstGeom>
+          <a:noFill/>
+        </p:spPr>
+        <p:txBody>
+          <a:bodyPr wrap="square" rtlCol="0">
+            <a:spAutoFit/>
+          </a:bodyPr>
+          <a:lstStyle/>
+          <a:p>
+            <a:r>
+              <a:rPr lang="ko-KR" altLang="en-US" dirty="0" smtClean="0"/>
+              <a:t>전체적인 </a:t>
+            </a:r>
+            <a:r>
+              <a:rPr lang="en-US" altLang="ko-KR" dirty="0" smtClean="0"/>
+              <a:t>Dataset </a:t>
+            </a:r>
+            <a:r>
+              <a:rPr lang="ko-KR" altLang="en-US" dirty="0" smtClean="0"/>
+              <a:t>를 통째로 비교</a:t>
+            </a:r>
+            <a:r>
+              <a:rPr lang="en-US" altLang="ko-KR" dirty="0" smtClean="0"/>
+              <a:t>. </a:t>
+            </a:r>
+            <a:endParaRPr lang="ko-KR" altLang="en-US" dirty="0"/>
+          </a:p>
+        </p:txBody>
+      </p:sp>
+      <p:cxnSp>
+        <p:nvCxnSpPr>
+          <p:cNvPr id="9" name="Straight Arrow Connector 8"/>
+          <p:cNvCxnSpPr/>
+          <p:nvPr/>
+        </p:nvCxnSpPr>
+        <p:spPr>
+          <a:xfrm>
+            <a:off x="3047999" y="5062151"/>
+            <a:ext cx="3591697" cy="8238"/>
+          </a:xfrm>
+          <a:prstGeom prst="straightConnector1">
+            <a:avLst/>
+          </a:prstGeom>
+          <a:ln>
+            <a:tailEnd type="triangle"/>
+          </a:ln>
+        </p:spPr>
+        <p:style>
+          <a:lnRef idx="1">
+            <a:schemeClr val="accent1"/>
+          </a:lnRef>
+          <a:fillRef idx="0">
+            <a:schemeClr val="accent1"/>
+          </a:fillRef>
+          <a:effectRef idx="0">
+            <a:schemeClr val="accent1"/>
+          </a:effectRef>
+          <a:fontRef idx="minor">
+            <a:schemeClr val="tx1"/>
+          </a:fontRef>
+        </p:style>
+      </p:cxnSp>
+      <p:sp>
+        <p:nvSpPr>
+          <p:cNvPr id="10" name="TextBox 9"/>
+          <p:cNvSpPr txBox="1"/>
+          <p:nvPr/>
+        </p:nvSpPr>
+        <p:spPr>
+          <a:xfrm>
+            <a:off x="7455243" y="4699706"/>
+            <a:ext cx="3937686" cy="646331"/>
+          </a:xfrm>
+          <a:prstGeom prst="rect">
+            <a:avLst/>
+          </a:prstGeom>
+          <a:noFill/>
+        </p:spPr>
+        <p:txBody>
+          <a:bodyPr wrap="square" rtlCol="0">
+            <a:spAutoFit/>
+          </a:bodyPr>
+          <a:lstStyle/>
+          <a:p>
+            <a:r>
+              <a:rPr lang="en-US" altLang="ko-KR" dirty="0" smtClean="0"/>
+              <a:t>User, Movie, Global Effect </a:t>
+            </a:r>
+            <a:r>
+              <a:rPr lang="ko-KR" altLang="en-US" dirty="0" smtClean="0"/>
+              <a:t>별로</a:t>
+            </a:r>
+            <a:endParaRPr lang="en-US" altLang="ko-KR" dirty="0" smtClean="0"/>
+          </a:p>
+          <a:p>
+            <a:r>
+              <a:rPr lang="ko-KR" altLang="en-US" dirty="0" smtClean="0"/>
+              <a:t>분석</a:t>
+            </a:r>
+            <a:r>
+              <a:rPr lang="en-US" altLang="ko-KR" dirty="0" smtClean="0"/>
+              <a:t>, </a:t>
+            </a:r>
+            <a:r>
+              <a:rPr lang="ko-KR" altLang="en-US" dirty="0" smtClean="0"/>
+              <a:t>비중을 부여</a:t>
+            </a:r>
+            <a:endParaRPr lang="ko-KR" altLang="en-US" dirty="0"/>
+          </a:p>
+        </p:txBody>
+      </p:sp>
+    </p:spTree>
+    <p:extLst>
+      <p:ext uri="{BB962C8B-B14F-4D97-AF65-F5344CB8AC3E}">
+        <p14:creationId xmlns:p14="http://schemas.microsoft.com/office/powerpoint/2010/main" val="4207512812"/>
+      </p:ext>
+    </p:extLst>
+  </p:cSld>
+  <p:clrMapOvr>
+    <a:masterClrMapping/>
+  </p:clrMapOvr>
+</p:sld>
+</file>
+
+<file path=ppt/slides/slide17.xml><?xml version="1.0" encoding="utf-8"?>
+<p:sld xmlns:a="http://schemas.openxmlformats.org/drawingml/2006/main" xmlns:r="http://schemas.openxmlformats.org/officeDocument/2006/relationships" xmlns:p="http://schemas.openxmlformats.org/presentationml/2006/main">
+  <p:cSld>
+    <p:spTree>
+      <p:nvGrpSpPr>
+        <p:cNvPr id="1" name=""/>
+        <p:cNvGrpSpPr/>
+        <p:nvPr/>
+      </p:nvGrpSpPr>
+      <p:grpSpPr>
+        <a:xfrm>
+          <a:off x="0" y="0"/>
+          <a:ext cx="0" cy="0"/>
+          <a:chOff x="0" y="0"/>
+          <a:chExt cx="0" cy="0"/>
+        </a:xfrm>
+      </p:grpSpPr>
+      <p:sp>
+        <p:nvSpPr>
+          <p:cNvPr id="4" name="TextBox 3"/>
+          <p:cNvSpPr txBox="1"/>
+          <p:nvPr/>
+        </p:nvSpPr>
+        <p:spPr>
+          <a:xfrm>
+            <a:off x="430110" y="492035"/>
+            <a:ext cx="4697128" cy="523220"/>
+          </a:xfrm>
+          <a:prstGeom prst="rect">
+            <a:avLst/>
+          </a:prstGeom>
+          <a:noFill/>
+        </p:spPr>
+        <p:txBody>
+          <a:bodyPr wrap="square" rtlCol="0">
+            <a:spAutoFit/>
+          </a:bodyPr>
+          <a:lstStyle/>
+          <a:p>
+            <a:r>
+              <a:rPr lang="en-US" altLang="ko-KR" sz="2800" dirty="0"/>
+              <a:t>3</a:t>
+            </a:r>
+            <a:r>
+              <a:rPr lang="en-US" altLang="ko-KR" sz="2800" dirty="0" smtClean="0"/>
+              <a:t>) </a:t>
+            </a:r>
+            <a:r>
+              <a:rPr lang="ko-KR" altLang="en-US" sz="2800" dirty="0" smtClean="0"/>
+              <a:t>데이터 분석</a:t>
+            </a:r>
+            <a:endParaRPr lang="ko-KR" altLang="en-US" sz="2800" dirty="0"/>
+          </a:p>
+        </p:txBody>
+      </p:sp>
+      <p:sp>
+        <p:nvSpPr>
+          <p:cNvPr id="2" name="TextBox 1"/>
+          <p:cNvSpPr txBox="1"/>
+          <p:nvPr/>
+        </p:nvSpPr>
+        <p:spPr>
+          <a:xfrm>
+            <a:off x="741405" y="1318054"/>
+            <a:ext cx="3591698" cy="369332"/>
+          </a:xfrm>
+          <a:prstGeom prst="rect">
+            <a:avLst/>
+          </a:prstGeom>
+          <a:noFill/>
+        </p:spPr>
+        <p:txBody>
+          <a:bodyPr wrap="square" rtlCol="0">
+            <a:spAutoFit/>
+          </a:bodyPr>
+          <a:lstStyle/>
+          <a:p>
+            <a:r>
+              <a:rPr lang="en-US" altLang="ko-KR" dirty="0" smtClean="0"/>
+              <a:t>Singular Value Decomposition </a:t>
+            </a:r>
+            <a:endParaRPr lang="ko-KR" altLang="en-US" dirty="0"/>
+          </a:p>
+        </p:txBody>
+      </p:sp>
+      <p:sp>
+        <p:nvSpPr>
+          <p:cNvPr id="3" name="TextBox 2"/>
+          <p:cNvSpPr txBox="1"/>
+          <p:nvPr/>
+        </p:nvSpPr>
+        <p:spPr>
+          <a:xfrm>
+            <a:off x="963827" y="2504303"/>
+            <a:ext cx="3097427" cy="1477328"/>
+          </a:xfrm>
+          <a:prstGeom prst="rect">
+            <a:avLst/>
+          </a:prstGeom>
+          <a:noFill/>
+        </p:spPr>
+        <p:txBody>
+          <a:bodyPr wrap="square" rtlCol="0">
+            <a:spAutoFit/>
+          </a:bodyPr>
+          <a:lstStyle/>
+          <a:p>
+            <a:r>
+              <a:rPr lang="ko-KR" altLang="en-US" dirty="0" smtClean="0"/>
+              <a:t>기본 개념</a:t>
+            </a:r>
+            <a:r>
+              <a:rPr lang="en-US" altLang="ko-KR" dirty="0" smtClean="0"/>
+              <a:t>:</a:t>
+            </a:r>
+          </a:p>
+          <a:p>
+            <a:endParaRPr lang="en-US" altLang="ko-KR" dirty="0"/>
+          </a:p>
+          <a:p>
+            <a:r>
+              <a:rPr lang="ko-KR" altLang="en-US" dirty="0" smtClean="0"/>
+              <a:t>한개의 큰 매트릭스 </a:t>
+            </a:r>
+            <a:r>
+              <a:rPr lang="en-US" altLang="ko-KR" dirty="0" smtClean="0"/>
+              <a:t>2</a:t>
+            </a:r>
+            <a:r>
+              <a:rPr lang="ko-KR" altLang="en-US" dirty="0" smtClean="0"/>
+              <a:t>개의 </a:t>
+            </a:r>
+            <a:endParaRPr lang="en-US" altLang="ko-KR" dirty="0" smtClean="0"/>
+          </a:p>
+          <a:p>
+            <a:r>
+              <a:rPr lang="ko-KR" altLang="en-US" dirty="0" smtClean="0"/>
+              <a:t>작은 매트릭스로 나누는 </a:t>
+            </a:r>
+            <a:endParaRPr lang="en-US" altLang="ko-KR" dirty="0" smtClean="0"/>
+          </a:p>
+          <a:p>
+            <a:r>
+              <a:rPr lang="en-US" altLang="ko-KR" dirty="0" smtClean="0"/>
+              <a:t>Factorization </a:t>
+            </a:r>
+            <a:r>
+              <a:rPr lang="ko-KR" altLang="en-US" dirty="0" smtClean="0"/>
+              <a:t>방법</a:t>
+            </a:r>
+            <a:r>
+              <a:rPr lang="en-US" altLang="ko-KR" dirty="0" smtClean="0"/>
+              <a:t>.</a:t>
+            </a:r>
+            <a:endParaRPr lang="ko-KR" altLang="en-US" dirty="0"/>
+          </a:p>
+        </p:txBody>
+      </p:sp>
+      <p:sp>
+        <p:nvSpPr>
+          <p:cNvPr id="6" name="Rectangle 5"/>
+          <p:cNvSpPr/>
+          <p:nvPr/>
+        </p:nvSpPr>
+        <p:spPr>
+          <a:xfrm>
+            <a:off x="5754129" y="1153298"/>
+            <a:ext cx="5025081" cy="1351005"/>
+          </a:xfrm>
+          <a:prstGeom prst="rect">
+            <a:avLst/>
+          </a:prstGeom>
+        </p:spPr>
+        <p:style>
+          <a:lnRef idx="2">
+            <a:schemeClr val="accent1">
+              <a:shade val="50000"/>
+            </a:schemeClr>
+          </a:lnRef>
+          <a:fillRef idx="1">
+            <a:schemeClr val="accent1"/>
+          </a:fillRef>
+          <a:effectRef idx="0">
+            <a:schemeClr val="accent1"/>
+          </a:effectRef>
+          <a:fontRef idx="minor">
+            <a:schemeClr val="lt1"/>
+          </a:fontRef>
+        </p:style>
+        <p:txBody>
+          <a:bodyPr rtlCol="0" anchor="ctr"/>
+          <a:lstStyle/>
+          <a:p>
+            <a:pPr algn="ctr"/>
+            <a:r>
+              <a:rPr lang="en-US" altLang="ko-KR" dirty="0" smtClean="0"/>
+              <a:t>Matrix A</a:t>
+            </a:r>
+            <a:endParaRPr lang="ko-KR" altLang="en-US" dirty="0"/>
+          </a:p>
+        </p:txBody>
+      </p:sp>
+      <p:sp>
+        <p:nvSpPr>
+          <p:cNvPr id="7" name="Rounded Rectangle 6"/>
+          <p:cNvSpPr/>
+          <p:nvPr/>
+        </p:nvSpPr>
+        <p:spPr>
+          <a:xfrm>
+            <a:off x="4518453" y="3443416"/>
+            <a:ext cx="2471351" cy="1334530"/>
+          </a:xfrm>
+          <a:prstGeom prst="roundRect">
+            <a:avLst/>
+          </a:prstGeom>
+          <a:solidFill>
+            <a:schemeClr val="accent6">
+              <a:lumMod val="60000"/>
+              <a:lumOff val="40000"/>
+            </a:schemeClr>
+          </a:solidFill>
+        </p:spPr>
+        <p:style>
+          <a:lnRef idx="2">
+            <a:schemeClr val="accent1">
+              <a:shade val="50000"/>
+            </a:schemeClr>
+          </a:lnRef>
+          <a:fillRef idx="1">
+            <a:schemeClr val="accent1"/>
+          </a:fillRef>
+          <a:effectRef idx="0">
+            <a:schemeClr val="accent1"/>
+          </a:effectRef>
+          <a:fontRef idx="minor">
+            <a:schemeClr val="lt1"/>
+          </a:fontRef>
+        </p:style>
+        <p:txBody>
+          <a:bodyPr rtlCol="0" anchor="ctr"/>
+          <a:lstStyle/>
+          <a:p>
+            <a:pPr algn="ctr"/>
+            <a:r>
+              <a:rPr lang="en-US" altLang="ko-KR" dirty="0" smtClean="0"/>
+              <a:t>Matrix X</a:t>
+            </a:r>
+            <a:endParaRPr lang="ko-KR" altLang="en-US" dirty="0"/>
+          </a:p>
+        </p:txBody>
+      </p:sp>
+      <p:sp>
+        <p:nvSpPr>
+          <p:cNvPr id="8" name="Rounded Rectangle 7"/>
+          <p:cNvSpPr/>
+          <p:nvPr/>
+        </p:nvSpPr>
+        <p:spPr>
+          <a:xfrm>
+            <a:off x="9543534" y="3443416"/>
+            <a:ext cx="2471351" cy="1334530"/>
+          </a:xfrm>
+          <a:prstGeom prst="roundRect">
+            <a:avLst/>
+          </a:prstGeom>
+          <a:solidFill>
+            <a:schemeClr val="accent6">
+              <a:lumMod val="60000"/>
+              <a:lumOff val="40000"/>
+            </a:schemeClr>
+          </a:solidFill>
+        </p:spPr>
+        <p:style>
+          <a:lnRef idx="2">
+            <a:schemeClr val="accent1">
+              <a:shade val="50000"/>
+            </a:schemeClr>
+          </a:lnRef>
+          <a:fillRef idx="1">
+            <a:schemeClr val="accent1"/>
+          </a:fillRef>
+          <a:effectRef idx="0">
+            <a:schemeClr val="accent1"/>
+          </a:effectRef>
+          <a:fontRef idx="minor">
+            <a:schemeClr val="lt1"/>
+          </a:fontRef>
+        </p:style>
+        <p:txBody>
+          <a:bodyPr rtlCol="0" anchor="ctr"/>
+          <a:lstStyle/>
+          <a:p>
+            <a:pPr algn="ctr"/>
+            <a:r>
+              <a:rPr lang="en-US" altLang="ko-KR" dirty="0" smtClean="0"/>
+              <a:t>Matrix Y</a:t>
+            </a:r>
+            <a:endParaRPr lang="ko-KR" altLang="en-US" dirty="0"/>
+          </a:p>
+        </p:txBody>
+      </p:sp>
+      <p:cxnSp>
+        <p:nvCxnSpPr>
+          <p:cNvPr id="10" name="Straight Arrow Connector 9"/>
+          <p:cNvCxnSpPr/>
+          <p:nvPr/>
+        </p:nvCxnSpPr>
+        <p:spPr>
+          <a:xfrm flipH="1">
+            <a:off x="5931242" y="2486897"/>
+            <a:ext cx="2335427" cy="856735"/>
+          </a:xfrm>
+          <a:prstGeom prst="straightConnector1">
+            <a:avLst/>
+          </a:prstGeom>
+          <a:ln>
+            <a:solidFill>
+              <a:schemeClr val="tx1">
+                <a:lumMod val="85000"/>
+                <a:lumOff val="15000"/>
+              </a:schemeClr>
+            </a:solidFill>
+            <a:tailEnd type="triangle"/>
+          </a:ln>
+        </p:spPr>
+        <p:style>
+          <a:lnRef idx="1">
+            <a:schemeClr val="accent1"/>
+          </a:lnRef>
+          <a:fillRef idx="0">
+            <a:schemeClr val="accent1"/>
+          </a:fillRef>
+          <a:effectRef idx="0">
+            <a:schemeClr val="accent1"/>
+          </a:effectRef>
+          <a:fontRef idx="minor">
+            <a:schemeClr val="tx1"/>
+          </a:fontRef>
+        </p:style>
+      </p:cxnSp>
+      <p:cxnSp>
+        <p:nvCxnSpPr>
+          <p:cNvPr id="12" name="Straight Arrow Connector 11"/>
+          <p:cNvCxnSpPr/>
+          <p:nvPr/>
+        </p:nvCxnSpPr>
+        <p:spPr>
+          <a:xfrm>
+            <a:off x="8202597" y="2486897"/>
+            <a:ext cx="2512541" cy="897924"/>
+          </a:xfrm>
+          <a:prstGeom prst="straightConnector1">
+            <a:avLst/>
+          </a:prstGeom>
+          <a:ln>
+            <a:solidFill>
+              <a:schemeClr val="tx1"/>
+            </a:solidFill>
+            <a:tailEnd type="triangle"/>
+          </a:ln>
+        </p:spPr>
+        <p:style>
+          <a:lnRef idx="1">
+            <a:schemeClr val="accent1"/>
+          </a:lnRef>
+          <a:fillRef idx="0">
+            <a:schemeClr val="accent1"/>
+          </a:fillRef>
+          <a:effectRef idx="0">
+            <a:schemeClr val="accent1"/>
+          </a:effectRef>
+          <a:fontRef idx="minor">
+            <a:schemeClr val="tx1"/>
+          </a:fontRef>
+        </p:style>
+      </p:cxnSp>
+      <p:sp>
+        <p:nvSpPr>
+          <p:cNvPr id="13" name="TextBox 12"/>
+          <p:cNvSpPr txBox="1"/>
+          <p:nvPr/>
+        </p:nvSpPr>
+        <p:spPr>
+          <a:xfrm>
+            <a:off x="6549082" y="5039696"/>
+            <a:ext cx="4679091" cy="369332"/>
+          </a:xfrm>
+          <a:prstGeom prst="rect">
+            <a:avLst/>
+          </a:prstGeom>
+          <a:noFill/>
+        </p:spPr>
+        <p:txBody>
+          <a:bodyPr wrap="square" rtlCol="0">
+            <a:spAutoFit/>
+          </a:bodyPr>
+          <a:lstStyle/>
+          <a:p>
+            <a:r>
+              <a:rPr lang="en-US" altLang="ko-KR" dirty="0" smtClean="0"/>
+              <a:t>Matrix A = Matrix X * Matrix Y </a:t>
+            </a:r>
+            <a:r>
+              <a:rPr lang="en-US" altLang="ko-KR" baseline="30000" dirty="0"/>
+              <a:t>T</a:t>
+            </a:r>
+            <a:endParaRPr lang="ko-KR" altLang="en-US" dirty="0"/>
+          </a:p>
+        </p:txBody>
+      </p:sp>
+    </p:spTree>
+    <p:extLst>
+      <p:ext uri="{BB962C8B-B14F-4D97-AF65-F5344CB8AC3E}">
+        <p14:creationId xmlns:p14="http://schemas.microsoft.com/office/powerpoint/2010/main" val="3393081963"/>
+      </p:ext>
+    </p:extLst>
+  </p:cSld>
+  <p:clrMapOvr>
+    <a:masterClrMapping/>
+  </p:clrMapOvr>
+</p:sld>
+</file>
+
+<file path=ppt/slides/slide18.xml><?xml version="1.0" encoding="utf-8"?>
+<p:sld xmlns:a="http://schemas.openxmlformats.org/drawingml/2006/main" xmlns:r="http://schemas.openxmlformats.org/officeDocument/2006/relationships" xmlns:p="http://schemas.openxmlformats.org/presentationml/2006/main">
+  <p:cSld>
+    <p:spTree>
+      <p:nvGrpSpPr>
+        <p:cNvPr id="1" name=""/>
+        <p:cNvGrpSpPr/>
+        <p:nvPr/>
+      </p:nvGrpSpPr>
+      <p:grpSpPr>
+        <a:xfrm>
+          <a:off x="0" y="0"/>
+          <a:ext cx="0" cy="0"/>
+          <a:chOff x="0" y="0"/>
+          <a:chExt cx="0" cy="0"/>
+        </a:xfrm>
+      </p:grpSpPr>
+      <p:sp>
+        <p:nvSpPr>
+          <p:cNvPr id="4" name="TextBox 3"/>
+          <p:cNvSpPr txBox="1"/>
+          <p:nvPr/>
+        </p:nvSpPr>
+        <p:spPr>
+          <a:xfrm>
+            <a:off x="548643" y="384803"/>
+            <a:ext cx="4697128" cy="523220"/>
+          </a:xfrm>
+          <a:prstGeom prst="rect">
+            <a:avLst/>
+          </a:prstGeom>
+          <a:noFill/>
+        </p:spPr>
+        <p:txBody>
+          <a:bodyPr wrap="square" rtlCol="0">
+            <a:spAutoFit/>
+          </a:bodyPr>
+          <a:lstStyle/>
+          <a:p>
+            <a:r>
+              <a:rPr lang="en-US" altLang="ko-KR" sz="2800" dirty="0"/>
+              <a:t>3</a:t>
+            </a:r>
+            <a:r>
+              <a:rPr lang="en-US" altLang="ko-KR" sz="2800" dirty="0" smtClean="0"/>
+              <a:t>) </a:t>
+            </a:r>
+            <a:r>
+              <a:rPr lang="ko-KR" altLang="en-US" sz="2800" dirty="0" smtClean="0"/>
+              <a:t>데이터 분석</a:t>
+            </a:r>
+            <a:endParaRPr lang="ko-KR" altLang="en-US" sz="2800" dirty="0"/>
+          </a:p>
+        </p:txBody>
+      </p:sp>
+      <p:sp>
+        <p:nvSpPr>
+          <p:cNvPr id="11" name="TextBox 10"/>
+          <p:cNvSpPr txBox="1"/>
+          <p:nvPr/>
+        </p:nvSpPr>
+        <p:spPr>
+          <a:xfrm>
+            <a:off x="548643" y="1148892"/>
+            <a:ext cx="3303690" cy="369332"/>
+          </a:xfrm>
+          <a:prstGeom prst="rect">
+            <a:avLst/>
+          </a:prstGeom>
+          <a:noFill/>
+        </p:spPr>
+        <p:txBody>
+          <a:bodyPr wrap="square" rtlCol="0">
+            <a:spAutoFit/>
+          </a:bodyPr>
+          <a:lstStyle/>
+          <a:p>
+            <a:r>
+              <a:rPr lang="ko-KR" altLang="en-US" dirty="0" smtClean="0">
+                <a:solidFill>
+                  <a:schemeClr val="accent2"/>
+                </a:solidFill>
+              </a:rPr>
+              <a:t>프로젝트에서 </a:t>
+            </a:r>
+            <a:r>
+              <a:rPr lang="en-US" altLang="ko-KR" dirty="0" smtClean="0">
+                <a:solidFill>
+                  <a:schemeClr val="accent2"/>
+                </a:solidFill>
+              </a:rPr>
+              <a:t>SVD </a:t>
+            </a:r>
+            <a:r>
+              <a:rPr lang="ko-KR" altLang="en-US" dirty="0" smtClean="0">
+                <a:solidFill>
+                  <a:schemeClr val="accent2"/>
+                </a:solidFill>
+              </a:rPr>
+              <a:t>사용 방법</a:t>
+            </a:r>
+            <a:endParaRPr lang="ko-KR" altLang="en-US" dirty="0">
+              <a:solidFill>
+                <a:schemeClr val="accent2"/>
+              </a:solidFill>
+            </a:endParaRPr>
+          </a:p>
+        </p:txBody>
+      </p:sp>
+      <p:sp>
+        <p:nvSpPr>
+          <p:cNvPr id="12" name="Rounded Rectangle 11"/>
+          <p:cNvSpPr/>
+          <p:nvPr/>
+        </p:nvSpPr>
+        <p:spPr>
+          <a:xfrm>
+            <a:off x="618067" y="1930400"/>
+            <a:ext cx="1684866" cy="541867"/>
+          </a:xfrm>
+          <a:prstGeom prst="roundRect">
+            <a:avLst/>
+          </a:prstGeom>
+        </p:spPr>
+        <p:style>
+          <a:lnRef idx="2">
+            <a:schemeClr val="accent1">
+              <a:shade val="50000"/>
+            </a:schemeClr>
+          </a:lnRef>
+          <a:fillRef idx="1">
+            <a:schemeClr val="accent1"/>
+          </a:fillRef>
+          <a:effectRef idx="0">
+            <a:schemeClr val="accent1"/>
+          </a:effectRef>
+          <a:fontRef idx="minor">
+            <a:schemeClr val="lt1"/>
+          </a:fontRef>
+        </p:style>
+        <p:txBody>
+          <a:bodyPr rtlCol="0" anchor="ctr"/>
+          <a:lstStyle/>
+          <a:p>
+            <a:pPr algn="ctr"/>
+            <a:r>
+              <a:rPr lang="en-US" altLang="ko-KR" dirty="0" smtClean="0"/>
+              <a:t>Matrix X</a:t>
+            </a:r>
+            <a:endParaRPr lang="ko-KR" altLang="en-US" dirty="0"/>
+          </a:p>
+        </p:txBody>
+      </p:sp>
+      <p:sp>
+        <p:nvSpPr>
+          <p:cNvPr id="13" name="Rounded Rectangle 12"/>
+          <p:cNvSpPr/>
+          <p:nvPr/>
+        </p:nvSpPr>
+        <p:spPr>
+          <a:xfrm>
+            <a:off x="4886874" y="1930400"/>
+            <a:ext cx="1684866" cy="541867"/>
+          </a:xfrm>
+          <a:prstGeom prst="roundRect">
+            <a:avLst/>
+          </a:prstGeom>
+        </p:spPr>
+        <p:style>
+          <a:lnRef idx="2">
+            <a:schemeClr val="accent1">
+              <a:shade val="50000"/>
+            </a:schemeClr>
+          </a:lnRef>
+          <a:fillRef idx="1">
+            <a:schemeClr val="accent1"/>
+          </a:fillRef>
+          <a:effectRef idx="0">
+            <a:schemeClr val="accent1"/>
+          </a:effectRef>
+          <a:fontRef idx="minor">
+            <a:schemeClr val="lt1"/>
+          </a:fontRef>
+        </p:style>
+        <p:txBody>
+          <a:bodyPr rtlCol="0" anchor="ctr"/>
+          <a:lstStyle/>
+          <a:p>
+            <a:pPr algn="ctr"/>
+            <a:r>
+              <a:rPr lang="en-US" altLang="ko-KR" dirty="0" smtClean="0"/>
+              <a:t>Matrix Y</a:t>
+            </a:r>
+            <a:endParaRPr lang="ko-KR" altLang="en-US" dirty="0"/>
+          </a:p>
+        </p:txBody>
+      </p:sp>
+      <p:cxnSp>
+        <p:nvCxnSpPr>
+          <p:cNvPr id="15" name="Straight Arrow Connector 14"/>
+          <p:cNvCxnSpPr/>
+          <p:nvPr/>
+        </p:nvCxnSpPr>
+        <p:spPr>
+          <a:xfrm flipH="1" flipV="1">
+            <a:off x="1452033" y="2556933"/>
+            <a:ext cx="8467" cy="1490134"/>
+          </a:xfrm>
+          <a:prstGeom prst="straightConnector1">
+            <a:avLst/>
+          </a:prstGeom>
+          <a:ln>
+            <a:tailEnd type="triangle"/>
+          </a:ln>
+        </p:spPr>
+        <p:style>
+          <a:lnRef idx="1">
+            <a:schemeClr val="accent1"/>
+          </a:lnRef>
+          <a:fillRef idx="0">
+            <a:schemeClr val="accent1"/>
+          </a:fillRef>
+          <a:effectRef idx="0">
+            <a:schemeClr val="accent1"/>
+          </a:effectRef>
+          <a:fontRef idx="minor">
+            <a:schemeClr val="tx1"/>
+          </a:fontRef>
+        </p:style>
+      </p:cxnSp>
+      <p:sp>
+        <p:nvSpPr>
+          <p:cNvPr id="17" name="TextBox 16"/>
+          <p:cNvSpPr txBox="1"/>
+          <p:nvPr/>
+        </p:nvSpPr>
+        <p:spPr>
+          <a:xfrm>
+            <a:off x="347133" y="4241800"/>
+            <a:ext cx="3327400" cy="1754326"/>
+          </a:xfrm>
+          <a:prstGeom prst="rect">
+            <a:avLst/>
+          </a:prstGeom>
+          <a:noFill/>
+        </p:spPr>
+        <p:txBody>
+          <a:bodyPr wrap="square" rtlCol="0">
+            <a:spAutoFit/>
+          </a:bodyPr>
+          <a:lstStyle/>
+          <a:p>
+            <a:r>
+              <a:rPr lang="ko-KR" altLang="en-US" dirty="0" smtClean="0"/>
+              <a:t>각 영화에 대한 </a:t>
+            </a:r>
+            <a:r>
+              <a:rPr lang="en-US" altLang="ko-KR" dirty="0" smtClean="0"/>
+              <a:t>Aspect Vector </a:t>
+            </a:r>
+            <a:r>
+              <a:rPr lang="ko-KR" altLang="en-US" dirty="0" smtClean="0"/>
+              <a:t>구축</a:t>
+            </a:r>
+            <a:r>
+              <a:rPr lang="en-US" altLang="ko-KR" dirty="0" smtClean="0"/>
+              <a:t>. </a:t>
+            </a:r>
+          </a:p>
+          <a:p>
+            <a:endParaRPr lang="en-US" altLang="ko-KR" dirty="0"/>
+          </a:p>
+          <a:p>
+            <a:r>
+              <a:rPr lang="en-US" altLang="ko-KR" dirty="0" smtClean="0"/>
+              <a:t>IF Aspect = 40</a:t>
+            </a:r>
+          </a:p>
+          <a:p>
+            <a:endParaRPr lang="en-US" altLang="ko-KR" dirty="0"/>
+          </a:p>
+          <a:p>
+            <a:r>
+              <a:rPr lang="en-US" altLang="ko-KR" dirty="0" smtClean="0"/>
+              <a:t>Matrix X = # of Movies * 40</a:t>
+            </a:r>
+          </a:p>
+        </p:txBody>
+      </p:sp>
+      <p:cxnSp>
+        <p:nvCxnSpPr>
+          <p:cNvPr id="20" name="Straight Arrow Connector 19"/>
+          <p:cNvCxnSpPr/>
+          <p:nvPr/>
+        </p:nvCxnSpPr>
+        <p:spPr>
+          <a:xfrm flipH="1" flipV="1">
+            <a:off x="5729307" y="2556933"/>
+            <a:ext cx="8467" cy="1490134"/>
+          </a:xfrm>
+          <a:prstGeom prst="straightConnector1">
+            <a:avLst/>
+          </a:prstGeom>
+          <a:ln>
+            <a:tailEnd type="triangle"/>
+          </a:ln>
+        </p:spPr>
+        <p:style>
+          <a:lnRef idx="1">
+            <a:schemeClr val="accent1"/>
+          </a:lnRef>
+          <a:fillRef idx="0">
+            <a:schemeClr val="accent1"/>
+          </a:fillRef>
+          <a:effectRef idx="0">
+            <a:schemeClr val="accent1"/>
+          </a:effectRef>
+          <a:fontRef idx="minor">
+            <a:schemeClr val="tx1"/>
+          </a:fontRef>
+        </p:style>
+      </p:cxnSp>
+      <p:sp>
+        <p:nvSpPr>
+          <p:cNvPr id="21" name="TextBox 20"/>
+          <p:cNvSpPr txBox="1"/>
+          <p:nvPr/>
+        </p:nvSpPr>
+        <p:spPr>
+          <a:xfrm>
+            <a:off x="4690533" y="4241800"/>
+            <a:ext cx="3081867" cy="1754326"/>
+          </a:xfrm>
+          <a:prstGeom prst="rect">
+            <a:avLst/>
+          </a:prstGeom>
+          <a:noFill/>
+        </p:spPr>
+        <p:txBody>
+          <a:bodyPr wrap="square" rtlCol="0">
+            <a:spAutoFit/>
+          </a:bodyPr>
+          <a:lstStyle/>
+          <a:p>
+            <a:r>
+              <a:rPr lang="ko-KR" altLang="en-US" dirty="0" smtClean="0"/>
+              <a:t>각 유저에 대한 </a:t>
+            </a:r>
+            <a:r>
+              <a:rPr lang="en-US" altLang="ko-KR" dirty="0" smtClean="0"/>
+              <a:t>Aspect Vector </a:t>
+            </a:r>
+            <a:r>
+              <a:rPr lang="ko-KR" altLang="en-US" dirty="0" smtClean="0"/>
+              <a:t>구축</a:t>
+            </a:r>
+            <a:r>
+              <a:rPr lang="en-US" altLang="ko-KR" dirty="0" smtClean="0"/>
+              <a:t>. </a:t>
+            </a:r>
+          </a:p>
+          <a:p>
+            <a:endParaRPr lang="en-US" altLang="ko-KR" dirty="0"/>
+          </a:p>
+          <a:p>
+            <a:r>
+              <a:rPr lang="en-US" altLang="ko-KR" dirty="0" smtClean="0"/>
+              <a:t>IF Aspect = 40</a:t>
+            </a:r>
+          </a:p>
+          <a:p>
+            <a:endParaRPr lang="en-US" altLang="ko-KR" dirty="0"/>
+          </a:p>
+          <a:p>
+            <a:r>
+              <a:rPr lang="en-US" altLang="ko-KR" dirty="0" smtClean="0"/>
+              <a:t>Matrix Y = # of Users * 40</a:t>
+            </a:r>
+            <a:endParaRPr lang="ko-KR" altLang="en-US" dirty="0"/>
+          </a:p>
+        </p:txBody>
+      </p:sp>
+      <p:sp>
+        <p:nvSpPr>
+          <p:cNvPr id="22" name="TextBox 21"/>
+          <p:cNvSpPr txBox="1"/>
+          <p:nvPr/>
+        </p:nvSpPr>
+        <p:spPr>
+          <a:xfrm>
+            <a:off x="8153400" y="2472267"/>
+            <a:ext cx="4038600" cy="3754874"/>
+          </a:xfrm>
+          <a:prstGeom prst="rect">
+            <a:avLst/>
+          </a:prstGeom>
+          <a:noFill/>
+        </p:spPr>
+        <p:txBody>
+          <a:bodyPr wrap="square" rtlCol="0">
+            <a:spAutoFit/>
+          </a:bodyPr>
+          <a:lstStyle/>
+          <a:p>
+            <a:r>
+              <a:rPr lang="en-US" altLang="ko-KR" sz="1400" dirty="0" smtClean="0">
+                <a:solidFill>
+                  <a:srgbClr val="FF0000"/>
+                </a:solidFill>
+              </a:rPr>
+              <a:t>Matrix X </a:t>
+            </a:r>
+            <a:r>
+              <a:rPr lang="ko-KR" altLang="en-US" sz="1400" dirty="0" smtClean="0">
+                <a:solidFill>
+                  <a:srgbClr val="FF0000"/>
+                </a:solidFill>
+              </a:rPr>
+              <a:t>에서 영화 </a:t>
+            </a:r>
+            <a:r>
+              <a:rPr lang="en-US" altLang="ko-KR" sz="1400" dirty="0" smtClean="0">
+                <a:solidFill>
+                  <a:srgbClr val="FF0000"/>
+                </a:solidFill>
+              </a:rPr>
+              <a:t>1 </a:t>
+            </a:r>
+            <a:r>
+              <a:rPr lang="ko-KR" altLang="en-US" sz="1400" dirty="0" smtClean="0">
+                <a:solidFill>
+                  <a:srgbClr val="FF0000"/>
+                </a:solidFill>
+              </a:rPr>
+              <a:t>의 </a:t>
+            </a:r>
+            <a:r>
+              <a:rPr lang="en-US" altLang="ko-KR" sz="1400" dirty="0" smtClean="0">
+                <a:solidFill>
+                  <a:srgbClr val="FF0000"/>
+                </a:solidFill>
+              </a:rPr>
+              <a:t>Aspect Vector</a:t>
+            </a:r>
+          </a:p>
+          <a:p>
+            <a:endParaRPr lang="en-US" altLang="ko-KR" sz="1400" dirty="0">
+              <a:solidFill>
+                <a:srgbClr val="FF0000"/>
+              </a:solidFill>
+            </a:endParaRPr>
+          </a:p>
+          <a:p>
+            <a:r>
+              <a:rPr lang="en-US" altLang="ko-KR" sz="1400" dirty="0" smtClean="0">
+                <a:solidFill>
+                  <a:srgbClr val="FF0000"/>
+                </a:solidFill>
+              </a:rPr>
+              <a:t>[Feature 1, Feature 2, . . . , Feature N]</a:t>
+            </a:r>
+          </a:p>
+          <a:p>
+            <a:endParaRPr lang="en-US" altLang="ko-KR" sz="1400" dirty="0" smtClean="0">
+              <a:solidFill>
+                <a:srgbClr val="FF0000"/>
+              </a:solidFill>
+            </a:endParaRPr>
+          </a:p>
+          <a:p>
+            <a:endParaRPr lang="en-US" altLang="ko-KR" sz="1400" dirty="0">
+              <a:solidFill>
+                <a:srgbClr val="FF0000"/>
+              </a:solidFill>
+            </a:endParaRPr>
+          </a:p>
+          <a:p>
+            <a:r>
+              <a:rPr lang="en-US" altLang="ko-KR" sz="1400" dirty="0" smtClean="0">
+                <a:solidFill>
+                  <a:srgbClr val="FF0000"/>
+                </a:solidFill>
+              </a:rPr>
+              <a:t>Matrix Y </a:t>
+            </a:r>
+            <a:r>
+              <a:rPr lang="ko-KR" altLang="en-US" sz="1400" dirty="0" smtClean="0">
+                <a:solidFill>
+                  <a:srgbClr val="FF0000"/>
+                </a:solidFill>
+              </a:rPr>
+              <a:t>에서 영화 </a:t>
+            </a:r>
+            <a:r>
+              <a:rPr lang="en-US" altLang="ko-KR" sz="1400" dirty="0" smtClean="0">
+                <a:solidFill>
+                  <a:srgbClr val="FF0000"/>
+                </a:solidFill>
+              </a:rPr>
+              <a:t>2 </a:t>
+            </a:r>
+            <a:r>
+              <a:rPr lang="ko-KR" altLang="en-US" sz="1400" dirty="0" smtClean="0">
+                <a:solidFill>
+                  <a:srgbClr val="FF0000"/>
+                </a:solidFill>
+              </a:rPr>
+              <a:t>의 </a:t>
+            </a:r>
+            <a:r>
+              <a:rPr lang="en-US" altLang="ko-KR" sz="1400" dirty="0" smtClean="0">
+                <a:solidFill>
+                  <a:srgbClr val="FF0000"/>
+                </a:solidFill>
+              </a:rPr>
+              <a:t>Aspect </a:t>
+            </a:r>
+          </a:p>
+          <a:p>
+            <a:r>
+              <a:rPr lang="en-US" altLang="ko-KR" sz="1400" dirty="0" smtClean="0">
+                <a:solidFill>
+                  <a:srgbClr val="FF0000"/>
+                </a:solidFill>
+              </a:rPr>
+              <a:t>Vector </a:t>
+            </a:r>
+          </a:p>
+          <a:p>
+            <a:endParaRPr lang="en-US" altLang="ko-KR" sz="1400" dirty="0">
+              <a:solidFill>
+                <a:srgbClr val="FF0000"/>
+              </a:solidFill>
+            </a:endParaRPr>
+          </a:p>
+          <a:p>
+            <a:r>
+              <a:rPr lang="en-US" altLang="ko-KR" sz="1400" dirty="0" smtClean="0">
+                <a:solidFill>
+                  <a:srgbClr val="FF0000"/>
+                </a:solidFill>
+              </a:rPr>
+              <a:t>[Feature 1, Feature 2, . . . , Feature N]</a:t>
+            </a:r>
+          </a:p>
+          <a:p>
+            <a:endParaRPr lang="en-US" altLang="ko-KR" sz="1400" dirty="0">
+              <a:solidFill>
+                <a:srgbClr val="FF0000"/>
+              </a:solidFill>
+            </a:endParaRPr>
+          </a:p>
+          <a:p>
+            <a:endParaRPr lang="en-US" altLang="ko-KR" sz="1400" dirty="0" smtClean="0">
+              <a:solidFill>
+                <a:srgbClr val="FF0000"/>
+              </a:solidFill>
+            </a:endParaRPr>
+          </a:p>
+          <a:p>
+            <a:r>
+              <a:rPr lang="ko-KR" altLang="en-US" sz="1400" dirty="0" smtClean="0">
+                <a:solidFill>
+                  <a:srgbClr val="FF0000"/>
+                </a:solidFill>
+              </a:rPr>
+              <a:t>영화 </a:t>
+            </a:r>
+            <a:r>
+              <a:rPr lang="en-US" altLang="ko-KR" sz="1400" dirty="0" smtClean="0">
+                <a:solidFill>
+                  <a:srgbClr val="FF0000"/>
+                </a:solidFill>
+              </a:rPr>
+              <a:t>Aspect Vector </a:t>
+            </a:r>
+            <a:r>
+              <a:rPr lang="ko-KR" altLang="en-US" sz="1400" dirty="0" smtClean="0">
+                <a:solidFill>
+                  <a:srgbClr val="FF0000"/>
+                </a:solidFill>
+              </a:rPr>
+              <a:t>와 유저 </a:t>
+            </a:r>
+            <a:r>
+              <a:rPr lang="en-US" altLang="ko-KR" sz="1400" dirty="0" smtClean="0">
+                <a:solidFill>
+                  <a:srgbClr val="FF0000"/>
+                </a:solidFill>
+              </a:rPr>
+              <a:t>Aspect Vector </a:t>
+            </a:r>
+            <a:r>
+              <a:rPr lang="ko-KR" altLang="en-US" sz="1400" dirty="0" smtClean="0">
+                <a:solidFill>
+                  <a:srgbClr val="FF0000"/>
+                </a:solidFill>
+              </a:rPr>
+              <a:t>의 </a:t>
+            </a:r>
+            <a:r>
+              <a:rPr lang="en-US" altLang="ko-KR" sz="1400" dirty="0" smtClean="0">
+                <a:solidFill>
+                  <a:srgbClr val="FF0000"/>
+                </a:solidFill>
+              </a:rPr>
+              <a:t>Dot Product </a:t>
+            </a:r>
+            <a:r>
+              <a:rPr lang="ko-KR" altLang="en-US" sz="1400" dirty="0" smtClean="0">
+                <a:solidFill>
+                  <a:srgbClr val="FF0000"/>
+                </a:solidFill>
+              </a:rPr>
+              <a:t>를 구하면 </a:t>
+            </a:r>
+            <a:endParaRPr lang="en-US" altLang="ko-KR" sz="1400" dirty="0" smtClean="0">
+              <a:solidFill>
+                <a:srgbClr val="FF0000"/>
+              </a:solidFill>
+            </a:endParaRPr>
+          </a:p>
+          <a:p>
+            <a:r>
+              <a:rPr lang="ko-KR" altLang="en-US" sz="1400" dirty="0" smtClean="0">
+                <a:solidFill>
+                  <a:srgbClr val="FF0000"/>
+                </a:solidFill>
+              </a:rPr>
+              <a:t>해당 영화에 대한 해당 유저의 예상 </a:t>
+            </a:r>
+            <a:endParaRPr lang="en-US" altLang="ko-KR" sz="1400" dirty="0" smtClean="0">
+              <a:solidFill>
+                <a:srgbClr val="FF0000"/>
+              </a:solidFill>
+            </a:endParaRPr>
+          </a:p>
+          <a:p>
+            <a:r>
+              <a:rPr lang="ko-KR" altLang="en-US" sz="1400" dirty="0" smtClean="0">
+                <a:solidFill>
+                  <a:srgbClr val="FF0000"/>
+                </a:solidFill>
+              </a:rPr>
+              <a:t>평점을 구할 수 있다</a:t>
+            </a:r>
+            <a:r>
+              <a:rPr lang="en-US" altLang="ko-KR" sz="1400" dirty="0" smtClean="0">
+                <a:solidFill>
+                  <a:srgbClr val="FF0000"/>
+                </a:solidFill>
+              </a:rPr>
+              <a:t>. </a:t>
+            </a:r>
+            <a:endParaRPr lang="en-US" altLang="ko-KR" sz="1400" dirty="0">
+              <a:solidFill>
+                <a:srgbClr val="FF0000"/>
+              </a:solidFill>
+            </a:endParaRPr>
+          </a:p>
+          <a:p>
+            <a:endParaRPr lang="en-US" altLang="ko-KR" sz="1400" dirty="0">
+              <a:solidFill>
+                <a:srgbClr val="FF0000"/>
+              </a:solidFill>
+            </a:endParaRPr>
+          </a:p>
+          <a:p>
+            <a:endParaRPr lang="ko-KR" altLang="en-US" sz="1400" dirty="0">
+              <a:solidFill>
+                <a:srgbClr val="FF0000"/>
+              </a:solidFill>
+            </a:endParaRPr>
+          </a:p>
+        </p:txBody>
+      </p:sp>
+    </p:spTree>
+    <p:extLst>
+      <p:ext uri="{BB962C8B-B14F-4D97-AF65-F5344CB8AC3E}">
+        <p14:creationId xmlns:p14="http://schemas.microsoft.com/office/powerpoint/2010/main" val="4278641427"/>
+      </p:ext>
+    </p:extLst>
+  </p:cSld>
+  <p:clrMapOvr>
+    <a:masterClrMapping/>
+  </p:clrMapOvr>
+</p:sld>
+</file>
+
+<file path=ppt/slides/slide19.xml><?xml version="1.0" encoding="utf-8"?>
+<p:sld xmlns:a="http://schemas.openxmlformats.org/drawingml/2006/main" xmlns:r="http://schemas.openxmlformats.org/officeDocument/2006/relationships" xmlns:p="http://schemas.openxmlformats.org/presentationml/2006/main">
+  <p:cSld>
+    <p:spTree>
+      <p:nvGrpSpPr>
+        <p:cNvPr id="1" name=""/>
+        <p:cNvGrpSpPr/>
+        <p:nvPr/>
+      </p:nvGrpSpPr>
+      <p:grpSpPr>
+        <a:xfrm>
+          <a:off x="0" y="0"/>
+          <a:ext cx="0" cy="0"/>
+          <a:chOff x="0" y="0"/>
+          <a:chExt cx="0" cy="0"/>
+        </a:xfrm>
+      </p:grpSpPr>
+      <p:pic>
+        <p:nvPicPr>
+          <p:cNvPr id="4" name="Picture 3"/>
+          <p:cNvPicPr>
+            <a:picLocks noChangeAspect="1"/>
+          </p:cNvPicPr>
+          <p:nvPr/>
+        </p:nvPicPr>
+        <p:blipFill>
+          <a:blip r:embed="rId2"/>
+          <a:stretch>
+            <a:fillRect/>
+          </a:stretch>
+        </p:blipFill>
+        <p:spPr>
+          <a:xfrm>
+            <a:off x="0" y="2428875"/>
+            <a:ext cx="6953250" cy="4429125"/>
+          </a:xfrm>
+          <a:prstGeom prst="rect">
+            <a:avLst/>
+          </a:prstGeom>
+        </p:spPr>
+      </p:pic>
+      <p:cxnSp>
+        <p:nvCxnSpPr>
+          <p:cNvPr id="6" name="Straight Arrow Connector 5"/>
+          <p:cNvCxnSpPr/>
+          <p:nvPr/>
+        </p:nvCxnSpPr>
+        <p:spPr>
+          <a:xfrm flipH="1">
+            <a:off x="687916" y="1537399"/>
+            <a:ext cx="869950" cy="850371"/>
+          </a:xfrm>
+          <a:prstGeom prst="straightConnector1">
+            <a:avLst/>
+          </a:prstGeom>
+          <a:ln>
+            <a:tailEnd type="triangle"/>
+          </a:ln>
+        </p:spPr>
+        <p:style>
+          <a:lnRef idx="1">
+            <a:schemeClr val="accent1"/>
+          </a:lnRef>
+          <a:fillRef idx="0">
+            <a:schemeClr val="accent1"/>
+          </a:fillRef>
+          <a:effectRef idx="0">
+            <a:schemeClr val="accent1"/>
+          </a:effectRef>
+          <a:fontRef idx="minor">
+            <a:schemeClr val="tx1"/>
+          </a:fontRef>
+        </p:style>
+      </p:cxnSp>
+      <p:sp>
+        <p:nvSpPr>
+          <p:cNvPr id="7" name="TextBox 6"/>
+          <p:cNvSpPr txBox="1"/>
+          <p:nvPr/>
+        </p:nvSpPr>
+        <p:spPr>
+          <a:xfrm>
+            <a:off x="430110" y="1168067"/>
+            <a:ext cx="2709333" cy="369332"/>
+          </a:xfrm>
+          <a:prstGeom prst="rect">
+            <a:avLst/>
+          </a:prstGeom>
+          <a:noFill/>
+        </p:spPr>
+        <p:txBody>
+          <a:bodyPr wrap="square" rtlCol="0">
+            <a:spAutoFit/>
+          </a:bodyPr>
+          <a:lstStyle/>
+          <a:p>
+            <a:r>
+              <a:rPr lang="en-US" altLang="ko-KR" dirty="0" smtClean="0"/>
+              <a:t>SVD </a:t>
+            </a:r>
+            <a:r>
+              <a:rPr lang="ko-KR" altLang="en-US" dirty="0" smtClean="0"/>
+              <a:t>구축 프로그램</a:t>
+            </a:r>
+            <a:endParaRPr lang="ko-KR" altLang="en-US" dirty="0"/>
+          </a:p>
+        </p:txBody>
+      </p:sp>
+      <p:sp>
+        <p:nvSpPr>
+          <p:cNvPr id="8" name="TextBox 7"/>
+          <p:cNvSpPr txBox="1"/>
+          <p:nvPr/>
+        </p:nvSpPr>
+        <p:spPr>
+          <a:xfrm>
+            <a:off x="430110" y="492035"/>
+            <a:ext cx="4697128" cy="523220"/>
+          </a:xfrm>
+          <a:prstGeom prst="rect">
+            <a:avLst/>
+          </a:prstGeom>
+          <a:noFill/>
+        </p:spPr>
+        <p:txBody>
+          <a:bodyPr wrap="square" rtlCol="0">
+            <a:spAutoFit/>
+          </a:bodyPr>
+          <a:lstStyle/>
+          <a:p>
+            <a:r>
+              <a:rPr lang="en-US" altLang="ko-KR" sz="2800" dirty="0"/>
+              <a:t>3</a:t>
+            </a:r>
+            <a:r>
+              <a:rPr lang="en-US" altLang="ko-KR" sz="2800" dirty="0" smtClean="0"/>
+              <a:t>) </a:t>
+            </a:r>
+            <a:r>
+              <a:rPr lang="ko-KR" altLang="en-US" sz="2800" dirty="0" smtClean="0"/>
+              <a:t>데이터 분석</a:t>
+            </a:r>
+            <a:endParaRPr lang="ko-KR" altLang="en-US" sz="2800" dirty="0"/>
+          </a:p>
+        </p:txBody>
+      </p:sp>
+      <p:sp>
+        <p:nvSpPr>
+          <p:cNvPr id="10" name="Rectangle 9"/>
+          <p:cNvSpPr/>
+          <p:nvPr/>
+        </p:nvSpPr>
+        <p:spPr>
+          <a:xfrm>
+            <a:off x="8407400" y="1015255"/>
+            <a:ext cx="2641600" cy="618812"/>
+          </a:xfrm>
+          <a:prstGeom prst="rect">
+            <a:avLst/>
+          </a:prstGeom>
+        </p:spPr>
+        <p:style>
+          <a:lnRef idx="2">
+            <a:schemeClr val="accent1">
+              <a:shade val="50000"/>
+            </a:schemeClr>
+          </a:lnRef>
+          <a:fillRef idx="1">
+            <a:schemeClr val="accent1"/>
+          </a:fillRef>
+          <a:effectRef idx="0">
+            <a:schemeClr val="accent1"/>
+          </a:effectRef>
+          <a:fontRef idx="minor">
+            <a:schemeClr val="lt1"/>
+          </a:fontRef>
+        </p:style>
+        <p:txBody>
+          <a:bodyPr rtlCol="0" anchor="ctr"/>
+          <a:lstStyle/>
+          <a:p>
+            <a:pPr algn="ctr"/>
+            <a:r>
+              <a:rPr lang="ko-KR" altLang="en-US" sz="1200" dirty="0" smtClean="0"/>
+              <a:t>데이터 수집 </a:t>
+            </a:r>
+            <a:r>
+              <a:rPr lang="en-US" altLang="ko-KR" sz="1200" dirty="0" smtClean="0"/>
+              <a:t>(</a:t>
+            </a:r>
+            <a:r>
+              <a:rPr lang="ko-KR" altLang="en-US" sz="1200" dirty="0" smtClean="0"/>
+              <a:t>영화 </a:t>
+            </a:r>
+            <a:r>
+              <a:rPr lang="en-US" altLang="ko-KR" sz="1200" dirty="0" smtClean="0"/>
+              <a:t>x </a:t>
+            </a:r>
+            <a:r>
+              <a:rPr lang="ko-KR" altLang="en-US" sz="1200" dirty="0" smtClean="0"/>
+              <a:t>유저 </a:t>
+            </a:r>
+            <a:r>
+              <a:rPr lang="en-US" altLang="ko-KR" sz="1200" dirty="0" smtClean="0"/>
+              <a:t>y </a:t>
+            </a:r>
+            <a:r>
+              <a:rPr lang="ko-KR" altLang="en-US" sz="1200" dirty="0" smtClean="0"/>
+              <a:t>를 평가</a:t>
+            </a:r>
+            <a:r>
+              <a:rPr lang="en-US" altLang="ko-KR" sz="1200" dirty="0" smtClean="0"/>
+              <a:t>)</a:t>
+            </a:r>
+            <a:endParaRPr lang="ko-KR" altLang="en-US" sz="1200" dirty="0"/>
+          </a:p>
+        </p:txBody>
+      </p:sp>
+      <p:cxnSp>
+        <p:nvCxnSpPr>
+          <p:cNvPr id="12" name="Straight Arrow Connector 11"/>
+          <p:cNvCxnSpPr/>
+          <p:nvPr/>
+        </p:nvCxnSpPr>
+        <p:spPr>
+          <a:xfrm>
+            <a:off x="9787466" y="1634067"/>
+            <a:ext cx="0" cy="677333"/>
+          </a:xfrm>
+          <a:prstGeom prst="straightConnector1">
+            <a:avLst/>
+          </a:prstGeom>
+          <a:ln>
+            <a:tailEnd type="triangle"/>
+          </a:ln>
+        </p:spPr>
+        <p:style>
+          <a:lnRef idx="1">
+            <a:schemeClr val="accent1"/>
+          </a:lnRef>
+          <a:fillRef idx="0">
+            <a:schemeClr val="accent1"/>
+          </a:fillRef>
+          <a:effectRef idx="0">
+            <a:schemeClr val="accent1"/>
+          </a:effectRef>
+          <a:fontRef idx="minor">
+            <a:schemeClr val="tx1"/>
+          </a:fontRef>
+        </p:style>
+      </p:cxnSp>
+      <p:sp>
+        <p:nvSpPr>
+          <p:cNvPr id="14" name="Rectangle 13"/>
+          <p:cNvSpPr/>
+          <p:nvPr/>
+        </p:nvSpPr>
+        <p:spPr>
+          <a:xfrm>
+            <a:off x="8094133" y="2387770"/>
+            <a:ext cx="3403600" cy="1024467"/>
+          </a:xfrm>
+          <a:prstGeom prst="rect">
+            <a:avLst/>
+          </a:prstGeom>
+          <a:solidFill>
+            <a:schemeClr val="accent2"/>
+          </a:solidFill>
+        </p:spPr>
+        <p:style>
+          <a:lnRef idx="2">
+            <a:schemeClr val="accent1">
+              <a:shade val="50000"/>
+            </a:schemeClr>
+          </a:lnRef>
+          <a:fillRef idx="1">
+            <a:schemeClr val="accent1"/>
+          </a:fillRef>
+          <a:effectRef idx="0">
+            <a:schemeClr val="accent1"/>
+          </a:effectRef>
+          <a:fontRef idx="minor">
+            <a:schemeClr val="lt1"/>
+          </a:fontRef>
+        </p:style>
+        <p:txBody>
+          <a:bodyPr rtlCol="0" anchor="ctr"/>
+          <a:lstStyle/>
+          <a:p>
+            <a:pPr algn="ctr"/>
+            <a:r>
+              <a:rPr lang="en-US" altLang="ko-KR" sz="1400" dirty="0" smtClean="0"/>
+              <a:t>Offset </a:t>
+            </a:r>
+            <a:r>
+              <a:rPr lang="ko-KR" altLang="en-US" sz="1400" dirty="0" smtClean="0"/>
+              <a:t>평가 </a:t>
+            </a:r>
+            <a:r>
+              <a:rPr lang="en-US" altLang="ko-KR" sz="1400" dirty="0" smtClean="0"/>
+              <a:t>: (</a:t>
+            </a:r>
+            <a:r>
+              <a:rPr lang="ko-KR" altLang="en-US" sz="1400" dirty="0" smtClean="0"/>
+              <a:t>영화의 평균 평점과 해당 유저의 평균 평점의 차</a:t>
+            </a:r>
+            <a:r>
+              <a:rPr lang="en-US" altLang="ko-KR" sz="1400" dirty="0" smtClean="0"/>
+              <a:t>)</a:t>
+            </a:r>
+            <a:endParaRPr lang="ko-KR" altLang="en-US" sz="1400" dirty="0"/>
+          </a:p>
+        </p:txBody>
+      </p:sp>
+      <p:cxnSp>
+        <p:nvCxnSpPr>
+          <p:cNvPr id="16" name="Straight Arrow Connector 15"/>
+          <p:cNvCxnSpPr>
+            <a:stCxn id="14" idx="2"/>
+          </p:cNvCxnSpPr>
+          <p:nvPr/>
+        </p:nvCxnSpPr>
+        <p:spPr>
+          <a:xfrm>
+            <a:off x="9795933" y="3412237"/>
+            <a:ext cx="0" cy="609430"/>
+          </a:xfrm>
+          <a:prstGeom prst="straightConnector1">
+            <a:avLst/>
+          </a:prstGeom>
+          <a:ln>
+            <a:tailEnd type="triangle"/>
+          </a:ln>
+        </p:spPr>
+        <p:style>
+          <a:lnRef idx="1">
+            <a:schemeClr val="accent1"/>
+          </a:lnRef>
+          <a:fillRef idx="0">
+            <a:schemeClr val="accent1"/>
+          </a:fillRef>
+          <a:effectRef idx="0">
+            <a:schemeClr val="accent1"/>
+          </a:effectRef>
+          <a:fontRef idx="minor">
+            <a:schemeClr val="tx1"/>
+          </a:fontRef>
+        </p:style>
+      </p:cxnSp>
+      <p:sp>
+        <p:nvSpPr>
+          <p:cNvPr id="17" name="Rectangle 16"/>
+          <p:cNvSpPr/>
+          <p:nvPr/>
+        </p:nvSpPr>
+        <p:spPr>
+          <a:xfrm>
+            <a:off x="7988299" y="4165940"/>
+            <a:ext cx="3615267" cy="939800"/>
+          </a:xfrm>
+          <a:prstGeom prst="rect">
+            <a:avLst/>
+          </a:prstGeom>
+        </p:spPr>
+        <p:style>
+          <a:lnRef idx="2">
+            <a:schemeClr val="accent1">
+              <a:shade val="50000"/>
+            </a:schemeClr>
+          </a:lnRef>
+          <a:fillRef idx="1">
+            <a:schemeClr val="accent1"/>
+          </a:fillRef>
+          <a:effectRef idx="0">
+            <a:schemeClr val="accent1"/>
+          </a:effectRef>
+          <a:fontRef idx="minor">
+            <a:schemeClr val="lt1"/>
+          </a:fontRef>
+        </p:style>
+        <p:txBody>
+          <a:bodyPr rtlCol="0" anchor="ctr"/>
+          <a:lstStyle/>
+          <a:p>
+            <a:pPr algn="ctr"/>
+            <a:r>
+              <a:rPr lang="en-US" altLang="ko-KR" dirty="0" smtClean="0"/>
+              <a:t>Training Algorithm </a:t>
+            </a:r>
+            <a:r>
+              <a:rPr lang="ko-KR" altLang="en-US" dirty="0" smtClean="0"/>
+              <a:t>에 대입</a:t>
+            </a:r>
+            <a:endParaRPr lang="ko-KR" altLang="en-US" dirty="0"/>
+          </a:p>
+        </p:txBody>
+      </p:sp>
+      <p:cxnSp>
+        <p:nvCxnSpPr>
+          <p:cNvPr id="20" name="Straight Arrow Connector 19"/>
+          <p:cNvCxnSpPr>
+            <a:stCxn id="17" idx="2"/>
+          </p:cNvCxnSpPr>
+          <p:nvPr/>
+        </p:nvCxnSpPr>
+        <p:spPr>
+          <a:xfrm flipH="1">
+            <a:off x="9787466" y="5105740"/>
+            <a:ext cx="8467" cy="473793"/>
+          </a:xfrm>
+          <a:prstGeom prst="straightConnector1">
+            <a:avLst/>
+          </a:prstGeom>
+          <a:ln>
+            <a:tailEnd type="triangle"/>
+          </a:ln>
+        </p:spPr>
+        <p:style>
+          <a:lnRef idx="1">
+            <a:schemeClr val="accent1"/>
+          </a:lnRef>
+          <a:fillRef idx="0">
+            <a:schemeClr val="accent1"/>
+          </a:fillRef>
+          <a:effectRef idx="0">
+            <a:schemeClr val="accent1"/>
+          </a:effectRef>
+          <a:fontRef idx="minor">
+            <a:schemeClr val="tx1"/>
+          </a:fontRef>
+        </p:style>
+      </p:cxnSp>
+      <p:sp>
+        <p:nvSpPr>
+          <p:cNvPr id="21" name="Rectangle 20"/>
+          <p:cNvSpPr/>
+          <p:nvPr/>
+        </p:nvSpPr>
+        <p:spPr>
+          <a:xfrm>
+            <a:off x="7759698" y="5647267"/>
+            <a:ext cx="4072467" cy="1100666"/>
+          </a:xfrm>
+          <a:prstGeom prst="rect">
+            <a:avLst/>
+          </a:prstGeom>
+          <a:solidFill>
+            <a:schemeClr val="accent2"/>
+          </a:solidFill>
+        </p:spPr>
+        <p:style>
+          <a:lnRef idx="2">
+            <a:schemeClr val="accent1">
+              <a:shade val="50000"/>
+            </a:schemeClr>
+          </a:lnRef>
+          <a:fillRef idx="1">
+            <a:schemeClr val="accent1"/>
+          </a:fillRef>
+          <a:effectRef idx="0">
+            <a:schemeClr val="accent1"/>
+          </a:effectRef>
+          <a:fontRef idx="minor">
+            <a:schemeClr val="lt1"/>
+          </a:fontRef>
+        </p:style>
+        <p:txBody>
+          <a:bodyPr rtlCol="0" anchor="ctr"/>
+          <a:lstStyle/>
+          <a:p>
+            <a:pPr algn="ctr"/>
+            <a:r>
+              <a:rPr lang="ko-KR" altLang="en-US" dirty="0" smtClean="0"/>
+              <a:t>영화에 해당하는 </a:t>
+            </a:r>
+            <a:r>
+              <a:rPr lang="en-US" altLang="ko-KR" dirty="0" smtClean="0"/>
+              <a:t>Feature, </a:t>
+            </a:r>
+            <a:r>
+              <a:rPr lang="ko-KR" altLang="en-US" dirty="0" smtClean="0"/>
+              <a:t>유저에 해당하는 </a:t>
+            </a:r>
+            <a:r>
+              <a:rPr lang="en-US" altLang="ko-KR" dirty="0" smtClean="0"/>
+              <a:t>Feature </a:t>
+            </a:r>
+            <a:r>
+              <a:rPr lang="ko-KR" altLang="en-US" dirty="0" smtClean="0"/>
+              <a:t>값 갱신</a:t>
+            </a:r>
+            <a:endParaRPr lang="ko-KR" altLang="en-US" dirty="0"/>
+          </a:p>
+        </p:txBody>
+      </p:sp>
+      <p:cxnSp>
+        <p:nvCxnSpPr>
+          <p:cNvPr id="23" name="Curved Connector 22"/>
+          <p:cNvCxnSpPr>
+            <a:stCxn id="21" idx="1"/>
+          </p:cNvCxnSpPr>
+          <p:nvPr/>
+        </p:nvCxnSpPr>
+        <p:spPr>
+          <a:xfrm rot="10800000" flipH="1">
+            <a:off x="7759698" y="1335056"/>
+            <a:ext cx="575736" cy="4862544"/>
+          </a:xfrm>
+          <a:prstGeom prst="curvedConnector4">
+            <a:avLst>
+              <a:gd name="adj1" fmla="val -39706"/>
+              <a:gd name="adj2" fmla="val 105109"/>
+            </a:avLst>
+          </a:prstGeom>
+          <a:ln>
+            <a:tailEnd type="triangle"/>
+          </a:ln>
+        </p:spPr>
+        <p:style>
+          <a:lnRef idx="1">
+            <a:schemeClr val="accent1"/>
+          </a:lnRef>
+          <a:fillRef idx="0">
+            <a:schemeClr val="accent1"/>
+          </a:fillRef>
+          <a:effectRef idx="0">
+            <a:schemeClr val="accent1"/>
+          </a:effectRef>
+          <a:fontRef idx="minor">
+            <a:schemeClr val="tx1"/>
+          </a:fontRef>
+        </p:style>
+      </p:cxnSp>
+      <p:sp>
+        <p:nvSpPr>
+          <p:cNvPr id="24" name="TextBox 23"/>
+          <p:cNvSpPr txBox="1"/>
+          <p:nvPr/>
+        </p:nvSpPr>
+        <p:spPr>
+          <a:xfrm>
+            <a:off x="7687731" y="3578452"/>
+            <a:ext cx="589490" cy="276999"/>
+          </a:xfrm>
+          <a:prstGeom prst="rect">
+            <a:avLst/>
+          </a:prstGeom>
+          <a:noFill/>
+        </p:spPr>
+        <p:txBody>
+          <a:bodyPr wrap="square" rtlCol="0">
+            <a:spAutoFit/>
+          </a:bodyPr>
+          <a:lstStyle/>
+          <a:p>
+            <a:r>
+              <a:rPr lang="en-US" altLang="ko-KR" sz="1200" dirty="0" smtClean="0">
+                <a:solidFill>
+                  <a:srgbClr val="FF0000"/>
+                </a:solidFill>
+              </a:rPr>
+              <a:t>loop</a:t>
+            </a:r>
+            <a:endParaRPr lang="ko-KR" altLang="en-US" sz="1200" dirty="0">
+              <a:solidFill>
+                <a:srgbClr val="FF0000"/>
+              </a:solidFill>
+            </a:endParaRPr>
+          </a:p>
+        </p:txBody>
+      </p:sp>
+    </p:spTree>
+    <p:extLst>
+      <p:ext uri="{BB962C8B-B14F-4D97-AF65-F5344CB8AC3E}">
+        <p14:creationId xmlns:p14="http://schemas.microsoft.com/office/powerpoint/2010/main" val="4281366518"/>
+      </p:ext>
+    </p:extLst>
+  </p:cSld>
+  <p:clrMapOvr>
+    <a:masterClrMapping/>
+  </p:clrMapOvr>
+</p:sld>
+</file>
+
 <file path=ppt/slides/slide2.xml><?xml version="1.0" encoding="utf-8"?>
 <p:sld xmlns:a="http://schemas.openxmlformats.org/drawingml/2006/main" xmlns:r="http://schemas.openxmlformats.org/officeDocument/2006/relationships" xmlns:p="http://schemas.openxmlformats.org/presentationml/2006/main">
   <p:cSld>
@@ -3367,6 +8603,1393 @@
       </p:par>
     </p:tnLst>
   </p:timing>
+</p:sld>
+</file>
+
+<file path=ppt/slides/slide20.xml><?xml version="1.0" encoding="utf-8"?>
+<p:sld xmlns:a="http://schemas.openxmlformats.org/drawingml/2006/main" xmlns:r="http://schemas.openxmlformats.org/officeDocument/2006/relationships" xmlns:p="http://schemas.openxmlformats.org/presentationml/2006/main">
+  <p:cSld>
+    <p:spTree>
+      <p:nvGrpSpPr>
+        <p:cNvPr id="1" name=""/>
+        <p:cNvGrpSpPr/>
+        <p:nvPr/>
+      </p:nvGrpSpPr>
+      <p:grpSpPr>
+        <a:xfrm>
+          <a:off x="0" y="0"/>
+          <a:ext cx="0" cy="0"/>
+          <a:chOff x="0" y="0"/>
+          <a:chExt cx="0" cy="0"/>
+        </a:xfrm>
+      </p:grpSpPr>
+      <p:sp>
+        <p:nvSpPr>
+          <p:cNvPr id="4" name="TextBox 3"/>
+          <p:cNvSpPr txBox="1"/>
+          <p:nvPr/>
+        </p:nvSpPr>
+        <p:spPr>
+          <a:xfrm>
+            <a:off x="430110" y="492035"/>
+            <a:ext cx="4697128" cy="523220"/>
+          </a:xfrm>
+          <a:prstGeom prst="rect">
+            <a:avLst/>
+          </a:prstGeom>
+          <a:noFill/>
+        </p:spPr>
+        <p:txBody>
+          <a:bodyPr wrap="square" rtlCol="0">
+            <a:spAutoFit/>
+          </a:bodyPr>
+          <a:lstStyle/>
+          <a:p>
+            <a:r>
+              <a:rPr lang="en-US" altLang="ko-KR" sz="2800" dirty="0"/>
+              <a:t>3</a:t>
+            </a:r>
+            <a:r>
+              <a:rPr lang="en-US" altLang="ko-KR" sz="2800" dirty="0" smtClean="0"/>
+              <a:t>) </a:t>
+            </a:r>
+            <a:r>
+              <a:rPr lang="ko-KR" altLang="en-US" sz="2800" dirty="0" smtClean="0"/>
+              <a:t>데이터 분석</a:t>
+            </a:r>
+            <a:endParaRPr lang="ko-KR" altLang="en-US" sz="2800" dirty="0"/>
+          </a:p>
+        </p:txBody>
+      </p:sp>
+      <p:sp>
+        <p:nvSpPr>
+          <p:cNvPr id="5" name="TextBox 4"/>
+          <p:cNvSpPr txBox="1"/>
+          <p:nvPr/>
+        </p:nvSpPr>
+        <p:spPr>
+          <a:xfrm>
+            <a:off x="9186333" y="1226922"/>
+            <a:ext cx="2269067" cy="369332"/>
+          </a:xfrm>
+          <a:prstGeom prst="rect">
+            <a:avLst/>
+          </a:prstGeom>
+          <a:noFill/>
+        </p:spPr>
+        <p:txBody>
+          <a:bodyPr wrap="square" rtlCol="0">
+            <a:spAutoFit/>
+          </a:bodyPr>
+          <a:lstStyle/>
+          <a:p>
+            <a:r>
+              <a:rPr lang="en-US" altLang="ko-KR" dirty="0" smtClean="0">
+                <a:solidFill>
+                  <a:srgbClr val="FF0000"/>
+                </a:solidFill>
+              </a:rPr>
+              <a:t>Training </a:t>
+            </a:r>
+            <a:r>
+              <a:rPr lang="ko-KR" altLang="en-US" dirty="0" smtClean="0">
+                <a:solidFill>
+                  <a:srgbClr val="FF0000"/>
+                </a:solidFill>
+              </a:rPr>
+              <a:t>상황</a:t>
+            </a:r>
+            <a:endParaRPr lang="ko-KR" altLang="en-US" dirty="0">
+              <a:solidFill>
+                <a:srgbClr val="FF0000"/>
+              </a:solidFill>
+            </a:endParaRPr>
+          </a:p>
+        </p:txBody>
+      </p:sp>
+      <p:pic>
+        <p:nvPicPr>
+          <p:cNvPr id="8" name="Picture 7"/>
+          <p:cNvPicPr>
+            <a:picLocks noChangeAspect="1"/>
+          </p:cNvPicPr>
+          <p:nvPr/>
+        </p:nvPicPr>
+        <p:blipFill>
+          <a:blip r:embed="rId2"/>
+          <a:stretch>
+            <a:fillRect/>
+          </a:stretch>
+        </p:blipFill>
+        <p:spPr>
+          <a:xfrm>
+            <a:off x="8231187" y="1744133"/>
+            <a:ext cx="3705225" cy="3695700"/>
+          </a:xfrm>
+          <a:prstGeom prst="rect">
+            <a:avLst/>
+          </a:prstGeom>
+        </p:spPr>
+      </p:pic>
+      <p:sp>
+        <p:nvSpPr>
+          <p:cNvPr id="10" name="Oval 9"/>
+          <p:cNvSpPr/>
+          <p:nvPr/>
+        </p:nvSpPr>
+        <p:spPr>
+          <a:xfrm>
+            <a:off x="499533" y="1596254"/>
+            <a:ext cx="1820334" cy="816746"/>
+          </a:xfrm>
+          <a:prstGeom prst="ellipse">
+            <a:avLst/>
+          </a:prstGeom>
+        </p:spPr>
+        <p:style>
+          <a:lnRef idx="2">
+            <a:schemeClr val="accent1">
+              <a:shade val="50000"/>
+            </a:schemeClr>
+          </a:lnRef>
+          <a:fillRef idx="1">
+            <a:schemeClr val="accent1"/>
+          </a:fillRef>
+          <a:effectRef idx="0">
+            <a:schemeClr val="accent1"/>
+          </a:effectRef>
+          <a:fontRef idx="minor">
+            <a:schemeClr val="lt1"/>
+          </a:fontRef>
+        </p:style>
+        <p:txBody>
+          <a:bodyPr rtlCol="0" anchor="ctr"/>
+          <a:lstStyle/>
+          <a:p>
+            <a:pPr algn="ctr"/>
+            <a:r>
+              <a:rPr lang="ko-KR" altLang="en-US" dirty="0" smtClean="0"/>
+              <a:t>현재 상황</a:t>
+            </a:r>
+            <a:endParaRPr lang="ko-KR" altLang="en-US" dirty="0"/>
+          </a:p>
+        </p:txBody>
+      </p:sp>
+      <p:cxnSp>
+        <p:nvCxnSpPr>
+          <p:cNvPr id="12" name="Straight Arrow Connector 11"/>
+          <p:cNvCxnSpPr>
+            <a:stCxn id="10" idx="6"/>
+          </p:cNvCxnSpPr>
+          <p:nvPr/>
+        </p:nvCxnSpPr>
+        <p:spPr>
+          <a:xfrm>
+            <a:off x="2319867" y="2004627"/>
+            <a:ext cx="1032933" cy="0"/>
+          </a:xfrm>
+          <a:prstGeom prst="straightConnector1">
+            <a:avLst/>
+          </a:prstGeom>
+          <a:ln>
+            <a:tailEnd type="triangle"/>
+          </a:ln>
+        </p:spPr>
+        <p:style>
+          <a:lnRef idx="1">
+            <a:schemeClr val="accent1"/>
+          </a:lnRef>
+          <a:fillRef idx="0">
+            <a:schemeClr val="accent1"/>
+          </a:fillRef>
+          <a:effectRef idx="0">
+            <a:schemeClr val="accent1"/>
+          </a:effectRef>
+          <a:fontRef idx="minor">
+            <a:schemeClr val="tx1"/>
+          </a:fontRef>
+        </p:style>
+      </p:cxnSp>
+      <p:sp>
+        <p:nvSpPr>
+          <p:cNvPr id="14" name="Rectangle 13"/>
+          <p:cNvSpPr/>
+          <p:nvPr/>
+        </p:nvSpPr>
+        <p:spPr>
+          <a:xfrm>
+            <a:off x="3522927" y="1284216"/>
+            <a:ext cx="3505200" cy="1619479"/>
+          </a:xfrm>
+          <a:prstGeom prst="rect">
+            <a:avLst/>
+          </a:prstGeom>
+        </p:spPr>
+        <p:style>
+          <a:lnRef idx="2">
+            <a:schemeClr val="dk1"/>
+          </a:lnRef>
+          <a:fillRef idx="1">
+            <a:schemeClr val="lt1"/>
+          </a:fillRef>
+          <a:effectRef idx="0">
+            <a:schemeClr val="dk1"/>
+          </a:effectRef>
+          <a:fontRef idx="minor">
+            <a:schemeClr val="dk1"/>
+          </a:fontRef>
+        </p:style>
+        <p:txBody>
+          <a:bodyPr rtlCol="0" anchor="ctr"/>
+          <a:lstStyle/>
+          <a:p>
+            <a:pPr marL="342900" indent="-342900" algn="ctr">
+              <a:buAutoNum type="arabicPeriod"/>
+            </a:pPr>
+            <a:r>
+              <a:rPr lang="ko-KR" altLang="en-US" dirty="0" smtClean="0"/>
+              <a:t>기본 </a:t>
+            </a:r>
+            <a:r>
+              <a:rPr lang="en-US" altLang="ko-KR" dirty="0" smtClean="0"/>
+              <a:t>SVD </a:t>
+            </a:r>
+            <a:r>
+              <a:rPr lang="ko-KR" altLang="en-US" dirty="0" smtClean="0"/>
+              <a:t>알고리즘 완료</a:t>
+            </a:r>
+            <a:endParaRPr lang="en-US" altLang="ko-KR" dirty="0" smtClean="0"/>
+          </a:p>
+          <a:p>
+            <a:pPr marL="342900" indent="-342900" algn="ctr">
+              <a:buAutoNum type="arabicPeriod"/>
+            </a:pPr>
+            <a:r>
+              <a:rPr lang="en-US" altLang="ko-KR" dirty="0" smtClean="0"/>
+              <a:t>Bias (</a:t>
+            </a:r>
+            <a:r>
+              <a:rPr lang="ko-KR" altLang="en-US" dirty="0" smtClean="0"/>
+              <a:t>비중</a:t>
+            </a:r>
+            <a:r>
+              <a:rPr lang="en-US" altLang="ko-KR" dirty="0" smtClean="0"/>
+              <a:t>), Overfitting </a:t>
+            </a:r>
+            <a:r>
+              <a:rPr lang="ko-KR" altLang="en-US" dirty="0" smtClean="0"/>
+              <a:t>에 </a:t>
+            </a:r>
+            <a:endParaRPr lang="en-US" altLang="ko-KR" dirty="0" smtClean="0"/>
+          </a:p>
+          <a:p>
+            <a:pPr algn="ctr"/>
+            <a:r>
+              <a:rPr lang="ko-KR" altLang="en-US" dirty="0" smtClean="0"/>
+              <a:t>대한 알고리즘 필요</a:t>
+            </a:r>
+            <a:endParaRPr lang="ko-KR" altLang="en-US" dirty="0"/>
+          </a:p>
+        </p:txBody>
+      </p:sp>
+      <p:sp>
+        <p:nvSpPr>
+          <p:cNvPr id="16" name="Oval 15"/>
+          <p:cNvSpPr/>
+          <p:nvPr/>
+        </p:nvSpPr>
+        <p:spPr>
+          <a:xfrm>
+            <a:off x="499533" y="4441054"/>
+            <a:ext cx="1820334" cy="816746"/>
+          </a:xfrm>
+          <a:prstGeom prst="ellipse">
+            <a:avLst/>
+          </a:prstGeom>
+        </p:spPr>
+        <p:style>
+          <a:lnRef idx="2">
+            <a:schemeClr val="accent1">
+              <a:shade val="50000"/>
+            </a:schemeClr>
+          </a:lnRef>
+          <a:fillRef idx="1">
+            <a:schemeClr val="accent1"/>
+          </a:fillRef>
+          <a:effectRef idx="0">
+            <a:schemeClr val="accent1"/>
+          </a:effectRef>
+          <a:fontRef idx="minor">
+            <a:schemeClr val="lt1"/>
+          </a:fontRef>
+        </p:style>
+        <p:txBody>
+          <a:bodyPr rtlCol="0" anchor="ctr"/>
+          <a:lstStyle/>
+          <a:p>
+            <a:pPr algn="ctr"/>
+            <a:r>
+              <a:rPr lang="ko-KR" altLang="en-US" dirty="0" smtClean="0"/>
+              <a:t>개선점</a:t>
+            </a:r>
+            <a:endParaRPr lang="ko-KR" altLang="en-US" dirty="0"/>
+          </a:p>
+        </p:txBody>
+      </p:sp>
+      <p:cxnSp>
+        <p:nvCxnSpPr>
+          <p:cNvPr id="18" name="Straight Arrow Connector 17"/>
+          <p:cNvCxnSpPr>
+            <a:stCxn id="16" idx="6"/>
+          </p:cNvCxnSpPr>
+          <p:nvPr/>
+        </p:nvCxnSpPr>
+        <p:spPr>
+          <a:xfrm flipV="1">
+            <a:off x="2319867" y="4849426"/>
+            <a:ext cx="965200" cy="1"/>
+          </a:xfrm>
+          <a:prstGeom prst="straightConnector1">
+            <a:avLst/>
+          </a:prstGeom>
+          <a:ln>
+            <a:tailEnd type="triangle"/>
+          </a:ln>
+        </p:spPr>
+        <p:style>
+          <a:lnRef idx="1">
+            <a:schemeClr val="accent1"/>
+          </a:lnRef>
+          <a:fillRef idx="0">
+            <a:schemeClr val="accent1"/>
+          </a:fillRef>
+          <a:effectRef idx="0">
+            <a:schemeClr val="accent1"/>
+          </a:effectRef>
+          <a:fontRef idx="minor">
+            <a:schemeClr val="tx1"/>
+          </a:fontRef>
+        </p:style>
+      </p:cxnSp>
+      <p:sp>
+        <p:nvSpPr>
+          <p:cNvPr id="19" name="Rectangle 18"/>
+          <p:cNvSpPr/>
+          <p:nvPr/>
+        </p:nvSpPr>
+        <p:spPr>
+          <a:xfrm>
+            <a:off x="3522927" y="4039686"/>
+            <a:ext cx="3505200" cy="1619479"/>
+          </a:xfrm>
+          <a:prstGeom prst="rect">
+            <a:avLst/>
+          </a:prstGeom>
+        </p:spPr>
+        <p:style>
+          <a:lnRef idx="2">
+            <a:schemeClr val="dk1"/>
+          </a:lnRef>
+          <a:fillRef idx="1">
+            <a:schemeClr val="lt1"/>
+          </a:fillRef>
+          <a:effectRef idx="0">
+            <a:schemeClr val="dk1"/>
+          </a:effectRef>
+          <a:fontRef idx="minor">
+            <a:schemeClr val="dk1"/>
+          </a:fontRef>
+        </p:style>
+        <p:txBody>
+          <a:bodyPr rtlCol="0" anchor="ctr"/>
+          <a:lstStyle/>
+          <a:p>
+            <a:pPr marL="342900" indent="-342900" algn="ctr">
+              <a:buAutoNum type="arabicPeriod"/>
+            </a:pPr>
+            <a:r>
+              <a:rPr lang="en-US" altLang="ko-KR" dirty="0" smtClean="0"/>
+              <a:t>SVD </a:t>
+            </a:r>
+            <a:r>
+              <a:rPr lang="ko-KR" altLang="en-US" dirty="0" smtClean="0"/>
+              <a:t>진행 속도</a:t>
+            </a:r>
+            <a:endParaRPr lang="en-US" altLang="ko-KR" dirty="0" smtClean="0"/>
+          </a:p>
+          <a:p>
+            <a:pPr algn="ctr"/>
+            <a:r>
+              <a:rPr lang="en-US" altLang="ko-KR" dirty="0" smtClean="0"/>
+              <a:t>(Data </a:t>
+            </a:r>
+            <a:r>
+              <a:rPr lang="ko-KR" altLang="en-US" dirty="0" smtClean="0"/>
+              <a:t>가공 문제</a:t>
+            </a:r>
+            <a:r>
+              <a:rPr lang="en-US" altLang="ko-KR" dirty="0" smtClean="0"/>
+              <a:t>)</a:t>
+            </a:r>
+          </a:p>
+          <a:p>
+            <a:pPr algn="ctr"/>
+            <a:r>
+              <a:rPr lang="en-US" altLang="ko-KR" dirty="0" smtClean="0"/>
+              <a:t>2. Bias, Overfitting </a:t>
+            </a:r>
+            <a:r>
+              <a:rPr lang="ko-KR" altLang="en-US" dirty="0" smtClean="0"/>
+              <a:t>을 고려한 </a:t>
+            </a:r>
+            <a:endParaRPr lang="en-US" altLang="ko-KR" dirty="0" smtClean="0"/>
+          </a:p>
+          <a:p>
+            <a:pPr algn="ctr"/>
+            <a:r>
+              <a:rPr lang="ko-KR" altLang="en-US" dirty="0" smtClean="0"/>
+              <a:t>알고리즘 개발</a:t>
+            </a:r>
+            <a:endParaRPr lang="ko-KR" altLang="en-US" dirty="0"/>
+          </a:p>
+        </p:txBody>
+      </p:sp>
+    </p:spTree>
+    <p:extLst>
+      <p:ext uri="{BB962C8B-B14F-4D97-AF65-F5344CB8AC3E}">
+        <p14:creationId xmlns:p14="http://schemas.microsoft.com/office/powerpoint/2010/main" val="3628821215"/>
+      </p:ext>
+    </p:extLst>
+  </p:cSld>
+  <p:clrMapOvr>
+    <a:masterClrMapping/>
+  </p:clrMapOvr>
+</p:sld>
+</file>
+
+<file path=ppt/slides/slide21.xml><?xml version="1.0" encoding="utf-8"?>
+<p:sld xmlns:a="http://schemas.openxmlformats.org/drawingml/2006/main" xmlns:r="http://schemas.openxmlformats.org/officeDocument/2006/relationships" xmlns:p="http://schemas.openxmlformats.org/presentationml/2006/main">
+  <p:cSld>
+    <p:bg>
+      <p:bgPr>
+        <a:gradFill>
+          <a:gsLst>
+            <a:gs pos="0">
+              <a:schemeClr val="accent1">
+                <a:lumMod val="5000"/>
+                <a:lumOff val="95000"/>
+              </a:schemeClr>
+            </a:gs>
+            <a:gs pos="74000">
+              <a:schemeClr val="accent1">
+                <a:lumMod val="45000"/>
+                <a:lumOff val="55000"/>
+              </a:schemeClr>
+            </a:gs>
+            <a:gs pos="83000">
+              <a:schemeClr val="accent1">
+                <a:lumMod val="45000"/>
+                <a:lumOff val="55000"/>
+              </a:schemeClr>
+            </a:gs>
+            <a:gs pos="100000">
+              <a:schemeClr val="accent1">
+                <a:lumMod val="30000"/>
+                <a:lumOff val="70000"/>
+              </a:schemeClr>
+            </a:gs>
+          </a:gsLst>
+          <a:lin ang="5400000" scaled="1"/>
+        </a:gradFill>
+        <a:effectLst/>
+      </p:bgPr>
+    </p:bg>
+    <p:spTree>
+      <p:nvGrpSpPr>
+        <p:cNvPr id="1" name=""/>
+        <p:cNvGrpSpPr/>
+        <p:nvPr/>
+      </p:nvGrpSpPr>
+      <p:grpSpPr>
+        <a:xfrm>
+          <a:off x="0" y="0"/>
+          <a:ext cx="0" cy="0"/>
+          <a:chOff x="0" y="0"/>
+          <a:chExt cx="0" cy="0"/>
+        </a:xfrm>
+      </p:grpSpPr>
+      <p:sp>
+        <p:nvSpPr>
+          <p:cNvPr id="4" name="TextBox 3"/>
+          <p:cNvSpPr txBox="1"/>
+          <p:nvPr/>
+        </p:nvSpPr>
+        <p:spPr>
+          <a:xfrm>
+            <a:off x="6843103" y="4148488"/>
+            <a:ext cx="5977289" cy="1384995"/>
+          </a:xfrm>
+          <a:prstGeom prst="rect">
+            <a:avLst/>
+          </a:prstGeom>
+          <a:noFill/>
+        </p:spPr>
+        <p:txBody>
+          <a:bodyPr wrap="square" rtlCol="0">
+            <a:spAutoFit/>
+          </a:bodyPr>
+          <a:lstStyle/>
+          <a:p>
+            <a:r>
+              <a:rPr lang="en-US" altLang="ko-KR" sz="4800" dirty="0"/>
+              <a:t>4</a:t>
+            </a:r>
+            <a:r>
+              <a:rPr lang="en-US" altLang="ko-KR" sz="4800" dirty="0" smtClean="0"/>
+              <a:t>)</a:t>
+            </a:r>
+            <a:r>
+              <a:rPr lang="en-US" altLang="ko-KR" sz="4800" dirty="0" smtClean="0"/>
+              <a:t> </a:t>
+            </a:r>
+            <a:r>
+              <a:rPr lang="ko-KR" altLang="en-US" sz="4800" dirty="0" smtClean="0"/>
+              <a:t>계획</a:t>
+            </a:r>
+            <a:endParaRPr lang="en-US" altLang="ko-KR" sz="3600" dirty="0">
+              <a:solidFill>
+                <a:schemeClr val="accent2"/>
+              </a:solidFill>
+            </a:endParaRPr>
+          </a:p>
+          <a:p>
+            <a:r>
+              <a:rPr lang="en-US" altLang="ko-KR" sz="3600" dirty="0" smtClean="0">
+                <a:solidFill>
+                  <a:schemeClr val="accent2"/>
+                </a:solidFill>
+              </a:rPr>
+              <a:t>Future Planning</a:t>
+            </a:r>
+            <a:endParaRPr lang="en-US" altLang="ko-KR" sz="4800" dirty="0" smtClean="0"/>
+          </a:p>
+        </p:txBody>
+      </p:sp>
+    </p:spTree>
+    <p:extLst>
+      <p:ext uri="{BB962C8B-B14F-4D97-AF65-F5344CB8AC3E}">
+        <p14:creationId xmlns:p14="http://schemas.microsoft.com/office/powerpoint/2010/main" val="1887790595"/>
+      </p:ext>
+    </p:extLst>
+  </p:cSld>
+  <p:clrMapOvr>
+    <a:masterClrMapping/>
+  </p:clrMapOvr>
+</p:sld>
+</file>
+
+<file path=ppt/slides/slide22.xml><?xml version="1.0" encoding="utf-8"?>
+<p:sld xmlns:a="http://schemas.openxmlformats.org/drawingml/2006/main" xmlns:r="http://schemas.openxmlformats.org/officeDocument/2006/relationships" xmlns:p="http://schemas.openxmlformats.org/presentationml/2006/main">
+  <p:cSld>
+    <p:spTree>
+      <p:nvGrpSpPr>
+        <p:cNvPr id="1" name=""/>
+        <p:cNvGrpSpPr/>
+        <p:nvPr/>
+      </p:nvGrpSpPr>
+      <p:grpSpPr>
+        <a:xfrm>
+          <a:off x="0" y="0"/>
+          <a:ext cx="0" cy="0"/>
+          <a:chOff x="0" y="0"/>
+          <a:chExt cx="0" cy="0"/>
+        </a:xfrm>
+      </p:grpSpPr>
+      <p:sp>
+        <p:nvSpPr>
+          <p:cNvPr id="4" name="Rectangle 3"/>
+          <p:cNvSpPr/>
+          <p:nvPr/>
+        </p:nvSpPr>
+        <p:spPr>
+          <a:xfrm>
+            <a:off x="531223" y="496389"/>
+            <a:ext cx="2987040" cy="1105988"/>
+          </a:xfrm>
+          <a:prstGeom prst="rect">
+            <a:avLst/>
+          </a:prstGeom>
+        </p:spPr>
+        <p:style>
+          <a:lnRef idx="2">
+            <a:schemeClr val="dk1"/>
+          </a:lnRef>
+          <a:fillRef idx="1">
+            <a:schemeClr val="lt1"/>
+          </a:fillRef>
+          <a:effectRef idx="0">
+            <a:schemeClr val="dk1"/>
+          </a:effectRef>
+          <a:fontRef idx="minor">
+            <a:schemeClr val="dk1"/>
+          </a:fontRef>
+        </p:style>
+        <p:txBody>
+          <a:bodyPr rtlCol="0" anchor="ctr"/>
+          <a:lstStyle/>
+          <a:p>
+            <a:pPr algn="ctr"/>
+            <a:r>
+              <a:rPr lang="ko-KR" altLang="en-US" dirty="0" smtClean="0"/>
+              <a:t>데이터 가공</a:t>
+            </a:r>
+            <a:endParaRPr lang="ko-KR" altLang="en-US" dirty="0"/>
+          </a:p>
+        </p:txBody>
+      </p:sp>
+      <p:sp>
+        <p:nvSpPr>
+          <p:cNvPr id="5" name="Rectangle 4"/>
+          <p:cNvSpPr/>
+          <p:nvPr/>
+        </p:nvSpPr>
+        <p:spPr>
+          <a:xfrm>
+            <a:off x="4367349" y="496389"/>
+            <a:ext cx="2987040" cy="1105988"/>
+          </a:xfrm>
+          <a:prstGeom prst="rect">
+            <a:avLst/>
+          </a:prstGeom>
+        </p:spPr>
+        <p:style>
+          <a:lnRef idx="2">
+            <a:schemeClr val="dk1"/>
+          </a:lnRef>
+          <a:fillRef idx="1">
+            <a:schemeClr val="lt1"/>
+          </a:fillRef>
+          <a:effectRef idx="0">
+            <a:schemeClr val="dk1"/>
+          </a:effectRef>
+          <a:fontRef idx="minor">
+            <a:schemeClr val="dk1"/>
+          </a:fontRef>
+        </p:style>
+        <p:txBody>
+          <a:bodyPr rtlCol="0" anchor="ctr"/>
+          <a:lstStyle/>
+          <a:p>
+            <a:pPr algn="ctr"/>
+            <a:r>
+              <a:rPr lang="en-US" altLang="ko-KR" dirty="0" smtClean="0"/>
+              <a:t>SVD </a:t>
+            </a:r>
+            <a:r>
+              <a:rPr lang="ko-KR" altLang="en-US" dirty="0" smtClean="0"/>
+              <a:t>개선</a:t>
+            </a:r>
+            <a:endParaRPr lang="ko-KR" altLang="en-US" dirty="0"/>
+          </a:p>
+        </p:txBody>
+      </p:sp>
+      <p:sp>
+        <p:nvSpPr>
+          <p:cNvPr id="6" name="Rectangle 5"/>
+          <p:cNvSpPr/>
+          <p:nvPr/>
+        </p:nvSpPr>
+        <p:spPr>
+          <a:xfrm>
+            <a:off x="8447315" y="496389"/>
+            <a:ext cx="2987040" cy="1105988"/>
+          </a:xfrm>
+          <a:prstGeom prst="rect">
+            <a:avLst/>
+          </a:prstGeom>
+        </p:spPr>
+        <p:style>
+          <a:lnRef idx="2">
+            <a:schemeClr val="dk1"/>
+          </a:lnRef>
+          <a:fillRef idx="1">
+            <a:schemeClr val="lt1"/>
+          </a:fillRef>
+          <a:effectRef idx="0">
+            <a:schemeClr val="dk1"/>
+          </a:effectRef>
+          <a:fontRef idx="minor">
+            <a:schemeClr val="dk1"/>
+          </a:fontRef>
+        </p:style>
+        <p:txBody>
+          <a:bodyPr rtlCol="0" anchor="ctr"/>
+          <a:lstStyle/>
+          <a:p>
+            <a:pPr algn="ctr"/>
+            <a:r>
+              <a:rPr lang="en-US" altLang="ko-KR" dirty="0" smtClean="0"/>
+              <a:t>API </a:t>
+            </a:r>
+            <a:r>
+              <a:rPr lang="ko-KR" altLang="en-US" dirty="0" smtClean="0"/>
+              <a:t>데이터 분석</a:t>
+            </a:r>
+            <a:r>
+              <a:rPr lang="en-US" altLang="ko-KR" dirty="0"/>
+              <a:t> </a:t>
+            </a:r>
+            <a:r>
+              <a:rPr lang="en-US" altLang="ko-KR" dirty="0" smtClean="0"/>
+              <a:t>* </a:t>
+            </a:r>
+            <a:r>
+              <a:rPr lang="ko-KR" altLang="en-US" dirty="0" smtClean="0"/>
+              <a:t>모델</a:t>
+            </a:r>
+            <a:endParaRPr lang="ko-KR" altLang="en-US" dirty="0"/>
+          </a:p>
+        </p:txBody>
+      </p:sp>
+      <p:cxnSp>
+        <p:nvCxnSpPr>
+          <p:cNvPr id="8" name="Straight Arrow Connector 7"/>
+          <p:cNvCxnSpPr>
+            <a:stCxn id="4" idx="2"/>
+          </p:cNvCxnSpPr>
+          <p:nvPr/>
+        </p:nvCxnSpPr>
+        <p:spPr>
+          <a:xfrm>
+            <a:off x="2024743" y="1602377"/>
+            <a:ext cx="0" cy="975360"/>
+          </a:xfrm>
+          <a:prstGeom prst="straightConnector1">
+            <a:avLst/>
+          </a:prstGeom>
+          <a:ln>
+            <a:tailEnd type="triangle"/>
+          </a:ln>
+        </p:spPr>
+        <p:style>
+          <a:lnRef idx="1">
+            <a:schemeClr val="accent1"/>
+          </a:lnRef>
+          <a:fillRef idx="0">
+            <a:schemeClr val="accent1"/>
+          </a:fillRef>
+          <a:effectRef idx="0">
+            <a:schemeClr val="accent1"/>
+          </a:effectRef>
+          <a:fontRef idx="minor">
+            <a:schemeClr val="tx1"/>
+          </a:fontRef>
+        </p:style>
+      </p:cxnSp>
+      <p:sp>
+        <p:nvSpPr>
+          <p:cNvPr id="9" name="Rectangle 8"/>
+          <p:cNvSpPr/>
+          <p:nvPr/>
+        </p:nvSpPr>
+        <p:spPr>
+          <a:xfrm>
+            <a:off x="531223" y="2656114"/>
+            <a:ext cx="3056708" cy="1053737"/>
+          </a:xfrm>
+          <a:prstGeom prst="rect">
+            <a:avLst/>
+          </a:prstGeom>
+        </p:spPr>
+        <p:style>
+          <a:lnRef idx="2">
+            <a:schemeClr val="dk1"/>
+          </a:lnRef>
+          <a:fillRef idx="1">
+            <a:schemeClr val="lt1"/>
+          </a:fillRef>
+          <a:effectRef idx="0">
+            <a:schemeClr val="dk1"/>
+          </a:effectRef>
+          <a:fontRef idx="minor">
+            <a:schemeClr val="dk1"/>
+          </a:fontRef>
+        </p:style>
+        <p:txBody>
+          <a:bodyPr rtlCol="0" anchor="ctr"/>
+          <a:lstStyle/>
+          <a:p>
+            <a:pPr algn="ctr"/>
+            <a:r>
+              <a:rPr lang="ko-KR" altLang="en-US" dirty="0" smtClean="0"/>
+              <a:t>데이터를 바로 </a:t>
+            </a:r>
+            <a:r>
+              <a:rPr lang="en-US" altLang="ko-KR" dirty="0" smtClean="0"/>
+              <a:t>Matrix </a:t>
+            </a:r>
+            <a:r>
+              <a:rPr lang="ko-KR" altLang="en-US" dirty="0" smtClean="0"/>
+              <a:t>에 구현할 수 있는 방법 연구</a:t>
+            </a:r>
+            <a:endParaRPr lang="ko-KR" altLang="en-US" dirty="0"/>
+          </a:p>
+        </p:txBody>
+      </p:sp>
+      <p:cxnSp>
+        <p:nvCxnSpPr>
+          <p:cNvPr id="11" name="Straight Arrow Connector 10"/>
+          <p:cNvCxnSpPr>
+            <a:stCxn id="9" idx="2"/>
+          </p:cNvCxnSpPr>
+          <p:nvPr/>
+        </p:nvCxnSpPr>
+        <p:spPr>
+          <a:xfrm flipH="1">
+            <a:off x="1053737" y="3709851"/>
+            <a:ext cx="1005840" cy="844732"/>
+          </a:xfrm>
+          <a:prstGeom prst="straightConnector1">
+            <a:avLst/>
+          </a:prstGeom>
+          <a:ln>
+            <a:tailEnd type="triangle"/>
+          </a:ln>
+        </p:spPr>
+        <p:style>
+          <a:lnRef idx="1">
+            <a:schemeClr val="accent1"/>
+          </a:lnRef>
+          <a:fillRef idx="0">
+            <a:schemeClr val="accent1"/>
+          </a:fillRef>
+          <a:effectRef idx="0">
+            <a:schemeClr val="accent1"/>
+          </a:effectRef>
+          <a:fontRef idx="minor">
+            <a:schemeClr val="tx1"/>
+          </a:fontRef>
+        </p:style>
+      </p:cxnSp>
+      <p:cxnSp>
+        <p:nvCxnSpPr>
+          <p:cNvPr id="12" name="Straight Arrow Connector 11"/>
+          <p:cNvCxnSpPr>
+            <a:stCxn id="9" idx="2"/>
+          </p:cNvCxnSpPr>
+          <p:nvPr/>
+        </p:nvCxnSpPr>
+        <p:spPr>
+          <a:xfrm>
+            <a:off x="2059577" y="3709851"/>
+            <a:ext cx="936172" cy="766355"/>
+          </a:xfrm>
+          <a:prstGeom prst="straightConnector1">
+            <a:avLst/>
+          </a:prstGeom>
+          <a:ln>
+            <a:tailEnd type="triangle"/>
+          </a:ln>
+        </p:spPr>
+        <p:style>
+          <a:lnRef idx="1">
+            <a:schemeClr val="accent1"/>
+          </a:lnRef>
+          <a:fillRef idx="0">
+            <a:schemeClr val="accent1"/>
+          </a:fillRef>
+          <a:effectRef idx="0">
+            <a:schemeClr val="accent1"/>
+          </a:effectRef>
+          <a:fontRef idx="minor">
+            <a:schemeClr val="tx1"/>
+          </a:fontRef>
+        </p:style>
+      </p:cxnSp>
+      <p:sp>
+        <p:nvSpPr>
+          <p:cNvPr id="16" name="TextBox 15"/>
+          <p:cNvSpPr txBox="1"/>
+          <p:nvPr/>
+        </p:nvSpPr>
+        <p:spPr>
+          <a:xfrm>
+            <a:off x="1147354" y="3917070"/>
+            <a:ext cx="409303" cy="369332"/>
+          </a:xfrm>
+          <a:prstGeom prst="rect">
+            <a:avLst/>
+          </a:prstGeom>
+          <a:noFill/>
+        </p:spPr>
+        <p:txBody>
+          <a:bodyPr wrap="square" rtlCol="0">
+            <a:spAutoFit/>
+          </a:bodyPr>
+          <a:lstStyle/>
+          <a:p>
+            <a:r>
+              <a:rPr lang="ko-KR" altLang="en-US" sz="900" dirty="0" smtClean="0"/>
+              <a:t>성공</a:t>
+            </a:r>
+            <a:endParaRPr lang="ko-KR" altLang="en-US" sz="900" dirty="0"/>
+          </a:p>
+        </p:txBody>
+      </p:sp>
+      <p:sp>
+        <p:nvSpPr>
+          <p:cNvPr id="17" name="TextBox 16"/>
+          <p:cNvSpPr txBox="1"/>
+          <p:nvPr/>
+        </p:nvSpPr>
+        <p:spPr>
+          <a:xfrm>
+            <a:off x="2677885" y="3908362"/>
+            <a:ext cx="409303" cy="369332"/>
+          </a:xfrm>
+          <a:prstGeom prst="rect">
+            <a:avLst/>
+          </a:prstGeom>
+          <a:noFill/>
+        </p:spPr>
+        <p:txBody>
+          <a:bodyPr wrap="square" rtlCol="0">
+            <a:spAutoFit/>
+          </a:bodyPr>
+          <a:lstStyle/>
+          <a:p>
+            <a:r>
+              <a:rPr lang="ko-KR" altLang="en-US" sz="900" dirty="0" smtClean="0"/>
+              <a:t>실패</a:t>
+            </a:r>
+            <a:endParaRPr lang="ko-KR" altLang="en-US" sz="900" dirty="0"/>
+          </a:p>
+        </p:txBody>
+      </p:sp>
+      <p:sp>
+        <p:nvSpPr>
+          <p:cNvPr id="18" name="Oval 17"/>
+          <p:cNvSpPr/>
+          <p:nvPr/>
+        </p:nvSpPr>
+        <p:spPr>
+          <a:xfrm>
+            <a:off x="150222" y="4554583"/>
+            <a:ext cx="1082039" cy="1097280"/>
+          </a:xfrm>
+          <a:prstGeom prst="ellipse">
+            <a:avLst/>
+          </a:prstGeom>
+        </p:spPr>
+        <p:style>
+          <a:lnRef idx="2">
+            <a:schemeClr val="dk1"/>
+          </a:lnRef>
+          <a:fillRef idx="1">
+            <a:schemeClr val="lt1"/>
+          </a:fillRef>
+          <a:effectRef idx="0">
+            <a:schemeClr val="dk1"/>
+          </a:effectRef>
+          <a:fontRef idx="minor">
+            <a:schemeClr val="dk1"/>
+          </a:fontRef>
+        </p:style>
+        <p:txBody>
+          <a:bodyPr rtlCol="0" anchor="ctr"/>
+          <a:lstStyle/>
+          <a:p>
+            <a:pPr algn="ctr"/>
+            <a:r>
+              <a:rPr lang="ko-KR" altLang="en-US" sz="1000" dirty="0" smtClean="0"/>
+              <a:t>프로그램 속도 향상</a:t>
+            </a:r>
+            <a:endParaRPr lang="ko-KR" altLang="en-US" sz="1000" dirty="0"/>
+          </a:p>
+        </p:txBody>
+      </p:sp>
+      <p:sp>
+        <p:nvSpPr>
+          <p:cNvPr id="19" name="Oval 18"/>
+          <p:cNvSpPr/>
+          <p:nvPr/>
+        </p:nvSpPr>
+        <p:spPr>
+          <a:xfrm>
+            <a:off x="2505892" y="4554583"/>
+            <a:ext cx="1082039" cy="1097280"/>
+          </a:xfrm>
+          <a:prstGeom prst="ellipse">
+            <a:avLst/>
+          </a:prstGeom>
+        </p:spPr>
+        <p:style>
+          <a:lnRef idx="2">
+            <a:schemeClr val="dk1"/>
+          </a:lnRef>
+          <a:fillRef idx="1">
+            <a:schemeClr val="lt1"/>
+          </a:fillRef>
+          <a:effectRef idx="0">
+            <a:schemeClr val="dk1"/>
+          </a:effectRef>
+          <a:fontRef idx="minor">
+            <a:schemeClr val="dk1"/>
+          </a:fontRef>
+        </p:style>
+        <p:txBody>
+          <a:bodyPr rtlCol="0" anchor="ctr"/>
+          <a:lstStyle/>
+          <a:p>
+            <a:pPr algn="ctr"/>
+            <a:r>
+              <a:rPr lang="ko-KR" altLang="en-US" sz="1000" dirty="0" smtClean="0"/>
+              <a:t>현재의 데이터 가공 알고리즘 사용</a:t>
+            </a:r>
+            <a:endParaRPr lang="ko-KR" altLang="en-US" sz="1000" dirty="0"/>
+          </a:p>
+        </p:txBody>
+      </p:sp>
+      <p:cxnSp>
+        <p:nvCxnSpPr>
+          <p:cNvPr id="20" name="Straight Arrow Connector 19"/>
+          <p:cNvCxnSpPr/>
+          <p:nvPr/>
+        </p:nvCxnSpPr>
+        <p:spPr>
+          <a:xfrm>
+            <a:off x="5956663" y="1602377"/>
+            <a:ext cx="0" cy="975360"/>
+          </a:xfrm>
+          <a:prstGeom prst="straightConnector1">
+            <a:avLst/>
+          </a:prstGeom>
+          <a:ln>
+            <a:tailEnd type="triangle"/>
+          </a:ln>
+        </p:spPr>
+        <p:style>
+          <a:lnRef idx="1">
+            <a:schemeClr val="accent1"/>
+          </a:lnRef>
+          <a:fillRef idx="0">
+            <a:schemeClr val="accent1"/>
+          </a:fillRef>
+          <a:effectRef idx="0">
+            <a:schemeClr val="accent1"/>
+          </a:effectRef>
+          <a:fontRef idx="minor">
+            <a:schemeClr val="tx1"/>
+          </a:fontRef>
+        </p:style>
+      </p:cxnSp>
+      <p:sp>
+        <p:nvSpPr>
+          <p:cNvPr id="21" name="Rectangle 20"/>
+          <p:cNvSpPr/>
+          <p:nvPr/>
+        </p:nvSpPr>
+        <p:spPr>
+          <a:xfrm>
+            <a:off x="4428309" y="2647405"/>
+            <a:ext cx="3056708" cy="1053737"/>
+          </a:xfrm>
+          <a:prstGeom prst="rect">
+            <a:avLst/>
+          </a:prstGeom>
+        </p:spPr>
+        <p:style>
+          <a:lnRef idx="2">
+            <a:schemeClr val="dk1"/>
+          </a:lnRef>
+          <a:fillRef idx="1">
+            <a:schemeClr val="lt1"/>
+          </a:fillRef>
+          <a:effectRef idx="0">
+            <a:schemeClr val="dk1"/>
+          </a:effectRef>
+          <a:fontRef idx="minor">
+            <a:schemeClr val="dk1"/>
+          </a:fontRef>
+        </p:style>
+        <p:txBody>
+          <a:bodyPr rtlCol="0" anchor="ctr"/>
+          <a:lstStyle/>
+          <a:p>
+            <a:pPr algn="ctr"/>
+            <a:r>
+              <a:rPr lang="en-US" altLang="ko-KR" dirty="0" smtClean="0"/>
+              <a:t>Bias, Overfitting </a:t>
+            </a:r>
+            <a:r>
+              <a:rPr lang="ko-KR" altLang="en-US" dirty="0" smtClean="0"/>
+              <a:t>을 고려한 알고리즘 개발</a:t>
+            </a:r>
+            <a:endParaRPr lang="ko-KR" altLang="en-US" dirty="0"/>
+          </a:p>
+        </p:txBody>
+      </p:sp>
+      <p:cxnSp>
+        <p:nvCxnSpPr>
+          <p:cNvPr id="23" name="Straight Arrow Connector 22"/>
+          <p:cNvCxnSpPr>
+            <a:stCxn id="21" idx="2"/>
+          </p:cNvCxnSpPr>
+          <p:nvPr/>
+        </p:nvCxnSpPr>
+        <p:spPr>
+          <a:xfrm>
+            <a:off x="5956663" y="3701142"/>
+            <a:ext cx="0" cy="775064"/>
+          </a:xfrm>
+          <a:prstGeom prst="straightConnector1">
+            <a:avLst/>
+          </a:prstGeom>
+          <a:ln>
+            <a:tailEnd type="triangle"/>
+          </a:ln>
+        </p:spPr>
+        <p:style>
+          <a:lnRef idx="1">
+            <a:schemeClr val="accent1"/>
+          </a:lnRef>
+          <a:fillRef idx="0">
+            <a:schemeClr val="accent1"/>
+          </a:fillRef>
+          <a:effectRef idx="0">
+            <a:schemeClr val="accent1"/>
+          </a:effectRef>
+          <a:fontRef idx="minor">
+            <a:schemeClr val="tx1"/>
+          </a:fontRef>
+        </p:style>
+      </p:cxnSp>
+      <p:sp>
+        <p:nvSpPr>
+          <p:cNvPr id="24" name="Oval 23"/>
+          <p:cNvSpPr/>
+          <p:nvPr/>
+        </p:nvSpPr>
+        <p:spPr>
+          <a:xfrm>
+            <a:off x="5415643" y="4476206"/>
+            <a:ext cx="1082039" cy="1097280"/>
+          </a:xfrm>
+          <a:prstGeom prst="ellipse">
+            <a:avLst/>
+          </a:prstGeom>
+        </p:spPr>
+        <p:style>
+          <a:lnRef idx="2">
+            <a:schemeClr val="dk1"/>
+          </a:lnRef>
+          <a:fillRef idx="1">
+            <a:schemeClr val="lt1"/>
+          </a:fillRef>
+          <a:effectRef idx="0">
+            <a:schemeClr val="dk1"/>
+          </a:effectRef>
+          <a:fontRef idx="minor">
+            <a:schemeClr val="dk1"/>
+          </a:fontRef>
+        </p:style>
+        <p:txBody>
+          <a:bodyPr rtlCol="0" anchor="ctr"/>
+          <a:lstStyle/>
+          <a:p>
+            <a:pPr algn="ctr"/>
+            <a:r>
+              <a:rPr lang="en-US" altLang="ko-KR" sz="1000" dirty="0" smtClean="0"/>
+              <a:t>SVD </a:t>
+            </a:r>
+            <a:r>
+              <a:rPr lang="ko-KR" altLang="en-US" sz="1000" dirty="0" smtClean="0"/>
+              <a:t>완성</a:t>
+            </a:r>
+            <a:endParaRPr lang="ko-KR" altLang="en-US" sz="1000" dirty="0"/>
+          </a:p>
+        </p:txBody>
+      </p:sp>
+      <p:cxnSp>
+        <p:nvCxnSpPr>
+          <p:cNvPr id="25" name="Straight Arrow Connector 24"/>
+          <p:cNvCxnSpPr/>
+          <p:nvPr/>
+        </p:nvCxnSpPr>
+        <p:spPr>
+          <a:xfrm>
+            <a:off x="9927773" y="1602377"/>
+            <a:ext cx="0" cy="975360"/>
+          </a:xfrm>
+          <a:prstGeom prst="straightConnector1">
+            <a:avLst/>
+          </a:prstGeom>
+          <a:ln>
+            <a:tailEnd type="triangle"/>
+          </a:ln>
+        </p:spPr>
+        <p:style>
+          <a:lnRef idx="1">
+            <a:schemeClr val="accent1"/>
+          </a:lnRef>
+          <a:fillRef idx="0">
+            <a:schemeClr val="accent1"/>
+          </a:fillRef>
+          <a:effectRef idx="0">
+            <a:schemeClr val="accent1"/>
+          </a:effectRef>
+          <a:fontRef idx="minor">
+            <a:schemeClr val="tx1"/>
+          </a:fontRef>
+        </p:style>
+      </p:cxnSp>
+      <p:sp>
+        <p:nvSpPr>
+          <p:cNvPr id="26" name="Rectangle 25"/>
+          <p:cNvSpPr/>
+          <p:nvPr/>
+        </p:nvSpPr>
+        <p:spPr>
+          <a:xfrm>
+            <a:off x="8412481" y="2664822"/>
+            <a:ext cx="3056708" cy="1053737"/>
+          </a:xfrm>
+          <a:prstGeom prst="rect">
+            <a:avLst/>
+          </a:prstGeom>
+        </p:spPr>
+        <p:style>
+          <a:lnRef idx="2">
+            <a:schemeClr val="dk1"/>
+          </a:lnRef>
+          <a:fillRef idx="1">
+            <a:schemeClr val="lt1"/>
+          </a:fillRef>
+          <a:effectRef idx="0">
+            <a:schemeClr val="dk1"/>
+          </a:effectRef>
+          <a:fontRef idx="minor">
+            <a:schemeClr val="dk1"/>
+          </a:fontRef>
+        </p:style>
+        <p:txBody>
+          <a:bodyPr rtlCol="0" anchor="ctr"/>
+          <a:lstStyle/>
+          <a:p>
+            <a:pPr algn="ctr"/>
+            <a:r>
+              <a:rPr lang="ko-KR" altLang="en-US" dirty="0" smtClean="0"/>
+              <a:t>유저별 공통점</a:t>
+            </a:r>
+            <a:r>
+              <a:rPr lang="en-US" altLang="ko-KR" dirty="0" smtClean="0"/>
+              <a:t>, </a:t>
+            </a:r>
+            <a:r>
+              <a:rPr lang="ko-KR" altLang="en-US" dirty="0" smtClean="0"/>
+              <a:t>영화별 공통점을 사용한 </a:t>
+            </a:r>
+            <a:r>
+              <a:rPr lang="en-US" altLang="ko-KR" dirty="0" smtClean="0"/>
+              <a:t>Neighborhood Modeling </a:t>
+            </a:r>
+            <a:r>
+              <a:rPr lang="ko-KR" altLang="en-US" dirty="0" smtClean="0"/>
+              <a:t>도입</a:t>
+            </a:r>
+            <a:endParaRPr lang="ko-KR" altLang="en-US" dirty="0"/>
+          </a:p>
+        </p:txBody>
+      </p:sp>
+      <p:cxnSp>
+        <p:nvCxnSpPr>
+          <p:cNvPr id="27" name="Straight Arrow Connector 26"/>
+          <p:cNvCxnSpPr/>
+          <p:nvPr/>
+        </p:nvCxnSpPr>
+        <p:spPr>
+          <a:xfrm>
+            <a:off x="9927773" y="3718559"/>
+            <a:ext cx="0" cy="775064"/>
+          </a:xfrm>
+          <a:prstGeom prst="straightConnector1">
+            <a:avLst/>
+          </a:prstGeom>
+          <a:ln>
+            <a:tailEnd type="triangle"/>
+          </a:ln>
+        </p:spPr>
+        <p:style>
+          <a:lnRef idx="1">
+            <a:schemeClr val="accent1"/>
+          </a:lnRef>
+          <a:fillRef idx="0">
+            <a:schemeClr val="accent1"/>
+          </a:fillRef>
+          <a:effectRef idx="0">
+            <a:schemeClr val="accent1"/>
+          </a:effectRef>
+          <a:fontRef idx="minor">
+            <a:schemeClr val="tx1"/>
+          </a:fontRef>
+        </p:style>
+      </p:cxnSp>
+      <p:sp>
+        <p:nvSpPr>
+          <p:cNvPr id="29" name="Oval 28"/>
+          <p:cNvSpPr/>
+          <p:nvPr/>
+        </p:nvSpPr>
+        <p:spPr>
+          <a:xfrm>
+            <a:off x="9386753" y="4554583"/>
+            <a:ext cx="1082039" cy="1097280"/>
+          </a:xfrm>
+          <a:prstGeom prst="ellipse">
+            <a:avLst/>
+          </a:prstGeom>
+        </p:spPr>
+        <p:style>
+          <a:lnRef idx="2">
+            <a:schemeClr val="dk1"/>
+          </a:lnRef>
+          <a:fillRef idx="1">
+            <a:schemeClr val="lt1"/>
+          </a:fillRef>
+          <a:effectRef idx="0">
+            <a:schemeClr val="dk1"/>
+          </a:effectRef>
+          <a:fontRef idx="minor">
+            <a:schemeClr val="dk1"/>
+          </a:fontRef>
+        </p:style>
+        <p:txBody>
+          <a:bodyPr rtlCol="0" anchor="ctr"/>
+          <a:lstStyle/>
+          <a:p>
+            <a:pPr algn="ctr"/>
+            <a:r>
+              <a:rPr lang="en-US" altLang="ko-KR" sz="1000" dirty="0" smtClean="0"/>
+              <a:t>SVD </a:t>
+            </a:r>
+            <a:r>
+              <a:rPr lang="ko-KR" altLang="en-US" sz="1000" dirty="0" smtClean="0"/>
+              <a:t>결과에 병합</a:t>
+            </a:r>
+            <a:endParaRPr lang="ko-KR" altLang="en-US" sz="1000" dirty="0"/>
+          </a:p>
+        </p:txBody>
+      </p:sp>
+    </p:spTree>
+    <p:extLst>
+      <p:ext uri="{BB962C8B-B14F-4D97-AF65-F5344CB8AC3E}">
+        <p14:creationId xmlns:p14="http://schemas.microsoft.com/office/powerpoint/2010/main" val="601276654"/>
+      </p:ext>
+    </p:extLst>
+  </p:cSld>
+  <p:clrMapOvr>
+    <a:masterClrMapping/>
+  </p:clrMapOvr>
 </p:sld>
 </file>
 
@@ -5118,6 +11741,833 @@
 <file path=ppt/slides/slide8.xml><?xml version="1.0" encoding="utf-8"?>
 <p:sld xmlns:a="http://schemas.openxmlformats.org/drawingml/2006/main" xmlns:r="http://schemas.openxmlformats.org/officeDocument/2006/relationships" xmlns:p="http://schemas.openxmlformats.org/presentationml/2006/main">
   <p:cSld>
+    <p:spTree>
+      <p:nvGrpSpPr>
+        <p:cNvPr id="1" name=""/>
+        <p:cNvGrpSpPr/>
+        <p:nvPr/>
+      </p:nvGrpSpPr>
+      <p:grpSpPr>
+        <a:xfrm>
+          <a:off x="0" y="0"/>
+          <a:ext cx="0" cy="0"/>
+          <a:chOff x="0" y="0"/>
+          <a:chExt cx="0" cy="0"/>
+        </a:xfrm>
+      </p:grpSpPr>
+      <p:sp>
+        <p:nvSpPr>
+          <p:cNvPr id="4" name="TextBox 3"/>
+          <p:cNvSpPr txBox="1"/>
+          <p:nvPr/>
+        </p:nvSpPr>
+        <p:spPr>
+          <a:xfrm>
+            <a:off x="548643" y="384803"/>
+            <a:ext cx="4697128" cy="523220"/>
+          </a:xfrm>
+          <a:prstGeom prst="rect">
+            <a:avLst/>
+          </a:prstGeom>
+          <a:noFill/>
+        </p:spPr>
+        <p:txBody>
+          <a:bodyPr wrap="square" rtlCol="0">
+            <a:spAutoFit/>
+          </a:bodyPr>
+          <a:lstStyle/>
+          <a:p>
+            <a:r>
+              <a:rPr lang="en-US" altLang="ko-KR" sz="2800" dirty="0" smtClean="0"/>
+              <a:t>1) </a:t>
+            </a:r>
+            <a:r>
+              <a:rPr lang="ko-KR" altLang="en-US" sz="2800" dirty="0" smtClean="0"/>
+              <a:t>데이터 수집</a:t>
+            </a:r>
+            <a:endParaRPr lang="ko-KR" altLang="en-US" sz="2800" dirty="0"/>
+          </a:p>
+        </p:txBody>
+      </p:sp>
+      <p:sp>
+        <p:nvSpPr>
+          <p:cNvPr id="5" name="TextBox 4"/>
+          <p:cNvSpPr txBox="1"/>
+          <p:nvPr/>
+        </p:nvSpPr>
+        <p:spPr>
+          <a:xfrm>
+            <a:off x="2897207" y="492524"/>
+            <a:ext cx="3409950" cy="307777"/>
+          </a:xfrm>
+          <a:prstGeom prst="rect">
+            <a:avLst/>
+          </a:prstGeom>
+          <a:noFill/>
+        </p:spPr>
+        <p:txBody>
+          <a:bodyPr wrap="square" rtlCol="0">
+            <a:spAutoFit/>
+          </a:bodyPr>
+          <a:lstStyle/>
+          <a:p>
+            <a:r>
+              <a:rPr lang="en-US" altLang="ko-KR" sz="1400" dirty="0" err="1" smtClean="0">
+                <a:solidFill>
+                  <a:srgbClr val="FF0000"/>
+                </a:solidFill>
+              </a:rPr>
+              <a:t>iMDB</a:t>
+            </a:r>
+            <a:r>
+              <a:rPr lang="en-US" altLang="ko-KR" sz="1400" dirty="0" smtClean="0">
+                <a:solidFill>
+                  <a:srgbClr val="FF0000"/>
+                </a:solidFill>
+              </a:rPr>
+              <a:t> API </a:t>
+            </a:r>
+            <a:r>
+              <a:rPr lang="ko-KR" altLang="en-US" sz="1400" dirty="0" smtClean="0">
+                <a:solidFill>
+                  <a:srgbClr val="FF0000"/>
+                </a:solidFill>
+              </a:rPr>
+              <a:t>로 추가 데이터 수집</a:t>
+            </a:r>
+            <a:endParaRPr lang="ko-KR" altLang="en-US" sz="1400" dirty="0">
+              <a:solidFill>
+                <a:srgbClr val="FF0000"/>
+              </a:solidFill>
+            </a:endParaRPr>
+          </a:p>
+        </p:txBody>
+      </p:sp>
+      <p:sp>
+        <p:nvSpPr>
+          <p:cNvPr id="6" name="Rectangle 5"/>
+          <p:cNvSpPr/>
+          <p:nvPr/>
+        </p:nvSpPr>
+        <p:spPr>
+          <a:xfrm>
+            <a:off x="8334373" y="269099"/>
+            <a:ext cx="3619500" cy="977272"/>
+          </a:xfrm>
+          <a:prstGeom prst="rect">
+            <a:avLst/>
+          </a:prstGeom>
+        </p:spPr>
+        <p:style>
+          <a:lnRef idx="2">
+            <a:schemeClr val="accent1">
+              <a:shade val="50000"/>
+            </a:schemeClr>
+          </a:lnRef>
+          <a:fillRef idx="1">
+            <a:schemeClr val="accent1"/>
+          </a:fillRef>
+          <a:effectRef idx="0">
+            <a:schemeClr val="accent1"/>
+          </a:effectRef>
+          <a:fontRef idx="minor">
+            <a:schemeClr val="lt1"/>
+          </a:fontRef>
+        </p:style>
+        <p:txBody>
+          <a:bodyPr rtlCol="0" anchor="ctr"/>
+          <a:lstStyle/>
+          <a:p>
+            <a:pPr algn="ctr"/>
+            <a:r>
+              <a:rPr lang="en-US" altLang="ko-KR" dirty="0" smtClean="0"/>
+              <a:t>.txt </a:t>
+            </a:r>
+            <a:r>
+              <a:rPr lang="ko-KR" altLang="en-US" dirty="0" smtClean="0"/>
+              <a:t>파일에서 영화 </a:t>
+            </a:r>
+            <a:r>
+              <a:rPr lang="en-US" altLang="ko-KR" dirty="0" smtClean="0"/>
+              <a:t>ID </a:t>
+            </a:r>
+            <a:r>
+              <a:rPr lang="ko-KR" altLang="en-US" dirty="0" smtClean="0"/>
+              <a:t>수집</a:t>
+            </a:r>
+            <a:endParaRPr lang="ko-KR" altLang="en-US" dirty="0"/>
+          </a:p>
+        </p:txBody>
+      </p:sp>
+      <p:cxnSp>
+        <p:nvCxnSpPr>
+          <p:cNvPr id="8" name="Straight Arrow Connector 7"/>
+          <p:cNvCxnSpPr/>
+          <p:nvPr/>
+        </p:nvCxnSpPr>
+        <p:spPr>
+          <a:xfrm>
+            <a:off x="10077450" y="1269169"/>
+            <a:ext cx="0" cy="762000"/>
+          </a:xfrm>
+          <a:prstGeom prst="straightConnector1">
+            <a:avLst/>
+          </a:prstGeom>
+          <a:ln>
+            <a:tailEnd type="triangle"/>
+          </a:ln>
+        </p:spPr>
+        <p:style>
+          <a:lnRef idx="1">
+            <a:schemeClr val="accent1"/>
+          </a:lnRef>
+          <a:fillRef idx="0">
+            <a:schemeClr val="accent1"/>
+          </a:fillRef>
+          <a:effectRef idx="0">
+            <a:schemeClr val="accent1"/>
+          </a:effectRef>
+          <a:fontRef idx="minor">
+            <a:schemeClr val="tx1"/>
+          </a:fontRef>
+        </p:style>
+      </p:cxnSp>
+      <p:sp>
+        <p:nvSpPr>
+          <p:cNvPr id="9" name="Oval 8"/>
+          <p:cNvSpPr/>
+          <p:nvPr/>
+        </p:nvSpPr>
+        <p:spPr>
+          <a:xfrm>
+            <a:off x="8958265" y="2031169"/>
+            <a:ext cx="2181225" cy="1333500"/>
+          </a:xfrm>
+          <a:prstGeom prst="ellipse">
+            <a:avLst/>
+          </a:prstGeom>
+          <a:solidFill>
+            <a:schemeClr val="accent2"/>
+          </a:solidFill>
+        </p:spPr>
+        <p:style>
+          <a:lnRef idx="2">
+            <a:schemeClr val="accent1">
+              <a:shade val="50000"/>
+            </a:schemeClr>
+          </a:lnRef>
+          <a:fillRef idx="1">
+            <a:schemeClr val="accent1"/>
+          </a:fillRef>
+          <a:effectRef idx="0">
+            <a:schemeClr val="accent1"/>
+          </a:effectRef>
+          <a:fontRef idx="minor">
+            <a:schemeClr val="lt1"/>
+          </a:fontRef>
+        </p:style>
+        <p:txBody>
+          <a:bodyPr rtlCol="0" anchor="ctr"/>
+          <a:lstStyle/>
+          <a:p>
+            <a:pPr algn="ctr"/>
+            <a:r>
+              <a:rPr lang="en-US" altLang="ko-KR" sz="1400" dirty="0" smtClean="0"/>
+              <a:t>.csv </a:t>
+            </a:r>
+            <a:r>
+              <a:rPr lang="ko-KR" altLang="en-US" sz="1400" dirty="0" smtClean="0"/>
+              <a:t>파일 데이터로 </a:t>
+            </a:r>
+            <a:r>
+              <a:rPr lang="en-US" altLang="ko-KR" sz="1400" dirty="0" smtClean="0"/>
+              <a:t>ID </a:t>
+            </a:r>
+            <a:r>
+              <a:rPr lang="ko-KR" altLang="en-US" sz="1400" dirty="0" smtClean="0"/>
+              <a:t>별 영화제목 수집</a:t>
+            </a:r>
+            <a:endParaRPr lang="ko-KR" altLang="en-US" sz="1400" dirty="0"/>
+          </a:p>
+        </p:txBody>
+      </p:sp>
+      <p:cxnSp>
+        <p:nvCxnSpPr>
+          <p:cNvPr id="11" name="Straight Arrow Connector 10"/>
+          <p:cNvCxnSpPr/>
+          <p:nvPr/>
+        </p:nvCxnSpPr>
+        <p:spPr>
+          <a:xfrm flipH="1">
+            <a:off x="10077449" y="3408760"/>
+            <a:ext cx="1" cy="581025"/>
+          </a:xfrm>
+          <a:prstGeom prst="straightConnector1">
+            <a:avLst/>
+          </a:prstGeom>
+          <a:ln>
+            <a:tailEnd type="triangle"/>
+          </a:ln>
+        </p:spPr>
+        <p:style>
+          <a:lnRef idx="1">
+            <a:schemeClr val="accent1"/>
+          </a:lnRef>
+          <a:fillRef idx="0">
+            <a:schemeClr val="accent1"/>
+          </a:fillRef>
+          <a:effectRef idx="0">
+            <a:schemeClr val="accent1"/>
+          </a:effectRef>
+          <a:fontRef idx="minor">
+            <a:schemeClr val="tx1"/>
+          </a:fontRef>
+        </p:style>
+      </p:cxnSp>
+      <p:sp>
+        <p:nvSpPr>
+          <p:cNvPr id="13" name="Rectangle 12"/>
+          <p:cNvSpPr/>
+          <p:nvPr/>
+        </p:nvSpPr>
+        <p:spPr>
+          <a:xfrm>
+            <a:off x="8334375" y="4077970"/>
+            <a:ext cx="3619500" cy="977272"/>
+          </a:xfrm>
+          <a:prstGeom prst="rect">
+            <a:avLst/>
+          </a:prstGeom>
+        </p:spPr>
+        <p:style>
+          <a:lnRef idx="2">
+            <a:schemeClr val="accent1">
+              <a:shade val="50000"/>
+            </a:schemeClr>
+          </a:lnRef>
+          <a:fillRef idx="1">
+            <a:schemeClr val="accent1"/>
+          </a:fillRef>
+          <a:effectRef idx="0">
+            <a:schemeClr val="accent1"/>
+          </a:effectRef>
+          <a:fontRef idx="minor">
+            <a:schemeClr val="lt1"/>
+          </a:fontRef>
+        </p:style>
+        <p:txBody>
+          <a:bodyPr rtlCol="0" anchor="ctr"/>
+          <a:lstStyle/>
+          <a:p>
+            <a:pPr algn="ctr"/>
+            <a:r>
+              <a:rPr lang="en-US" altLang="ko-KR" dirty="0" smtClean="0"/>
+              <a:t> </a:t>
+            </a:r>
+            <a:r>
+              <a:rPr lang="ko-KR" altLang="en-US" dirty="0" smtClean="0"/>
+              <a:t>파이썬 프로그램으로 </a:t>
+            </a:r>
+            <a:r>
+              <a:rPr lang="en-US" altLang="ko-KR" dirty="0" smtClean="0"/>
+              <a:t>API </a:t>
+            </a:r>
+            <a:r>
+              <a:rPr lang="ko-KR" altLang="en-US" dirty="0" smtClean="0"/>
+              <a:t>접속</a:t>
+            </a:r>
+            <a:endParaRPr lang="ko-KR" altLang="en-US" dirty="0"/>
+          </a:p>
+        </p:txBody>
+      </p:sp>
+      <p:cxnSp>
+        <p:nvCxnSpPr>
+          <p:cNvPr id="15" name="Straight Arrow Connector 14"/>
+          <p:cNvCxnSpPr/>
+          <p:nvPr/>
+        </p:nvCxnSpPr>
+        <p:spPr>
+          <a:xfrm flipH="1">
+            <a:off x="10077450" y="5051439"/>
+            <a:ext cx="1" cy="584828"/>
+          </a:xfrm>
+          <a:prstGeom prst="straightConnector1">
+            <a:avLst/>
+          </a:prstGeom>
+          <a:ln>
+            <a:tailEnd type="triangle"/>
+          </a:ln>
+        </p:spPr>
+        <p:style>
+          <a:lnRef idx="1">
+            <a:schemeClr val="accent1"/>
+          </a:lnRef>
+          <a:fillRef idx="0">
+            <a:schemeClr val="accent1"/>
+          </a:fillRef>
+          <a:effectRef idx="0">
+            <a:schemeClr val="accent1"/>
+          </a:effectRef>
+          <a:fontRef idx="minor">
+            <a:schemeClr val="tx1"/>
+          </a:fontRef>
+        </p:style>
+      </p:cxnSp>
+      <p:sp>
+        <p:nvSpPr>
+          <p:cNvPr id="16" name="Oval 15"/>
+          <p:cNvSpPr/>
+          <p:nvPr/>
+        </p:nvSpPr>
+        <p:spPr>
+          <a:xfrm>
+            <a:off x="9063039" y="5636267"/>
+            <a:ext cx="1971675" cy="1190625"/>
+          </a:xfrm>
+          <a:prstGeom prst="ellipse">
+            <a:avLst/>
+          </a:prstGeom>
+          <a:solidFill>
+            <a:schemeClr val="accent2"/>
+          </a:solidFill>
+        </p:spPr>
+        <p:style>
+          <a:lnRef idx="2">
+            <a:schemeClr val="accent1">
+              <a:shade val="50000"/>
+            </a:schemeClr>
+          </a:lnRef>
+          <a:fillRef idx="1">
+            <a:schemeClr val="accent1"/>
+          </a:fillRef>
+          <a:effectRef idx="0">
+            <a:schemeClr val="accent1"/>
+          </a:effectRef>
+          <a:fontRef idx="minor">
+            <a:schemeClr val="lt1"/>
+          </a:fontRef>
+        </p:style>
+        <p:txBody>
+          <a:bodyPr rtlCol="0" anchor="ctr"/>
+          <a:lstStyle/>
+          <a:p>
+            <a:pPr algn="ctr"/>
+            <a:r>
+              <a:rPr lang="en-US" altLang="ko-KR" dirty="0" smtClean="0"/>
+              <a:t>API</a:t>
+            </a:r>
+            <a:r>
+              <a:rPr lang="ko-KR" altLang="en-US" dirty="0" smtClean="0"/>
+              <a:t>데이터가공</a:t>
+            </a:r>
+            <a:endParaRPr lang="ko-KR" altLang="en-US" dirty="0"/>
+          </a:p>
+        </p:txBody>
+      </p:sp>
+      <p:sp>
+        <p:nvSpPr>
+          <p:cNvPr id="17" name="Rectangle 1"/>
+          <p:cNvSpPr>
+            <a:spLocks noChangeArrowheads="1"/>
+          </p:cNvSpPr>
+          <p:nvPr/>
+        </p:nvSpPr>
+        <p:spPr bwMode="auto">
+          <a:xfrm>
+            <a:off x="3705224" y="6464838"/>
+            <a:ext cx="5357815" cy="369332"/>
+          </a:xfrm>
+          <a:prstGeom prst="rect">
+            <a:avLst/>
+          </a:prstGeom>
+          <a:solidFill>
+            <a:srgbClr val="2B2B2B"/>
+          </a:solidFill>
+          <a:ln>
+            <a:noFill/>
+          </a:ln>
+          <a:effectLst/>
+          <a:extLst>
+            <a:ext uri="{91240B29-F687-4F45-9708-019B960494DF}">
+              <a14:hiddenLine xmlns:a14="http://schemas.microsoft.com/office/drawing/2010/main" w="9525">
+                <a:solidFill>
+                  <a:schemeClr val="tx1"/>
+                </a:solidFill>
+                <a:miter lim="800000"/>
+                <a:headEnd/>
+                <a:tailEnd/>
+              </a14:hiddenLine>
+            </a:ext>
+            <a:ext uri="{AF507438-7753-43E0-B8FC-AC1667EBCBE1}">
+              <a14:hiddenEffects xmlns:a14="http://schemas.microsoft.com/office/drawing/2010/main">
+                <a:effectLst>
+                  <a:outerShdw dist="35921" dir="2700000" algn="ctr" rotWithShape="0">
+                    <a:schemeClr val="bg2"/>
+                  </a:outerShdw>
+                </a:effectLst>
+              </a14:hiddenEffects>
+            </a:ext>
+          </a:extLst>
+        </p:spPr>
+        <p:txBody>
+          <a:bodyPr vert="horz" wrap="square" lIns="91440" tIns="45720" rIns="91440" bIns="45720" numCol="1" anchor="ctr" anchorCtr="0" compatLnSpc="1">
+            <a:prstTxWarp prst="textNoShape">
+              <a:avLst/>
+            </a:prstTxWarp>
+            <a:spAutoFit/>
+          </a:bodyPr>
+          <a:lstStyle/>
+          <a:p>
+            <a:pPr marL="0" marR="0" lvl="0" indent="0" algn="l" defTabSz="914400" rtl="0" eaLnBrk="0" fontAlgn="base" latinLnBrk="0" hangingPunct="0">
+              <a:lnSpc>
+                <a:spcPct val="100000"/>
+              </a:lnSpc>
+              <a:spcBef>
+                <a:spcPct val="0"/>
+              </a:spcBef>
+              <a:spcAft>
+                <a:spcPct val="0"/>
+              </a:spcAft>
+              <a:buClrTx/>
+              <a:buSzTx/>
+              <a:buFontTx/>
+              <a:buNone/>
+              <a:tabLst/>
+            </a:pPr>
+            <a:r>
+              <a:rPr kumimoji="0" lang="ko-KR" altLang="ko-KR" sz="900" b="0" i="0" u="none" strike="noStrike" cap="none" normalizeH="0" baseline="0" dirty="0" smtClean="0">
+                <a:ln>
+                  <a:noFill/>
+                </a:ln>
+                <a:solidFill>
+                  <a:srgbClr val="A5C261"/>
+                </a:solidFill>
+                <a:effectLst/>
+                <a:latin typeface="굴림체" panose="020B0609000101010101" pitchFamily="49" charset="-127"/>
+                <a:ea typeface="굴림체" panose="020B0609000101010101" pitchFamily="49" charset="-127"/>
+              </a:rPr>
+              <a:t>'https://api.themoviedb.org/3/search/movie?api_key=5f2f74c5dad2ce53ec50300cf1633a34&amp;query='</a:t>
+            </a:r>
+            <a:endParaRPr kumimoji="0" lang="ko-KR" altLang="ko-KR" sz="1800" b="0" i="0" u="none" strike="noStrike" cap="none" normalizeH="0" baseline="0" dirty="0" smtClean="0">
+              <a:ln>
+                <a:noFill/>
+              </a:ln>
+              <a:solidFill>
+                <a:schemeClr val="tx1"/>
+              </a:solidFill>
+              <a:effectLst/>
+              <a:latin typeface="Arial" panose="020B0604020202020204" pitchFamily="34" charset="0"/>
+            </a:endParaRPr>
+          </a:p>
+        </p:txBody>
+      </p:sp>
+      <p:sp>
+        <p:nvSpPr>
+          <p:cNvPr id="18" name="TextBox 17"/>
+          <p:cNvSpPr txBox="1"/>
+          <p:nvPr/>
+        </p:nvSpPr>
+        <p:spPr>
+          <a:xfrm>
+            <a:off x="548643" y="6310949"/>
+            <a:ext cx="2600325" cy="307777"/>
+          </a:xfrm>
+          <a:prstGeom prst="rect">
+            <a:avLst/>
+          </a:prstGeom>
+          <a:noFill/>
+        </p:spPr>
+        <p:txBody>
+          <a:bodyPr wrap="square" rtlCol="0">
+            <a:spAutoFit/>
+          </a:bodyPr>
+          <a:lstStyle/>
+          <a:p>
+            <a:r>
+              <a:rPr lang="en-US" altLang="ko-KR" sz="1400" dirty="0" smtClean="0">
+                <a:solidFill>
+                  <a:srgbClr val="FF0000"/>
+                </a:solidFill>
+              </a:rPr>
+              <a:t>.csv </a:t>
+            </a:r>
+            <a:r>
+              <a:rPr lang="ko-KR" altLang="en-US" sz="1400" dirty="0" smtClean="0">
+                <a:solidFill>
+                  <a:srgbClr val="FF0000"/>
+                </a:solidFill>
+              </a:rPr>
+              <a:t>파일</a:t>
+            </a:r>
+            <a:r>
+              <a:rPr lang="en-US" altLang="ko-KR" sz="1400" dirty="0">
+                <a:solidFill>
+                  <a:srgbClr val="FF0000"/>
+                </a:solidFill>
+              </a:rPr>
+              <a:t> </a:t>
+            </a:r>
+            <a:r>
+              <a:rPr lang="ko-KR" altLang="en-US" sz="1400" dirty="0" smtClean="0">
+                <a:solidFill>
+                  <a:srgbClr val="FF0000"/>
+                </a:solidFill>
+              </a:rPr>
+              <a:t>구조 </a:t>
+            </a:r>
+            <a:endParaRPr lang="ko-KR" altLang="en-US" sz="1400" dirty="0">
+              <a:solidFill>
+                <a:srgbClr val="FF0000"/>
+              </a:solidFill>
+            </a:endParaRPr>
+          </a:p>
+        </p:txBody>
+      </p:sp>
+      <p:graphicFrame>
+        <p:nvGraphicFramePr>
+          <p:cNvPr id="19" name="Table 18"/>
+          <p:cNvGraphicFramePr>
+            <a:graphicFrameLocks noGrp="1"/>
+          </p:cNvGraphicFramePr>
+          <p:nvPr>
+            <p:extLst>
+              <p:ext uri="{D42A27DB-BD31-4B8C-83A1-F6EECF244321}">
+                <p14:modId xmlns:p14="http://schemas.microsoft.com/office/powerpoint/2010/main" val="72690481"/>
+              </p:ext>
+            </p:extLst>
+          </p:nvPr>
+        </p:nvGraphicFramePr>
+        <p:xfrm>
+          <a:off x="548643" y="4827589"/>
+          <a:ext cx="4521200" cy="1483360"/>
+        </p:xfrm>
+        <a:graphic>
+          <a:graphicData uri="http://schemas.openxmlformats.org/drawingml/2006/table">
+            <a:tbl>
+              <a:tblPr firstRow="1" bandRow="1">
+                <a:tableStyleId>{5C22544A-7EE6-4342-B048-85BDC9FD1C3A}</a:tableStyleId>
+              </a:tblPr>
+              <a:tblGrid>
+                <a:gridCol w="2260600"/>
+                <a:gridCol w="2260600"/>
+              </a:tblGrid>
+              <a:tr h="370840">
+                <a:tc>
+                  <a:txBody>
+                    <a:bodyPr/>
+                    <a:lstStyle/>
+                    <a:p>
+                      <a:pPr latinLnBrk="1"/>
+                      <a:r>
+                        <a:rPr lang="en-US" altLang="ko-KR" dirty="0" err="1" smtClean="0"/>
+                        <a:t>MovieID</a:t>
+                      </a:r>
+                      <a:endParaRPr lang="ko-KR" altLang="en-US" dirty="0"/>
+                    </a:p>
+                  </a:txBody>
+                  <a:tcPr/>
+                </a:tc>
+                <a:tc>
+                  <a:txBody>
+                    <a:bodyPr/>
+                    <a:lstStyle/>
+                    <a:p>
+                      <a:pPr latinLnBrk="1"/>
+                      <a:r>
+                        <a:rPr lang="en-US" altLang="ko-KR" dirty="0" smtClean="0"/>
+                        <a:t>Movie Name</a:t>
+                      </a:r>
+                      <a:endParaRPr lang="ko-KR" altLang="en-US" dirty="0"/>
+                    </a:p>
+                  </a:txBody>
+                  <a:tcPr/>
+                </a:tc>
+              </a:tr>
+              <a:tr h="370840">
+                <a:tc>
+                  <a:txBody>
+                    <a:bodyPr/>
+                    <a:lstStyle/>
+                    <a:p>
+                      <a:pPr latinLnBrk="1"/>
+                      <a:r>
+                        <a:rPr lang="en-US" altLang="ko-KR" dirty="0" smtClean="0"/>
+                        <a:t>1</a:t>
+                      </a:r>
+                      <a:endParaRPr lang="ko-KR" altLang="en-US" dirty="0"/>
+                    </a:p>
+                  </a:txBody>
+                  <a:tcPr/>
+                </a:tc>
+                <a:tc>
+                  <a:txBody>
+                    <a:bodyPr/>
+                    <a:lstStyle/>
+                    <a:p>
+                      <a:pPr latinLnBrk="1"/>
+                      <a:r>
+                        <a:rPr lang="en-US" altLang="ko-KR" dirty="0" smtClean="0"/>
+                        <a:t>Dinosaur</a:t>
+                      </a:r>
+                      <a:r>
+                        <a:rPr lang="en-US" altLang="ko-KR" baseline="0" dirty="0" smtClean="0"/>
+                        <a:t> Planet</a:t>
+                      </a:r>
+                    </a:p>
+                  </a:txBody>
+                  <a:tcPr/>
+                </a:tc>
+              </a:tr>
+              <a:tr h="370840">
+                <a:tc>
+                  <a:txBody>
+                    <a:bodyPr/>
+                    <a:lstStyle/>
+                    <a:p>
+                      <a:pPr latinLnBrk="1"/>
+                      <a:r>
+                        <a:rPr lang="en-US" altLang="ko-KR" dirty="0" smtClean="0"/>
+                        <a:t>2</a:t>
+                      </a:r>
+                      <a:endParaRPr lang="ko-KR" altLang="en-US" dirty="0"/>
+                    </a:p>
+                  </a:txBody>
+                  <a:tcPr/>
+                </a:tc>
+                <a:tc>
+                  <a:txBody>
+                    <a:bodyPr/>
+                    <a:lstStyle/>
+                    <a:p>
+                      <a:pPr latinLnBrk="1"/>
+                      <a:r>
+                        <a:rPr lang="en-US" altLang="ko-KR" dirty="0" smtClean="0"/>
+                        <a:t>Titanic</a:t>
+                      </a:r>
+                      <a:endParaRPr lang="ko-KR" altLang="en-US" dirty="0"/>
+                    </a:p>
+                  </a:txBody>
+                  <a:tcPr/>
+                </a:tc>
+              </a:tr>
+              <a:tr h="370840">
+                <a:tc>
+                  <a:txBody>
+                    <a:bodyPr/>
+                    <a:lstStyle/>
+                    <a:p>
+                      <a:pPr latinLnBrk="1"/>
+                      <a:r>
+                        <a:rPr lang="en-US" altLang="ko-KR" dirty="0" smtClean="0"/>
+                        <a:t>X</a:t>
+                      </a:r>
+                      <a:endParaRPr lang="ko-KR" altLang="en-US" dirty="0"/>
+                    </a:p>
+                  </a:txBody>
+                  <a:tcPr/>
+                </a:tc>
+                <a:tc>
+                  <a:txBody>
+                    <a:bodyPr/>
+                    <a:lstStyle/>
+                    <a:p>
+                      <a:pPr latinLnBrk="1"/>
+                      <a:r>
+                        <a:rPr lang="en-US" altLang="ko-KR" dirty="0" smtClean="0"/>
+                        <a:t>Y</a:t>
+                      </a:r>
+                      <a:endParaRPr lang="ko-KR" altLang="en-US" dirty="0"/>
+                    </a:p>
+                  </a:txBody>
+                  <a:tcPr/>
+                </a:tc>
+              </a:tr>
+            </a:tbl>
+          </a:graphicData>
+        </a:graphic>
+      </p:graphicFrame>
+      <p:pic>
+        <p:nvPicPr>
+          <p:cNvPr id="20" name="Picture 19"/>
+          <p:cNvPicPr>
+            <a:picLocks noChangeAspect="1"/>
+          </p:cNvPicPr>
+          <p:nvPr/>
+        </p:nvPicPr>
+        <p:blipFill>
+          <a:blip r:embed="rId2"/>
+          <a:stretch>
+            <a:fillRect/>
+          </a:stretch>
+        </p:blipFill>
+        <p:spPr>
+          <a:xfrm>
+            <a:off x="548643" y="1059775"/>
+            <a:ext cx="4405330" cy="3660091"/>
+          </a:xfrm>
+          <a:prstGeom prst="rect">
+            <a:avLst/>
+          </a:prstGeom>
+        </p:spPr>
+      </p:pic>
+      <p:cxnSp>
+        <p:nvCxnSpPr>
+          <p:cNvPr id="22" name="Straight Arrow Connector 21"/>
+          <p:cNvCxnSpPr>
+            <a:stCxn id="13" idx="1"/>
+          </p:cNvCxnSpPr>
+          <p:nvPr/>
+        </p:nvCxnSpPr>
+        <p:spPr>
+          <a:xfrm flipH="1" flipV="1">
+            <a:off x="5069843" y="2952750"/>
+            <a:ext cx="3264532" cy="1613856"/>
+          </a:xfrm>
+          <a:prstGeom prst="straightConnector1">
+            <a:avLst/>
+          </a:prstGeom>
+          <a:ln>
+            <a:tailEnd type="triangle"/>
+          </a:ln>
+        </p:spPr>
+        <p:style>
+          <a:lnRef idx="1">
+            <a:schemeClr val="accent1"/>
+          </a:lnRef>
+          <a:fillRef idx="0">
+            <a:schemeClr val="accent1"/>
+          </a:fillRef>
+          <a:effectRef idx="0">
+            <a:schemeClr val="accent1"/>
+          </a:effectRef>
+          <a:fontRef idx="minor">
+            <a:schemeClr val="tx1"/>
+          </a:fontRef>
+        </p:style>
+      </p:cxnSp>
+    </p:spTree>
+    <p:extLst>
+      <p:ext uri="{BB962C8B-B14F-4D97-AF65-F5344CB8AC3E}">
+        <p14:creationId xmlns:p14="http://schemas.microsoft.com/office/powerpoint/2010/main" val="1616984659"/>
+      </p:ext>
+    </p:extLst>
+  </p:cSld>
+  <p:clrMapOvr>
+    <a:masterClrMapping/>
+  </p:clrMapOvr>
+  <p:timing>
+    <p:tnLst>
+      <p:par>
+        <p:cTn id="1" dur="indefinite" restart="never" nodeType="tmRoot"/>
+      </p:par>
+    </p:tnLst>
+  </p:timing>
+</p:sld>
+</file>
+
+<file path=ppt/slides/slide9.xml><?xml version="1.0" encoding="utf-8"?>
+<p:sld xmlns:a="http://schemas.openxmlformats.org/drawingml/2006/main" xmlns:r="http://schemas.openxmlformats.org/officeDocument/2006/relationships" xmlns:p="http://schemas.openxmlformats.org/presentationml/2006/main">
+  <p:cSld>
     <p:bg>
       <p:bgPr>
         <a:gradFill>
@@ -5219,81 +12669,6 @@
     <p:extLst>
       <p:ext uri="{BB962C8B-B14F-4D97-AF65-F5344CB8AC3E}">
         <p14:creationId xmlns:p14="http://schemas.microsoft.com/office/powerpoint/2010/main" val="3206460759"/>
-      </p:ext>
-    </p:extLst>
-  </p:cSld>
-  <p:clrMapOvr>
-    <a:masterClrMapping/>
-  </p:clrMapOvr>
-  <p:timing>
-    <p:tnLst>
-      <p:par>
-        <p:cTn id="1" dur="indefinite" restart="never" nodeType="tmRoot"/>
-      </p:par>
-    </p:tnLst>
-  </p:timing>
-</p:sld>
-</file>
-
-<file path=ppt/slides/slide9.xml><?xml version="1.0" encoding="utf-8"?>
-<p:sld xmlns:a="http://schemas.openxmlformats.org/drawingml/2006/main" xmlns:r="http://schemas.openxmlformats.org/officeDocument/2006/relationships" xmlns:p="http://schemas.openxmlformats.org/presentationml/2006/main">
-  <p:cSld>
-    <p:spTree>
-      <p:nvGrpSpPr>
-        <p:cNvPr id="1" name=""/>
-        <p:cNvGrpSpPr/>
-        <p:nvPr/>
-      </p:nvGrpSpPr>
-      <p:grpSpPr>
-        <a:xfrm>
-          <a:off x="0" y="0"/>
-          <a:ext cx="0" cy="0"/>
-          <a:chOff x="0" y="0"/>
-          <a:chExt cx="0" cy="0"/>
-        </a:xfrm>
-      </p:grpSpPr>
-      <p:sp>
-        <p:nvSpPr>
-          <p:cNvPr id="6" name="TextBox 5"/>
-          <p:cNvSpPr txBox="1"/>
-          <p:nvPr/>
-        </p:nvSpPr>
-        <p:spPr>
-          <a:xfrm>
-            <a:off x="548643" y="384803"/>
-            <a:ext cx="4697128" cy="523220"/>
-          </a:xfrm>
-          <a:prstGeom prst="rect">
-            <a:avLst/>
-          </a:prstGeom>
-          <a:noFill/>
-        </p:spPr>
-        <p:txBody>
-          <a:bodyPr wrap="square" rtlCol="0">
-            <a:spAutoFit/>
-          </a:bodyPr>
-          <a:lstStyle/>
-          <a:p>
-            <a:r>
-              <a:rPr lang="en-US" altLang="ko-KR" sz="2800" dirty="0"/>
-              <a:t>2</a:t>
-            </a:r>
-            <a:r>
-              <a:rPr lang="en-US" altLang="ko-KR" sz="2800" dirty="0" smtClean="0"/>
-              <a:t>) </a:t>
-            </a:r>
-            <a:r>
-              <a:rPr lang="ko-KR" altLang="en-US" sz="2800" dirty="0" smtClean="0"/>
-              <a:t>데이터 가공</a:t>
-            </a:r>
-            <a:endParaRPr lang="ko-KR" altLang="en-US" sz="2800" dirty="0"/>
-          </a:p>
-        </p:txBody>
-      </p:sp>
-    </p:spTree>
-    <p:extLst>
-      <p:ext uri="{BB962C8B-B14F-4D97-AF65-F5344CB8AC3E}">
-        <p14:creationId xmlns:p14="http://schemas.microsoft.com/office/powerpoint/2010/main" val="2616555566"/>
       </p:ext>
     </p:extLst>
   </p:cSld>

--- a/넷플릭스.pptx
+++ b/넷플릭스.pptx
@@ -14,19 +14,16 @@
     <p:sldId id="262" r:id="rId8"/>
     <p:sldId id="265" r:id="rId9"/>
     <p:sldId id="263" r:id="rId10"/>
-    <p:sldId id="268" r:id="rId11"/>
-    <p:sldId id="264" r:id="rId12"/>
-    <p:sldId id="266" r:id="rId13"/>
-    <p:sldId id="267" r:id="rId14"/>
-    <p:sldId id="269" r:id="rId15"/>
-    <p:sldId id="270" r:id="rId16"/>
-    <p:sldId id="271" r:id="rId17"/>
-    <p:sldId id="272" r:id="rId18"/>
-    <p:sldId id="273" r:id="rId19"/>
-    <p:sldId id="274" r:id="rId20"/>
-    <p:sldId id="275" r:id="rId21"/>
-    <p:sldId id="276" r:id="rId22"/>
-    <p:sldId id="277" r:id="rId23"/>
+    <p:sldId id="278" r:id="rId11"/>
+    <p:sldId id="268" r:id="rId12"/>
+    <p:sldId id="270" r:id="rId13"/>
+    <p:sldId id="271" r:id="rId14"/>
+    <p:sldId id="272" r:id="rId15"/>
+    <p:sldId id="273" r:id="rId16"/>
+    <p:sldId id="279" r:id="rId17"/>
+    <p:sldId id="275" r:id="rId18"/>
+    <p:sldId id="276" r:id="rId19"/>
+    <p:sldId id="277" r:id="rId20"/>
   </p:sldIdLst>
   <p:sldSz cx="12192000" cy="6858000"/>
   <p:notesSz cx="6858000" cy="9144000"/>
@@ -264,7 +261,7 @@
           <a:p>
             <a:fld id="{DE9DA6C0-B28F-46EF-86A1-81A5908CA26F}" type="datetimeFigureOut">
               <a:rPr lang="ko-KR" altLang="en-US" smtClean="0"/>
-              <a:t>2018. 7. 19.</a:t>
+              <a:t>2018. 7. 26.</a:t>
             </a:fld>
             <a:endParaRPr lang="ko-KR" altLang="en-US"/>
           </a:p>
@@ -434,7 +431,7 @@
           <a:p>
             <a:fld id="{DE9DA6C0-B28F-46EF-86A1-81A5908CA26F}" type="datetimeFigureOut">
               <a:rPr lang="ko-KR" altLang="en-US" smtClean="0"/>
-              <a:t>2018. 7. 19.</a:t>
+              <a:t>2018. 7. 26.</a:t>
             </a:fld>
             <a:endParaRPr lang="ko-KR" altLang="en-US"/>
           </a:p>
@@ -614,7 +611,7 @@
           <a:p>
             <a:fld id="{DE9DA6C0-B28F-46EF-86A1-81A5908CA26F}" type="datetimeFigureOut">
               <a:rPr lang="ko-KR" altLang="en-US" smtClean="0"/>
-              <a:t>2018. 7. 19.</a:t>
+              <a:t>2018. 7. 26.</a:t>
             </a:fld>
             <a:endParaRPr lang="ko-KR" altLang="en-US"/>
           </a:p>
@@ -784,7 +781,7 @@
           <a:p>
             <a:fld id="{DE9DA6C0-B28F-46EF-86A1-81A5908CA26F}" type="datetimeFigureOut">
               <a:rPr lang="ko-KR" altLang="en-US" smtClean="0"/>
-              <a:t>2018. 7. 19.</a:t>
+              <a:t>2018. 7. 26.</a:t>
             </a:fld>
             <a:endParaRPr lang="ko-KR" altLang="en-US"/>
           </a:p>
@@ -1030,7 +1027,7 @@
           <a:p>
             <a:fld id="{DE9DA6C0-B28F-46EF-86A1-81A5908CA26F}" type="datetimeFigureOut">
               <a:rPr lang="ko-KR" altLang="en-US" smtClean="0"/>
-              <a:t>2018. 7. 19.</a:t>
+              <a:t>2018. 7. 26.</a:t>
             </a:fld>
             <a:endParaRPr lang="ko-KR" altLang="en-US"/>
           </a:p>
@@ -1262,7 +1259,7 @@
           <a:p>
             <a:fld id="{DE9DA6C0-B28F-46EF-86A1-81A5908CA26F}" type="datetimeFigureOut">
               <a:rPr lang="ko-KR" altLang="en-US" smtClean="0"/>
-              <a:t>2018. 7. 19.</a:t>
+              <a:t>2018. 7. 26.</a:t>
             </a:fld>
             <a:endParaRPr lang="ko-KR" altLang="en-US"/>
           </a:p>
@@ -1629,7 +1626,7 @@
           <a:p>
             <a:fld id="{DE9DA6C0-B28F-46EF-86A1-81A5908CA26F}" type="datetimeFigureOut">
               <a:rPr lang="ko-KR" altLang="en-US" smtClean="0"/>
-              <a:t>2018. 7. 19.</a:t>
+              <a:t>2018. 7. 26.</a:t>
             </a:fld>
             <a:endParaRPr lang="ko-KR" altLang="en-US"/>
           </a:p>
@@ -1747,7 +1744,7 @@
           <a:p>
             <a:fld id="{DE9DA6C0-B28F-46EF-86A1-81A5908CA26F}" type="datetimeFigureOut">
               <a:rPr lang="ko-KR" altLang="en-US" smtClean="0"/>
-              <a:t>2018. 7. 19.</a:t>
+              <a:t>2018. 7. 26.</a:t>
             </a:fld>
             <a:endParaRPr lang="ko-KR" altLang="en-US"/>
           </a:p>
@@ -1842,7 +1839,7 @@
           <a:p>
             <a:fld id="{DE9DA6C0-B28F-46EF-86A1-81A5908CA26F}" type="datetimeFigureOut">
               <a:rPr lang="ko-KR" altLang="en-US" smtClean="0"/>
-              <a:t>2018. 7. 19.</a:t>
+              <a:t>2018. 7. 26.</a:t>
             </a:fld>
             <a:endParaRPr lang="ko-KR" altLang="en-US"/>
           </a:p>
@@ -2119,7 +2116,7 @@
           <a:p>
             <a:fld id="{DE9DA6C0-B28F-46EF-86A1-81A5908CA26F}" type="datetimeFigureOut">
               <a:rPr lang="ko-KR" altLang="en-US" smtClean="0"/>
-              <a:t>2018. 7. 19.</a:t>
+              <a:t>2018. 7. 26.</a:t>
             </a:fld>
             <a:endParaRPr lang="ko-KR" altLang="en-US"/>
           </a:p>
@@ -2372,7 +2369,7 @@
           <a:p>
             <a:fld id="{DE9DA6C0-B28F-46EF-86A1-81A5908CA26F}" type="datetimeFigureOut">
               <a:rPr lang="ko-KR" altLang="en-US" smtClean="0"/>
-              <a:t>2018. 7. 19.</a:t>
+              <a:t>2018. 7. 26.</a:t>
             </a:fld>
             <a:endParaRPr lang="ko-KR" altLang="en-US"/>
           </a:p>
@@ -2585,7 +2582,7 @@
           <a:p>
             <a:fld id="{DE9DA6C0-B28F-46EF-86A1-81A5908CA26F}" type="datetimeFigureOut">
               <a:rPr lang="ko-KR" altLang="en-US" smtClean="0"/>
-              <a:t>2018. 7. 19.</a:t>
+              <a:t>2018. 7. 26.</a:t>
             </a:fld>
             <a:endParaRPr lang="ko-KR" altLang="en-US"/>
           </a:p>
@@ -3118,13 +3115,13 @@
       </p:grpSpPr>
       <p:sp>
         <p:nvSpPr>
-          <p:cNvPr id="4" name="TextBox 3"/>
+          <p:cNvPr id="6" name="TextBox 5"/>
           <p:cNvSpPr txBox="1"/>
           <p:nvPr/>
         </p:nvSpPr>
         <p:spPr>
           <a:xfrm>
-            <a:off x="548643" y="384803"/>
+            <a:off x="413176" y="384802"/>
             <a:ext cx="4697128" cy="523220"/>
           </a:xfrm>
           <a:prstGeom prst="rect">
@@ -3156,14 +3153,14 @@
       </p:sp>
       <p:sp>
         <p:nvSpPr>
-          <p:cNvPr id="5" name="TextBox 4"/>
+          <p:cNvPr id="7" name="TextBox 6"/>
           <p:cNvSpPr txBox="1"/>
           <p:nvPr/>
         </p:nvSpPr>
         <p:spPr>
           <a:xfrm>
-            <a:off x="548643" y="1548713"/>
-            <a:ext cx="5642919" cy="923330"/>
+            <a:off x="897953" y="827901"/>
+            <a:ext cx="2550157" cy="307777"/>
           </a:xfrm>
           <a:prstGeom prst="rect">
             <a:avLst/>
@@ -3177,37 +3174,51 @@
           <a:lstStyle/>
           <a:p>
             <a:r>
-              <a:rPr lang="en-US" altLang="ko-KR" dirty="0" smtClean="0"/>
-              <a:t>Singular Value Decomposition, Stochastic Gradient Descent </a:t>
-            </a:r>
-            <a:r>
-              <a:rPr lang="ko-KR" altLang="en-US" dirty="0" smtClean="0"/>
-              <a:t>같은 </a:t>
-            </a:r>
-            <a:r>
-              <a:rPr lang="en-US" altLang="ko-KR" dirty="0" smtClean="0"/>
-              <a:t>Machine-Learning Algorithm </a:t>
-            </a:r>
-          </a:p>
-          <a:p>
-            <a:r>
-              <a:rPr lang="ko-KR" altLang="en-US" dirty="0" smtClean="0"/>
-              <a:t>에 대입시킬수 있는 형태로 데이터 가공</a:t>
-            </a:r>
-            <a:endParaRPr lang="en-US" altLang="ko-KR" dirty="0" smtClean="0"/>
-          </a:p>
-        </p:txBody>
-      </p:sp>
-      <p:sp>
-        <p:nvSpPr>
-          <p:cNvPr id="6" name="TextBox 5"/>
+              <a:rPr lang="en-US" altLang="ko-KR" sz="1400" dirty="0" smtClean="0"/>
+              <a:t>Matrix </a:t>
+            </a:r>
+            <a:r>
+              <a:rPr lang="ko-KR" altLang="en-US" sz="1400" dirty="0" smtClean="0"/>
+              <a:t>형태로 데이터 정리</a:t>
+            </a:r>
+            <a:endParaRPr lang="ko-KR" altLang="en-US" sz="1400" dirty="0"/>
+          </a:p>
+        </p:txBody>
+      </p:sp>
+      <p:pic>
+        <p:nvPicPr>
+          <p:cNvPr id="13" name="Picture 12"/>
+          <p:cNvPicPr>
+            <a:picLocks noChangeAspect="1"/>
+          </p:cNvPicPr>
+          <p:nvPr/>
+        </p:nvPicPr>
+        <p:blipFill>
+          <a:blip r:embed="rId2"/>
+          <a:stretch>
+            <a:fillRect/>
+          </a:stretch>
+        </p:blipFill>
+        <p:spPr>
+          <a:xfrm>
+            <a:off x="409065" y="1582615"/>
+            <a:ext cx="2861673" cy="1112229"/>
+          </a:xfrm>
+          <a:prstGeom prst="rect">
+            <a:avLst/>
+          </a:prstGeom>
+        </p:spPr>
+      </p:pic>
+      <p:sp>
+        <p:nvSpPr>
+          <p:cNvPr id="17" name="TextBox 16"/>
           <p:cNvSpPr txBox="1"/>
           <p:nvPr/>
         </p:nvSpPr>
         <p:spPr>
           <a:xfrm>
-            <a:off x="548643" y="3501081"/>
-            <a:ext cx="5296929" cy="923330"/>
+            <a:off x="409065" y="2784661"/>
+            <a:ext cx="3268133" cy="769441"/>
           </a:xfrm>
           <a:prstGeom prst="rect">
             <a:avLst/>
@@ -3221,67 +3232,111 @@
           <a:lstStyle/>
           <a:p>
             <a:r>
-              <a:rPr lang="ko-KR" altLang="en-US" dirty="0" smtClean="0"/>
-              <a:t>이상적인 데이터 형태</a:t>
-            </a:r>
-            <a:r>
-              <a:rPr lang="en-US" altLang="ko-KR" dirty="0" smtClean="0"/>
-              <a:t>:</a:t>
-            </a:r>
-          </a:p>
-          <a:p>
-            <a:endParaRPr lang="en-US" altLang="ko-KR" dirty="0"/>
-          </a:p>
-          <a:p>
-            <a:r>
-              <a:rPr lang="en-US" altLang="ko-KR" dirty="0" smtClean="0"/>
-              <a:t>Movie * User </a:t>
-            </a:r>
-            <a:r>
-              <a:rPr lang="ko-KR" altLang="en-US" dirty="0" smtClean="0"/>
-              <a:t>의 </a:t>
-            </a:r>
-            <a:r>
-              <a:rPr lang="en-US" altLang="ko-KR" dirty="0" smtClean="0"/>
-              <a:t>Matrix</a:t>
+              <a:rPr lang="en-US" altLang="ko-KR" sz="1100" dirty="0" smtClean="0"/>
+              <a:t>Sparse Matrix </a:t>
+            </a:r>
+            <a:r>
+              <a:rPr lang="ko-KR" altLang="en-US" sz="1100" dirty="0" smtClean="0"/>
+              <a:t>를 만드는데 필요한 모듈 </a:t>
+            </a:r>
+            <a:endParaRPr lang="en-US" altLang="ko-KR" sz="1100" dirty="0" smtClean="0"/>
+          </a:p>
+          <a:p>
+            <a:endParaRPr lang="en-US" altLang="ko-KR" sz="1100" dirty="0" smtClean="0"/>
+          </a:p>
+          <a:p>
+            <a:r>
+              <a:rPr lang="en-US" altLang="ko-KR" sz="1100" dirty="0" smtClean="0"/>
+              <a:t>(</a:t>
+            </a:r>
+            <a:r>
+              <a:rPr lang="ko-KR" altLang="en-US" sz="1100" dirty="0" smtClean="0"/>
+              <a:t>기본 </a:t>
+            </a:r>
+            <a:r>
+              <a:rPr lang="en-US" altLang="ko-KR" sz="1100" dirty="0" err="1" smtClean="0"/>
+              <a:t>numpy</a:t>
+            </a:r>
+            <a:r>
+              <a:rPr lang="en-US" altLang="ko-KR" sz="1100" dirty="0" smtClean="0"/>
+              <a:t> matrix </a:t>
+            </a:r>
+            <a:r>
+              <a:rPr lang="ko-KR" altLang="en-US" sz="1100" dirty="0" smtClean="0"/>
+              <a:t>는 </a:t>
+            </a:r>
+            <a:r>
+              <a:rPr lang="en-US" altLang="ko-KR" sz="1100" dirty="0" smtClean="0"/>
+              <a:t>sparse </a:t>
+            </a:r>
+            <a:r>
+              <a:rPr lang="ko-KR" altLang="en-US" sz="1100" dirty="0" smtClean="0"/>
+              <a:t>기능을 지원하지 않음</a:t>
+            </a:r>
+            <a:r>
+              <a:rPr lang="en-US" altLang="ko-KR" sz="1100" dirty="0"/>
+              <a:t>)</a:t>
+            </a:r>
+            <a:endParaRPr lang="ko-KR" altLang="en-US" sz="1100" dirty="0"/>
+          </a:p>
+        </p:txBody>
+      </p:sp>
+      <p:sp>
+        <p:nvSpPr>
+          <p:cNvPr id="19" name="Oval 18"/>
+          <p:cNvSpPr/>
+          <p:nvPr/>
+        </p:nvSpPr>
+        <p:spPr>
+          <a:xfrm>
+            <a:off x="5867400" y="1582616"/>
+            <a:ext cx="1439333" cy="465667"/>
+          </a:xfrm>
+          <a:prstGeom prst="ellipse">
+            <a:avLst/>
+          </a:prstGeom>
+        </p:spPr>
+        <p:style>
+          <a:lnRef idx="2">
+            <a:schemeClr val="accent1">
+              <a:shade val="50000"/>
+            </a:schemeClr>
+          </a:lnRef>
+          <a:fillRef idx="1">
+            <a:schemeClr val="accent1"/>
+          </a:fillRef>
+          <a:effectRef idx="0">
+            <a:schemeClr val="accent1"/>
+          </a:effectRef>
+          <a:fontRef idx="minor">
+            <a:schemeClr val="lt1"/>
+          </a:fontRef>
+        </p:style>
+        <p:txBody>
+          <a:bodyPr rtlCol="0" anchor="ctr"/>
+          <a:lstStyle/>
+          <a:p>
+            <a:pPr algn="ctr"/>
+            <a:r>
+              <a:rPr lang="en-US" altLang="ko-KR" dirty="0" smtClean="0"/>
+              <a:t>.txt file</a:t>
             </a:r>
             <a:endParaRPr lang="ko-KR" altLang="en-US" dirty="0"/>
           </a:p>
         </p:txBody>
       </p:sp>
-      <p:pic>
-        <p:nvPicPr>
-          <p:cNvPr id="7" name="Picture 6"/>
-          <p:cNvPicPr>
-            <a:picLocks noChangeAspect="1"/>
-          </p:cNvPicPr>
-          <p:nvPr/>
-        </p:nvPicPr>
-        <p:blipFill rotWithShape="1">
-          <a:blip r:embed="rId2"/>
-          <a:srcRect l="24201"/>
-          <a:stretch/>
-        </p:blipFill>
-        <p:spPr>
-          <a:xfrm>
-            <a:off x="7924800" y="2730891"/>
-            <a:ext cx="3407632" cy="2463709"/>
-          </a:xfrm>
-          <a:prstGeom prst="rect">
-            <a:avLst/>
-          </a:prstGeom>
-        </p:spPr>
-      </p:pic>
       <p:cxnSp>
         <p:nvCxnSpPr>
-          <p:cNvPr id="9" name="Straight Arrow Connector 8"/>
-          <p:cNvCxnSpPr/>
+          <p:cNvPr id="21" name="Straight Arrow Connector 20"/>
+          <p:cNvCxnSpPr>
+            <a:stCxn id="19" idx="4"/>
+          </p:cNvCxnSpPr>
           <p:nvPr/>
         </p:nvCxnSpPr>
         <p:spPr>
-          <a:xfrm>
-            <a:off x="6969211" y="3146854"/>
-            <a:ext cx="807308" cy="0"/>
+          <a:xfrm flipH="1">
+            <a:off x="6587066" y="2048283"/>
+            <a:ext cx="1" cy="499533"/>
           </a:xfrm>
           <a:prstGeom prst="straightConnector1">
             <a:avLst/>
@@ -3292,13 +3347,13 @@
         </p:spPr>
         <p:style>
           <a:lnRef idx="1">
-            <a:schemeClr val="accent1"/>
+            <a:schemeClr val="accent2"/>
           </a:lnRef>
           <a:fillRef idx="0">
-            <a:schemeClr val="accent1"/>
+            <a:schemeClr val="accent2"/>
           </a:fillRef>
           <a:effectRef idx="0">
-            <a:schemeClr val="accent1"/>
+            <a:schemeClr val="accent2"/>
           </a:effectRef>
           <a:fontRef idx="minor">
             <a:schemeClr val="tx1"/>
@@ -3307,60 +3362,83 @@
       </p:cxnSp>
       <p:sp>
         <p:nvSpPr>
-          <p:cNvPr id="10" name="TextBox 9"/>
-          <p:cNvSpPr txBox="1"/>
-          <p:nvPr/>
-        </p:nvSpPr>
-        <p:spPr>
-          <a:xfrm>
-            <a:off x="6083642" y="2962188"/>
-            <a:ext cx="1178011" cy="369332"/>
+          <p:cNvPr id="22" name="Rectangle 21"/>
+          <p:cNvSpPr/>
+          <p:nvPr/>
+        </p:nvSpPr>
+        <p:spPr>
+          <a:xfrm>
+            <a:off x="5867400" y="2590150"/>
+            <a:ext cx="1439333" cy="646314"/>
           </a:xfrm>
           <a:prstGeom prst="rect">
             <a:avLst/>
           </a:prstGeom>
-          <a:noFill/>
-        </p:spPr>
-        <p:txBody>
-          <a:bodyPr wrap="square" rtlCol="0">
-            <a:spAutoFit/>
-          </a:bodyPr>
-          <a:lstStyle/>
-          <a:p>
-            <a:r>
-              <a:rPr lang="ko-KR" altLang="en-US" dirty="0" smtClean="0">
-                <a:solidFill>
-                  <a:schemeClr val="accent2"/>
-                </a:solidFill>
-              </a:rPr>
-              <a:t>영화 </a:t>
-            </a:r>
-            <a:r>
-              <a:rPr lang="en-US" altLang="ko-KR" dirty="0" smtClean="0">
-                <a:solidFill>
-                  <a:schemeClr val="accent2"/>
-                </a:solidFill>
-              </a:rPr>
-              <a:t>1</a:t>
-            </a:r>
+        </p:spPr>
+        <p:style>
+          <a:lnRef idx="2">
+            <a:schemeClr val="accent1">
+              <a:shade val="50000"/>
+            </a:schemeClr>
+          </a:lnRef>
+          <a:fillRef idx="1">
+            <a:schemeClr val="accent1"/>
+          </a:fillRef>
+          <a:effectRef idx="0">
+            <a:schemeClr val="accent1"/>
+          </a:effectRef>
+          <a:fontRef idx="minor">
+            <a:schemeClr val="lt1"/>
+          </a:fontRef>
+        </p:style>
+        <p:txBody>
+          <a:bodyPr rtlCol="0" anchor="ctr"/>
+          <a:lstStyle/>
+          <a:p>
+            <a:pPr algn="ctr"/>
+            <a:r>
+              <a:rPr lang="en-US" altLang="ko-KR" sz="1200" dirty="0" smtClean="0"/>
+              <a:t>Matrix </a:t>
+            </a:r>
+            <a:r>
+              <a:rPr lang="en-US" altLang="ko-KR" sz="1200" dirty="0" err="1" smtClean="0"/>
+              <a:t>Numpy</a:t>
+            </a:r>
+            <a:r>
+              <a:rPr lang="en-US" altLang="ko-KR" sz="1200" dirty="0" smtClean="0"/>
+              <a:t> </a:t>
+            </a:r>
+          </a:p>
+          <a:p>
+            <a:pPr algn="ctr"/>
+            <a:r>
+              <a:rPr lang="ko-KR" altLang="en-US" sz="1200" dirty="0" smtClean="0"/>
+              <a:t>모듈</a:t>
+            </a:r>
+            <a:endParaRPr lang="ko-KR" altLang="en-US" sz="1200" dirty="0"/>
           </a:p>
         </p:txBody>
       </p:sp>
       <p:cxnSp>
         <p:nvCxnSpPr>
-          <p:cNvPr id="13" name="Straight Arrow Connector 12"/>
-          <p:cNvCxnSpPr/>
+          <p:cNvPr id="24" name="Straight Arrow Connector 23"/>
+          <p:cNvCxnSpPr>
+            <a:stCxn id="22" idx="2"/>
+          </p:cNvCxnSpPr>
           <p:nvPr/>
         </p:nvCxnSpPr>
         <p:spPr>
-          <a:xfrm>
-            <a:off x="8386119" y="2133600"/>
-            <a:ext cx="8238" cy="597291"/>
+          <a:xfrm flipH="1">
+            <a:off x="6587066" y="3236464"/>
+            <a:ext cx="1" cy="640619"/>
           </a:xfrm>
           <a:prstGeom prst="straightConnector1">
             <a:avLst/>
           </a:prstGeom>
           <a:ln>
+            <a:solidFill>
+              <a:schemeClr val="accent2"/>
+            </a:solidFill>
             <a:tailEnd type="triangle"/>
           </a:ln>
         </p:spPr>
@@ -3381,65 +3459,163 @@
       </p:cxnSp>
       <p:sp>
         <p:nvSpPr>
-          <p:cNvPr id="14" name="TextBox 13"/>
-          <p:cNvSpPr txBox="1"/>
-          <p:nvPr/>
-        </p:nvSpPr>
-        <p:spPr>
-          <a:xfrm>
-            <a:off x="7924800" y="1861751"/>
-            <a:ext cx="906162" cy="369332"/>
+          <p:cNvPr id="25" name="Isosceles Triangle 24"/>
+          <p:cNvSpPr/>
+          <p:nvPr/>
+        </p:nvSpPr>
+        <p:spPr>
+          <a:xfrm>
+            <a:off x="5799666" y="3877083"/>
+            <a:ext cx="1574800" cy="1159933"/>
+          </a:xfrm>
+          <a:prstGeom prst="triangle">
+            <a:avLst/>
+          </a:prstGeom>
+          <a:solidFill>
+            <a:srgbClr val="FF0000"/>
+          </a:solidFill>
+        </p:spPr>
+        <p:style>
+          <a:lnRef idx="2">
+            <a:schemeClr val="accent1">
+              <a:shade val="50000"/>
+            </a:schemeClr>
+          </a:lnRef>
+          <a:fillRef idx="1">
+            <a:schemeClr val="accent1"/>
+          </a:fillRef>
+          <a:effectRef idx="0">
+            <a:schemeClr val="accent1"/>
+          </a:effectRef>
+          <a:fontRef idx="minor">
+            <a:schemeClr val="lt1"/>
+          </a:fontRef>
+        </p:style>
+        <p:txBody>
+          <a:bodyPr rtlCol="0" anchor="ctr"/>
+          <a:lstStyle/>
+          <a:p>
+            <a:pPr algn="ctr"/>
+            <a:r>
+              <a:rPr lang="en-US" altLang="ko-KR" sz="1200" dirty="0" smtClean="0"/>
+              <a:t>Memory Error</a:t>
+            </a:r>
+            <a:endParaRPr lang="ko-KR" altLang="en-US" sz="1200" dirty="0"/>
+          </a:p>
+        </p:txBody>
+      </p:sp>
+      <p:sp>
+        <p:nvSpPr>
+          <p:cNvPr id="26" name="Oval 25"/>
+          <p:cNvSpPr/>
+          <p:nvPr/>
+        </p:nvSpPr>
+        <p:spPr>
+          <a:xfrm>
+            <a:off x="9829800" y="1582615"/>
+            <a:ext cx="1439333" cy="465667"/>
+          </a:xfrm>
+          <a:prstGeom prst="ellipse">
+            <a:avLst/>
+          </a:prstGeom>
+        </p:spPr>
+        <p:style>
+          <a:lnRef idx="2">
+            <a:schemeClr val="accent1">
+              <a:shade val="50000"/>
+            </a:schemeClr>
+          </a:lnRef>
+          <a:fillRef idx="1">
+            <a:schemeClr val="accent1"/>
+          </a:fillRef>
+          <a:effectRef idx="0">
+            <a:schemeClr val="accent1"/>
+          </a:effectRef>
+          <a:fontRef idx="minor">
+            <a:schemeClr val="lt1"/>
+          </a:fontRef>
+        </p:style>
+        <p:txBody>
+          <a:bodyPr rtlCol="0" anchor="ctr"/>
+          <a:lstStyle/>
+          <a:p>
+            <a:pPr algn="ctr"/>
+            <a:r>
+              <a:rPr lang="en-US" altLang="ko-KR" dirty="0" smtClean="0"/>
+              <a:t>.txt file</a:t>
+            </a:r>
+            <a:endParaRPr lang="ko-KR" altLang="en-US" dirty="0"/>
+          </a:p>
+        </p:txBody>
+      </p:sp>
+      <p:sp>
+        <p:nvSpPr>
+          <p:cNvPr id="28" name="Rectangle 27"/>
+          <p:cNvSpPr/>
+          <p:nvPr/>
+        </p:nvSpPr>
+        <p:spPr>
+          <a:xfrm>
+            <a:off x="9829798" y="2619508"/>
+            <a:ext cx="1439333" cy="646314"/>
           </a:xfrm>
           <a:prstGeom prst="rect">
             <a:avLst/>
           </a:prstGeom>
-          <a:noFill/>
-        </p:spPr>
-        <p:txBody>
-          <a:bodyPr wrap="square" rtlCol="0">
-            <a:spAutoFit/>
-          </a:bodyPr>
-          <a:lstStyle/>
-          <a:p>
-            <a:r>
-              <a:rPr lang="ko-KR" altLang="en-US" dirty="0" smtClean="0">
-                <a:solidFill>
-                  <a:schemeClr val="accent2"/>
-                </a:solidFill>
-              </a:rPr>
-              <a:t>유저 </a:t>
-            </a:r>
-            <a:r>
-              <a:rPr lang="en-US" altLang="ko-KR" dirty="0" smtClean="0">
-                <a:solidFill>
-                  <a:schemeClr val="accent2"/>
-                </a:solidFill>
-              </a:rPr>
-              <a:t>1</a:t>
-            </a:r>
-            <a:endParaRPr lang="ko-KR" altLang="en-US" dirty="0">
-              <a:solidFill>
-                <a:schemeClr val="accent2"/>
-              </a:solidFill>
-            </a:endParaRPr>
+        </p:spPr>
+        <p:style>
+          <a:lnRef idx="2">
+            <a:schemeClr val="accent1">
+              <a:shade val="50000"/>
+            </a:schemeClr>
+          </a:lnRef>
+          <a:fillRef idx="1">
+            <a:schemeClr val="accent1"/>
+          </a:fillRef>
+          <a:effectRef idx="0">
+            <a:schemeClr val="accent1"/>
+          </a:effectRef>
+          <a:fontRef idx="minor">
+            <a:schemeClr val="lt1"/>
+          </a:fontRef>
+        </p:style>
+        <p:txBody>
+          <a:bodyPr rtlCol="0" anchor="ctr"/>
+          <a:lstStyle/>
+          <a:p>
+            <a:pPr algn="ctr"/>
+            <a:r>
+              <a:rPr lang="en-US" altLang="ko-KR" sz="1200" dirty="0" err="1" smtClean="0"/>
+              <a:t>Scipy</a:t>
+            </a:r>
+            <a:r>
+              <a:rPr lang="en-US" altLang="ko-KR" sz="1200" dirty="0" smtClean="0"/>
+              <a:t> Spare</a:t>
+            </a:r>
+          </a:p>
+          <a:p>
+            <a:pPr algn="ctr"/>
+            <a:r>
+              <a:rPr lang="ko-KR" altLang="en-US" sz="1200" dirty="0" smtClean="0"/>
+              <a:t>모듈</a:t>
+            </a:r>
+            <a:endParaRPr lang="ko-KR" altLang="en-US" sz="1200" dirty="0"/>
           </a:p>
         </p:txBody>
       </p:sp>
       <p:cxnSp>
         <p:nvCxnSpPr>
-          <p:cNvPr id="16" name="Curved Connector 15"/>
+          <p:cNvPr id="29" name="Straight Arrow Connector 28"/>
           <p:cNvCxnSpPr/>
           <p:nvPr/>
         </p:nvCxnSpPr>
         <p:spPr>
-          <a:xfrm rot="5400000" flipH="1" flipV="1">
-            <a:off x="7445268" y="5228969"/>
-            <a:ext cx="967303" cy="930876"/>
-          </a:xfrm>
-          <a:prstGeom prst="curvedConnector3">
-            <a:avLst>
-              <a:gd name="adj1" fmla="val -61564"/>
-            </a:avLst>
+          <a:xfrm flipH="1">
+            <a:off x="10553699" y="2090617"/>
+            <a:ext cx="1" cy="499533"/>
+          </a:xfrm>
+          <a:prstGeom prst="straightConnector1">
+            <a:avLst/>
           </a:prstGeom>
           <a:ln>
             <a:tailEnd type="triangle"/>
@@ -3447,29 +3623,135 @@
         </p:spPr>
         <p:style>
           <a:lnRef idx="1">
-            <a:schemeClr val="accent1"/>
+            <a:schemeClr val="accent2"/>
           </a:lnRef>
           <a:fillRef idx="0">
-            <a:schemeClr val="accent1"/>
+            <a:schemeClr val="accent2"/>
           </a:fillRef>
           <a:effectRef idx="0">
-            <a:schemeClr val="accent1"/>
+            <a:schemeClr val="accent2"/>
           </a:effectRef>
           <a:fontRef idx="minor">
             <a:schemeClr val="tx1"/>
           </a:fontRef>
         </p:style>
       </p:cxnSp>
-      <p:sp>
-        <p:nvSpPr>
-          <p:cNvPr id="20" name="TextBox 19"/>
+      <p:cxnSp>
+        <p:nvCxnSpPr>
+          <p:cNvPr id="30" name="Straight Arrow Connector 29"/>
+          <p:cNvCxnSpPr>
+            <a:stCxn id="28" idx="2"/>
+          </p:cNvCxnSpPr>
+          <p:nvPr/>
+        </p:nvCxnSpPr>
+        <p:spPr>
+          <a:xfrm>
+            <a:off x="10549465" y="3265822"/>
+            <a:ext cx="2" cy="675672"/>
+          </a:xfrm>
+          <a:prstGeom prst="straightConnector1">
+            <a:avLst/>
+          </a:prstGeom>
+          <a:ln>
+            <a:solidFill>
+              <a:schemeClr val="accent2"/>
+            </a:solidFill>
+            <a:tailEnd type="triangle"/>
+          </a:ln>
+        </p:spPr>
+        <p:style>
+          <a:lnRef idx="1">
+            <a:schemeClr val="accent1"/>
+          </a:lnRef>
+          <a:fillRef idx="0">
+            <a:schemeClr val="accent1"/>
+          </a:fillRef>
+          <a:effectRef idx="0">
+            <a:schemeClr val="accent1"/>
+          </a:effectRef>
+          <a:fontRef idx="minor">
+            <a:schemeClr val="tx1"/>
+          </a:fontRef>
+        </p:style>
+      </p:cxnSp>
+      <p:sp>
+        <p:nvSpPr>
+          <p:cNvPr id="31" name="Rectangle 30"/>
+          <p:cNvSpPr/>
+          <p:nvPr/>
+        </p:nvSpPr>
+        <p:spPr>
+          <a:xfrm>
+            <a:off x="9440330" y="3941494"/>
+            <a:ext cx="2218267" cy="1159933"/>
+          </a:xfrm>
+          <a:prstGeom prst="rect">
+            <a:avLst/>
+          </a:prstGeom>
+          <a:solidFill>
+            <a:schemeClr val="accent6">
+              <a:lumMod val="50000"/>
+            </a:schemeClr>
+          </a:solidFill>
+        </p:spPr>
+        <p:style>
+          <a:lnRef idx="2">
+            <a:schemeClr val="accent1">
+              <a:shade val="50000"/>
+            </a:schemeClr>
+          </a:lnRef>
+          <a:fillRef idx="1">
+            <a:schemeClr val="accent1"/>
+          </a:fillRef>
+          <a:effectRef idx="0">
+            <a:schemeClr val="accent1"/>
+          </a:effectRef>
+          <a:fontRef idx="minor">
+            <a:schemeClr val="lt1"/>
+          </a:fontRef>
+        </p:style>
+        <p:txBody>
+          <a:bodyPr rtlCol="0" anchor="ctr"/>
+          <a:lstStyle/>
+          <a:p>
+            <a:pPr algn="ctr"/>
+            <a:r>
+              <a:rPr lang="ko-KR" altLang="en-US" dirty="0" smtClean="0"/>
+              <a:t>영화 </a:t>
+            </a:r>
+            <a:r>
+              <a:rPr lang="en-US" altLang="ko-KR" dirty="0" smtClean="0"/>
+              <a:t>(row) * </a:t>
+            </a:r>
+            <a:r>
+              <a:rPr lang="ko-KR" altLang="en-US" dirty="0" smtClean="0"/>
+              <a:t>유저 </a:t>
+            </a:r>
+            <a:r>
+              <a:rPr lang="en-US" altLang="ko-KR" dirty="0" smtClean="0"/>
+              <a:t>(column) Matrix </a:t>
+            </a:r>
+          </a:p>
+          <a:p>
+            <a:pPr algn="ctr"/>
+            <a:r>
+              <a:rPr lang="ko-KR" altLang="en-US" dirty="0" smtClean="0"/>
+              <a:t>구현 </a:t>
+            </a:r>
+            <a:endParaRPr lang="ko-KR" altLang="en-US" dirty="0"/>
+          </a:p>
+        </p:txBody>
+      </p:sp>
+      <p:sp>
+        <p:nvSpPr>
+          <p:cNvPr id="33" name="TextBox 32"/>
           <p:cNvSpPr txBox="1"/>
           <p:nvPr/>
         </p:nvSpPr>
         <p:spPr>
           <a:xfrm>
-            <a:off x="6384324" y="5664862"/>
-            <a:ext cx="1441622" cy="461665"/>
+            <a:off x="668867" y="4140200"/>
+            <a:ext cx="3008331" cy="1877437"/>
           </a:xfrm>
           <a:prstGeom prst="rect">
             <a:avLst/>
@@ -3483,56 +3765,202 @@
           <a:lstStyle/>
           <a:p>
             <a:r>
+              <a:rPr lang="en-US" altLang="ko-KR" sz="1600" dirty="0" smtClean="0">
+                <a:solidFill>
+                  <a:srgbClr val="00B0F0"/>
+                </a:solidFill>
+              </a:rPr>
+              <a:t>Sparse Matrix vs Dense Matrix</a:t>
+            </a:r>
+          </a:p>
+          <a:p>
+            <a:endParaRPr lang="en-US" altLang="ko-KR" sz="1600" dirty="0">
+              <a:solidFill>
+                <a:srgbClr val="FF0000"/>
+              </a:solidFill>
+            </a:endParaRPr>
+          </a:p>
+          <a:p>
+            <a:r>
+              <a:rPr lang="en-US" altLang="ko-KR" sz="1200" dirty="0" smtClean="0">
+                <a:solidFill>
+                  <a:srgbClr val="FF0000"/>
+                </a:solidFill>
+              </a:rPr>
+              <a:t>Sparse Matrix </a:t>
+            </a:r>
+            <a:r>
               <a:rPr lang="ko-KR" altLang="en-US" sz="1200" dirty="0" smtClean="0">
                 <a:solidFill>
-                  <a:schemeClr val="accent2"/>
+                  <a:srgbClr val="FF0000"/>
                 </a:solidFill>
               </a:rPr>
-              <a:t>영화 </a:t>
+              <a:t>는 </a:t>
             </a:r>
             <a:r>
               <a:rPr lang="en-US" altLang="ko-KR" sz="1200" dirty="0" smtClean="0">
                 <a:solidFill>
-                  <a:schemeClr val="accent2"/>
+                  <a:srgbClr val="FF0000"/>
                 </a:solidFill>
               </a:rPr>
-              <a:t>n </a:t>
+              <a:t>‘0‘ </a:t>
             </a:r>
             <a:r>
               <a:rPr lang="ko-KR" altLang="en-US" sz="1200" dirty="0" smtClean="0">
                 <a:solidFill>
-                  <a:schemeClr val="accent2"/>
+                  <a:srgbClr val="FF0000"/>
                 </a:solidFill>
               </a:rPr>
-              <a:t>에대한 유저 </a:t>
+              <a:t>혹은 </a:t>
             </a:r>
             <a:r>
               <a:rPr lang="en-US" altLang="ko-KR" sz="1200" dirty="0" smtClean="0">
                 <a:solidFill>
-                  <a:schemeClr val="accent2"/>
+                  <a:srgbClr val="FF0000"/>
                 </a:solidFill>
               </a:rPr>
-              <a:t>1 </a:t>
+              <a:t>‘</a:t>
+            </a:r>
+            <a:r>
+              <a:rPr lang="en-US" altLang="ko-KR" sz="1200" dirty="0" err="1" smtClean="0">
+                <a:solidFill>
+                  <a:srgbClr val="FF0000"/>
+                </a:solidFill>
+              </a:rPr>
+              <a:t>NaN</a:t>
+            </a:r>
+            <a:r>
+              <a:rPr lang="en-US" altLang="ko-KR" sz="1200" dirty="0" smtClean="0">
+                <a:solidFill>
+                  <a:srgbClr val="FF0000"/>
+                </a:solidFill>
+              </a:rPr>
+              <a:t>’ </a:t>
             </a:r>
             <a:r>
               <a:rPr lang="ko-KR" altLang="en-US" sz="1200" dirty="0" smtClean="0">
                 <a:solidFill>
-                  <a:schemeClr val="accent2"/>
+                  <a:srgbClr val="FF0000"/>
                 </a:solidFill>
               </a:rPr>
-              <a:t>의 </a:t>
+              <a:t>값을 메모리에 저장 시키지 않는다</a:t>
             </a:r>
             <a:r>
               <a:rPr lang="en-US" altLang="ko-KR" sz="1200" dirty="0" smtClean="0">
                 <a:solidFill>
-                  <a:schemeClr val="accent2"/>
+                  <a:srgbClr val="FF0000"/>
                 </a:solidFill>
               </a:rPr>
-              <a:t>Rating</a:t>
-            </a:r>
-            <a:endParaRPr lang="ko-KR" altLang="en-US" sz="1200" dirty="0">
+              <a:t>.</a:t>
+            </a:r>
+          </a:p>
+          <a:p>
+            <a:endParaRPr lang="en-US" altLang="ko-KR" sz="1200" dirty="0">
               <a:solidFill>
-                <a:schemeClr val="accent2"/>
+                <a:srgbClr val="FF0000"/>
+              </a:solidFill>
+            </a:endParaRPr>
+          </a:p>
+          <a:p>
+            <a:r>
+              <a:rPr lang="ko-KR" altLang="en-US" sz="1200" dirty="0" smtClean="0">
+                <a:solidFill>
+                  <a:srgbClr val="FF0000"/>
+                </a:solidFill>
+              </a:rPr>
+              <a:t>빈값이 대부분의 값을 차지하는 </a:t>
+            </a:r>
+            <a:r>
+              <a:rPr lang="en-US" altLang="ko-KR" sz="1200" dirty="0" smtClean="0">
+                <a:solidFill>
+                  <a:srgbClr val="FF0000"/>
+                </a:solidFill>
+              </a:rPr>
+              <a:t>Netflix </a:t>
+            </a:r>
+          </a:p>
+          <a:p>
+            <a:r>
+              <a:rPr lang="en-US" altLang="ko-KR" sz="1200" dirty="0" smtClean="0">
+                <a:solidFill>
+                  <a:srgbClr val="FF0000"/>
+                </a:solidFill>
+              </a:rPr>
+              <a:t>Data </a:t>
+            </a:r>
+            <a:r>
+              <a:rPr lang="ko-KR" altLang="en-US" sz="1200" dirty="0" smtClean="0">
+                <a:solidFill>
+                  <a:srgbClr val="FF0000"/>
+                </a:solidFill>
+              </a:rPr>
+              <a:t>의 구조상 </a:t>
+            </a:r>
+            <a:r>
+              <a:rPr lang="en-US" altLang="ko-KR" sz="1200" dirty="0" smtClean="0">
+                <a:solidFill>
+                  <a:srgbClr val="FF0000"/>
+                </a:solidFill>
+              </a:rPr>
+              <a:t>Sparse Matrix </a:t>
+            </a:r>
+            <a:r>
+              <a:rPr lang="ko-KR" altLang="en-US" sz="1200" dirty="0" smtClean="0">
+                <a:solidFill>
+                  <a:srgbClr val="FF0000"/>
+                </a:solidFill>
+              </a:rPr>
+              <a:t>를 쓰면 </a:t>
+            </a:r>
+            <a:endParaRPr lang="en-US" altLang="ko-KR" sz="1200" dirty="0" smtClean="0">
+              <a:solidFill>
+                <a:srgbClr val="FF0000"/>
+              </a:solidFill>
+            </a:endParaRPr>
+          </a:p>
+          <a:p>
+            <a:r>
+              <a:rPr lang="en-US" altLang="ko-KR" sz="1200" dirty="0" smtClean="0">
+                <a:solidFill>
+                  <a:srgbClr val="FF0000"/>
+                </a:solidFill>
+              </a:rPr>
+              <a:t>Matrix </a:t>
+            </a:r>
+            <a:r>
+              <a:rPr lang="ko-KR" altLang="en-US" sz="1200" dirty="0" smtClean="0">
+                <a:solidFill>
+                  <a:srgbClr val="FF0000"/>
+                </a:solidFill>
+              </a:rPr>
+              <a:t>를 구현하는데 필요한 메모리가 </a:t>
+            </a:r>
+            <a:endParaRPr lang="en-US" altLang="ko-KR" sz="1200" dirty="0" smtClean="0">
+              <a:solidFill>
+                <a:srgbClr val="FF0000"/>
+              </a:solidFill>
+            </a:endParaRPr>
+          </a:p>
+          <a:p>
+            <a:r>
+              <a:rPr lang="ko-KR" altLang="en-US" sz="1200" dirty="0" smtClean="0">
+                <a:solidFill>
+                  <a:srgbClr val="FF0000"/>
+                </a:solidFill>
+              </a:rPr>
+              <a:t>줄어든다</a:t>
+            </a:r>
+            <a:r>
+              <a:rPr lang="en-US" altLang="ko-KR" sz="1200" dirty="0" smtClean="0">
+                <a:solidFill>
+                  <a:srgbClr val="FF0000"/>
+                </a:solidFill>
+              </a:rPr>
+              <a:t>. </a:t>
+            </a:r>
+            <a:endParaRPr lang="en-US" altLang="ko-KR" sz="1200" dirty="0">
+              <a:solidFill>
+                <a:srgbClr val="FF0000"/>
               </a:solidFill>
             </a:endParaRPr>
           </a:p>
@@ -3541,13 +3969,20 @@
     </p:spTree>
     <p:extLst>
       <p:ext uri="{BB962C8B-B14F-4D97-AF65-F5344CB8AC3E}">
-        <p14:creationId xmlns:p14="http://schemas.microsoft.com/office/powerpoint/2010/main" val="825609731"/>
+        <p14:creationId xmlns:p14="http://schemas.microsoft.com/office/powerpoint/2010/main" val="1965820871"/>
       </p:ext>
     </p:extLst>
   </p:cSld>
   <p:clrMapOvr>
     <a:masterClrMapping/>
   </p:clrMapOvr>
+  <p:timing>
+    <p:tnLst>
+      <p:par>
+        <p:cTn id="1" dur="indefinite" restart="never" nodeType="tmRoot"/>
+      </p:par>
+    </p:tnLst>
+  </p:timing>
 </p:sld>
 </file>
 
@@ -3570,7 +4005,7 @@
       </p:grpSpPr>
       <p:sp>
         <p:nvSpPr>
-          <p:cNvPr id="6" name="TextBox 5"/>
+          <p:cNvPr id="4" name="TextBox 3"/>
           <p:cNvSpPr txBox="1"/>
           <p:nvPr/>
         </p:nvSpPr>
@@ -3608,14 +4043,14 @@
       </p:sp>
       <p:sp>
         <p:nvSpPr>
-          <p:cNvPr id="2" name="TextBox 1"/>
+          <p:cNvPr id="5" name="TextBox 4"/>
           <p:cNvSpPr txBox="1"/>
           <p:nvPr/>
         </p:nvSpPr>
         <p:spPr>
           <a:xfrm>
-            <a:off x="4975654" y="1036610"/>
-            <a:ext cx="1771650" cy="371475"/>
+            <a:off x="548643" y="1548713"/>
+            <a:ext cx="5642919" cy="923330"/>
           </a:xfrm>
           <a:prstGeom prst="rect">
             <a:avLst/>
@@ -3629,242 +4064,111 @@
           <a:lstStyle/>
           <a:p>
             <a:r>
-              <a:rPr lang="en-US" altLang="ko-KR" dirty="0" smtClean="0">
-                <a:solidFill>
-                  <a:srgbClr val="FF0000"/>
-                </a:solidFill>
-              </a:rPr>
-              <a:t>Option</a:t>
-            </a:r>
-            <a:r>
-              <a:rPr lang="ko-KR" altLang="en-US" dirty="0" smtClean="0">
-                <a:solidFill>
-                  <a:srgbClr val="FF0000"/>
-                </a:solidFill>
-              </a:rPr>
-              <a:t> </a:t>
-            </a:r>
-            <a:r>
-              <a:rPr lang="en-US" altLang="ko-KR" dirty="0" smtClean="0">
-                <a:solidFill>
-                  <a:srgbClr val="FF0000"/>
-                </a:solidFill>
-              </a:rPr>
-              <a:t>1</a:t>
-            </a:r>
-            <a:endParaRPr lang="ko-KR" altLang="en-US" dirty="0">
-              <a:solidFill>
-                <a:srgbClr val="FF0000"/>
-              </a:solidFill>
-            </a:endParaRPr>
-          </a:p>
-        </p:txBody>
-      </p:sp>
-      <p:sp>
-        <p:nvSpPr>
-          <p:cNvPr id="3" name="Rectangle 2"/>
-          <p:cNvSpPr/>
-          <p:nvPr/>
-        </p:nvSpPr>
-        <p:spPr>
-          <a:xfrm>
-            <a:off x="3762375" y="1609725"/>
-            <a:ext cx="3419475" cy="800100"/>
+              <a:rPr lang="en-US" altLang="ko-KR" dirty="0" smtClean="0"/>
+              <a:t>Singular Value Decomposition, Stochastic Gradient Descent </a:t>
+            </a:r>
+            <a:r>
+              <a:rPr lang="ko-KR" altLang="en-US" dirty="0" smtClean="0"/>
+              <a:t>같은 </a:t>
+            </a:r>
+            <a:r>
+              <a:rPr lang="en-US" altLang="ko-KR" dirty="0" smtClean="0"/>
+              <a:t>Machine-Learning Algorithm </a:t>
+            </a:r>
+          </a:p>
+          <a:p>
+            <a:r>
+              <a:rPr lang="ko-KR" altLang="en-US" dirty="0" smtClean="0"/>
+              <a:t>에 대입시킬수 있는 형태로 데이터 가공</a:t>
+            </a:r>
+            <a:endParaRPr lang="en-US" altLang="ko-KR" dirty="0" smtClean="0"/>
+          </a:p>
+        </p:txBody>
+      </p:sp>
+      <p:sp>
+        <p:nvSpPr>
+          <p:cNvPr id="6" name="TextBox 5"/>
+          <p:cNvSpPr txBox="1"/>
+          <p:nvPr/>
+        </p:nvSpPr>
+        <p:spPr>
+          <a:xfrm>
+            <a:off x="548643" y="3501081"/>
+            <a:ext cx="5296929" cy="923330"/>
           </a:xfrm>
           <a:prstGeom prst="rect">
             <a:avLst/>
           </a:prstGeom>
-        </p:spPr>
-        <p:style>
-          <a:lnRef idx="2">
-            <a:schemeClr val="accent1">
-              <a:shade val="50000"/>
-            </a:schemeClr>
-          </a:lnRef>
-          <a:fillRef idx="1">
-            <a:schemeClr val="accent1"/>
-          </a:fillRef>
-          <a:effectRef idx="0">
-            <a:schemeClr val="accent1"/>
-          </a:effectRef>
-          <a:fontRef idx="minor">
-            <a:schemeClr val="lt1"/>
-          </a:fontRef>
-        </p:style>
-        <p:txBody>
-          <a:bodyPr rtlCol="0" anchor="ctr"/>
-          <a:lstStyle/>
-          <a:p>
-            <a:pPr algn="ctr"/>
-            <a:r>
-              <a:rPr lang="en-US" altLang="ko-KR" dirty="0" smtClean="0"/>
-              <a:t>.txt </a:t>
-            </a:r>
+          <a:noFill/>
+        </p:spPr>
+        <p:txBody>
+          <a:bodyPr wrap="square" rtlCol="0">
+            <a:spAutoFit/>
+          </a:bodyPr>
+          <a:lstStyle/>
+          <a:p>
             <a:r>
               <a:rPr lang="ko-KR" altLang="en-US" dirty="0" smtClean="0"/>
-              <a:t>파일</a:t>
+              <a:t>이상적인 데이터 형태</a:t>
+            </a:r>
+            <a:r>
+              <a:rPr lang="en-US" altLang="ko-KR" dirty="0" smtClean="0"/>
+              <a:t>:</a:t>
+            </a:r>
+          </a:p>
+          <a:p>
+            <a:endParaRPr lang="en-US" altLang="ko-KR" dirty="0"/>
+          </a:p>
+          <a:p>
+            <a:r>
+              <a:rPr lang="en-US" altLang="ko-KR" dirty="0" smtClean="0"/>
+              <a:t>Movie * User </a:t>
+            </a:r>
+            <a:r>
+              <a:rPr lang="ko-KR" altLang="en-US" dirty="0" smtClean="0"/>
+              <a:t>의 </a:t>
+            </a:r>
+            <a:r>
+              <a:rPr lang="en-US" altLang="ko-KR" dirty="0" smtClean="0"/>
+              <a:t>Matrix</a:t>
             </a:r>
             <a:endParaRPr lang="ko-KR" altLang="en-US" dirty="0"/>
           </a:p>
         </p:txBody>
       </p:sp>
-      <p:sp>
-        <p:nvSpPr>
-          <p:cNvPr id="7" name="Oval 6"/>
-          <p:cNvSpPr/>
-          <p:nvPr/>
-        </p:nvSpPr>
-        <p:spPr>
-          <a:xfrm>
-            <a:off x="1600200" y="3187400"/>
-            <a:ext cx="2933700" cy="857250"/>
-          </a:xfrm>
-          <a:prstGeom prst="ellipse">
-            <a:avLst/>
-          </a:prstGeom>
-        </p:spPr>
-        <p:style>
-          <a:lnRef idx="2">
-            <a:schemeClr val="accent1">
-              <a:shade val="50000"/>
-            </a:schemeClr>
-          </a:lnRef>
-          <a:fillRef idx="1">
-            <a:schemeClr val="accent1"/>
-          </a:fillRef>
-          <a:effectRef idx="0">
-            <a:schemeClr val="accent1"/>
-          </a:effectRef>
-          <a:fontRef idx="minor">
-            <a:schemeClr val="lt1"/>
-          </a:fontRef>
-        </p:style>
-        <p:txBody>
-          <a:bodyPr rtlCol="0" anchor="ctr"/>
-          <a:lstStyle/>
-          <a:p>
-            <a:pPr algn="ctr"/>
-            <a:r>
-              <a:rPr lang="ko-KR" altLang="en-US" dirty="0" smtClean="0"/>
-              <a:t>영화 </a:t>
-            </a:r>
-            <a:r>
-              <a:rPr lang="en-US" altLang="ko-KR" dirty="0" smtClean="0"/>
-              <a:t>list</a:t>
-            </a:r>
-            <a:endParaRPr lang="ko-KR" altLang="en-US" dirty="0"/>
-          </a:p>
-        </p:txBody>
-      </p:sp>
-      <p:sp>
-        <p:nvSpPr>
-          <p:cNvPr id="8" name="Oval 7"/>
-          <p:cNvSpPr/>
-          <p:nvPr/>
-        </p:nvSpPr>
-        <p:spPr>
-          <a:xfrm>
-            <a:off x="6419850" y="3165202"/>
-            <a:ext cx="2933700" cy="857250"/>
-          </a:xfrm>
-          <a:prstGeom prst="ellipse">
-            <a:avLst/>
-          </a:prstGeom>
-        </p:spPr>
-        <p:style>
-          <a:lnRef idx="2">
-            <a:schemeClr val="accent1">
-              <a:shade val="50000"/>
-            </a:schemeClr>
-          </a:lnRef>
-          <a:fillRef idx="1">
-            <a:schemeClr val="accent1"/>
-          </a:fillRef>
-          <a:effectRef idx="0">
-            <a:schemeClr val="accent1"/>
-          </a:effectRef>
-          <a:fontRef idx="minor">
-            <a:schemeClr val="lt1"/>
-          </a:fontRef>
-        </p:style>
-        <p:txBody>
-          <a:bodyPr rtlCol="0" anchor="ctr"/>
-          <a:lstStyle/>
-          <a:p>
-            <a:pPr algn="ctr"/>
-            <a:r>
-              <a:rPr lang="ko-KR" altLang="en-US" dirty="0" smtClean="0"/>
-              <a:t>유저 </a:t>
-            </a:r>
-            <a:r>
-              <a:rPr lang="en-US" altLang="ko-KR" dirty="0" smtClean="0"/>
-              <a:t>list</a:t>
-            </a:r>
-            <a:endParaRPr lang="ko-KR" altLang="en-US" dirty="0"/>
-          </a:p>
-        </p:txBody>
-      </p:sp>
-      <p:sp>
-        <p:nvSpPr>
-          <p:cNvPr id="10" name="Oval 9"/>
-          <p:cNvSpPr/>
-          <p:nvPr/>
-        </p:nvSpPr>
-        <p:spPr>
-          <a:xfrm>
-            <a:off x="1600200" y="4689202"/>
-            <a:ext cx="2933700" cy="857250"/>
-          </a:xfrm>
-          <a:prstGeom prst="ellipse">
-            <a:avLst/>
-          </a:prstGeom>
-        </p:spPr>
-        <p:style>
-          <a:lnRef idx="2">
-            <a:schemeClr val="accent1">
-              <a:shade val="50000"/>
-            </a:schemeClr>
-          </a:lnRef>
-          <a:fillRef idx="1">
-            <a:schemeClr val="accent1"/>
-          </a:fillRef>
-          <a:effectRef idx="0">
-            <a:schemeClr val="accent1"/>
-          </a:effectRef>
-          <a:fontRef idx="minor">
-            <a:schemeClr val="lt1"/>
-          </a:fontRef>
-        </p:style>
-        <p:txBody>
-          <a:bodyPr rtlCol="0" anchor="ctr"/>
-          <a:lstStyle/>
-          <a:p>
-            <a:pPr algn="ctr"/>
-            <a:r>
-              <a:rPr lang="ko-KR" altLang="en-US" dirty="0" smtClean="0"/>
-              <a:t>영화 </a:t>
-            </a:r>
-            <a:r>
-              <a:rPr lang="en-US" altLang="ko-KR" dirty="0" err="1" smtClean="0"/>
-              <a:t>dict</a:t>
-            </a:r>
-            <a:endParaRPr lang="ko-KR" altLang="en-US" dirty="0"/>
-          </a:p>
-        </p:txBody>
-      </p:sp>
+      <p:pic>
+        <p:nvPicPr>
+          <p:cNvPr id="7" name="Picture 6"/>
+          <p:cNvPicPr>
+            <a:picLocks noChangeAspect="1"/>
+          </p:cNvPicPr>
+          <p:nvPr/>
+        </p:nvPicPr>
+        <p:blipFill rotWithShape="1">
+          <a:blip r:embed="rId2"/>
+          <a:srcRect l="24201"/>
+          <a:stretch/>
+        </p:blipFill>
+        <p:spPr>
+          <a:xfrm>
+            <a:off x="7924800" y="2730891"/>
+            <a:ext cx="3407632" cy="2463709"/>
+          </a:xfrm>
+          <a:prstGeom prst="rect">
+            <a:avLst/>
+          </a:prstGeom>
+        </p:spPr>
+      </p:pic>
       <p:cxnSp>
         <p:nvCxnSpPr>
-          <p:cNvPr id="13" name="Straight Arrow Connector 12"/>
-          <p:cNvCxnSpPr>
-            <a:stCxn id="3" idx="2"/>
-            <a:endCxn id="7" idx="0"/>
-          </p:cNvCxnSpPr>
+          <p:cNvPr id="9" name="Straight Arrow Connector 8"/>
+          <p:cNvCxnSpPr/>
           <p:nvPr/>
         </p:nvCxnSpPr>
         <p:spPr>
-          <a:xfrm flipH="1">
-            <a:off x="3067050" y="2409825"/>
-            <a:ext cx="2405063" cy="777575"/>
+          <a:xfrm>
+            <a:off x="6969211" y="3146854"/>
+            <a:ext cx="807308" cy="0"/>
           </a:xfrm>
           <a:prstGeom prst="straightConnector1">
             <a:avLst/>
@@ -3888,18 +4192,57 @@
           </a:fontRef>
         </p:style>
       </p:cxnSp>
+      <p:sp>
+        <p:nvSpPr>
+          <p:cNvPr id="10" name="TextBox 9"/>
+          <p:cNvSpPr txBox="1"/>
+          <p:nvPr/>
+        </p:nvSpPr>
+        <p:spPr>
+          <a:xfrm>
+            <a:off x="6083642" y="2962188"/>
+            <a:ext cx="1178011" cy="369332"/>
+          </a:xfrm>
+          <a:prstGeom prst="rect">
+            <a:avLst/>
+          </a:prstGeom>
+          <a:noFill/>
+        </p:spPr>
+        <p:txBody>
+          <a:bodyPr wrap="square" rtlCol="0">
+            <a:spAutoFit/>
+          </a:bodyPr>
+          <a:lstStyle/>
+          <a:p>
+            <a:r>
+              <a:rPr lang="ko-KR" altLang="en-US" dirty="0" smtClean="0">
+                <a:solidFill>
+                  <a:schemeClr val="accent2"/>
+                </a:solidFill>
+              </a:rPr>
+              <a:t>영화 </a:t>
+            </a:r>
+            <a:r>
+              <a:rPr lang="en-US" altLang="ko-KR" dirty="0" smtClean="0">
+                <a:solidFill>
+                  <a:schemeClr val="accent2"/>
+                </a:solidFill>
+              </a:rPr>
+              <a:t>1</a:t>
+            </a:r>
+          </a:p>
+        </p:txBody>
+      </p:sp>
       <p:cxnSp>
         <p:nvCxnSpPr>
-          <p:cNvPr id="14" name="Straight Arrow Connector 13"/>
-          <p:cNvCxnSpPr>
-            <a:endCxn id="8" idx="0"/>
-          </p:cNvCxnSpPr>
+          <p:cNvPr id="13" name="Straight Arrow Connector 12"/>
+          <p:cNvCxnSpPr/>
           <p:nvPr/>
         </p:nvCxnSpPr>
         <p:spPr>
           <a:xfrm>
-            <a:off x="5472112" y="2420924"/>
-            <a:ext cx="2414588" cy="744278"/>
+            <a:off x="8386119" y="2133600"/>
+            <a:ext cx="8238" cy="597291"/>
           </a:xfrm>
           <a:prstGeom prst="straightConnector1">
             <a:avLst/>
@@ -3923,22 +4266,67 @@
           </a:fontRef>
         </p:style>
       </p:cxnSp>
+      <p:sp>
+        <p:nvSpPr>
+          <p:cNvPr id="14" name="TextBox 13"/>
+          <p:cNvSpPr txBox="1"/>
+          <p:nvPr/>
+        </p:nvSpPr>
+        <p:spPr>
+          <a:xfrm>
+            <a:off x="7924800" y="1861751"/>
+            <a:ext cx="906162" cy="369332"/>
+          </a:xfrm>
+          <a:prstGeom prst="rect">
+            <a:avLst/>
+          </a:prstGeom>
+          <a:noFill/>
+        </p:spPr>
+        <p:txBody>
+          <a:bodyPr wrap="square" rtlCol="0">
+            <a:spAutoFit/>
+          </a:bodyPr>
+          <a:lstStyle/>
+          <a:p>
+            <a:r>
+              <a:rPr lang="ko-KR" altLang="en-US" dirty="0" smtClean="0">
+                <a:solidFill>
+                  <a:schemeClr val="accent2"/>
+                </a:solidFill>
+              </a:rPr>
+              <a:t>유저 </a:t>
+            </a:r>
+            <a:r>
+              <a:rPr lang="en-US" altLang="ko-KR" dirty="0" smtClean="0">
+                <a:solidFill>
+                  <a:schemeClr val="accent2"/>
+                </a:solidFill>
+              </a:rPr>
+              <a:t>1</a:t>
+            </a:r>
+            <a:endParaRPr lang="ko-KR" altLang="en-US" dirty="0">
+              <a:solidFill>
+                <a:schemeClr val="accent2"/>
+              </a:solidFill>
+            </a:endParaRPr>
+          </a:p>
+        </p:txBody>
+      </p:sp>
       <p:cxnSp>
         <p:nvCxnSpPr>
-          <p:cNvPr id="18" name="Straight Arrow Connector 17"/>
-          <p:cNvCxnSpPr>
-            <a:stCxn id="7" idx="4"/>
-            <a:endCxn id="10" idx="0"/>
-          </p:cNvCxnSpPr>
+          <p:cNvPr id="16" name="Curved Connector 15"/>
+          <p:cNvCxnSpPr/>
           <p:nvPr/>
         </p:nvCxnSpPr>
         <p:spPr>
-          <a:xfrm>
-            <a:off x="3067050" y="4044650"/>
-            <a:ext cx="0" cy="644552"/>
-          </a:xfrm>
-          <a:prstGeom prst="straightConnector1">
-            <a:avLst/>
+          <a:xfrm rot="5400000" flipH="1" flipV="1">
+            <a:off x="7445268" y="5228969"/>
+            <a:ext cx="967303" cy="930876"/>
+          </a:xfrm>
+          <a:prstGeom prst="curvedConnector3">
+            <a:avLst>
+              <a:gd name="adj1" fmla="val -61564"/>
+            </a:avLst>
           </a:prstGeom>
           <a:ln>
             <a:tailEnd type="triangle"/>
@@ -3959,173 +4347,16 @@
           </a:fontRef>
         </p:style>
       </p:cxnSp>
-      <p:cxnSp>
-        <p:nvCxnSpPr>
-          <p:cNvPr id="20" name="Curved Connector 19"/>
-          <p:cNvCxnSpPr>
-            <a:stCxn id="10" idx="2"/>
-            <a:endCxn id="7" idx="2"/>
-          </p:cNvCxnSpPr>
-          <p:nvPr/>
-        </p:nvCxnSpPr>
-        <p:spPr>
-          <a:xfrm rot="10800000">
-            <a:off x="1600200" y="3616025"/>
-            <a:ext cx="12700" cy="1501802"/>
-          </a:xfrm>
-          <a:prstGeom prst="curvedConnector3">
-            <a:avLst>
-              <a:gd name="adj1" fmla="val 1800000"/>
-            </a:avLst>
-          </a:prstGeom>
-          <a:ln>
-            <a:tailEnd type="triangle"/>
-          </a:ln>
-        </p:spPr>
-        <p:style>
-          <a:lnRef idx="1">
-            <a:schemeClr val="accent1"/>
-          </a:lnRef>
-          <a:fillRef idx="0">
-            <a:schemeClr val="accent1"/>
-          </a:fillRef>
-          <a:effectRef idx="0">
-            <a:schemeClr val="accent1"/>
-          </a:effectRef>
-          <a:fontRef idx="minor">
-            <a:schemeClr val="tx1"/>
-          </a:fontRef>
-        </p:style>
-      </p:cxnSp>
-      <p:sp>
-        <p:nvSpPr>
-          <p:cNvPr id="24" name="Oval 23"/>
-          <p:cNvSpPr/>
-          <p:nvPr/>
-        </p:nvSpPr>
-        <p:spPr>
-          <a:xfrm>
-            <a:off x="6419850" y="4689202"/>
-            <a:ext cx="2933700" cy="857250"/>
-          </a:xfrm>
-          <a:prstGeom prst="ellipse">
-            <a:avLst/>
-          </a:prstGeom>
-        </p:spPr>
-        <p:style>
-          <a:lnRef idx="2">
-            <a:schemeClr val="accent1">
-              <a:shade val="50000"/>
-            </a:schemeClr>
-          </a:lnRef>
-          <a:fillRef idx="1">
-            <a:schemeClr val="accent1"/>
-          </a:fillRef>
-          <a:effectRef idx="0">
-            <a:schemeClr val="accent1"/>
-          </a:effectRef>
-          <a:fontRef idx="minor">
-            <a:schemeClr val="lt1"/>
-          </a:fontRef>
-        </p:style>
-        <p:txBody>
-          <a:bodyPr rtlCol="0" anchor="ctr"/>
-          <a:lstStyle/>
-          <a:p>
-            <a:pPr algn="ctr"/>
-            <a:r>
-              <a:rPr lang="ko-KR" altLang="en-US" dirty="0" smtClean="0"/>
-              <a:t>유저 </a:t>
-            </a:r>
-            <a:r>
-              <a:rPr lang="en-US" altLang="ko-KR" dirty="0" err="1" smtClean="0"/>
-              <a:t>dict</a:t>
-            </a:r>
-            <a:endParaRPr lang="ko-KR" altLang="en-US" dirty="0"/>
-          </a:p>
-        </p:txBody>
-      </p:sp>
-      <p:cxnSp>
-        <p:nvCxnSpPr>
-          <p:cNvPr id="26" name="Straight Arrow Connector 25"/>
-          <p:cNvCxnSpPr>
-            <a:stCxn id="8" idx="4"/>
-            <a:endCxn id="24" idx="0"/>
-          </p:cNvCxnSpPr>
-          <p:nvPr/>
-        </p:nvCxnSpPr>
-        <p:spPr>
-          <a:xfrm>
-            <a:off x="7886700" y="4022452"/>
-            <a:ext cx="0" cy="666750"/>
-          </a:xfrm>
-          <a:prstGeom prst="straightConnector1">
-            <a:avLst/>
-          </a:prstGeom>
-          <a:ln>
-            <a:tailEnd type="triangle"/>
-          </a:ln>
-        </p:spPr>
-        <p:style>
-          <a:lnRef idx="1">
-            <a:schemeClr val="accent1"/>
-          </a:lnRef>
-          <a:fillRef idx="0">
-            <a:schemeClr val="accent1"/>
-          </a:fillRef>
-          <a:effectRef idx="0">
-            <a:schemeClr val="accent1"/>
-          </a:effectRef>
-          <a:fontRef idx="minor">
-            <a:schemeClr val="tx1"/>
-          </a:fontRef>
-        </p:style>
-      </p:cxnSp>
-      <p:cxnSp>
-        <p:nvCxnSpPr>
-          <p:cNvPr id="27" name="Curved Connector 26"/>
-          <p:cNvCxnSpPr/>
-          <p:nvPr/>
-        </p:nvCxnSpPr>
-        <p:spPr>
-          <a:xfrm rot="10800000">
-            <a:off x="9353549" y="3568985"/>
-            <a:ext cx="12700" cy="1501802"/>
-          </a:xfrm>
-          <a:prstGeom prst="curvedConnector3">
-            <a:avLst>
-              <a:gd name="adj1" fmla="val -2481079"/>
-            </a:avLst>
-          </a:prstGeom>
-          <a:ln>
-            <a:tailEnd type="triangle"/>
-          </a:ln>
-        </p:spPr>
-        <p:style>
-          <a:lnRef idx="1">
-            <a:schemeClr val="accent1"/>
-          </a:lnRef>
-          <a:fillRef idx="0">
-            <a:schemeClr val="accent1"/>
-          </a:fillRef>
-          <a:effectRef idx="0">
-            <a:schemeClr val="accent1"/>
-          </a:effectRef>
-          <a:fontRef idx="minor">
-            <a:schemeClr val="tx1"/>
-          </a:fontRef>
-        </p:style>
-      </p:cxnSp>
-      <p:sp>
-        <p:nvSpPr>
-          <p:cNvPr id="29" name="TextBox 28"/>
+      <p:sp>
+        <p:nvSpPr>
+          <p:cNvPr id="20" name="TextBox 19"/>
           <p:cNvSpPr txBox="1"/>
           <p:nvPr/>
         </p:nvSpPr>
         <p:spPr>
           <a:xfrm>
-            <a:off x="183031" y="2772898"/>
-            <a:ext cx="2884018" cy="369332"/>
+            <a:off x="6384324" y="5664862"/>
+            <a:ext cx="1441622" cy="461665"/>
           </a:xfrm>
           <a:prstGeom prst="rect">
             <a:avLst/>
@@ -4139,62 +4370,54 @@
           <a:lstStyle/>
           <a:p>
             <a:r>
-              <a:rPr lang="en-US" altLang="ko-KR" dirty="0" smtClean="0">
+              <a:rPr lang="ko-KR" altLang="en-US" sz="1200" dirty="0" smtClean="0">
                 <a:solidFill>
                   <a:schemeClr val="accent2"/>
                 </a:solidFill>
               </a:rPr>
-              <a:t>[{</a:t>
-            </a:r>
-            <a:r>
-              <a:rPr lang="ko-KR" altLang="en-US" dirty="0" smtClean="0">
+              <a:t>영화 </a:t>
+            </a:r>
+            <a:r>
+              <a:rPr lang="en-US" altLang="ko-KR" sz="1200" dirty="0" smtClean="0">
                 <a:solidFill>
                   <a:schemeClr val="accent2"/>
                 </a:solidFill>
               </a:rPr>
-              <a:t>영화</a:t>
-            </a:r>
-            <a:r>
-              <a:rPr lang="en-US" altLang="ko-KR" dirty="0" err="1" smtClean="0">
+              <a:t>n </a:t>
+            </a:r>
+            <a:r>
+              <a:rPr lang="ko-KR" altLang="en-US" sz="1200" dirty="0" smtClean="0">
                 <a:solidFill>
                   <a:schemeClr val="accent2"/>
                 </a:solidFill>
               </a:rPr>
-              <a:t>dict</a:t>
-            </a:r>
-            <a:r>
-              <a:rPr lang="en-US" altLang="ko-KR" dirty="0" smtClean="0">
+              <a:t>에대한 유저 </a:t>
+            </a:r>
+            <a:r>
+              <a:rPr lang="en-US" altLang="ko-KR" sz="1200" dirty="0" smtClean="0">
                 <a:solidFill>
                   <a:schemeClr val="accent2"/>
                 </a:solidFill>
               </a:rPr>
-              <a:t>}, {</a:t>
-            </a:r>
-            <a:r>
-              <a:rPr lang="ko-KR" altLang="en-US" dirty="0" smtClean="0">
+              <a:t>1 </a:t>
+            </a:r>
+            <a:r>
+              <a:rPr lang="ko-KR" altLang="en-US" sz="1200" dirty="0" smtClean="0">
                 <a:solidFill>
                   <a:schemeClr val="accent2"/>
                 </a:solidFill>
               </a:rPr>
-              <a:t>영화</a:t>
-            </a:r>
-            <a:r>
-              <a:rPr lang="en-US" altLang="ko-KR" dirty="0" err="1" smtClean="0">
+              <a:t>의 </a:t>
+            </a:r>
+            <a:r>
+              <a:rPr lang="en-US" altLang="ko-KR" sz="1200" dirty="0" smtClean="0">
                 <a:solidFill>
                   <a:schemeClr val="accent2"/>
                 </a:solidFill>
               </a:rPr>
-              <a:t>dict</a:t>
-            </a:r>
-            <a:r>
-              <a:rPr lang="en-US" altLang="ko-KR" dirty="0" smtClean="0">
-                <a:solidFill>
-                  <a:schemeClr val="accent2"/>
-                </a:solidFill>
-              </a:rPr>
-              <a:t>} …]</a:t>
-            </a:r>
-            <a:endParaRPr lang="ko-KR" altLang="en-US" dirty="0">
+              <a:t>Rating</a:t>
+            </a:r>
+            <a:endParaRPr lang="ko-KR" altLang="en-US" sz="1200" dirty="0">
               <a:solidFill>
                 <a:schemeClr val="accent2"/>
               </a:solidFill>
@@ -4204,14 +4427,14 @@
       </p:sp>
       <p:sp>
         <p:nvSpPr>
-          <p:cNvPr id="30" name="TextBox 29"/>
+          <p:cNvPr id="2" name="TextBox 1"/>
           <p:cNvSpPr txBox="1"/>
           <p:nvPr/>
         </p:nvSpPr>
         <p:spPr>
           <a:xfrm>
-            <a:off x="301494" y="4182260"/>
-            <a:ext cx="1143261" cy="369332"/>
+            <a:off x="8908554" y="2392337"/>
+            <a:ext cx="1565031" cy="338554"/>
           </a:xfrm>
           <a:prstGeom prst="rect">
             <a:avLst/>
@@ -4225,31 +4448,23 @@
           <a:lstStyle/>
           <a:p>
             <a:r>
-              <a:rPr lang="en-US" altLang="ko-KR" dirty="0" smtClean="0">
-                <a:solidFill>
-                  <a:srgbClr val="FF0000"/>
-                </a:solidFill>
-              </a:rPr>
-              <a:t>append</a:t>
-            </a:r>
-            <a:endParaRPr lang="ko-KR" altLang="en-US" dirty="0">
-              <a:solidFill>
-                <a:srgbClr val="FF0000"/>
-              </a:solidFill>
-            </a:endParaRPr>
-          </a:p>
-        </p:txBody>
-      </p:sp>
-      <p:sp>
-        <p:nvSpPr>
-          <p:cNvPr id="33" name="TextBox 32"/>
+              <a:rPr lang="en-US" altLang="ko-KR" sz="1600" dirty="0" smtClean="0"/>
+              <a:t>480189 Users</a:t>
+            </a:r>
+            <a:endParaRPr lang="ko-KR" altLang="en-US" sz="1600" dirty="0"/>
+          </a:p>
+        </p:txBody>
+      </p:sp>
+      <p:sp>
+        <p:nvSpPr>
+          <p:cNvPr id="3" name="TextBox 2"/>
           <p:cNvSpPr txBox="1"/>
           <p:nvPr/>
         </p:nvSpPr>
         <p:spPr>
           <a:xfrm>
-            <a:off x="183031" y="5605745"/>
-            <a:ext cx="4567068" cy="369332"/>
+            <a:off x="6672647" y="3713361"/>
+            <a:ext cx="1103872" cy="584775"/>
           </a:xfrm>
           <a:prstGeom prst="rect">
             <a:avLst/>
@@ -4263,1382 +4478,23 @@
           <a:lstStyle/>
           <a:p>
             <a:r>
-              <a:rPr lang="en-US" altLang="ko-KR" dirty="0" err="1" smtClean="0">
-                <a:solidFill>
-                  <a:schemeClr val="accent2"/>
-                </a:solidFill>
-              </a:rPr>
-              <a:t>Movie_dict</a:t>
-            </a:r>
-            <a:r>
-              <a:rPr lang="en-US" altLang="ko-KR" dirty="0" smtClean="0">
-                <a:solidFill>
-                  <a:schemeClr val="accent2"/>
-                </a:solidFill>
-              </a:rPr>
-              <a:t> {“</a:t>
-            </a:r>
-            <a:r>
-              <a:rPr lang="en-US" altLang="ko-KR" dirty="0" err="1" smtClean="0">
-                <a:solidFill>
-                  <a:schemeClr val="accent2"/>
-                </a:solidFill>
-              </a:rPr>
-              <a:t>MovieID</a:t>
-            </a:r>
-            <a:r>
-              <a:rPr lang="en-US" altLang="ko-KR" dirty="0" smtClean="0">
-                <a:solidFill>
-                  <a:schemeClr val="accent2"/>
-                </a:solidFill>
-              </a:rPr>
-              <a:t>” : x, “</a:t>
-            </a:r>
-            <a:r>
-              <a:rPr lang="en-US" altLang="ko-KR" dirty="0" err="1" smtClean="0">
-                <a:solidFill>
-                  <a:schemeClr val="accent2"/>
-                </a:solidFill>
-              </a:rPr>
-              <a:t>Avg.Rating</a:t>
-            </a:r>
-            <a:r>
-              <a:rPr lang="en-US" altLang="ko-KR" dirty="0" smtClean="0">
-                <a:solidFill>
-                  <a:schemeClr val="accent2"/>
-                </a:solidFill>
-              </a:rPr>
-              <a:t> : y”}</a:t>
-            </a:r>
-            <a:endParaRPr lang="ko-KR" altLang="en-US" dirty="0">
-              <a:solidFill>
-                <a:schemeClr val="accent2"/>
-              </a:solidFill>
-            </a:endParaRPr>
-          </a:p>
-        </p:txBody>
-      </p:sp>
-      <p:sp>
-        <p:nvSpPr>
-          <p:cNvPr id="34" name="TextBox 33"/>
-          <p:cNvSpPr txBox="1"/>
-          <p:nvPr/>
-        </p:nvSpPr>
-        <p:spPr>
-          <a:xfrm>
-            <a:off x="9689836" y="4135220"/>
-            <a:ext cx="1143261" cy="369332"/>
-          </a:xfrm>
-          <a:prstGeom prst="rect">
-            <a:avLst/>
-          </a:prstGeom>
-          <a:noFill/>
-        </p:spPr>
-        <p:txBody>
-          <a:bodyPr wrap="square" rtlCol="0">
-            <a:spAutoFit/>
-          </a:bodyPr>
-          <a:lstStyle/>
-          <a:p>
-            <a:r>
-              <a:rPr lang="en-US" altLang="ko-KR" dirty="0" smtClean="0">
-                <a:solidFill>
-                  <a:srgbClr val="FF0000"/>
-                </a:solidFill>
-              </a:rPr>
-              <a:t>append</a:t>
-            </a:r>
-            <a:endParaRPr lang="ko-KR" altLang="en-US" dirty="0">
-              <a:solidFill>
-                <a:srgbClr val="FF0000"/>
-              </a:solidFill>
-            </a:endParaRPr>
-          </a:p>
-        </p:txBody>
-      </p:sp>
-      <p:sp>
-        <p:nvSpPr>
-          <p:cNvPr id="35" name="TextBox 34"/>
-          <p:cNvSpPr txBox="1"/>
-          <p:nvPr/>
-        </p:nvSpPr>
-        <p:spPr>
-          <a:xfrm>
-            <a:off x="8567351" y="2772898"/>
-            <a:ext cx="3056238" cy="369332"/>
-          </a:xfrm>
-          <a:prstGeom prst="rect">
-            <a:avLst/>
-          </a:prstGeom>
-          <a:noFill/>
-        </p:spPr>
-        <p:txBody>
-          <a:bodyPr wrap="square" rtlCol="0">
-            <a:spAutoFit/>
-          </a:bodyPr>
-          <a:lstStyle/>
-          <a:p>
-            <a:r>
-              <a:rPr lang="en-US" altLang="ko-KR" dirty="0" smtClean="0">
-                <a:solidFill>
-                  <a:schemeClr val="accent2"/>
-                </a:solidFill>
-              </a:rPr>
-              <a:t>[{</a:t>
-            </a:r>
-            <a:r>
-              <a:rPr lang="ko-KR" altLang="en-US" dirty="0" smtClean="0">
-                <a:solidFill>
-                  <a:schemeClr val="accent2"/>
-                </a:solidFill>
-              </a:rPr>
-              <a:t>유저</a:t>
-            </a:r>
-            <a:r>
-              <a:rPr lang="en-US" altLang="ko-KR" dirty="0" smtClean="0">
-                <a:solidFill>
-                  <a:schemeClr val="accent2"/>
-                </a:solidFill>
-              </a:rPr>
-              <a:t>1dict}, {</a:t>
-            </a:r>
-            <a:r>
-              <a:rPr lang="ko-KR" altLang="en-US" dirty="0" smtClean="0">
-                <a:solidFill>
-                  <a:schemeClr val="accent2"/>
-                </a:solidFill>
-              </a:rPr>
-              <a:t>유저</a:t>
-            </a:r>
-            <a:r>
-              <a:rPr lang="en-US" altLang="ko-KR" dirty="0" smtClean="0">
-                <a:solidFill>
-                  <a:schemeClr val="accent2"/>
-                </a:solidFill>
-              </a:rPr>
-              <a:t>2dict} …]</a:t>
-            </a:r>
-            <a:endParaRPr lang="ko-KR" altLang="en-US" dirty="0">
-              <a:solidFill>
-                <a:schemeClr val="accent2"/>
-              </a:solidFill>
-            </a:endParaRPr>
-          </a:p>
-        </p:txBody>
-      </p:sp>
-      <p:sp>
-        <p:nvSpPr>
-          <p:cNvPr id="36" name="TextBox 35"/>
-          <p:cNvSpPr txBox="1"/>
-          <p:nvPr/>
-        </p:nvSpPr>
-        <p:spPr>
-          <a:xfrm>
-            <a:off x="6381478" y="5604872"/>
-            <a:ext cx="6616716" cy="646331"/>
-          </a:xfrm>
-          <a:prstGeom prst="rect">
-            <a:avLst/>
-          </a:prstGeom>
-          <a:noFill/>
-        </p:spPr>
-        <p:txBody>
-          <a:bodyPr wrap="square" rtlCol="0">
-            <a:spAutoFit/>
-          </a:bodyPr>
-          <a:lstStyle/>
-          <a:p>
-            <a:r>
-              <a:rPr lang="en-US" altLang="ko-KR" dirty="0" err="1" smtClean="0">
-                <a:solidFill>
-                  <a:schemeClr val="accent2"/>
-                </a:solidFill>
-              </a:rPr>
-              <a:t>User_dict</a:t>
-            </a:r>
-            <a:r>
-              <a:rPr lang="en-US" altLang="ko-KR" dirty="0" smtClean="0">
-                <a:solidFill>
-                  <a:schemeClr val="accent2"/>
-                </a:solidFill>
-              </a:rPr>
-              <a:t> {“</a:t>
-            </a:r>
-            <a:r>
-              <a:rPr lang="en-US" altLang="ko-KR" dirty="0" err="1" smtClean="0">
-                <a:solidFill>
-                  <a:schemeClr val="accent2"/>
-                </a:solidFill>
-              </a:rPr>
-              <a:t>UserID</a:t>
-            </a:r>
-            <a:r>
-              <a:rPr lang="en-US" altLang="ko-KR" dirty="0" smtClean="0">
-                <a:solidFill>
-                  <a:schemeClr val="accent2"/>
-                </a:solidFill>
-              </a:rPr>
-              <a:t>“: x, </a:t>
-            </a:r>
-          </a:p>
-          <a:p>
-            <a:r>
-              <a:rPr lang="en-US" altLang="ko-KR" dirty="0" smtClean="0">
-                <a:solidFill>
-                  <a:schemeClr val="accent2"/>
-                </a:solidFill>
-              </a:rPr>
-              <a:t>“</a:t>
-            </a:r>
-            <a:r>
-              <a:rPr lang="en-US" altLang="ko-KR" dirty="0" err="1" smtClean="0">
-                <a:solidFill>
-                  <a:schemeClr val="accent2"/>
-                </a:solidFill>
-              </a:rPr>
-              <a:t>UserRating</a:t>
-            </a:r>
-            <a:r>
-              <a:rPr lang="en-US" altLang="ko-KR" dirty="0" smtClean="0">
-                <a:solidFill>
-                  <a:schemeClr val="accent2"/>
-                </a:solidFill>
-              </a:rPr>
-              <a:t>” : [{</a:t>
-            </a:r>
-            <a:r>
-              <a:rPr lang="en-US" altLang="ko-KR" dirty="0" err="1" smtClean="0">
-                <a:solidFill>
-                  <a:schemeClr val="accent2"/>
-                </a:solidFill>
-              </a:rPr>
-              <a:t>MovieID</a:t>
-            </a:r>
-            <a:r>
-              <a:rPr lang="en-US" altLang="ko-KR" dirty="0" smtClean="0">
-                <a:solidFill>
-                  <a:schemeClr val="accent2"/>
-                </a:solidFill>
-              </a:rPr>
-              <a:t> : Rating, MovieID2 : Rating}]} </a:t>
-            </a:r>
-            <a:endParaRPr lang="ko-KR" altLang="en-US" dirty="0">
-              <a:solidFill>
-                <a:schemeClr val="accent2"/>
-              </a:solidFill>
-            </a:endParaRPr>
+              <a:rPr lang="en-US" altLang="ko-KR" sz="1600" dirty="0" smtClean="0"/>
+              <a:t>17700 </a:t>
+            </a:r>
+          </a:p>
+          <a:p>
+            <a:r>
+              <a:rPr lang="en-US" altLang="ko-KR" sz="1600" dirty="0" smtClean="0"/>
+              <a:t>Movies</a:t>
+            </a:r>
+            <a:endParaRPr lang="ko-KR" altLang="en-US" sz="1600" dirty="0"/>
           </a:p>
         </p:txBody>
       </p:sp>
     </p:spTree>
     <p:extLst>
       <p:ext uri="{BB962C8B-B14F-4D97-AF65-F5344CB8AC3E}">
-        <p14:creationId xmlns:p14="http://schemas.microsoft.com/office/powerpoint/2010/main" val="2616555566"/>
-      </p:ext>
-    </p:extLst>
-  </p:cSld>
-  <p:clrMapOvr>
-    <a:masterClrMapping/>
-  </p:clrMapOvr>
-  <mc:AlternateContent xmlns:mc="http://schemas.openxmlformats.org/markup-compatibility/2006">
-    <mc:Choice xmlns:p14="http://schemas.microsoft.com/office/powerpoint/2010/main" Requires="p14">
-      <p:transition p14:dur="10"/>
-    </mc:Choice>
-    <mc:Fallback>
-      <p:transition/>
-    </mc:Fallback>
-  </mc:AlternateContent>
-  <p:timing>
-    <p:tnLst>
-      <p:par>
-        <p:cTn id="1" dur="indefinite" restart="never" nodeType="tmRoot"/>
-      </p:par>
-    </p:tnLst>
-  </p:timing>
-</p:sld>
-</file>
-
-<file path=ppt/slides/slide12.xml><?xml version="1.0" encoding="utf-8"?>
-<p:sld xmlns:a="http://schemas.openxmlformats.org/drawingml/2006/main" xmlns:r="http://schemas.openxmlformats.org/officeDocument/2006/relationships" xmlns:p="http://schemas.openxmlformats.org/presentationml/2006/main">
-  <p:cSld>
-    <p:spTree>
-      <p:nvGrpSpPr>
-        <p:cNvPr id="1" name=""/>
-        <p:cNvGrpSpPr/>
-        <p:nvPr/>
-      </p:nvGrpSpPr>
-      <p:grpSpPr>
-        <a:xfrm>
-          <a:off x="0" y="0"/>
-          <a:ext cx="0" cy="0"/>
-          <a:chOff x="0" y="0"/>
-          <a:chExt cx="0" cy="0"/>
-        </a:xfrm>
-      </p:grpSpPr>
-      <p:graphicFrame>
-        <p:nvGraphicFramePr>
-          <p:cNvPr id="4" name="Table 3"/>
-          <p:cNvGraphicFramePr>
-            <a:graphicFrameLocks noGrp="1"/>
-          </p:cNvGraphicFramePr>
-          <p:nvPr>
-            <p:extLst>
-              <p:ext uri="{D42A27DB-BD31-4B8C-83A1-F6EECF244321}">
-                <p14:modId xmlns:p14="http://schemas.microsoft.com/office/powerpoint/2010/main" val="830808000"/>
-              </p:ext>
-            </p:extLst>
-          </p:nvPr>
-        </p:nvGraphicFramePr>
-        <p:xfrm>
-          <a:off x="7479956" y="1565704"/>
-          <a:ext cx="4598914" cy="2013693"/>
-        </p:xfrm>
-        <a:graphic>
-          <a:graphicData uri="http://schemas.openxmlformats.org/drawingml/2006/table">
-            <a:tbl>
-              <a:tblPr firstRow="1" bandRow="1">
-                <a:tableStyleId>{5C22544A-7EE6-4342-B048-85BDC9FD1C3A}</a:tableStyleId>
-              </a:tblPr>
-              <a:tblGrid>
-                <a:gridCol w="2299457"/>
-                <a:gridCol w="2299457"/>
-              </a:tblGrid>
-              <a:tr h="530333">
-                <a:tc>
-                  <a:txBody>
-                    <a:bodyPr/>
-                    <a:lstStyle/>
-                    <a:p>
-                      <a:pPr latinLnBrk="1"/>
-                      <a:r>
-                        <a:rPr lang="ko-KR" altLang="en-US" dirty="0" smtClean="0"/>
-                        <a:t>장점</a:t>
-                      </a:r>
-                      <a:endParaRPr lang="ko-KR" altLang="en-US" dirty="0"/>
-                    </a:p>
-                  </a:txBody>
-                  <a:tcPr/>
-                </a:tc>
-                <a:tc>
-                  <a:txBody>
-                    <a:bodyPr/>
-                    <a:lstStyle/>
-                    <a:p>
-                      <a:pPr latinLnBrk="1"/>
-                      <a:r>
-                        <a:rPr lang="ko-KR" altLang="en-US" dirty="0" smtClean="0"/>
-                        <a:t>단점</a:t>
-                      </a:r>
-                      <a:endParaRPr lang="ko-KR" altLang="en-US" dirty="0"/>
-                    </a:p>
-                  </a:txBody>
-                  <a:tcPr/>
-                </a:tc>
-              </a:tr>
-              <a:tr h="370840">
-                <a:tc>
-                  <a:txBody>
-                    <a:bodyPr/>
-                    <a:lstStyle/>
-                    <a:p>
-                      <a:pPr latinLnBrk="1"/>
-                      <a:r>
-                        <a:rPr lang="ko-KR" altLang="en-US" sz="1000" dirty="0" smtClean="0">
-                          <a:solidFill>
-                            <a:schemeClr val="accent6">
-                              <a:lumMod val="50000"/>
-                            </a:schemeClr>
-                          </a:solidFill>
-                        </a:rPr>
-                        <a:t>쉬운 데이터 정리</a:t>
-                      </a:r>
-                      <a:endParaRPr lang="ko-KR" altLang="en-US" sz="1000" dirty="0">
-                        <a:solidFill>
-                          <a:schemeClr val="accent6">
-                            <a:lumMod val="50000"/>
-                          </a:schemeClr>
-                        </a:solidFill>
-                      </a:endParaRPr>
-                    </a:p>
-                  </a:txBody>
-                  <a:tcPr/>
-                </a:tc>
-                <a:tc>
-                  <a:txBody>
-                    <a:bodyPr/>
-                    <a:lstStyle/>
-                    <a:p>
-                      <a:pPr latinLnBrk="1"/>
-                      <a:r>
-                        <a:rPr lang="ko-KR" altLang="en-US" sz="1000" dirty="0" smtClean="0">
-                          <a:solidFill>
-                            <a:srgbClr val="C00000"/>
-                          </a:solidFill>
-                        </a:rPr>
-                        <a:t>시간 소모</a:t>
-                      </a:r>
-                      <a:endParaRPr lang="ko-KR" altLang="en-US" sz="1000" dirty="0">
-                        <a:solidFill>
-                          <a:srgbClr val="C00000"/>
-                        </a:solidFill>
-                      </a:endParaRPr>
-                    </a:p>
-                  </a:txBody>
-                  <a:tcPr/>
-                </a:tc>
-              </a:tr>
-              <a:tr h="370840">
-                <a:tc>
-                  <a:txBody>
-                    <a:bodyPr/>
-                    <a:lstStyle/>
-                    <a:p>
-                      <a:pPr latinLnBrk="1"/>
-                      <a:r>
-                        <a:rPr lang="ko-KR" altLang="en-US" sz="1000" baseline="0" dirty="0" smtClean="0">
-                          <a:solidFill>
-                            <a:schemeClr val="accent6">
-                              <a:lumMod val="50000"/>
-                            </a:schemeClr>
-                          </a:solidFill>
-                        </a:rPr>
-                        <a:t>편리한 데이터 인덱</a:t>
-                      </a:r>
-                      <a:r>
-                        <a:rPr lang="ko-KR" altLang="en-US" sz="1000" baseline="0" dirty="0" smtClean="0">
-                          <a:solidFill>
-                            <a:schemeClr val="accent6">
-                              <a:lumMod val="50000"/>
-                            </a:schemeClr>
-                          </a:solidFill>
-                        </a:rPr>
-                        <a:t>싱</a:t>
-                      </a:r>
-                      <a:endParaRPr lang="ko-KR" altLang="en-US" sz="1000" dirty="0">
-                        <a:solidFill>
-                          <a:schemeClr val="accent6">
-                            <a:lumMod val="50000"/>
-                          </a:schemeClr>
-                        </a:solidFill>
-                      </a:endParaRPr>
-                    </a:p>
-                  </a:txBody>
-                  <a:tcPr/>
-                </a:tc>
-                <a:tc>
-                  <a:txBody>
-                    <a:bodyPr/>
-                    <a:lstStyle/>
-                    <a:p>
-                      <a:pPr latinLnBrk="1"/>
-                      <a:r>
-                        <a:rPr lang="en-US" altLang="ko-KR" sz="1000" dirty="0" smtClean="0">
-                          <a:solidFill>
-                            <a:srgbClr val="C00000"/>
-                          </a:solidFill>
-                        </a:rPr>
-                        <a:t>Matrix </a:t>
-                      </a:r>
-                      <a:r>
-                        <a:rPr lang="ko-KR" altLang="en-US" sz="1000" dirty="0" smtClean="0">
-                          <a:solidFill>
-                            <a:srgbClr val="C00000"/>
-                          </a:solidFill>
-                        </a:rPr>
-                        <a:t>형태 </a:t>
-                      </a:r>
-                      <a:r>
-                        <a:rPr lang="en-US" altLang="ko-KR" sz="1000" dirty="0" smtClean="0">
-                          <a:solidFill>
-                            <a:srgbClr val="C00000"/>
-                          </a:solidFill>
-                        </a:rPr>
-                        <a:t>X</a:t>
-                      </a:r>
-                      <a:endParaRPr lang="ko-KR" altLang="en-US" sz="1000" dirty="0">
-                        <a:solidFill>
-                          <a:srgbClr val="C00000"/>
-                        </a:solidFill>
-                      </a:endParaRPr>
-                    </a:p>
-                  </a:txBody>
-                  <a:tcPr/>
-                </a:tc>
-              </a:tr>
-              <a:tr h="370840">
-                <a:tc>
-                  <a:txBody>
-                    <a:bodyPr/>
-                    <a:lstStyle/>
-                    <a:p>
-                      <a:pPr latinLnBrk="1"/>
-                      <a:endParaRPr lang="ko-KR" altLang="en-US" dirty="0"/>
-                    </a:p>
-                  </a:txBody>
-                  <a:tcPr/>
-                </a:tc>
-                <a:tc>
-                  <a:txBody>
-                    <a:bodyPr/>
-                    <a:lstStyle/>
-                    <a:p>
-                      <a:pPr latinLnBrk="1"/>
-                      <a:endParaRPr lang="ko-KR" altLang="en-US" dirty="0"/>
-                    </a:p>
-                  </a:txBody>
-                  <a:tcPr/>
-                </a:tc>
-              </a:tr>
-              <a:tr h="370840">
-                <a:tc>
-                  <a:txBody>
-                    <a:bodyPr/>
-                    <a:lstStyle/>
-                    <a:p>
-                      <a:pPr latinLnBrk="1"/>
-                      <a:endParaRPr lang="ko-KR" altLang="en-US"/>
-                    </a:p>
-                  </a:txBody>
-                  <a:tcPr/>
-                </a:tc>
-                <a:tc>
-                  <a:txBody>
-                    <a:bodyPr/>
-                    <a:lstStyle/>
-                    <a:p>
-                      <a:pPr latinLnBrk="1"/>
-                      <a:endParaRPr lang="ko-KR" altLang="en-US" dirty="0"/>
-                    </a:p>
-                  </a:txBody>
-                  <a:tcPr/>
-                </a:tc>
-              </a:tr>
-            </a:tbl>
-          </a:graphicData>
-        </a:graphic>
-      </p:graphicFrame>
-      <p:sp>
-        <p:nvSpPr>
-          <p:cNvPr id="6" name="TextBox 5"/>
-          <p:cNvSpPr txBox="1"/>
-          <p:nvPr/>
-        </p:nvSpPr>
-        <p:spPr>
-          <a:xfrm>
-            <a:off x="548643" y="384803"/>
-            <a:ext cx="4697128" cy="523220"/>
-          </a:xfrm>
-          <a:prstGeom prst="rect">
-            <a:avLst/>
-          </a:prstGeom>
-          <a:noFill/>
-        </p:spPr>
-        <p:txBody>
-          <a:bodyPr wrap="square" rtlCol="0">
-            <a:spAutoFit/>
-          </a:bodyPr>
-          <a:lstStyle/>
-          <a:p>
-            <a:r>
-              <a:rPr lang="en-US" altLang="ko-KR" sz="2800" dirty="0"/>
-              <a:t>2</a:t>
-            </a:r>
-            <a:r>
-              <a:rPr lang="en-US" altLang="ko-KR" sz="2800" dirty="0" smtClean="0"/>
-              <a:t>) </a:t>
-            </a:r>
-            <a:r>
-              <a:rPr lang="ko-KR" altLang="en-US" sz="2800" dirty="0" smtClean="0"/>
-              <a:t>데이터 가공</a:t>
-            </a:r>
-            <a:endParaRPr lang="ko-KR" altLang="en-US" sz="2800" dirty="0"/>
-          </a:p>
-        </p:txBody>
-      </p:sp>
-      <p:sp>
-        <p:nvSpPr>
-          <p:cNvPr id="7" name="TextBox 6"/>
-          <p:cNvSpPr txBox="1"/>
-          <p:nvPr/>
-        </p:nvSpPr>
-        <p:spPr>
-          <a:xfrm>
-            <a:off x="870465" y="1097248"/>
-            <a:ext cx="2397211" cy="369332"/>
-          </a:xfrm>
-          <a:prstGeom prst="rect">
-            <a:avLst/>
-          </a:prstGeom>
-          <a:noFill/>
-        </p:spPr>
-        <p:txBody>
-          <a:bodyPr wrap="square" rtlCol="0">
-            <a:spAutoFit/>
-          </a:bodyPr>
-          <a:lstStyle/>
-          <a:p>
-            <a:r>
-              <a:rPr lang="ko-KR" altLang="en-US" dirty="0" smtClean="0">
-                <a:solidFill>
-                  <a:srgbClr val="FF0000"/>
-                </a:solidFill>
-              </a:rPr>
-              <a:t>옵션 </a:t>
-            </a:r>
-            <a:r>
-              <a:rPr lang="en-US" altLang="ko-KR" dirty="0" smtClean="0">
-                <a:solidFill>
-                  <a:srgbClr val="FF0000"/>
-                </a:solidFill>
-              </a:rPr>
-              <a:t>1 </a:t>
-            </a:r>
-            <a:r>
-              <a:rPr lang="ko-KR" altLang="en-US" dirty="0" smtClean="0">
-                <a:solidFill>
-                  <a:srgbClr val="FF0000"/>
-                </a:solidFill>
-              </a:rPr>
-              <a:t>분석</a:t>
-            </a:r>
-            <a:endParaRPr lang="ko-KR" altLang="en-US" dirty="0">
-              <a:solidFill>
-                <a:srgbClr val="FF0000"/>
-              </a:solidFill>
-            </a:endParaRPr>
-          </a:p>
-        </p:txBody>
-      </p:sp>
-      <p:pic>
-        <p:nvPicPr>
-          <p:cNvPr id="8" name="Picture 7"/>
-          <p:cNvPicPr>
-            <a:picLocks noChangeAspect="1"/>
-          </p:cNvPicPr>
-          <p:nvPr/>
-        </p:nvPicPr>
-        <p:blipFill>
-          <a:blip r:embed="rId2"/>
-          <a:stretch>
-            <a:fillRect/>
-          </a:stretch>
-        </p:blipFill>
-        <p:spPr>
-          <a:xfrm>
-            <a:off x="870465" y="1565704"/>
-            <a:ext cx="6315075" cy="4533900"/>
-          </a:xfrm>
-          <a:prstGeom prst="rect">
-            <a:avLst/>
-          </a:prstGeom>
-        </p:spPr>
-      </p:pic>
-      <p:cxnSp>
-        <p:nvCxnSpPr>
-          <p:cNvPr id="10" name="Straight Arrow Connector 9"/>
-          <p:cNvCxnSpPr>
-            <a:endCxn id="8" idx="3"/>
-          </p:cNvCxnSpPr>
-          <p:nvPr/>
-        </p:nvCxnSpPr>
-        <p:spPr>
-          <a:xfrm flipH="1" flipV="1">
-            <a:off x="7185540" y="3832654"/>
-            <a:ext cx="1892557" cy="1143000"/>
-          </a:xfrm>
-          <a:prstGeom prst="straightConnector1">
-            <a:avLst/>
-          </a:prstGeom>
-          <a:ln>
-            <a:tailEnd type="triangle"/>
-          </a:ln>
-        </p:spPr>
-        <p:style>
-          <a:lnRef idx="1">
-            <a:schemeClr val="accent1"/>
-          </a:lnRef>
-          <a:fillRef idx="0">
-            <a:schemeClr val="accent1"/>
-          </a:fillRef>
-          <a:effectRef idx="0">
-            <a:schemeClr val="accent1"/>
-          </a:effectRef>
-          <a:fontRef idx="minor">
-            <a:schemeClr val="tx1"/>
-          </a:fontRef>
-        </p:style>
-      </p:cxnSp>
-      <p:sp>
-        <p:nvSpPr>
-          <p:cNvPr id="11" name="TextBox 10"/>
-          <p:cNvSpPr txBox="1"/>
-          <p:nvPr/>
-        </p:nvSpPr>
-        <p:spPr>
-          <a:xfrm>
-            <a:off x="8262551" y="4975654"/>
-            <a:ext cx="1902941" cy="369332"/>
-          </a:xfrm>
-          <a:prstGeom prst="rect">
-            <a:avLst/>
-          </a:prstGeom>
-          <a:noFill/>
-        </p:spPr>
-        <p:txBody>
-          <a:bodyPr wrap="square" rtlCol="0">
-            <a:spAutoFit/>
-          </a:bodyPr>
-          <a:lstStyle/>
-          <a:p>
-            <a:r>
-              <a:rPr lang="en-US" altLang="ko-KR" dirty="0" err="1" smtClean="0">
-                <a:solidFill>
-                  <a:schemeClr val="accent2"/>
-                </a:solidFill>
-              </a:rPr>
-              <a:t>Movie_dict</a:t>
-            </a:r>
-            <a:r>
-              <a:rPr lang="en-US" altLang="ko-KR" dirty="0" smtClean="0">
-                <a:solidFill>
-                  <a:schemeClr val="accent2"/>
-                </a:solidFill>
-              </a:rPr>
-              <a:t> </a:t>
-            </a:r>
-            <a:r>
-              <a:rPr lang="ko-KR" altLang="en-US" dirty="0" smtClean="0">
-                <a:solidFill>
-                  <a:schemeClr val="accent2"/>
-                </a:solidFill>
-              </a:rPr>
-              <a:t>구축 </a:t>
-            </a:r>
-            <a:endParaRPr lang="en-US" altLang="ko-KR" dirty="0" smtClean="0">
-              <a:solidFill>
-                <a:schemeClr val="accent2"/>
-              </a:solidFill>
-            </a:endParaRPr>
-          </a:p>
-        </p:txBody>
-      </p:sp>
-      <p:sp>
-        <p:nvSpPr>
-          <p:cNvPr id="12" name="5-Point Star 11"/>
-          <p:cNvSpPr/>
-          <p:nvPr/>
-        </p:nvSpPr>
-        <p:spPr>
-          <a:xfrm>
-            <a:off x="10544432" y="2141838"/>
-            <a:ext cx="205946" cy="205946"/>
-          </a:xfrm>
-          <a:prstGeom prst="star5">
-            <a:avLst/>
-          </a:prstGeom>
-          <a:solidFill>
-            <a:srgbClr val="FFC000"/>
-          </a:solidFill>
-        </p:spPr>
-        <p:style>
-          <a:lnRef idx="2">
-            <a:schemeClr val="accent1">
-              <a:shade val="50000"/>
-            </a:schemeClr>
-          </a:lnRef>
-          <a:fillRef idx="1">
-            <a:schemeClr val="accent1"/>
-          </a:fillRef>
-          <a:effectRef idx="0">
-            <a:schemeClr val="accent1"/>
-          </a:effectRef>
-          <a:fontRef idx="minor">
-            <a:schemeClr val="lt1"/>
-          </a:fontRef>
-        </p:style>
-        <p:txBody>
-          <a:bodyPr rtlCol="0" anchor="ctr"/>
-          <a:lstStyle/>
-          <a:p>
-            <a:pPr algn="ctr"/>
-            <a:endParaRPr lang="ko-KR" altLang="en-US"/>
-          </a:p>
-        </p:txBody>
-      </p:sp>
-    </p:spTree>
-    <p:extLst>
-      <p:ext uri="{BB962C8B-B14F-4D97-AF65-F5344CB8AC3E}">
-        <p14:creationId xmlns:p14="http://schemas.microsoft.com/office/powerpoint/2010/main" val="4289489300"/>
-      </p:ext>
-    </p:extLst>
-  </p:cSld>
-  <p:clrMapOvr>
-    <a:masterClrMapping/>
-  </p:clrMapOvr>
-  <p:timing>
-    <p:tnLst>
-      <p:par>
-        <p:cTn id="1" dur="indefinite" restart="never" nodeType="tmRoot"/>
-      </p:par>
-    </p:tnLst>
-  </p:timing>
-</p:sld>
-</file>
-
-<file path=ppt/slides/slide13.xml><?xml version="1.0" encoding="utf-8"?>
-<p:sld xmlns:a="http://schemas.openxmlformats.org/drawingml/2006/main" xmlns:r="http://schemas.openxmlformats.org/officeDocument/2006/relationships" xmlns:p="http://schemas.openxmlformats.org/presentationml/2006/main">
-  <p:cSld>
-    <p:spTree>
-      <p:nvGrpSpPr>
-        <p:cNvPr id="1" name=""/>
-        <p:cNvGrpSpPr/>
-        <p:nvPr/>
-      </p:nvGrpSpPr>
-      <p:grpSpPr>
-        <a:xfrm>
-          <a:off x="0" y="0"/>
-          <a:ext cx="0" cy="0"/>
-          <a:chOff x="0" y="0"/>
-          <a:chExt cx="0" cy="0"/>
-        </a:xfrm>
-      </p:grpSpPr>
-      <p:sp>
-        <p:nvSpPr>
-          <p:cNvPr id="4" name="TextBox 3"/>
-          <p:cNvSpPr txBox="1"/>
-          <p:nvPr/>
-        </p:nvSpPr>
-        <p:spPr>
-          <a:xfrm>
-            <a:off x="548643" y="384803"/>
-            <a:ext cx="4697128" cy="523220"/>
-          </a:xfrm>
-          <a:prstGeom prst="rect">
-            <a:avLst/>
-          </a:prstGeom>
-          <a:noFill/>
-        </p:spPr>
-        <p:txBody>
-          <a:bodyPr wrap="square" rtlCol="0">
-            <a:spAutoFit/>
-          </a:bodyPr>
-          <a:lstStyle/>
-          <a:p>
-            <a:r>
-              <a:rPr lang="en-US" altLang="ko-KR" sz="2800" dirty="0"/>
-              <a:t>2</a:t>
-            </a:r>
-            <a:r>
-              <a:rPr lang="en-US" altLang="ko-KR" sz="2800" dirty="0" smtClean="0"/>
-              <a:t>) </a:t>
-            </a:r>
-            <a:r>
-              <a:rPr lang="ko-KR" altLang="en-US" sz="2800" dirty="0" smtClean="0"/>
-              <a:t>데이터 가공</a:t>
-            </a:r>
-            <a:endParaRPr lang="ko-KR" altLang="en-US" sz="2800" dirty="0"/>
-          </a:p>
-        </p:txBody>
-      </p:sp>
-      <p:sp>
-        <p:nvSpPr>
-          <p:cNvPr id="6" name="TextBox 5"/>
-          <p:cNvSpPr txBox="1"/>
-          <p:nvPr/>
-        </p:nvSpPr>
-        <p:spPr>
-          <a:xfrm>
-            <a:off x="1125557" y="1150196"/>
-            <a:ext cx="1771650" cy="371475"/>
-          </a:xfrm>
-          <a:prstGeom prst="rect">
-            <a:avLst/>
-          </a:prstGeom>
-          <a:noFill/>
-        </p:spPr>
-        <p:txBody>
-          <a:bodyPr wrap="square" rtlCol="0">
-            <a:spAutoFit/>
-          </a:bodyPr>
-          <a:lstStyle/>
-          <a:p>
-            <a:r>
-              <a:rPr lang="en-US" altLang="ko-KR" dirty="0" smtClean="0">
-                <a:solidFill>
-                  <a:srgbClr val="FF0000"/>
-                </a:solidFill>
-              </a:rPr>
-              <a:t>Option</a:t>
-            </a:r>
-            <a:r>
-              <a:rPr lang="ko-KR" altLang="en-US" dirty="0" smtClean="0">
-                <a:solidFill>
-                  <a:srgbClr val="FF0000"/>
-                </a:solidFill>
-              </a:rPr>
-              <a:t> </a:t>
-            </a:r>
-            <a:r>
-              <a:rPr lang="en-US" altLang="ko-KR" dirty="0">
-                <a:solidFill>
-                  <a:srgbClr val="FF0000"/>
-                </a:solidFill>
-              </a:rPr>
-              <a:t>2</a:t>
-            </a:r>
-            <a:endParaRPr lang="ko-KR" altLang="en-US" dirty="0">
-              <a:solidFill>
-                <a:srgbClr val="FF0000"/>
-              </a:solidFill>
-            </a:endParaRPr>
-          </a:p>
-        </p:txBody>
-      </p:sp>
-      <p:sp>
-        <p:nvSpPr>
-          <p:cNvPr id="7" name="Rectangle 6"/>
-          <p:cNvSpPr/>
-          <p:nvPr/>
-        </p:nvSpPr>
-        <p:spPr>
-          <a:xfrm>
-            <a:off x="548643" y="1635526"/>
-            <a:ext cx="2471352" cy="667265"/>
-          </a:xfrm>
-          <a:prstGeom prst="rect">
-            <a:avLst/>
-          </a:prstGeom>
-          <a:solidFill>
-            <a:schemeClr val="accent2"/>
-          </a:solidFill>
-        </p:spPr>
-        <p:style>
-          <a:lnRef idx="2">
-            <a:schemeClr val="accent1">
-              <a:shade val="50000"/>
-            </a:schemeClr>
-          </a:lnRef>
-          <a:fillRef idx="1">
-            <a:schemeClr val="accent1"/>
-          </a:fillRef>
-          <a:effectRef idx="0">
-            <a:schemeClr val="accent1"/>
-          </a:effectRef>
-          <a:fontRef idx="minor">
-            <a:schemeClr val="lt1"/>
-          </a:fontRef>
-        </p:style>
-        <p:txBody>
-          <a:bodyPr rtlCol="0" anchor="ctr"/>
-          <a:lstStyle/>
-          <a:p>
-            <a:pPr algn="ctr"/>
-            <a:r>
-              <a:rPr lang="en-US" altLang="ko-KR" dirty="0" smtClean="0"/>
-              <a:t>.txt </a:t>
-            </a:r>
-            <a:r>
-              <a:rPr lang="ko-KR" altLang="en-US" dirty="0" smtClean="0"/>
-              <a:t>파일</a:t>
-            </a:r>
-            <a:endParaRPr lang="ko-KR" altLang="en-US" dirty="0"/>
-          </a:p>
-        </p:txBody>
-      </p:sp>
-      <p:cxnSp>
-        <p:nvCxnSpPr>
-          <p:cNvPr id="9" name="Straight Arrow Connector 8"/>
-          <p:cNvCxnSpPr>
-            <a:stCxn id="7" idx="2"/>
-          </p:cNvCxnSpPr>
-          <p:nvPr/>
-        </p:nvCxnSpPr>
-        <p:spPr>
-          <a:xfrm>
-            <a:off x="1784319" y="2302791"/>
-            <a:ext cx="0" cy="638117"/>
-          </a:xfrm>
-          <a:prstGeom prst="straightConnector1">
-            <a:avLst/>
-          </a:prstGeom>
-          <a:ln>
-            <a:tailEnd type="triangle"/>
-          </a:ln>
-        </p:spPr>
-        <p:style>
-          <a:lnRef idx="1">
-            <a:schemeClr val="accent1"/>
-          </a:lnRef>
-          <a:fillRef idx="0">
-            <a:schemeClr val="accent1"/>
-          </a:fillRef>
-          <a:effectRef idx="0">
-            <a:schemeClr val="accent1"/>
-          </a:effectRef>
-          <a:fontRef idx="minor">
-            <a:schemeClr val="tx1"/>
-          </a:fontRef>
-        </p:style>
-      </p:cxnSp>
-      <p:sp>
-        <p:nvSpPr>
-          <p:cNvPr id="10" name="Oval 9"/>
-          <p:cNvSpPr/>
-          <p:nvPr/>
-        </p:nvSpPr>
-        <p:spPr>
-          <a:xfrm>
-            <a:off x="631287" y="2970056"/>
-            <a:ext cx="2265920" cy="1037968"/>
-          </a:xfrm>
-          <a:prstGeom prst="ellipse">
-            <a:avLst/>
-          </a:prstGeom>
-        </p:spPr>
-        <p:style>
-          <a:lnRef idx="2">
-            <a:schemeClr val="accent1">
-              <a:shade val="50000"/>
-            </a:schemeClr>
-          </a:lnRef>
-          <a:fillRef idx="1">
-            <a:schemeClr val="accent1"/>
-          </a:fillRef>
-          <a:effectRef idx="0">
-            <a:schemeClr val="accent1"/>
-          </a:effectRef>
-          <a:fontRef idx="minor">
-            <a:schemeClr val="lt1"/>
-          </a:fontRef>
-        </p:style>
-        <p:txBody>
-          <a:bodyPr rtlCol="0" anchor="ctr"/>
-          <a:lstStyle/>
-          <a:p>
-            <a:pPr algn="ctr"/>
-            <a:r>
-              <a:rPr lang="en-US" altLang="ko-KR" dirty="0" err="1" smtClean="0"/>
-              <a:t>Numpy</a:t>
-            </a:r>
-            <a:r>
-              <a:rPr lang="en-US" altLang="ko-KR" dirty="0" smtClean="0"/>
-              <a:t> </a:t>
-            </a:r>
-            <a:r>
-              <a:rPr lang="ko-KR" altLang="en-US" dirty="0" smtClean="0"/>
-              <a:t>모듈</a:t>
-            </a:r>
-            <a:endParaRPr lang="ko-KR" altLang="en-US" dirty="0"/>
-          </a:p>
-        </p:txBody>
-      </p:sp>
-      <p:cxnSp>
-        <p:nvCxnSpPr>
-          <p:cNvPr id="12" name="Straight Arrow Connector 11"/>
-          <p:cNvCxnSpPr/>
-          <p:nvPr/>
-        </p:nvCxnSpPr>
-        <p:spPr>
-          <a:xfrm>
-            <a:off x="1764247" y="4008024"/>
-            <a:ext cx="0" cy="786398"/>
-          </a:xfrm>
-          <a:prstGeom prst="straightConnector1">
-            <a:avLst/>
-          </a:prstGeom>
-          <a:ln>
-            <a:tailEnd type="triangle"/>
-          </a:ln>
-        </p:spPr>
-        <p:style>
-          <a:lnRef idx="1">
-            <a:schemeClr val="accent1"/>
-          </a:lnRef>
-          <a:fillRef idx="0">
-            <a:schemeClr val="accent1"/>
-          </a:fillRef>
-          <a:effectRef idx="0">
-            <a:schemeClr val="accent1"/>
-          </a:effectRef>
-          <a:fontRef idx="minor">
-            <a:schemeClr val="tx1"/>
-          </a:fontRef>
-        </p:style>
-      </p:cxnSp>
-      <p:sp>
-        <p:nvSpPr>
-          <p:cNvPr id="13" name="Rectangle 12"/>
-          <p:cNvSpPr/>
-          <p:nvPr/>
-        </p:nvSpPr>
-        <p:spPr>
-          <a:xfrm>
-            <a:off x="631287" y="4819135"/>
-            <a:ext cx="2265920" cy="922638"/>
-          </a:xfrm>
-          <a:prstGeom prst="rect">
-            <a:avLst/>
-          </a:prstGeom>
-          <a:solidFill>
-            <a:schemeClr val="accent2"/>
-          </a:solidFill>
-        </p:spPr>
-        <p:style>
-          <a:lnRef idx="2">
-            <a:schemeClr val="accent1">
-              <a:shade val="50000"/>
-            </a:schemeClr>
-          </a:lnRef>
-          <a:fillRef idx="1">
-            <a:schemeClr val="accent1"/>
-          </a:fillRef>
-          <a:effectRef idx="0">
-            <a:schemeClr val="accent1"/>
-          </a:effectRef>
-          <a:fontRef idx="minor">
-            <a:schemeClr val="lt1"/>
-          </a:fontRef>
-        </p:style>
-        <p:txBody>
-          <a:bodyPr rtlCol="0" anchor="ctr"/>
-          <a:lstStyle/>
-          <a:p>
-            <a:pPr algn="ctr"/>
-            <a:r>
-              <a:rPr lang="ko-KR" altLang="en-US" dirty="0" smtClean="0"/>
-              <a:t>영화 수 </a:t>
-            </a:r>
-            <a:r>
-              <a:rPr lang="en-US" altLang="ko-KR" dirty="0" smtClean="0"/>
-              <a:t>* </a:t>
-            </a:r>
-            <a:r>
-              <a:rPr lang="ko-KR" altLang="en-US" dirty="0" smtClean="0"/>
-              <a:t>유저 수 매트릭스 구현 </a:t>
-            </a:r>
-            <a:endParaRPr lang="ko-KR" altLang="en-US" dirty="0"/>
-          </a:p>
-        </p:txBody>
-      </p:sp>
-      <p:cxnSp>
-        <p:nvCxnSpPr>
-          <p:cNvPr id="15" name="Curved Connector 14"/>
-          <p:cNvCxnSpPr>
-            <a:stCxn id="13" idx="2"/>
-          </p:cNvCxnSpPr>
-          <p:nvPr/>
-        </p:nvCxnSpPr>
-        <p:spPr>
-          <a:xfrm rot="5400000" flipH="1" flipV="1">
-            <a:off x="2645020" y="2389648"/>
-            <a:ext cx="2471351" cy="4232899"/>
-          </a:xfrm>
-          <a:prstGeom prst="curvedConnector4">
-            <a:avLst>
-              <a:gd name="adj1" fmla="val -9250"/>
-              <a:gd name="adj2" fmla="val 63383"/>
-            </a:avLst>
-          </a:prstGeom>
-          <a:ln>
-            <a:tailEnd type="triangle"/>
-          </a:ln>
-        </p:spPr>
-        <p:style>
-          <a:lnRef idx="1">
-            <a:schemeClr val="accent1"/>
-          </a:lnRef>
-          <a:fillRef idx="0">
-            <a:schemeClr val="accent1"/>
-          </a:fillRef>
-          <a:effectRef idx="0">
-            <a:schemeClr val="accent1"/>
-          </a:effectRef>
-          <a:fontRef idx="minor">
-            <a:schemeClr val="tx1"/>
-          </a:fontRef>
-        </p:style>
-      </p:cxnSp>
-      <p:sp>
-        <p:nvSpPr>
-          <p:cNvPr id="16" name="Isosceles Triangle 15"/>
-          <p:cNvSpPr/>
-          <p:nvPr/>
-        </p:nvSpPr>
-        <p:spPr>
-          <a:xfrm>
-            <a:off x="5997145" y="2018586"/>
-            <a:ext cx="1482811" cy="2150075"/>
-          </a:xfrm>
-          <a:prstGeom prst="triangle">
-            <a:avLst/>
-          </a:prstGeom>
-          <a:solidFill>
-            <a:srgbClr val="FF0000"/>
-          </a:solidFill>
-        </p:spPr>
-        <p:style>
-          <a:lnRef idx="2">
-            <a:schemeClr val="accent1">
-              <a:shade val="50000"/>
-            </a:schemeClr>
-          </a:lnRef>
-          <a:fillRef idx="1">
-            <a:schemeClr val="accent1"/>
-          </a:fillRef>
-          <a:effectRef idx="0">
-            <a:schemeClr val="accent1"/>
-          </a:effectRef>
-          <a:fontRef idx="minor">
-            <a:schemeClr val="lt1"/>
-          </a:fontRef>
-        </p:style>
-        <p:txBody>
-          <a:bodyPr rtlCol="0" anchor="ctr"/>
-          <a:lstStyle/>
-          <a:p>
-            <a:pPr algn="ctr"/>
-            <a:r>
-              <a:rPr lang="en-US" altLang="ko-KR" sz="1100" dirty="0" smtClean="0"/>
-              <a:t>Memory Error</a:t>
-            </a:r>
-            <a:r>
-              <a:rPr lang="en-US" altLang="ko-KR" dirty="0" smtClean="0"/>
-              <a:t>!</a:t>
-            </a:r>
-            <a:endParaRPr lang="ko-KR" altLang="en-US" dirty="0"/>
-          </a:p>
-        </p:txBody>
-      </p:sp>
-      <p:sp>
-        <p:nvSpPr>
-          <p:cNvPr id="17" name="TextBox 16"/>
-          <p:cNvSpPr txBox="1"/>
-          <p:nvPr/>
-        </p:nvSpPr>
-        <p:spPr>
-          <a:xfrm>
-            <a:off x="5395784" y="1272883"/>
-            <a:ext cx="2842054" cy="923330"/>
-          </a:xfrm>
-          <a:prstGeom prst="rect">
-            <a:avLst/>
-          </a:prstGeom>
-          <a:noFill/>
-        </p:spPr>
-        <p:txBody>
-          <a:bodyPr wrap="square" rtlCol="0">
-            <a:spAutoFit/>
-          </a:bodyPr>
-          <a:lstStyle/>
-          <a:p>
-            <a:r>
-              <a:rPr lang="ko-KR" altLang="en-US" dirty="0" smtClean="0"/>
-              <a:t>구현될 </a:t>
-            </a:r>
-            <a:r>
-              <a:rPr lang="en-US" altLang="ko-KR" dirty="0" smtClean="0"/>
-              <a:t>Matrix </a:t>
-            </a:r>
-            <a:r>
-              <a:rPr lang="ko-KR" altLang="en-US" dirty="0" smtClean="0"/>
-              <a:t>가 너무 커서 해당 컴퓨터의 </a:t>
-            </a:r>
-            <a:r>
-              <a:rPr lang="en-US" altLang="ko-KR" dirty="0" smtClean="0"/>
-              <a:t>RAM</a:t>
-            </a:r>
-          </a:p>
-          <a:p>
-            <a:r>
-              <a:rPr lang="ko-KR" altLang="en-US" dirty="0" smtClean="0"/>
-              <a:t>용랑 부족</a:t>
-            </a:r>
-            <a:endParaRPr lang="en-US" altLang="ko-KR" dirty="0" smtClean="0"/>
-          </a:p>
-        </p:txBody>
-      </p:sp>
-      <p:sp>
-        <p:nvSpPr>
-          <p:cNvPr id="18" name="TextBox 17"/>
-          <p:cNvSpPr txBox="1"/>
-          <p:nvPr/>
-        </p:nvSpPr>
-        <p:spPr>
-          <a:xfrm>
-            <a:off x="8863914" y="4264445"/>
-            <a:ext cx="3328086" cy="1477328"/>
-          </a:xfrm>
-          <a:prstGeom prst="rect">
-            <a:avLst/>
-          </a:prstGeom>
-          <a:noFill/>
-        </p:spPr>
-        <p:txBody>
-          <a:bodyPr wrap="square" rtlCol="0">
-            <a:spAutoFit/>
-          </a:bodyPr>
-          <a:lstStyle/>
-          <a:p>
-            <a:r>
-              <a:rPr lang="ko-KR" altLang="en-US" dirty="0" smtClean="0">
-                <a:solidFill>
-                  <a:schemeClr val="accent2"/>
-                </a:solidFill>
-              </a:rPr>
-              <a:t>해결 방안</a:t>
-            </a:r>
-            <a:r>
-              <a:rPr lang="en-US" altLang="ko-KR" dirty="0" smtClean="0">
-                <a:solidFill>
-                  <a:schemeClr val="accent2"/>
-                </a:solidFill>
-              </a:rPr>
-              <a:t>:</a:t>
-            </a:r>
-          </a:p>
-          <a:p>
-            <a:endParaRPr lang="en-US" altLang="ko-KR" dirty="0"/>
-          </a:p>
-          <a:p>
-            <a:pPr marL="342900" indent="-342900">
-              <a:buAutoNum type="arabicPeriod"/>
-            </a:pPr>
-            <a:r>
-              <a:rPr lang="en-US" altLang="ko-KR" dirty="0" smtClean="0"/>
-              <a:t>Database </a:t>
-            </a:r>
-            <a:r>
-              <a:rPr lang="ko-KR" altLang="en-US" dirty="0" smtClean="0"/>
-              <a:t>이용</a:t>
-            </a:r>
-            <a:endParaRPr lang="en-US" altLang="ko-KR" dirty="0" smtClean="0"/>
-          </a:p>
-          <a:p>
-            <a:pPr marL="342900" indent="-342900">
-              <a:buAutoNum type="arabicPeriod"/>
-            </a:pPr>
-            <a:r>
-              <a:rPr lang="en-US" altLang="ko-KR" dirty="0" smtClean="0"/>
-              <a:t>RAM Space </a:t>
-            </a:r>
-            <a:r>
-              <a:rPr lang="ko-KR" altLang="en-US" dirty="0" smtClean="0"/>
-              <a:t>확보</a:t>
-            </a:r>
-            <a:endParaRPr lang="en-US" altLang="ko-KR" dirty="0" smtClean="0"/>
-          </a:p>
-          <a:p>
-            <a:pPr marL="342900" indent="-342900">
-              <a:buAutoNum type="arabicPeriod"/>
-            </a:pPr>
-            <a:endParaRPr lang="en-US" altLang="ko-KR" dirty="0" smtClean="0"/>
-          </a:p>
-        </p:txBody>
-      </p:sp>
-    </p:spTree>
-    <p:extLst>
-      <p:ext uri="{BB962C8B-B14F-4D97-AF65-F5344CB8AC3E}">
-        <p14:creationId xmlns:p14="http://schemas.microsoft.com/office/powerpoint/2010/main" val="2119754650"/>
+        <p14:creationId xmlns:p14="http://schemas.microsoft.com/office/powerpoint/2010/main" val="825609731"/>
       </p:ext>
     </p:extLst>
   </p:cSld>
@@ -5648,493 +4504,7 @@
 </p:sld>
 </file>
 
-<file path=ppt/slides/slide14.xml><?xml version="1.0" encoding="utf-8"?>
-<p:sld xmlns:a="http://schemas.openxmlformats.org/drawingml/2006/main" xmlns:r="http://schemas.openxmlformats.org/officeDocument/2006/relationships" xmlns:p="http://schemas.openxmlformats.org/presentationml/2006/main">
-  <p:cSld>
-    <p:spTree>
-      <p:nvGrpSpPr>
-        <p:cNvPr id="1" name=""/>
-        <p:cNvGrpSpPr/>
-        <p:nvPr/>
-      </p:nvGrpSpPr>
-      <p:grpSpPr>
-        <a:xfrm>
-          <a:off x="0" y="0"/>
-          <a:ext cx="0" cy="0"/>
-          <a:chOff x="0" y="0"/>
-          <a:chExt cx="0" cy="0"/>
-        </a:xfrm>
-      </p:grpSpPr>
-      <p:sp>
-        <p:nvSpPr>
-          <p:cNvPr id="4" name="TextBox 3"/>
-          <p:cNvSpPr txBox="1"/>
-          <p:nvPr/>
-        </p:nvSpPr>
-        <p:spPr>
-          <a:xfrm>
-            <a:off x="548643" y="384803"/>
-            <a:ext cx="4697128" cy="523220"/>
-          </a:xfrm>
-          <a:prstGeom prst="rect">
-            <a:avLst/>
-          </a:prstGeom>
-          <a:noFill/>
-        </p:spPr>
-        <p:txBody>
-          <a:bodyPr wrap="square" rtlCol="0">
-            <a:spAutoFit/>
-          </a:bodyPr>
-          <a:lstStyle/>
-          <a:p>
-            <a:r>
-              <a:rPr lang="en-US" altLang="ko-KR" sz="2800" dirty="0"/>
-              <a:t>2</a:t>
-            </a:r>
-            <a:r>
-              <a:rPr lang="en-US" altLang="ko-KR" sz="2800" dirty="0" smtClean="0"/>
-              <a:t>) </a:t>
-            </a:r>
-            <a:r>
-              <a:rPr lang="ko-KR" altLang="en-US" sz="2800" dirty="0" smtClean="0"/>
-              <a:t>데이터 가공</a:t>
-            </a:r>
-            <a:endParaRPr lang="ko-KR" altLang="en-US" sz="2800" dirty="0"/>
-          </a:p>
-        </p:txBody>
-      </p:sp>
-      <p:sp>
-        <p:nvSpPr>
-          <p:cNvPr id="6" name="TextBox 5"/>
-          <p:cNvSpPr txBox="1"/>
-          <p:nvPr/>
-        </p:nvSpPr>
-        <p:spPr>
-          <a:xfrm>
-            <a:off x="519811" y="1275047"/>
-            <a:ext cx="4048071" cy="369332"/>
-          </a:xfrm>
-          <a:prstGeom prst="rect">
-            <a:avLst/>
-          </a:prstGeom>
-          <a:noFill/>
-        </p:spPr>
-        <p:txBody>
-          <a:bodyPr wrap="square" rtlCol="0">
-            <a:spAutoFit/>
-          </a:bodyPr>
-          <a:lstStyle/>
-          <a:p>
-            <a:r>
-              <a:rPr lang="ko-KR" altLang="en-US" dirty="0" smtClean="0"/>
-              <a:t>다른 프로그램에서의 접근</a:t>
-            </a:r>
-            <a:endParaRPr lang="ko-KR" altLang="en-US" dirty="0"/>
-          </a:p>
-        </p:txBody>
-      </p:sp>
-      <p:sp>
-        <p:nvSpPr>
-          <p:cNvPr id="8" name="Rectangle 7"/>
-          <p:cNvSpPr/>
-          <p:nvPr/>
-        </p:nvSpPr>
-        <p:spPr>
-          <a:xfrm>
-            <a:off x="403654" y="2692510"/>
-            <a:ext cx="3715265" cy="1070919"/>
-          </a:xfrm>
-          <a:prstGeom prst="rect">
-            <a:avLst/>
-          </a:prstGeom>
-        </p:spPr>
-        <p:style>
-          <a:lnRef idx="2">
-            <a:schemeClr val="accent1">
-              <a:shade val="50000"/>
-            </a:schemeClr>
-          </a:lnRef>
-          <a:fillRef idx="1">
-            <a:schemeClr val="accent1"/>
-          </a:fillRef>
-          <a:effectRef idx="0">
-            <a:schemeClr val="accent1"/>
-          </a:effectRef>
-          <a:fontRef idx="minor">
-            <a:schemeClr val="lt1"/>
-          </a:fontRef>
-        </p:style>
-        <p:txBody>
-          <a:bodyPr rtlCol="0" anchor="ctr"/>
-          <a:lstStyle/>
-          <a:p>
-            <a:pPr algn="ctr"/>
-            <a:r>
-              <a:rPr lang="en-US" altLang="ko-KR" dirty="0" smtClean="0"/>
-              <a:t>Array </a:t>
-            </a:r>
-            <a:r>
-              <a:rPr lang="ko-KR" altLang="en-US" dirty="0" smtClean="0"/>
-              <a:t>구축을 </a:t>
-            </a:r>
-            <a:r>
-              <a:rPr lang="en-US" altLang="ko-KR" dirty="0" smtClean="0"/>
-              <a:t>C, C++ </a:t>
-            </a:r>
-            <a:r>
-              <a:rPr lang="ko-KR" altLang="en-US" dirty="0" smtClean="0"/>
-              <a:t>로 구현</a:t>
-            </a:r>
-            <a:endParaRPr lang="ko-KR" altLang="en-US" dirty="0"/>
-          </a:p>
-        </p:txBody>
-      </p:sp>
-      <p:cxnSp>
-        <p:nvCxnSpPr>
-          <p:cNvPr id="10" name="Straight Arrow Connector 9"/>
-          <p:cNvCxnSpPr>
-            <a:stCxn id="8" idx="3"/>
-          </p:cNvCxnSpPr>
-          <p:nvPr/>
-        </p:nvCxnSpPr>
-        <p:spPr>
-          <a:xfrm flipV="1">
-            <a:off x="4118919" y="2183027"/>
-            <a:ext cx="2710249" cy="1044943"/>
-          </a:xfrm>
-          <a:prstGeom prst="straightConnector1">
-            <a:avLst/>
-          </a:prstGeom>
-          <a:ln>
-            <a:tailEnd type="triangle"/>
-          </a:ln>
-        </p:spPr>
-        <p:style>
-          <a:lnRef idx="1">
-            <a:schemeClr val="accent1"/>
-          </a:lnRef>
-          <a:fillRef idx="0">
-            <a:schemeClr val="accent1"/>
-          </a:fillRef>
-          <a:effectRef idx="0">
-            <a:schemeClr val="accent1"/>
-          </a:effectRef>
-          <a:fontRef idx="minor">
-            <a:schemeClr val="tx1"/>
-          </a:fontRef>
-        </p:style>
-      </p:cxnSp>
-      <p:sp>
-        <p:nvSpPr>
-          <p:cNvPr id="11" name="Oval 10"/>
-          <p:cNvSpPr/>
-          <p:nvPr/>
-        </p:nvSpPr>
-        <p:spPr>
-          <a:xfrm>
-            <a:off x="6829168" y="1327554"/>
-            <a:ext cx="3122141" cy="1364956"/>
-          </a:xfrm>
-          <a:prstGeom prst="ellipse">
-            <a:avLst/>
-          </a:prstGeom>
-          <a:solidFill>
-            <a:schemeClr val="accent6">
-              <a:lumMod val="50000"/>
-            </a:schemeClr>
-          </a:solidFill>
-        </p:spPr>
-        <p:style>
-          <a:lnRef idx="2">
-            <a:schemeClr val="accent1">
-              <a:shade val="50000"/>
-            </a:schemeClr>
-          </a:lnRef>
-          <a:fillRef idx="1">
-            <a:schemeClr val="accent1"/>
-          </a:fillRef>
-          <a:effectRef idx="0">
-            <a:schemeClr val="accent1"/>
-          </a:effectRef>
-          <a:fontRef idx="minor">
-            <a:schemeClr val="lt1"/>
-          </a:fontRef>
-        </p:style>
-        <p:txBody>
-          <a:bodyPr rtlCol="0" anchor="ctr"/>
-          <a:lstStyle/>
-          <a:p>
-            <a:pPr algn="ctr"/>
-            <a:r>
-              <a:rPr lang="ko-KR" altLang="en-US" dirty="0" smtClean="0"/>
-              <a:t>장점</a:t>
-            </a:r>
-            <a:r>
-              <a:rPr lang="en-US" altLang="ko-KR" dirty="0" smtClean="0"/>
-              <a:t>: </a:t>
-            </a:r>
-            <a:r>
-              <a:rPr lang="ko-KR" altLang="en-US" dirty="0" smtClean="0"/>
-              <a:t>시간적으로 빨라짐</a:t>
-            </a:r>
-            <a:endParaRPr lang="ko-KR" altLang="en-US" dirty="0"/>
-          </a:p>
-        </p:txBody>
-      </p:sp>
-      <p:cxnSp>
-        <p:nvCxnSpPr>
-          <p:cNvPr id="14" name="Straight Arrow Connector 13"/>
-          <p:cNvCxnSpPr>
-            <a:stCxn id="8" idx="3"/>
-          </p:cNvCxnSpPr>
-          <p:nvPr/>
-        </p:nvCxnSpPr>
-        <p:spPr>
-          <a:xfrm>
-            <a:off x="4118919" y="3227970"/>
-            <a:ext cx="2710249" cy="1344030"/>
-          </a:xfrm>
-          <a:prstGeom prst="straightConnector1">
-            <a:avLst/>
-          </a:prstGeom>
-          <a:ln>
-            <a:tailEnd type="triangle"/>
-          </a:ln>
-        </p:spPr>
-        <p:style>
-          <a:lnRef idx="1">
-            <a:schemeClr val="accent1"/>
-          </a:lnRef>
-          <a:fillRef idx="0">
-            <a:schemeClr val="accent1"/>
-          </a:fillRef>
-          <a:effectRef idx="0">
-            <a:schemeClr val="accent1"/>
-          </a:effectRef>
-          <a:fontRef idx="minor">
-            <a:schemeClr val="tx1"/>
-          </a:fontRef>
-        </p:style>
-      </p:cxnSp>
-      <p:sp>
-        <p:nvSpPr>
-          <p:cNvPr id="15" name="Oval 14"/>
-          <p:cNvSpPr/>
-          <p:nvPr/>
-        </p:nvSpPr>
-        <p:spPr>
-          <a:xfrm>
-            <a:off x="6829168" y="4083443"/>
-            <a:ext cx="3122141" cy="1364956"/>
-          </a:xfrm>
-          <a:prstGeom prst="ellipse">
-            <a:avLst/>
-          </a:prstGeom>
-          <a:solidFill>
-            <a:srgbClr val="C00000"/>
-          </a:solidFill>
-        </p:spPr>
-        <p:style>
-          <a:lnRef idx="2">
-            <a:schemeClr val="accent1">
-              <a:shade val="50000"/>
-            </a:schemeClr>
-          </a:lnRef>
-          <a:fillRef idx="1">
-            <a:schemeClr val="accent1"/>
-          </a:fillRef>
-          <a:effectRef idx="0">
-            <a:schemeClr val="accent1"/>
-          </a:effectRef>
-          <a:fontRef idx="minor">
-            <a:schemeClr val="lt1"/>
-          </a:fontRef>
-        </p:style>
-        <p:txBody>
-          <a:bodyPr rtlCol="0" anchor="ctr"/>
-          <a:lstStyle/>
-          <a:p>
-            <a:pPr algn="ctr"/>
-            <a:r>
-              <a:rPr lang="ko-KR" altLang="en-US" dirty="0" smtClean="0"/>
-              <a:t>단점</a:t>
-            </a:r>
-            <a:r>
-              <a:rPr lang="en-US" altLang="ko-KR" dirty="0" smtClean="0"/>
-              <a:t>: </a:t>
-            </a:r>
-            <a:r>
-              <a:rPr lang="ko-KR" altLang="en-US" dirty="0" smtClean="0"/>
-              <a:t>코딩 난이도</a:t>
-            </a:r>
-            <a:endParaRPr lang="ko-KR" altLang="en-US" dirty="0"/>
-          </a:p>
-        </p:txBody>
-      </p:sp>
-      <p:sp>
-        <p:nvSpPr>
-          <p:cNvPr id="17" name="TextBox 16"/>
-          <p:cNvSpPr txBox="1"/>
-          <p:nvPr/>
-        </p:nvSpPr>
-        <p:spPr>
-          <a:xfrm>
-            <a:off x="4118919" y="1879873"/>
-            <a:ext cx="3847071" cy="1077218"/>
-          </a:xfrm>
-          <a:prstGeom prst="rect">
-            <a:avLst/>
-          </a:prstGeom>
-          <a:noFill/>
-        </p:spPr>
-        <p:txBody>
-          <a:bodyPr wrap="square" rtlCol="0">
-            <a:spAutoFit/>
-          </a:bodyPr>
-          <a:lstStyle/>
-          <a:p>
-            <a:r>
-              <a:rPr lang="en-US" altLang="ko-KR" sz="1400" dirty="0" smtClean="0">
-                <a:solidFill>
-                  <a:schemeClr val="accent2"/>
-                </a:solidFill>
-              </a:rPr>
-              <a:t>Data </a:t>
-            </a:r>
-            <a:r>
-              <a:rPr lang="ko-KR" altLang="en-US" sz="1400" dirty="0" smtClean="0">
-                <a:solidFill>
-                  <a:schemeClr val="accent2"/>
-                </a:solidFill>
-              </a:rPr>
-              <a:t>를 </a:t>
-            </a:r>
-            <a:r>
-              <a:rPr lang="en-US" altLang="ko-KR" sz="1400" dirty="0" smtClean="0">
-                <a:solidFill>
-                  <a:schemeClr val="accent2"/>
-                </a:solidFill>
-              </a:rPr>
-              <a:t>Cache </a:t>
-            </a:r>
-            <a:r>
-              <a:rPr lang="ko-KR" altLang="en-US" sz="1400" dirty="0" smtClean="0">
-                <a:solidFill>
-                  <a:schemeClr val="accent2"/>
-                </a:solidFill>
-              </a:rPr>
-              <a:t>해서 </a:t>
-            </a:r>
-            <a:endParaRPr lang="en-US" altLang="ko-KR" sz="1400" dirty="0" smtClean="0">
-              <a:solidFill>
-                <a:schemeClr val="accent2"/>
-              </a:solidFill>
-            </a:endParaRPr>
-          </a:p>
-          <a:p>
-            <a:r>
-              <a:rPr lang="ko-KR" altLang="en-US" sz="1400" dirty="0" smtClean="0">
-                <a:solidFill>
-                  <a:schemeClr val="accent2"/>
-                </a:solidFill>
-              </a:rPr>
-              <a:t>시간적으로 매우 빨라짐</a:t>
-            </a:r>
-            <a:r>
-              <a:rPr lang="en-US" altLang="ko-KR" sz="1400" dirty="0" smtClean="0">
-                <a:solidFill>
-                  <a:schemeClr val="accent2"/>
-                </a:solidFill>
-              </a:rPr>
-              <a:t>. </a:t>
-            </a:r>
-          </a:p>
-          <a:p>
-            <a:endParaRPr lang="en-US" altLang="ko-KR" dirty="0"/>
-          </a:p>
-          <a:p>
-            <a:endParaRPr lang="en-US" altLang="ko-KR" dirty="0" smtClean="0"/>
-          </a:p>
-        </p:txBody>
-      </p:sp>
-      <p:sp>
-        <p:nvSpPr>
-          <p:cNvPr id="19" name="TextBox 18"/>
-          <p:cNvSpPr txBox="1"/>
-          <p:nvPr/>
-        </p:nvSpPr>
-        <p:spPr>
-          <a:xfrm>
-            <a:off x="3921211" y="4272912"/>
-            <a:ext cx="2397211" cy="954107"/>
-          </a:xfrm>
-          <a:prstGeom prst="rect">
-            <a:avLst/>
-          </a:prstGeom>
-          <a:noFill/>
-        </p:spPr>
-        <p:txBody>
-          <a:bodyPr wrap="square" rtlCol="0">
-            <a:spAutoFit/>
-          </a:bodyPr>
-          <a:lstStyle/>
-          <a:p>
-            <a:r>
-              <a:rPr lang="en-US" altLang="ko-KR" sz="1400" dirty="0" smtClean="0">
-                <a:solidFill>
-                  <a:schemeClr val="accent2"/>
-                </a:solidFill>
-              </a:rPr>
-              <a:t>Cache </a:t>
-            </a:r>
-            <a:r>
-              <a:rPr lang="ko-KR" altLang="en-US" sz="1400" dirty="0" smtClean="0">
-                <a:solidFill>
-                  <a:schemeClr val="accent2"/>
-                </a:solidFill>
-              </a:rPr>
-              <a:t>한 데이터를 관리 하는데 어려움</a:t>
-            </a:r>
-            <a:r>
-              <a:rPr lang="en-US" altLang="ko-KR" sz="1400" dirty="0" smtClean="0">
-                <a:solidFill>
-                  <a:schemeClr val="accent2"/>
-                </a:solidFill>
-              </a:rPr>
-              <a:t>, </a:t>
-            </a:r>
-          </a:p>
-          <a:p>
-            <a:r>
-              <a:rPr lang="ko-KR" altLang="en-US" sz="1400" dirty="0" smtClean="0">
-                <a:solidFill>
-                  <a:schemeClr val="accent2"/>
-                </a:solidFill>
-              </a:rPr>
-              <a:t>이미 생성되있는 모듈을 쓸 수 없음</a:t>
-            </a:r>
-            <a:endParaRPr lang="ko-KR" altLang="en-US" sz="1400" dirty="0">
-              <a:solidFill>
-                <a:schemeClr val="accent2"/>
-              </a:solidFill>
-            </a:endParaRPr>
-          </a:p>
-        </p:txBody>
-      </p:sp>
-    </p:spTree>
-    <p:extLst>
-      <p:ext uri="{BB962C8B-B14F-4D97-AF65-F5344CB8AC3E}">
-        <p14:creationId xmlns:p14="http://schemas.microsoft.com/office/powerpoint/2010/main" val="3519468777"/>
-      </p:ext>
-    </p:extLst>
-  </p:cSld>
-  <p:clrMapOvr>
-    <a:masterClrMapping/>
-  </p:clrMapOvr>
-</p:sld>
-</file>
-
-<file path=ppt/slides/slide15.xml><?xml version="1.0" encoding="utf-8"?>
+<file path=ppt/slides/slide12.xml><?xml version="1.0" encoding="utf-8"?>
 <p:sld xmlns:a="http://schemas.openxmlformats.org/drawingml/2006/main" xmlns:r="http://schemas.openxmlformats.org/officeDocument/2006/relationships" xmlns:p="http://schemas.openxmlformats.org/presentationml/2006/main">
   <p:cSld>
     <p:bg>
@@ -6209,11 +4579,7 @@
           <a:p>
             <a:r>
               <a:rPr lang="en-US" altLang="ko-KR" sz="4800" dirty="0" smtClean="0"/>
-              <a:t>3</a:t>
-            </a:r>
-            <a:r>
-              <a:rPr lang="en-US" altLang="ko-KR" sz="4800" dirty="0" smtClean="0"/>
-              <a:t>)</a:t>
+              <a:t>3)</a:t>
             </a:r>
             <a:r>
               <a:rPr lang="en-US" altLang="ko-KR" sz="4800" dirty="0"/>
@@ -6229,10 +4595,179 @@
                   <a:schemeClr val="accent2"/>
                 </a:solidFill>
               </a:rPr>
-              <a:t>Analyze</a:t>
-            </a:r>
-            <a:r>
-              <a:rPr lang="en-US" altLang="ko-KR" sz="3600" dirty="0" smtClean="0">
+              <a:t>Analyze Data</a:t>
+            </a:r>
+            <a:endParaRPr lang="ko-KR" altLang="en-US" sz="3600" dirty="0">
+              <a:solidFill>
+                <a:schemeClr val="accent2"/>
+              </a:solidFill>
+            </a:endParaRPr>
+          </a:p>
+        </p:txBody>
+      </p:sp>
+    </p:spTree>
+    <p:extLst>
+      <p:ext uri="{BB962C8B-B14F-4D97-AF65-F5344CB8AC3E}">
+        <p14:creationId xmlns:p14="http://schemas.microsoft.com/office/powerpoint/2010/main" val="2840912303"/>
+      </p:ext>
+    </p:extLst>
+  </p:cSld>
+  <p:clrMapOvr>
+    <a:masterClrMapping/>
+  </p:clrMapOvr>
+</p:sld>
+</file>
+
+<file path=ppt/slides/slide13.xml><?xml version="1.0" encoding="utf-8"?>
+<p:sld xmlns:a="http://schemas.openxmlformats.org/drawingml/2006/main" xmlns:r="http://schemas.openxmlformats.org/officeDocument/2006/relationships" xmlns:p="http://schemas.openxmlformats.org/presentationml/2006/main">
+  <p:cSld>
+    <p:spTree>
+      <p:nvGrpSpPr>
+        <p:cNvPr id="1" name=""/>
+        <p:cNvGrpSpPr/>
+        <p:nvPr/>
+      </p:nvGrpSpPr>
+      <p:grpSpPr>
+        <a:xfrm>
+          <a:off x="0" y="0"/>
+          <a:ext cx="0" cy="0"/>
+          <a:chOff x="0" y="0"/>
+          <a:chExt cx="0" cy="0"/>
+        </a:xfrm>
+      </p:grpSpPr>
+      <p:sp>
+        <p:nvSpPr>
+          <p:cNvPr id="4" name="TextBox 3"/>
+          <p:cNvSpPr txBox="1"/>
+          <p:nvPr/>
+        </p:nvSpPr>
+        <p:spPr>
+          <a:xfrm>
+            <a:off x="548643" y="384803"/>
+            <a:ext cx="4697128" cy="523220"/>
+          </a:xfrm>
+          <a:prstGeom prst="rect">
+            <a:avLst/>
+          </a:prstGeom>
+          <a:noFill/>
+        </p:spPr>
+        <p:txBody>
+          <a:bodyPr wrap="square" rtlCol="0">
+            <a:spAutoFit/>
+          </a:bodyPr>
+          <a:lstStyle/>
+          <a:p>
+            <a:r>
+              <a:rPr lang="en-US" altLang="ko-KR" sz="2800" dirty="0"/>
+              <a:t>3</a:t>
+            </a:r>
+            <a:r>
+              <a:rPr lang="en-US" altLang="ko-KR" sz="2800" dirty="0" smtClean="0"/>
+              <a:t>) </a:t>
+            </a:r>
+            <a:r>
+              <a:rPr lang="ko-KR" altLang="en-US" sz="2800" dirty="0" smtClean="0"/>
+              <a:t>데이터 분석</a:t>
+            </a:r>
+            <a:endParaRPr lang="ko-KR" altLang="en-US" sz="2800" dirty="0"/>
+          </a:p>
+        </p:txBody>
+      </p:sp>
+      <p:sp>
+        <p:nvSpPr>
+          <p:cNvPr id="5" name="TextBox 4"/>
+          <p:cNvSpPr txBox="1"/>
+          <p:nvPr/>
+        </p:nvSpPr>
+        <p:spPr>
+          <a:xfrm>
+            <a:off x="659027" y="1375719"/>
+            <a:ext cx="3328087" cy="3970318"/>
+          </a:xfrm>
+          <a:prstGeom prst="rect">
+            <a:avLst/>
+          </a:prstGeom>
+          <a:noFill/>
+        </p:spPr>
+        <p:txBody>
+          <a:bodyPr wrap="square" rtlCol="0">
+            <a:spAutoFit/>
+          </a:bodyPr>
+          <a:lstStyle/>
+          <a:p>
+            <a:pPr marL="342900" indent="-342900">
+              <a:buAutoNum type="arabicPeriod"/>
+            </a:pPr>
+            <a:r>
+              <a:rPr lang="en-US" altLang="ko-KR" dirty="0" smtClean="0">
+                <a:solidFill>
+                  <a:schemeClr val="accent2"/>
+                </a:solidFill>
+              </a:rPr>
+              <a:t>Singular Value Decomposition</a:t>
+            </a:r>
+          </a:p>
+          <a:p>
+            <a:pPr marL="342900" indent="-342900">
+              <a:buAutoNum type="arabicPeriod"/>
+            </a:pPr>
+            <a:endParaRPr lang="en-US" altLang="ko-KR" dirty="0" smtClean="0"/>
+          </a:p>
+          <a:p>
+            <a:pPr marL="342900" indent="-342900">
+              <a:buAutoNum type="arabicPeriod"/>
+            </a:pPr>
+            <a:endParaRPr lang="en-US" altLang="ko-KR" dirty="0"/>
+          </a:p>
+          <a:p>
+            <a:pPr marL="342900" indent="-342900">
+              <a:buAutoNum type="arabicPeriod"/>
+            </a:pPr>
+            <a:endParaRPr lang="en-US" altLang="ko-KR" dirty="0" smtClean="0"/>
+          </a:p>
+          <a:p>
+            <a:pPr marL="342900" indent="-342900">
+              <a:buAutoNum type="arabicPeriod"/>
+            </a:pPr>
+            <a:endParaRPr lang="en-US" altLang="ko-KR" dirty="0"/>
+          </a:p>
+          <a:p>
+            <a:pPr marL="342900" indent="-342900">
+              <a:buAutoNum type="arabicPeriod"/>
+            </a:pPr>
+            <a:endParaRPr lang="en-US" altLang="ko-KR" dirty="0" smtClean="0"/>
+          </a:p>
+          <a:p>
+            <a:pPr marL="342900" indent="-342900">
+              <a:buAutoNum type="arabicPeriod"/>
+            </a:pPr>
+            <a:endParaRPr lang="en-US" altLang="ko-KR" dirty="0"/>
+          </a:p>
+          <a:p>
+            <a:endParaRPr lang="en-US" altLang="ko-KR" dirty="0" smtClean="0"/>
+          </a:p>
+          <a:p>
+            <a:pPr marL="342900" indent="-342900">
+              <a:buAutoNum type="arabicPeriod"/>
+            </a:pPr>
+            <a:endParaRPr lang="en-US" altLang="ko-KR" dirty="0"/>
+          </a:p>
+          <a:p>
+            <a:endParaRPr lang="en-US" altLang="ko-KR" dirty="0"/>
+          </a:p>
+          <a:p>
+            <a:r>
+              <a:rPr lang="en-US" altLang="ko-KR" dirty="0" smtClean="0">
+                <a:solidFill>
+                  <a:schemeClr val="accent2"/>
+                </a:solidFill>
+              </a:rPr>
+              <a:t>2. User – Effects</a:t>
+            </a:r>
+          </a:p>
+          <a:p>
+            <a:r>
+              <a:rPr lang="en-US" altLang="ko-KR" dirty="0">
                 <a:solidFill>
                   <a:schemeClr val="accent2"/>
                 </a:solidFill>
@@ -6240,14 +4775,24 @@
               <a:t> </a:t>
             </a:r>
             <a:r>
-              <a:rPr lang="en-US" altLang="ko-KR" sz="3600" dirty="0" smtClean="0">
+              <a:rPr lang="en-US" altLang="ko-KR" dirty="0" smtClean="0">
                 <a:solidFill>
                   <a:schemeClr val="accent2"/>
                 </a:solidFill>
               </a:rPr>
-              <a:t>Data</a:t>
-            </a:r>
-            <a:endParaRPr lang="ko-KR" altLang="en-US" sz="3600" dirty="0">
+              <a:t>  Global – Effects</a:t>
+            </a:r>
+          </a:p>
+          <a:p>
+            <a:r>
+              <a:rPr lang="en-US" altLang="ko-KR" dirty="0" smtClean="0">
+                <a:solidFill>
+                  <a:schemeClr val="accent2"/>
+                </a:solidFill>
+              </a:rPr>
+              <a:t>   Movie - Effects</a:t>
+            </a:r>
+            <a:endParaRPr lang="ko-KR" altLang="en-US" dirty="0">
               <a:solidFill>
                 <a:schemeClr val="accent2"/>
               </a:solidFill>
@@ -6255,10 +4800,1280 @@
           </a:p>
         </p:txBody>
       </p:sp>
+      <p:cxnSp>
+        <p:nvCxnSpPr>
+          <p:cNvPr id="7" name="Straight Arrow Connector 6"/>
+          <p:cNvCxnSpPr/>
+          <p:nvPr/>
+        </p:nvCxnSpPr>
+        <p:spPr>
+          <a:xfrm>
+            <a:off x="3048000" y="1762897"/>
+            <a:ext cx="3591697" cy="8238"/>
+          </a:xfrm>
+          <a:prstGeom prst="straightConnector1">
+            <a:avLst/>
+          </a:prstGeom>
+          <a:ln>
+            <a:tailEnd type="triangle"/>
+          </a:ln>
+        </p:spPr>
+        <p:style>
+          <a:lnRef idx="1">
+            <a:schemeClr val="accent1"/>
+          </a:lnRef>
+          <a:fillRef idx="0">
+            <a:schemeClr val="accent1"/>
+          </a:fillRef>
+          <a:effectRef idx="0">
+            <a:schemeClr val="accent1"/>
+          </a:effectRef>
+          <a:fontRef idx="minor">
+            <a:schemeClr val="tx1"/>
+          </a:fontRef>
+        </p:style>
+      </p:cxnSp>
+      <p:sp>
+        <p:nvSpPr>
+          <p:cNvPr id="8" name="TextBox 7"/>
+          <p:cNvSpPr txBox="1"/>
+          <p:nvPr/>
+        </p:nvSpPr>
+        <p:spPr>
+          <a:xfrm>
+            <a:off x="7455243" y="1586469"/>
+            <a:ext cx="3674076" cy="369332"/>
+          </a:xfrm>
+          <a:prstGeom prst="rect">
+            <a:avLst/>
+          </a:prstGeom>
+          <a:noFill/>
+        </p:spPr>
+        <p:txBody>
+          <a:bodyPr wrap="square" rtlCol="0">
+            <a:spAutoFit/>
+          </a:bodyPr>
+          <a:lstStyle/>
+          <a:p>
+            <a:r>
+              <a:rPr lang="ko-KR" altLang="en-US" dirty="0" smtClean="0"/>
+              <a:t>전체적인 </a:t>
+            </a:r>
+            <a:r>
+              <a:rPr lang="en-US" altLang="ko-KR" dirty="0" smtClean="0"/>
+              <a:t>Dataset </a:t>
+            </a:r>
+            <a:r>
+              <a:rPr lang="ko-KR" altLang="en-US" dirty="0" smtClean="0"/>
+              <a:t>를 통째로 비교</a:t>
+            </a:r>
+            <a:r>
+              <a:rPr lang="en-US" altLang="ko-KR" dirty="0" smtClean="0"/>
+              <a:t>. </a:t>
+            </a:r>
+            <a:endParaRPr lang="ko-KR" altLang="en-US" dirty="0"/>
+          </a:p>
+        </p:txBody>
+      </p:sp>
+      <p:cxnSp>
+        <p:nvCxnSpPr>
+          <p:cNvPr id="9" name="Straight Arrow Connector 8"/>
+          <p:cNvCxnSpPr/>
+          <p:nvPr/>
+        </p:nvCxnSpPr>
+        <p:spPr>
+          <a:xfrm>
+            <a:off x="3047999" y="5062151"/>
+            <a:ext cx="3591697" cy="8238"/>
+          </a:xfrm>
+          <a:prstGeom prst="straightConnector1">
+            <a:avLst/>
+          </a:prstGeom>
+          <a:ln>
+            <a:tailEnd type="triangle"/>
+          </a:ln>
+        </p:spPr>
+        <p:style>
+          <a:lnRef idx="1">
+            <a:schemeClr val="accent1"/>
+          </a:lnRef>
+          <a:fillRef idx="0">
+            <a:schemeClr val="accent1"/>
+          </a:fillRef>
+          <a:effectRef idx="0">
+            <a:schemeClr val="accent1"/>
+          </a:effectRef>
+          <a:fontRef idx="minor">
+            <a:schemeClr val="tx1"/>
+          </a:fontRef>
+        </p:style>
+      </p:cxnSp>
+      <p:sp>
+        <p:nvSpPr>
+          <p:cNvPr id="10" name="TextBox 9"/>
+          <p:cNvSpPr txBox="1"/>
+          <p:nvPr/>
+        </p:nvSpPr>
+        <p:spPr>
+          <a:xfrm>
+            <a:off x="7455243" y="4699706"/>
+            <a:ext cx="3937686" cy="646331"/>
+          </a:xfrm>
+          <a:prstGeom prst="rect">
+            <a:avLst/>
+          </a:prstGeom>
+          <a:noFill/>
+        </p:spPr>
+        <p:txBody>
+          <a:bodyPr wrap="square" rtlCol="0">
+            <a:spAutoFit/>
+          </a:bodyPr>
+          <a:lstStyle/>
+          <a:p>
+            <a:r>
+              <a:rPr lang="en-US" altLang="ko-KR" dirty="0" smtClean="0"/>
+              <a:t>User, Movie, Global Effect </a:t>
+            </a:r>
+            <a:r>
+              <a:rPr lang="ko-KR" altLang="en-US" dirty="0" smtClean="0"/>
+              <a:t>별로</a:t>
+            </a:r>
+            <a:endParaRPr lang="en-US" altLang="ko-KR" dirty="0" smtClean="0"/>
+          </a:p>
+          <a:p>
+            <a:r>
+              <a:rPr lang="ko-KR" altLang="en-US" dirty="0" smtClean="0"/>
+              <a:t>분석</a:t>
+            </a:r>
+            <a:r>
+              <a:rPr lang="en-US" altLang="ko-KR" dirty="0" smtClean="0"/>
+              <a:t>, </a:t>
+            </a:r>
+            <a:r>
+              <a:rPr lang="ko-KR" altLang="en-US" dirty="0" smtClean="0"/>
+              <a:t>비중을 부여</a:t>
+            </a:r>
+            <a:endParaRPr lang="ko-KR" altLang="en-US" dirty="0"/>
+          </a:p>
+        </p:txBody>
+      </p:sp>
     </p:spTree>
     <p:extLst>
       <p:ext uri="{BB962C8B-B14F-4D97-AF65-F5344CB8AC3E}">
-        <p14:creationId xmlns:p14="http://schemas.microsoft.com/office/powerpoint/2010/main" val="2840912303"/>
+        <p14:creationId xmlns:p14="http://schemas.microsoft.com/office/powerpoint/2010/main" val="4207512812"/>
+      </p:ext>
+    </p:extLst>
+  </p:cSld>
+  <p:clrMapOvr>
+    <a:masterClrMapping/>
+  </p:clrMapOvr>
+</p:sld>
+</file>
+
+<file path=ppt/slides/slide14.xml><?xml version="1.0" encoding="utf-8"?>
+<p:sld xmlns:a="http://schemas.openxmlformats.org/drawingml/2006/main" xmlns:r="http://schemas.openxmlformats.org/officeDocument/2006/relationships" xmlns:p="http://schemas.openxmlformats.org/presentationml/2006/main">
+  <p:cSld>
+    <p:spTree>
+      <p:nvGrpSpPr>
+        <p:cNvPr id="1" name=""/>
+        <p:cNvGrpSpPr/>
+        <p:nvPr/>
+      </p:nvGrpSpPr>
+      <p:grpSpPr>
+        <a:xfrm>
+          <a:off x="0" y="0"/>
+          <a:ext cx="0" cy="0"/>
+          <a:chOff x="0" y="0"/>
+          <a:chExt cx="0" cy="0"/>
+        </a:xfrm>
+      </p:grpSpPr>
+      <p:sp>
+        <p:nvSpPr>
+          <p:cNvPr id="4" name="TextBox 3"/>
+          <p:cNvSpPr txBox="1"/>
+          <p:nvPr/>
+        </p:nvSpPr>
+        <p:spPr>
+          <a:xfrm>
+            <a:off x="430110" y="492035"/>
+            <a:ext cx="4697128" cy="523220"/>
+          </a:xfrm>
+          <a:prstGeom prst="rect">
+            <a:avLst/>
+          </a:prstGeom>
+          <a:noFill/>
+        </p:spPr>
+        <p:txBody>
+          <a:bodyPr wrap="square" rtlCol="0">
+            <a:spAutoFit/>
+          </a:bodyPr>
+          <a:lstStyle/>
+          <a:p>
+            <a:r>
+              <a:rPr lang="en-US" altLang="ko-KR" sz="2800" dirty="0"/>
+              <a:t>3</a:t>
+            </a:r>
+            <a:r>
+              <a:rPr lang="en-US" altLang="ko-KR" sz="2800" dirty="0" smtClean="0"/>
+              <a:t>) </a:t>
+            </a:r>
+            <a:r>
+              <a:rPr lang="ko-KR" altLang="en-US" sz="2800" dirty="0" smtClean="0"/>
+              <a:t>데이터 분석</a:t>
+            </a:r>
+            <a:endParaRPr lang="ko-KR" altLang="en-US" sz="2800" dirty="0"/>
+          </a:p>
+        </p:txBody>
+      </p:sp>
+      <p:sp>
+        <p:nvSpPr>
+          <p:cNvPr id="2" name="TextBox 1"/>
+          <p:cNvSpPr txBox="1"/>
+          <p:nvPr/>
+        </p:nvSpPr>
+        <p:spPr>
+          <a:xfrm>
+            <a:off x="741405" y="1318054"/>
+            <a:ext cx="3591698" cy="369332"/>
+          </a:xfrm>
+          <a:prstGeom prst="rect">
+            <a:avLst/>
+          </a:prstGeom>
+          <a:noFill/>
+        </p:spPr>
+        <p:txBody>
+          <a:bodyPr wrap="square" rtlCol="0">
+            <a:spAutoFit/>
+          </a:bodyPr>
+          <a:lstStyle/>
+          <a:p>
+            <a:r>
+              <a:rPr lang="en-US" altLang="ko-KR" dirty="0" smtClean="0"/>
+              <a:t>Singular Value Decomposition </a:t>
+            </a:r>
+            <a:endParaRPr lang="ko-KR" altLang="en-US" dirty="0"/>
+          </a:p>
+        </p:txBody>
+      </p:sp>
+      <p:sp>
+        <p:nvSpPr>
+          <p:cNvPr id="3" name="TextBox 2"/>
+          <p:cNvSpPr txBox="1"/>
+          <p:nvPr/>
+        </p:nvSpPr>
+        <p:spPr>
+          <a:xfrm>
+            <a:off x="963827" y="2504303"/>
+            <a:ext cx="3097427" cy="1477328"/>
+          </a:xfrm>
+          <a:prstGeom prst="rect">
+            <a:avLst/>
+          </a:prstGeom>
+          <a:noFill/>
+        </p:spPr>
+        <p:txBody>
+          <a:bodyPr wrap="square" rtlCol="0">
+            <a:spAutoFit/>
+          </a:bodyPr>
+          <a:lstStyle/>
+          <a:p>
+            <a:r>
+              <a:rPr lang="ko-KR" altLang="en-US" dirty="0" smtClean="0"/>
+              <a:t>기본 개념</a:t>
+            </a:r>
+            <a:r>
+              <a:rPr lang="en-US" altLang="ko-KR" dirty="0" smtClean="0"/>
+              <a:t>:</a:t>
+            </a:r>
+          </a:p>
+          <a:p>
+            <a:endParaRPr lang="en-US" altLang="ko-KR" dirty="0"/>
+          </a:p>
+          <a:p>
+            <a:r>
+              <a:rPr lang="ko-KR" altLang="en-US" dirty="0" smtClean="0"/>
+              <a:t>한개의 큰 매트릭스 </a:t>
+            </a:r>
+            <a:r>
+              <a:rPr lang="en-US" altLang="ko-KR" dirty="0" smtClean="0"/>
+              <a:t>2</a:t>
+            </a:r>
+            <a:r>
+              <a:rPr lang="ko-KR" altLang="en-US" dirty="0" smtClean="0"/>
+              <a:t>개의 </a:t>
+            </a:r>
+            <a:endParaRPr lang="en-US" altLang="ko-KR" dirty="0" smtClean="0"/>
+          </a:p>
+          <a:p>
+            <a:r>
+              <a:rPr lang="ko-KR" altLang="en-US" dirty="0" smtClean="0"/>
+              <a:t>작은 매트릭스로 나누는 </a:t>
+            </a:r>
+            <a:endParaRPr lang="en-US" altLang="ko-KR" dirty="0" smtClean="0"/>
+          </a:p>
+          <a:p>
+            <a:r>
+              <a:rPr lang="en-US" altLang="ko-KR" dirty="0" smtClean="0"/>
+              <a:t>Factorization </a:t>
+            </a:r>
+            <a:r>
+              <a:rPr lang="ko-KR" altLang="en-US" dirty="0" smtClean="0"/>
+              <a:t>방법</a:t>
+            </a:r>
+            <a:r>
+              <a:rPr lang="en-US" altLang="ko-KR" dirty="0" smtClean="0"/>
+              <a:t>.</a:t>
+            </a:r>
+            <a:endParaRPr lang="ko-KR" altLang="en-US" dirty="0"/>
+          </a:p>
+        </p:txBody>
+      </p:sp>
+      <p:sp>
+        <p:nvSpPr>
+          <p:cNvPr id="6" name="Rectangle 5"/>
+          <p:cNvSpPr/>
+          <p:nvPr/>
+        </p:nvSpPr>
+        <p:spPr>
+          <a:xfrm>
+            <a:off x="5754129" y="1153298"/>
+            <a:ext cx="5025081" cy="1351005"/>
+          </a:xfrm>
+          <a:prstGeom prst="rect">
+            <a:avLst/>
+          </a:prstGeom>
+        </p:spPr>
+        <p:style>
+          <a:lnRef idx="2">
+            <a:schemeClr val="accent1">
+              <a:shade val="50000"/>
+            </a:schemeClr>
+          </a:lnRef>
+          <a:fillRef idx="1">
+            <a:schemeClr val="accent1"/>
+          </a:fillRef>
+          <a:effectRef idx="0">
+            <a:schemeClr val="accent1"/>
+          </a:effectRef>
+          <a:fontRef idx="minor">
+            <a:schemeClr val="lt1"/>
+          </a:fontRef>
+        </p:style>
+        <p:txBody>
+          <a:bodyPr rtlCol="0" anchor="ctr"/>
+          <a:lstStyle/>
+          <a:p>
+            <a:pPr algn="ctr"/>
+            <a:r>
+              <a:rPr lang="en-US" altLang="ko-KR" dirty="0" smtClean="0"/>
+              <a:t>Matrix A</a:t>
+            </a:r>
+            <a:endParaRPr lang="ko-KR" altLang="en-US" dirty="0"/>
+          </a:p>
+        </p:txBody>
+      </p:sp>
+      <p:sp>
+        <p:nvSpPr>
+          <p:cNvPr id="7" name="Rounded Rectangle 6"/>
+          <p:cNvSpPr/>
+          <p:nvPr/>
+        </p:nvSpPr>
+        <p:spPr>
+          <a:xfrm>
+            <a:off x="4518453" y="3443416"/>
+            <a:ext cx="2471351" cy="1334530"/>
+          </a:xfrm>
+          <a:prstGeom prst="roundRect">
+            <a:avLst/>
+          </a:prstGeom>
+          <a:solidFill>
+            <a:schemeClr val="accent6">
+              <a:lumMod val="60000"/>
+              <a:lumOff val="40000"/>
+            </a:schemeClr>
+          </a:solidFill>
+        </p:spPr>
+        <p:style>
+          <a:lnRef idx="2">
+            <a:schemeClr val="accent1">
+              <a:shade val="50000"/>
+            </a:schemeClr>
+          </a:lnRef>
+          <a:fillRef idx="1">
+            <a:schemeClr val="accent1"/>
+          </a:fillRef>
+          <a:effectRef idx="0">
+            <a:schemeClr val="accent1"/>
+          </a:effectRef>
+          <a:fontRef idx="minor">
+            <a:schemeClr val="lt1"/>
+          </a:fontRef>
+        </p:style>
+        <p:txBody>
+          <a:bodyPr rtlCol="0" anchor="ctr"/>
+          <a:lstStyle/>
+          <a:p>
+            <a:pPr algn="ctr"/>
+            <a:r>
+              <a:rPr lang="en-US" altLang="ko-KR" dirty="0" smtClean="0"/>
+              <a:t>Matrix X</a:t>
+            </a:r>
+            <a:endParaRPr lang="ko-KR" altLang="en-US" dirty="0"/>
+          </a:p>
+        </p:txBody>
+      </p:sp>
+      <p:sp>
+        <p:nvSpPr>
+          <p:cNvPr id="8" name="Rounded Rectangle 7"/>
+          <p:cNvSpPr/>
+          <p:nvPr/>
+        </p:nvSpPr>
+        <p:spPr>
+          <a:xfrm>
+            <a:off x="9543534" y="3443416"/>
+            <a:ext cx="2471351" cy="1334530"/>
+          </a:xfrm>
+          <a:prstGeom prst="roundRect">
+            <a:avLst/>
+          </a:prstGeom>
+          <a:solidFill>
+            <a:schemeClr val="accent6">
+              <a:lumMod val="60000"/>
+              <a:lumOff val="40000"/>
+            </a:schemeClr>
+          </a:solidFill>
+        </p:spPr>
+        <p:style>
+          <a:lnRef idx="2">
+            <a:schemeClr val="accent1">
+              <a:shade val="50000"/>
+            </a:schemeClr>
+          </a:lnRef>
+          <a:fillRef idx="1">
+            <a:schemeClr val="accent1"/>
+          </a:fillRef>
+          <a:effectRef idx="0">
+            <a:schemeClr val="accent1"/>
+          </a:effectRef>
+          <a:fontRef idx="minor">
+            <a:schemeClr val="lt1"/>
+          </a:fontRef>
+        </p:style>
+        <p:txBody>
+          <a:bodyPr rtlCol="0" anchor="ctr"/>
+          <a:lstStyle/>
+          <a:p>
+            <a:pPr algn="ctr"/>
+            <a:r>
+              <a:rPr lang="en-US" altLang="ko-KR" dirty="0" smtClean="0"/>
+              <a:t>Matrix Y</a:t>
+            </a:r>
+            <a:endParaRPr lang="ko-KR" altLang="en-US" dirty="0"/>
+          </a:p>
+        </p:txBody>
+      </p:sp>
+      <p:cxnSp>
+        <p:nvCxnSpPr>
+          <p:cNvPr id="10" name="Straight Arrow Connector 9"/>
+          <p:cNvCxnSpPr/>
+          <p:nvPr/>
+        </p:nvCxnSpPr>
+        <p:spPr>
+          <a:xfrm flipH="1">
+            <a:off x="5931242" y="2486897"/>
+            <a:ext cx="2335427" cy="856735"/>
+          </a:xfrm>
+          <a:prstGeom prst="straightConnector1">
+            <a:avLst/>
+          </a:prstGeom>
+          <a:ln>
+            <a:solidFill>
+              <a:schemeClr val="tx1">
+                <a:lumMod val="85000"/>
+                <a:lumOff val="15000"/>
+              </a:schemeClr>
+            </a:solidFill>
+            <a:tailEnd type="triangle"/>
+          </a:ln>
+        </p:spPr>
+        <p:style>
+          <a:lnRef idx="1">
+            <a:schemeClr val="accent1"/>
+          </a:lnRef>
+          <a:fillRef idx="0">
+            <a:schemeClr val="accent1"/>
+          </a:fillRef>
+          <a:effectRef idx="0">
+            <a:schemeClr val="accent1"/>
+          </a:effectRef>
+          <a:fontRef idx="minor">
+            <a:schemeClr val="tx1"/>
+          </a:fontRef>
+        </p:style>
+      </p:cxnSp>
+      <p:cxnSp>
+        <p:nvCxnSpPr>
+          <p:cNvPr id="12" name="Straight Arrow Connector 11"/>
+          <p:cNvCxnSpPr/>
+          <p:nvPr/>
+        </p:nvCxnSpPr>
+        <p:spPr>
+          <a:xfrm>
+            <a:off x="8202597" y="2486897"/>
+            <a:ext cx="2512541" cy="897924"/>
+          </a:xfrm>
+          <a:prstGeom prst="straightConnector1">
+            <a:avLst/>
+          </a:prstGeom>
+          <a:ln>
+            <a:solidFill>
+              <a:schemeClr val="tx1"/>
+            </a:solidFill>
+            <a:tailEnd type="triangle"/>
+          </a:ln>
+        </p:spPr>
+        <p:style>
+          <a:lnRef idx="1">
+            <a:schemeClr val="accent1"/>
+          </a:lnRef>
+          <a:fillRef idx="0">
+            <a:schemeClr val="accent1"/>
+          </a:fillRef>
+          <a:effectRef idx="0">
+            <a:schemeClr val="accent1"/>
+          </a:effectRef>
+          <a:fontRef idx="minor">
+            <a:schemeClr val="tx1"/>
+          </a:fontRef>
+        </p:style>
+      </p:cxnSp>
+      <p:sp>
+        <p:nvSpPr>
+          <p:cNvPr id="13" name="TextBox 12"/>
+          <p:cNvSpPr txBox="1"/>
+          <p:nvPr/>
+        </p:nvSpPr>
+        <p:spPr>
+          <a:xfrm>
+            <a:off x="6549082" y="5039696"/>
+            <a:ext cx="4679091" cy="369332"/>
+          </a:xfrm>
+          <a:prstGeom prst="rect">
+            <a:avLst/>
+          </a:prstGeom>
+          <a:noFill/>
+        </p:spPr>
+        <p:txBody>
+          <a:bodyPr wrap="square" rtlCol="0">
+            <a:spAutoFit/>
+          </a:bodyPr>
+          <a:lstStyle/>
+          <a:p>
+            <a:r>
+              <a:rPr lang="en-US" altLang="ko-KR" dirty="0" smtClean="0"/>
+              <a:t>Matrix A = Matrix X * Matrix Y </a:t>
+            </a:r>
+            <a:r>
+              <a:rPr lang="en-US" altLang="ko-KR" baseline="30000" dirty="0"/>
+              <a:t>T</a:t>
+            </a:r>
+            <a:endParaRPr lang="ko-KR" altLang="en-US" dirty="0"/>
+          </a:p>
+        </p:txBody>
+      </p:sp>
+    </p:spTree>
+    <p:extLst>
+      <p:ext uri="{BB962C8B-B14F-4D97-AF65-F5344CB8AC3E}">
+        <p14:creationId xmlns:p14="http://schemas.microsoft.com/office/powerpoint/2010/main" val="3393081963"/>
+      </p:ext>
+    </p:extLst>
+  </p:cSld>
+  <p:clrMapOvr>
+    <a:masterClrMapping/>
+  </p:clrMapOvr>
+</p:sld>
+</file>
+
+<file path=ppt/slides/slide15.xml><?xml version="1.0" encoding="utf-8"?>
+<p:sld xmlns:a="http://schemas.openxmlformats.org/drawingml/2006/main" xmlns:r="http://schemas.openxmlformats.org/officeDocument/2006/relationships" xmlns:p="http://schemas.openxmlformats.org/presentationml/2006/main">
+  <p:cSld>
+    <p:spTree>
+      <p:nvGrpSpPr>
+        <p:cNvPr id="1" name=""/>
+        <p:cNvGrpSpPr/>
+        <p:nvPr/>
+      </p:nvGrpSpPr>
+      <p:grpSpPr>
+        <a:xfrm>
+          <a:off x="0" y="0"/>
+          <a:ext cx="0" cy="0"/>
+          <a:chOff x="0" y="0"/>
+          <a:chExt cx="0" cy="0"/>
+        </a:xfrm>
+      </p:grpSpPr>
+      <p:sp>
+        <p:nvSpPr>
+          <p:cNvPr id="4" name="TextBox 3"/>
+          <p:cNvSpPr txBox="1"/>
+          <p:nvPr/>
+        </p:nvSpPr>
+        <p:spPr>
+          <a:xfrm>
+            <a:off x="548643" y="384803"/>
+            <a:ext cx="4697128" cy="523220"/>
+          </a:xfrm>
+          <a:prstGeom prst="rect">
+            <a:avLst/>
+          </a:prstGeom>
+          <a:noFill/>
+        </p:spPr>
+        <p:txBody>
+          <a:bodyPr wrap="square" rtlCol="0">
+            <a:spAutoFit/>
+          </a:bodyPr>
+          <a:lstStyle/>
+          <a:p>
+            <a:r>
+              <a:rPr lang="en-US" altLang="ko-KR" sz="2800" dirty="0"/>
+              <a:t>3</a:t>
+            </a:r>
+            <a:r>
+              <a:rPr lang="en-US" altLang="ko-KR" sz="2800" dirty="0" smtClean="0"/>
+              <a:t>) </a:t>
+            </a:r>
+            <a:r>
+              <a:rPr lang="ko-KR" altLang="en-US" sz="2800" dirty="0" smtClean="0"/>
+              <a:t>데이터 분석</a:t>
+            </a:r>
+            <a:endParaRPr lang="ko-KR" altLang="en-US" sz="2800" dirty="0"/>
+          </a:p>
+        </p:txBody>
+      </p:sp>
+      <p:sp>
+        <p:nvSpPr>
+          <p:cNvPr id="11" name="TextBox 10"/>
+          <p:cNvSpPr txBox="1"/>
+          <p:nvPr/>
+        </p:nvSpPr>
+        <p:spPr>
+          <a:xfrm>
+            <a:off x="548643" y="1148892"/>
+            <a:ext cx="3303690" cy="369332"/>
+          </a:xfrm>
+          <a:prstGeom prst="rect">
+            <a:avLst/>
+          </a:prstGeom>
+          <a:noFill/>
+        </p:spPr>
+        <p:txBody>
+          <a:bodyPr wrap="square" rtlCol="0">
+            <a:spAutoFit/>
+          </a:bodyPr>
+          <a:lstStyle/>
+          <a:p>
+            <a:r>
+              <a:rPr lang="ko-KR" altLang="en-US" dirty="0" smtClean="0">
+                <a:solidFill>
+                  <a:schemeClr val="accent2"/>
+                </a:solidFill>
+              </a:rPr>
+              <a:t>프로젝트에서 </a:t>
+            </a:r>
+            <a:r>
+              <a:rPr lang="en-US" altLang="ko-KR" dirty="0" smtClean="0">
+                <a:solidFill>
+                  <a:schemeClr val="accent2"/>
+                </a:solidFill>
+              </a:rPr>
+              <a:t>SVD </a:t>
+            </a:r>
+            <a:r>
+              <a:rPr lang="ko-KR" altLang="en-US" dirty="0" smtClean="0">
+                <a:solidFill>
+                  <a:schemeClr val="accent2"/>
+                </a:solidFill>
+              </a:rPr>
+              <a:t>사용 방법</a:t>
+            </a:r>
+            <a:endParaRPr lang="ko-KR" altLang="en-US" dirty="0">
+              <a:solidFill>
+                <a:schemeClr val="accent2"/>
+              </a:solidFill>
+            </a:endParaRPr>
+          </a:p>
+        </p:txBody>
+      </p:sp>
+      <p:sp>
+        <p:nvSpPr>
+          <p:cNvPr id="12" name="Rounded Rectangle 11"/>
+          <p:cNvSpPr/>
+          <p:nvPr/>
+        </p:nvSpPr>
+        <p:spPr>
+          <a:xfrm>
+            <a:off x="618067" y="1930400"/>
+            <a:ext cx="1684866" cy="541867"/>
+          </a:xfrm>
+          <a:prstGeom prst="roundRect">
+            <a:avLst/>
+          </a:prstGeom>
+        </p:spPr>
+        <p:style>
+          <a:lnRef idx="2">
+            <a:schemeClr val="accent1">
+              <a:shade val="50000"/>
+            </a:schemeClr>
+          </a:lnRef>
+          <a:fillRef idx="1">
+            <a:schemeClr val="accent1"/>
+          </a:fillRef>
+          <a:effectRef idx="0">
+            <a:schemeClr val="accent1"/>
+          </a:effectRef>
+          <a:fontRef idx="minor">
+            <a:schemeClr val="lt1"/>
+          </a:fontRef>
+        </p:style>
+        <p:txBody>
+          <a:bodyPr rtlCol="0" anchor="ctr"/>
+          <a:lstStyle/>
+          <a:p>
+            <a:pPr algn="ctr"/>
+            <a:r>
+              <a:rPr lang="en-US" altLang="ko-KR" dirty="0" smtClean="0"/>
+              <a:t>Matrix X</a:t>
+            </a:r>
+            <a:endParaRPr lang="ko-KR" altLang="en-US" dirty="0"/>
+          </a:p>
+        </p:txBody>
+      </p:sp>
+      <p:sp>
+        <p:nvSpPr>
+          <p:cNvPr id="13" name="Rounded Rectangle 12"/>
+          <p:cNvSpPr/>
+          <p:nvPr/>
+        </p:nvSpPr>
+        <p:spPr>
+          <a:xfrm>
+            <a:off x="4886874" y="1930400"/>
+            <a:ext cx="1684866" cy="541867"/>
+          </a:xfrm>
+          <a:prstGeom prst="roundRect">
+            <a:avLst/>
+          </a:prstGeom>
+        </p:spPr>
+        <p:style>
+          <a:lnRef idx="2">
+            <a:schemeClr val="accent1">
+              <a:shade val="50000"/>
+            </a:schemeClr>
+          </a:lnRef>
+          <a:fillRef idx="1">
+            <a:schemeClr val="accent1"/>
+          </a:fillRef>
+          <a:effectRef idx="0">
+            <a:schemeClr val="accent1"/>
+          </a:effectRef>
+          <a:fontRef idx="minor">
+            <a:schemeClr val="lt1"/>
+          </a:fontRef>
+        </p:style>
+        <p:txBody>
+          <a:bodyPr rtlCol="0" anchor="ctr"/>
+          <a:lstStyle/>
+          <a:p>
+            <a:pPr algn="ctr"/>
+            <a:r>
+              <a:rPr lang="en-US" altLang="ko-KR" dirty="0" smtClean="0"/>
+              <a:t>Matrix Y</a:t>
+            </a:r>
+            <a:endParaRPr lang="ko-KR" altLang="en-US" dirty="0"/>
+          </a:p>
+        </p:txBody>
+      </p:sp>
+      <p:cxnSp>
+        <p:nvCxnSpPr>
+          <p:cNvPr id="15" name="Straight Arrow Connector 14"/>
+          <p:cNvCxnSpPr/>
+          <p:nvPr/>
+        </p:nvCxnSpPr>
+        <p:spPr>
+          <a:xfrm flipH="1" flipV="1">
+            <a:off x="1452033" y="2556933"/>
+            <a:ext cx="8467" cy="1490134"/>
+          </a:xfrm>
+          <a:prstGeom prst="straightConnector1">
+            <a:avLst/>
+          </a:prstGeom>
+          <a:ln>
+            <a:tailEnd type="triangle"/>
+          </a:ln>
+        </p:spPr>
+        <p:style>
+          <a:lnRef idx="1">
+            <a:schemeClr val="accent1"/>
+          </a:lnRef>
+          <a:fillRef idx="0">
+            <a:schemeClr val="accent1"/>
+          </a:fillRef>
+          <a:effectRef idx="0">
+            <a:schemeClr val="accent1"/>
+          </a:effectRef>
+          <a:fontRef idx="minor">
+            <a:schemeClr val="tx1"/>
+          </a:fontRef>
+        </p:style>
+      </p:cxnSp>
+      <p:sp>
+        <p:nvSpPr>
+          <p:cNvPr id="17" name="TextBox 16"/>
+          <p:cNvSpPr txBox="1"/>
+          <p:nvPr/>
+        </p:nvSpPr>
+        <p:spPr>
+          <a:xfrm>
+            <a:off x="347133" y="4241800"/>
+            <a:ext cx="3327400" cy="1754326"/>
+          </a:xfrm>
+          <a:prstGeom prst="rect">
+            <a:avLst/>
+          </a:prstGeom>
+          <a:noFill/>
+        </p:spPr>
+        <p:txBody>
+          <a:bodyPr wrap="square" rtlCol="0">
+            <a:spAutoFit/>
+          </a:bodyPr>
+          <a:lstStyle/>
+          <a:p>
+            <a:r>
+              <a:rPr lang="ko-KR" altLang="en-US" dirty="0" smtClean="0"/>
+              <a:t>각 영화에 대한 </a:t>
+            </a:r>
+            <a:r>
+              <a:rPr lang="en-US" altLang="ko-KR" dirty="0" smtClean="0"/>
+              <a:t>Aspect Vector </a:t>
+            </a:r>
+            <a:r>
+              <a:rPr lang="ko-KR" altLang="en-US" dirty="0" smtClean="0"/>
+              <a:t>구축</a:t>
+            </a:r>
+            <a:r>
+              <a:rPr lang="en-US" altLang="ko-KR" dirty="0" smtClean="0"/>
+              <a:t>. </a:t>
+            </a:r>
+          </a:p>
+          <a:p>
+            <a:endParaRPr lang="en-US" altLang="ko-KR" dirty="0"/>
+          </a:p>
+          <a:p>
+            <a:r>
+              <a:rPr lang="en-US" altLang="ko-KR" dirty="0" smtClean="0"/>
+              <a:t>IF Aspect = 40</a:t>
+            </a:r>
+          </a:p>
+          <a:p>
+            <a:endParaRPr lang="en-US" altLang="ko-KR" dirty="0"/>
+          </a:p>
+          <a:p>
+            <a:r>
+              <a:rPr lang="en-US" altLang="ko-KR" dirty="0" smtClean="0"/>
+              <a:t>Matrix X = # of Movies * 40</a:t>
+            </a:r>
+          </a:p>
+        </p:txBody>
+      </p:sp>
+      <p:cxnSp>
+        <p:nvCxnSpPr>
+          <p:cNvPr id="20" name="Straight Arrow Connector 19"/>
+          <p:cNvCxnSpPr/>
+          <p:nvPr/>
+        </p:nvCxnSpPr>
+        <p:spPr>
+          <a:xfrm flipH="1" flipV="1">
+            <a:off x="5729307" y="2556933"/>
+            <a:ext cx="8467" cy="1490134"/>
+          </a:xfrm>
+          <a:prstGeom prst="straightConnector1">
+            <a:avLst/>
+          </a:prstGeom>
+          <a:ln>
+            <a:tailEnd type="triangle"/>
+          </a:ln>
+        </p:spPr>
+        <p:style>
+          <a:lnRef idx="1">
+            <a:schemeClr val="accent1"/>
+          </a:lnRef>
+          <a:fillRef idx="0">
+            <a:schemeClr val="accent1"/>
+          </a:fillRef>
+          <a:effectRef idx="0">
+            <a:schemeClr val="accent1"/>
+          </a:effectRef>
+          <a:fontRef idx="minor">
+            <a:schemeClr val="tx1"/>
+          </a:fontRef>
+        </p:style>
+      </p:cxnSp>
+      <p:sp>
+        <p:nvSpPr>
+          <p:cNvPr id="21" name="TextBox 20"/>
+          <p:cNvSpPr txBox="1"/>
+          <p:nvPr/>
+        </p:nvSpPr>
+        <p:spPr>
+          <a:xfrm>
+            <a:off x="4690533" y="4241800"/>
+            <a:ext cx="3081867" cy="1754326"/>
+          </a:xfrm>
+          <a:prstGeom prst="rect">
+            <a:avLst/>
+          </a:prstGeom>
+          <a:noFill/>
+        </p:spPr>
+        <p:txBody>
+          <a:bodyPr wrap="square" rtlCol="0">
+            <a:spAutoFit/>
+          </a:bodyPr>
+          <a:lstStyle/>
+          <a:p>
+            <a:r>
+              <a:rPr lang="ko-KR" altLang="en-US" dirty="0" smtClean="0"/>
+              <a:t>각 유저에 대한 </a:t>
+            </a:r>
+            <a:r>
+              <a:rPr lang="en-US" altLang="ko-KR" dirty="0" smtClean="0"/>
+              <a:t>Aspect Vector </a:t>
+            </a:r>
+            <a:r>
+              <a:rPr lang="ko-KR" altLang="en-US" dirty="0" smtClean="0"/>
+              <a:t>구축</a:t>
+            </a:r>
+            <a:r>
+              <a:rPr lang="en-US" altLang="ko-KR" dirty="0" smtClean="0"/>
+              <a:t>. </a:t>
+            </a:r>
+          </a:p>
+          <a:p>
+            <a:endParaRPr lang="en-US" altLang="ko-KR" dirty="0"/>
+          </a:p>
+          <a:p>
+            <a:r>
+              <a:rPr lang="en-US" altLang="ko-KR" dirty="0" smtClean="0"/>
+              <a:t>IF Aspect = 40</a:t>
+            </a:r>
+          </a:p>
+          <a:p>
+            <a:endParaRPr lang="en-US" altLang="ko-KR" dirty="0"/>
+          </a:p>
+          <a:p>
+            <a:r>
+              <a:rPr lang="en-US" altLang="ko-KR" dirty="0" smtClean="0"/>
+              <a:t>Matrix Y = # of Users * 40</a:t>
+            </a:r>
+            <a:endParaRPr lang="ko-KR" altLang="en-US" dirty="0"/>
+          </a:p>
+        </p:txBody>
+      </p:sp>
+      <p:sp>
+        <p:nvSpPr>
+          <p:cNvPr id="22" name="TextBox 21"/>
+          <p:cNvSpPr txBox="1"/>
+          <p:nvPr/>
+        </p:nvSpPr>
+        <p:spPr>
+          <a:xfrm>
+            <a:off x="8153400" y="2472267"/>
+            <a:ext cx="4038600" cy="3754874"/>
+          </a:xfrm>
+          <a:prstGeom prst="rect">
+            <a:avLst/>
+          </a:prstGeom>
+          <a:noFill/>
+        </p:spPr>
+        <p:txBody>
+          <a:bodyPr wrap="square" rtlCol="0">
+            <a:spAutoFit/>
+          </a:bodyPr>
+          <a:lstStyle/>
+          <a:p>
+            <a:r>
+              <a:rPr lang="en-US" altLang="ko-KR" sz="1400" dirty="0" smtClean="0">
+                <a:solidFill>
+                  <a:srgbClr val="FF0000"/>
+                </a:solidFill>
+              </a:rPr>
+              <a:t>Matrix X </a:t>
+            </a:r>
+            <a:r>
+              <a:rPr lang="ko-KR" altLang="en-US" sz="1400" dirty="0" smtClean="0">
+                <a:solidFill>
+                  <a:srgbClr val="FF0000"/>
+                </a:solidFill>
+              </a:rPr>
+              <a:t>에서 영화 </a:t>
+            </a:r>
+            <a:r>
+              <a:rPr lang="en-US" altLang="ko-KR" sz="1400" dirty="0" smtClean="0">
+                <a:solidFill>
+                  <a:srgbClr val="FF0000"/>
+                </a:solidFill>
+              </a:rPr>
+              <a:t>1 </a:t>
+            </a:r>
+            <a:r>
+              <a:rPr lang="ko-KR" altLang="en-US" sz="1400" dirty="0" smtClean="0">
+                <a:solidFill>
+                  <a:srgbClr val="FF0000"/>
+                </a:solidFill>
+              </a:rPr>
+              <a:t>의 </a:t>
+            </a:r>
+            <a:r>
+              <a:rPr lang="en-US" altLang="ko-KR" sz="1400" dirty="0" smtClean="0">
+                <a:solidFill>
+                  <a:srgbClr val="FF0000"/>
+                </a:solidFill>
+              </a:rPr>
+              <a:t>Aspect Vector</a:t>
+            </a:r>
+          </a:p>
+          <a:p>
+            <a:endParaRPr lang="en-US" altLang="ko-KR" sz="1400" dirty="0">
+              <a:solidFill>
+                <a:srgbClr val="FF0000"/>
+              </a:solidFill>
+            </a:endParaRPr>
+          </a:p>
+          <a:p>
+            <a:r>
+              <a:rPr lang="en-US" altLang="ko-KR" sz="1400" dirty="0" smtClean="0">
+                <a:solidFill>
+                  <a:srgbClr val="FF0000"/>
+                </a:solidFill>
+              </a:rPr>
+              <a:t>[Feature 1, Feature 2, . . . , Feature N]</a:t>
+            </a:r>
+          </a:p>
+          <a:p>
+            <a:endParaRPr lang="en-US" altLang="ko-KR" sz="1400" dirty="0" smtClean="0">
+              <a:solidFill>
+                <a:srgbClr val="FF0000"/>
+              </a:solidFill>
+            </a:endParaRPr>
+          </a:p>
+          <a:p>
+            <a:endParaRPr lang="en-US" altLang="ko-KR" sz="1400" dirty="0">
+              <a:solidFill>
+                <a:srgbClr val="FF0000"/>
+              </a:solidFill>
+            </a:endParaRPr>
+          </a:p>
+          <a:p>
+            <a:r>
+              <a:rPr lang="en-US" altLang="ko-KR" sz="1400" dirty="0" smtClean="0">
+                <a:solidFill>
+                  <a:srgbClr val="FF0000"/>
+                </a:solidFill>
+              </a:rPr>
+              <a:t>Matrix Y </a:t>
+            </a:r>
+            <a:r>
+              <a:rPr lang="ko-KR" altLang="en-US" sz="1400" dirty="0" smtClean="0">
+                <a:solidFill>
+                  <a:srgbClr val="FF0000"/>
+                </a:solidFill>
+              </a:rPr>
+              <a:t>에서 영화 </a:t>
+            </a:r>
+            <a:r>
+              <a:rPr lang="en-US" altLang="ko-KR" sz="1400" dirty="0" smtClean="0">
+                <a:solidFill>
+                  <a:srgbClr val="FF0000"/>
+                </a:solidFill>
+              </a:rPr>
+              <a:t>2 </a:t>
+            </a:r>
+            <a:r>
+              <a:rPr lang="ko-KR" altLang="en-US" sz="1400" dirty="0" smtClean="0">
+                <a:solidFill>
+                  <a:srgbClr val="FF0000"/>
+                </a:solidFill>
+              </a:rPr>
+              <a:t>의 </a:t>
+            </a:r>
+            <a:r>
+              <a:rPr lang="en-US" altLang="ko-KR" sz="1400" dirty="0" smtClean="0">
+                <a:solidFill>
+                  <a:srgbClr val="FF0000"/>
+                </a:solidFill>
+              </a:rPr>
+              <a:t>Aspect </a:t>
+            </a:r>
+          </a:p>
+          <a:p>
+            <a:r>
+              <a:rPr lang="en-US" altLang="ko-KR" sz="1400" dirty="0" smtClean="0">
+                <a:solidFill>
+                  <a:srgbClr val="FF0000"/>
+                </a:solidFill>
+              </a:rPr>
+              <a:t>Vector </a:t>
+            </a:r>
+          </a:p>
+          <a:p>
+            <a:endParaRPr lang="en-US" altLang="ko-KR" sz="1400" dirty="0">
+              <a:solidFill>
+                <a:srgbClr val="FF0000"/>
+              </a:solidFill>
+            </a:endParaRPr>
+          </a:p>
+          <a:p>
+            <a:r>
+              <a:rPr lang="en-US" altLang="ko-KR" sz="1400" dirty="0" smtClean="0">
+                <a:solidFill>
+                  <a:srgbClr val="FF0000"/>
+                </a:solidFill>
+              </a:rPr>
+              <a:t>[Feature 1, Feature 2, . . . , Feature N]</a:t>
+            </a:r>
+          </a:p>
+          <a:p>
+            <a:endParaRPr lang="en-US" altLang="ko-KR" sz="1400" dirty="0">
+              <a:solidFill>
+                <a:srgbClr val="FF0000"/>
+              </a:solidFill>
+            </a:endParaRPr>
+          </a:p>
+          <a:p>
+            <a:endParaRPr lang="en-US" altLang="ko-KR" sz="1400" dirty="0" smtClean="0">
+              <a:solidFill>
+                <a:srgbClr val="FF0000"/>
+              </a:solidFill>
+            </a:endParaRPr>
+          </a:p>
+          <a:p>
+            <a:r>
+              <a:rPr lang="ko-KR" altLang="en-US" sz="1400" dirty="0" smtClean="0">
+                <a:solidFill>
+                  <a:srgbClr val="FF0000"/>
+                </a:solidFill>
+              </a:rPr>
+              <a:t>영화 </a:t>
+            </a:r>
+            <a:r>
+              <a:rPr lang="en-US" altLang="ko-KR" sz="1400" dirty="0" smtClean="0">
+                <a:solidFill>
+                  <a:srgbClr val="FF0000"/>
+                </a:solidFill>
+              </a:rPr>
+              <a:t>Aspect Vector </a:t>
+            </a:r>
+            <a:r>
+              <a:rPr lang="ko-KR" altLang="en-US" sz="1400" dirty="0" smtClean="0">
+                <a:solidFill>
+                  <a:srgbClr val="FF0000"/>
+                </a:solidFill>
+              </a:rPr>
+              <a:t>와 유저 </a:t>
+            </a:r>
+            <a:r>
+              <a:rPr lang="en-US" altLang="ko-KR" sz="1400" dirty="0" smtClean="0">
+                <a:solidFill>
+                  <a:srgbClr val="FF0000"/>
+                </a:solidFill>
+              </a:rPr>
+              <a:t>Aspect Vector </a:t>
+            </a:r>
+            <a:r>
+              <a:rPr lang="ko-KR" altLang="en-US" sz="1400" dirty="0" smtClean="0">
+                <a:solidFill>
+                  <a:srgbClr val="FF0000"/>
+                </a:solidFill>
+              </a:rPr>
+              <a:t>의 </a:t>
+            </a:r>
+            <a:r>
+              <a:rPr lang="en-US" altLang="ko-KR" sz="1400" dirty="0" smtClean="0">
+                <a:solidFill>
+                  <a:srgbClr val="FF0000"/>
+                </a:solidFill>
+              </a:rPr>
+              <a:t>Dot Product </a:t>
+            </a:r>
+            <a:r>
+              <a:rPr lang="ko-KR" altLang="en-US" sz="1400" dirty="0" smtClean="0">
+                <a:solidFill>
+                  <a:srgbClr val="FF0000"/>
+                </a:solidFill>
+              </a:rPr>
+              <a:t>를 구하면 </a:t>
+            </a:r>
+            <a:endParaRPr lang="en-US" altLang="ko-KR" sz="1400" dirty="0" smtClean="0">
+              <a:solidFill>
+                <a:srgbClr val="FF0000"/>
+              </a:solidFill>
+            </a:endParaRPr>
+          </a:p>
+          <a:p>
+            <a:r>
+              <a:rPr lang="ko-KR" altLang="en-US" sz="1400" dirty="0" smtClean="0">
+                <a:solidFill>
+                  <a:srgbClr val="FF0000"/>
+                </a:solidFill>
+              </a:rPr>
+              <a:t>해당 영화에 대한 해당 유저의 예상 </a:t>
+            </a:r>
+            <a:endParaRPr lang="en-US" altLang="ko-KR" sz="1400" dirty="0" smtClean="0">
+              <a:solidFill>
+                <a:srgbClr val="FF0000"/>
+              </a:solidFill>
+            </a:endParaRPr>
+          </a:p>
+          <a:p>
+            <a:r>
+              <a:rPr lang="ko-KR" altLang="en-US" sz="1400" dirty="0" smtClean="0">
+                <a:solidFill>
+                  <a:srgbClr val="FF0000"/>
+                </a:solidFill>
+              </a:rPr>
+              <a:t>평점을 구할 수 있다</a:t>
+            </a:r>
+            <a:r>
+              <a:rPr lang="en-US" altLang="ko-KR" sz="1400" dirty="0" smtClean="0">
+                <a:solidFill>
+                  <a:srgbClr val="FF0000"/>
+                </a:solidFill>
+              </a:rPr>
+              <a:t>. </a:t>
+            </a:r>
+            <a:endParaRPr lang="en-US" altLang="ko-KR" sz="1400" dirty="0">
+              <a:solidFill>
+                <a:srgbClr val="FF0000"/>
+              </a:solidFill>
+            </a:endParaRPr>
+          </a:p>
+          <a:p>
+            <a:endParaRPr lang="en-US" altLang="ko-KR" sz="1400" dirty="0">
+              <a:solidFill>
+                <a:srgbClr val="FF0000"/>
+              </a:solidFill>
+            </a:endParaRPr>
+          </a:p>
+          <a:p>
+            <a:endParaRPr lang="ko-KR" altLang="en-US" sz="1400" dirty="0">
+              <a:solidFill>
+                <a:srgbClr val="FF0000"/>
+              </a:solidFill>
+            </a:endParaRPr>
+          </a:p>
+        </p:txBody>
+      </p:sp>
+    </p:spTree>
+    <p:extLst>
+      <p:ext uri="{BB962C8B-B14F-4D97-AF65-F5344CB8AC3E}">
+        <p14:creationId xmlns:p14="http://schemas.microsoft.com/office/powerpoint/2010/main" val="4278641427"/>
       </p:ext>
     </p:extLst>
   </p:cSld>
@@ -6285,15 +6100,39 @@
           <a:chExt cx="0" cy="0"/>
         </a:xfrm>
       </p:grpSpPr>
-      <p:sp>
-        <p:nvSpPr>
-          <p:cNvPr id="4" name="TextBox 3"/>
+      <p:pic>
+        <p:nvPicPr>
+          <p:cNvPr id="4" name="Picture 3"/>
+          <p:cNvPicPr>
+            <a:picLocks noChangeAspect="1"/>
+          </p:cNvPicPr>
+          <p:nvPr/>
+        </p:nvPicPr>
+        <p:blipFill>
+          <a:blip r:embed="rId2"/>
+          <a:stretch>
+            <a:fillRect/>
+          </a:stretch>
+        </p:blipFill>
+        <p:spPr>
+          <a:xfrm>
+            <a:off x="430109" y="2229376"/>
+            <a:ext cx="7048997" cy="4060587"/>
+          </a:xfrm>
+          <a:prstGeom prst="rect">
+            <a:avLst/>
+          </a:prstGeom>
+        </p:spPr>
+      </p:pic>
+      <p:sp>
+        <p:nvSpPr>
+          <p:cNvPr id="3" name="TextBox 2"/>
           <p:cNvSpPr txBox="1"/>
           <p:nvPr/>
         </p:nvSpPr>
         <p:spPr>
           <a:xfrm>
-            <a:off x="548643" y="384803"/>
+            <a:off x="430110" y="497058"/>
             <a:ext cx="4697128" cy="523220"/>
           </a:xfrm>
           <a:prstGeom prst="rect">
@@ -6323,143 +6162,16 @@
           </a:p>
         </p:txBody>
       </p:sp>
-      <p:sp>
-        <p:nvSpPr>
-          <p:cNvPr id="5" name="TextBox 4"/>
-          <p:cNvSpPr txBox="1"/>
-          <p:nvPr/>
-        </p:nvSpPr>
-        <p:spPr>
-          <a:xfrm>
-            <a:off x="659027" y="1375719"/>
-            <a:ext cx="3328087" cy="3970318"/>
-          </a:xfrm>
-          <a:prstGeom prst="rect">
-            <a:avLst/>
-          </a:prstGeom>
-          <a:noFill/>
-        </p:spPr>
-        <p:txBody>
-          <a:bodyPr wrap="square" rtlCol="0">
-            <a:spAutoFit/>
-          </a:bodyPr>
-          <a:lstStyle/>
-          <a:p>
-            <a:pPr marL="342900" indent="-342900">
-              <a:buAutoNum type="arabicPeriod"/>
-            </a:pPr>
-            <a:r>
-              <a:rPr lang="en-US" altLang="ko-KR" dirty="0" smtClean="0">
-                <a:solidFill>
-                  <a:schemeClr val="accent2"/>
-                </a:solidFill>
-              </a:rPr>
-              <a:t>Singular Value Decomposition</a:t>
-            </a:r>
-          </a:p>
-          <a:p>
-            <a:pPr marL="342900" indent="-342900">
-              <a:buAutoNum type="arabicPeriod"/>
-            </a:pPr>
-            <a:endParaRPr lang="en-US" altLang="ko-KR" dirty="0" smtClean="0"/>
-          </a:p>
-          <a:p>
-            <a:pPr marL="342900" indent="-342900">
-              <a:buAutoNum type="arabicPeriod"/>
-            </a:pPr>
-            <a:endParaRPr lang="en-US" altLang="ko-KR" dirty="0"/>
-          </a:p>
-          <a:p>
-            <a:pPr marL="342900" indent="-342900">
-              <a:buAutoNum type="arabicPeriod"/>
-            </a:pPr>
-            <a:endParaRPr lang="en-US" altLang="ko-KR" dirty="0" smtClean="0"/>
-          </a:p>
-          <a:p>
-            <a:pPr marL="342900" indent="-342900">
-              <a:buAutoNum type="arabicPeriod"/>
-            </a:pPr>
-            <a:endParaRPr lang="en-US" altLang="ko-KR" dirty="0"/>
-          </a:p>
-          <a:p>
-            <a:pPr marL="342900" indent="-342900">
-              <a:buAutoNum type="arabicPeriod"/>
-            </a:pPr>
-            <a:endParaRPr lang="en-US" altLang="ko-KR" dirty="0" smtClean="0"/>
-          </a:p>
-          <a:p>
-            <a:pPr marL="342900" indent="-342900">
-              <a:buAutoNum type="arabicPeriod"/>
-            </a:pPr>
-            <a:endParaRPr lang="en-US" altLang="ko-KR" dirty="0"/>
-          </a:p>
-          <a:p>
-            <a:endParaRPr lang="en-US" altLang="ko-KR" dirty="0" smtClean="0"/>
-          </a:p>
-          <a:p>
-            <a:pPr marL="342900" indent="-342900">
-              <a:buAutoNum type="arabicPeriod"/>
-            </a:pPr>
-            <a:endParaRPr lang="en-US" altLang="ko-KR" dirty="0"/>
-          </a:p>
-          <a:p>
-            <a:endParaRPr lang="en-US" altLang="ko-KR" dirty="0"/>
-          </a:p>
-          <a:p>
-            <a:r>
-              <a:rPr lang="en-US" altLang="ko-KR" dirty="0" smtClean="0">
-                <a:solidFill>
-                  <a:schemeClr val="accent2"/>
-                </a:solidFill>
-              </a:rPr>
-              <a:t>2. User – Effects</a:t>
-            </a:r>
-          </a:p>
-          <a:p>
-            <a:r>
-              <a:rPr lang="en-US" altLang="ko-KR" dirty="0">
-                <a:solidFill>
-                  <a:schemeClr val="accent2"/>
-                </a:solidFill>
-              </a:rPr>
-              <a:t> </a:t>
-            </a:r>
-            <a:r>
-              <a:rPr lang="en-US" altLang="ko-KR" dirty="0" smtClean="0">
-                <a:solidFill>
-                  <a:schemeClr val="accent2"/>
-                </a:solidFill>
-              </a:rPr>
-              <a:t>  Global – Effects</a:t>
-            </a:r>
-          </a:p>
-          <a:p>
-            <a:r>
-              <a:rPr lang="en-US" altLang="ko-KR" dirty="0" smtClean="0">
-                <a:solidFill>
-                  <a:schemeClr val="accent2"/>
-                </a:solidFill>
-              </a:rPr>
-              <a:t>   Movie - Effects</a:t>
-            </a:r>
-            <a:endParaRPr lang="ko-KR" altLang="en-US" dirty="0">
-              <a:solidFill>
-                <a:schemeClr val="accent2"/>
-              </a:solidFill>
-            </a:endParaRPr>
-          </a:p>
-        </p:txBody>
-      </p:sp>
       <p:cxnSp>
         <p:nvCxnSpPr>
-          <p:cNvPr id="7" name="Straight Arrow Connector 6"/>
+          <p:cNvPr id="5" name="Straight Arrow Connector 4"/>
           <p:cNvCxnSpPr/>
           <p:nvPr/>
         </p:nvCxnSpPr>
         <p:spPr>
-          <a:xfrm>
-            <a:off x="3048000" y="1762897"/>
-            <a:ext cx="3591697" cy="8238"/>
+          <a:xfrm flipH="1">
+            <a:off x="1325225" y="1199642"/>
+            <a:ext cx="869950" cy="850371"/>
           </a:xfrm>
           <a:prstGeom prst="straightConnector1">
             <a:avLst/>
@@ -6485,56 +6197,86 @@
       </p:cxnSp>
       <p:sp>
         <p:nvSpPr>
-          <p:cNvPr id="8" name="TextBox 7"/>
-          <p:cNvSpPr txBox="1"/>
-          <p:nvPr/>
-        </p:nvSpPr>
-        <p:spPr>
-          <a:xfrm>
-            <a:off x="7455243" y="1586469"/>
-            <a:ext cx="3674076" cy="369332"/>
+          <p:cNvPr id="6" name="Rectangle 5"/>
+          <p:cNvSpPr/>
+          <p:nvPr/>
+        </p:nvSpPr>
+        <p:spPr>
+          <a:xfrm>
+            <a:off x="8878455" y="580830"/>
+            <a:ext cx="2641600" cy="618812"/>
           </a:xfrm>
           <a:prstGeom prst="rect">
             <a:avLst/>
           </a:prstGeom>
-          <a:noFill/>
-        </p:spPr>
-        <p:txBody>
-          <a:bodyPr wrap="square" rtlCol="0">
-            <a:spAutoFit/>
-          </a:bodyPr>
-          <a:lstStyle/>
-          <a:p>
-            <a:r>
-              <a:rPr lang="ko-KR" altLang="en-US" dirty="0" smtClean="0"/>
-              <a:t>전체적인 </a:t>
-            </a:r>
-            <a:r>
-              <a:rPr lang="en-US" altLang="ko-KR" dirty="0" smtClean="0"/>
-              <a:t>Dataset </a:t>
-            </a:r>
-            <a:r>
-              <a:rPr lang="ko-KR" altLang="en-US" dirty="0" smtClean="0"/>
-              <a:t>를 통째로 비교</a:t>
-            </a:r>
-            <a:r>
-              <a:rPr lang="en-US" altLang="ko-KR" dirty="0" smtClean="0"/>
-              <a:t>. </a:t>
-            </a:r>
-            <a:endParaRPr lang="ko-KR" altLang="en-US" dirty="0"/>
+        </p:spPr>
+        <p:style>
+          <a:lnRef idx="2">
+            <a:schemeClr val="accent1">
+              <a:shade val="50000"/>
+            </a:schemeClr>
+          </a:lnRef>
+          <a:fillRef idx="1">
+            <a:schemeClr val="accent1"/>
+          </a:fillRef>
+          <a:effectRef idx="0">
+            <a:schemeClr val="accent1"/>
+          </a:effectRef>
+          <a:fontRef idx="minor">
+            <a:schemeClr val="lt1"/>
+          </a:fontRef>
+        </p:style>
+        <p:txBody>
+          <a:bodyPr rtlCol="0" anchor="ctr"/>
+          <a:lstStyle/>
+          <a:p>
+            <a:pPr algn="ctr"/>
+            <a:r>
+              <a:rPr lang="ko-KR" altLang="en-US" sz="1200" dirty="0" smtClean="0"/>
+              <a:t>데이터 수집 </a:t>
+            </a:r>
+            <a:r>
+              <a:rPr lang="en-US" altLang="ko-KR" sz="1200" dirty="0" smtClean="0"/>
+              <a:t>(</a:t>
+            </a:r>
+            <a:r>
+              <a:rPr lang="ko-KR" altLang="en-US" sz="1200" dirty="0" smtClean="0"/>
+              <a:t>영화 </a:t>
+            </a:r>
+            <a:r>
+              <a:rPr lang="en-US" altLang="ko-KR" sz="1200" dirty="0" smtClean="0"/>
+              <a:t>x </a:t>
+            </a:r>
+            <a:r>
+              <a:rPr lang="ko-KR" altLang="en-US" sz="1200" dirty="0" smtClean="0"/>
+              <a:t>유저 </a:t>
+            </a:r>
+            <a:r>
+              <a:rPr lang="en-US" altLang="ko-KR" sz="1200" dirty="0" smtClean="0"/>
+              <a:t>y </a:t>
+            </a:r>
+            <a:r>
+              <a:rPr lang="ko-KR" altLang="en-US" sz="1200" dirty="0" smtClean="0"/>
+              <a:t>를 평가</a:t>
+            </a:r>
+            <a:r>
+              <a:rPr lang="en-US" altLang="ko-KR" sz="1200" dirty="0" smtClean="0"/>
+              <a:t>)</a:t>
+            </a:r>
+            <a:endParaRPr lang="ko-KR" altLang="en-US" sz="1200" dirty="0"/>
           </a:p>
         </p:txBody>
       </p:sp>
       <p:cxnSp>
         <p:nvCxnSpPr>
-          <p:cNvPr id="9" name="Straight Arrow Connector 8"/>
+          <p:cNvPr id="7" name="Straight Arrow Connector 6"/>
           <p:cNvCxnSpPr/>
           <p:nvPr/>
         </p:nvCxnSpPr>
         <p:spPr>
           <a:xfrm>
-            <a:off x="3047999" y="5062151"/>
-            <a:ext cx="3591697" cy="8238"/>
+            <a:off x="10258521" y="1199642"/>
+            <a:ext cx="0" cy="677333"/>
           </a:xfrm>
           <a:prstGeom prst="straightConnector1">
             <a:avLst/>
@@ -6560,14 +6302,296 @@
       </p:cxnSp>
       <p:sp>
         <p:nvSpPr>
-          <p:cNvPr id="10" name="TextBox 9"/>
+          <p:cNvPr id="8" name="Rectangle 7"/>
+          <p:cNvSpPr/>
+          <p:nvPr/>
+        </p:nvSpPr>
+        <p:spPr>
+          <a:xfrm>
+            <a:off x="8565188" y="1953345"/>
+            <a:ext cx="3403600" cy="1024467"/>
+          </a:xfrm>
+          <a:prstGeom prst="rect">
+            <a:avLst/>
+          </a:prstGeom>
+          <a:solidFill>
+            <a:schemeClr val="accent2"/>
+          </a:solidFill>
+        </p:spPr>
+        <p:style>
+          <a:lnRef idx="2">
+            <a:schemeClr val="accent1">
+              <a:shade val="50000"/>
+            </a:schemeClr>
+          </a:lnRef>
+          <a:fillRef idx="1">
+            <a:schemeClr val="accent1"/>
+          </a:fillRef>
+          <a:effectRef idx="0">
+            <a:schemeClr val="accent1"/>
+          </a:effectRef>
+          <a:fontRef idx="minor">
+            <a:schemeClr val="lt1"/>
+          </a:fontRef>
+        </p:style>
+        <p:txBody>
+          <a:bodyPr rtlCol="0" anchor="ctr"/>
+          <a:lstStyle/>
+          <a:p>
+            <a:pPr algn="ctr"/>
+            <a:r>
+              <a:rPr lang="en-US" altLang="ko-KR" sz="1400" dirty="0" smtClean="0"/>
+              <a:t>Offset </a:t>
+            </a:r>
+            <a:r>
+              <a:rPr lang="ko-KR" altLang="en-US" sz="1400" dirty="0" smtClean="0"/>
+              <a:t>평가 </a:t>
+            </a:r>
+            <a:r>
+              <a:rPr lang="en-US" altLang="ko-KR" sz="1400" dirty="0" smtClean="0"/>
+              <a:t>: (</a:t>
+            </a:r>
+            <a:r>
+              <a:rPr lang="ko-KR" altLang="en-US" sz="1400" dirty="0" smtClean="0"/>
+              <a:t>영화의 평균 평점과 해당 유저의 평균 평점의 차</a:t>
+            </a:r>
+            <a:r>
+              <a:rPr lang="en-US" altLang="ko-KR" sz="1400" dirty="0" smtClean="0"/>
+              <a:t>)</a:t>
+            </a:r>
+            <a:endParaRPr lang="ko-KR" altLang="en-US" sz="1400" dirty="0"/>
+          </a:p>
+        </p:txBody>
+      </p:sp>
+      <p:cxnSp>
+        <p:nvCxnSpPr>
+          <p:cNvPr id="9" name="Straight Arrow Connector 8"/>
+          <p:cNvCxnSpPr>
+            <a:stCxn id="8" idx="2"/>
+          </p:cNvCxnSpPr>
+          <p:nvPr/>
+        </p:nvCxnSpPr>
+        <p:spPr>
+          <a:xfrm>
+            <a:off x="10266988" y="2977812"/>
+            <a:ext cx="0" cy="609430"/>
+          </a:xfrm>
+          <a:prstGeom prst="straightConnector1">
+            <a:avLst/>
+          </a:prstGeom>
+          <a:ln>
+            <a:tailEnd type="triangle"/>
+          </a:ln>
+        </p:spPr>
+        <p:style>
+          <a:lnRef idx="1">
+            <a:schemeClr val="accent1"/>
+          </a:lnRef>
+          <a:fillRef idx="0">
+            <a:schemeClr val="accent1"/>
+          </a:fillRef>
+          <a:effectRef idx="0">
+            <a:schemeClr val="accent1"/>
+          </a:effectRef>
+          <a:fontRef idx="minor">
+            <a:schemeClr val="tx1"/>
+          </a:fontRef>
+        </p:style>
+      </p:cxnSp>
+      <p:sp>
+        <p:nvSpPr>
+          <p:cNvPr id="10" name="Rectangle 9"/>
+          <p:cNvSpPr/>
+          <p:nvPr/>
+        </p:nvSpPr>
+        <p:spPr>
+          <a:xfrm>
+            <a:off x="8459354" y="3731515"/>
+            <a:ext cx="3615267" cy="939800"/>
+          </a:xfrm>
+          <a:prstGeom prst="rect">
+            <a:avLst/>
+          </a:prstGeom>
+        </p:spPr>
+        <p:style>
+          <a:lnRef idx="2">
+            <a:schemeClr val="accent1">
+              <a:shade val="50000"/>
+            </a:schemeClr>
+          </a:lnRef>
+          <a:fillRef idx="1">
+            <a:schemeClr val="accent1"/>
+          </a:fillRef>
+          <a:effectRef idx="0">
+            <a:schemeClr val="accent1"/>
+          </a:effectRef>
+          <a:fontRef idx="minor">
+            <a:schemeClr val="lt1"/>
+          </a:fontRef>
+        </p:style>
+        <p:txBody>
+          <a:bodyPr rtlCol="0" anchor="ctr"/>
+          <a:lstStyle/>
+          <a:p>
+            <a:pPr algn="ctr"/>
+            <a:r>
+              <a:rPr lang="en-US" altLang="ko-KR" dirty="0" smtClean="0"/>
+              <a:t>Training Algorithm </a:t>
+            </a:r>
+            <a:r>
+              <a:rPr lang="ko-KR" altLang="en-US" dirty="0" smtClean="0"/>
+              <a:t>에 대입</a:t>
+            </a:r>
+            <a:endParaRPr lang="ko-KR" altLang="en-US" dirty="0"/>
+          </a:p>
+        </p:txBody>
+      </p:sp>
+      <p:cxnSp>
+        <p:nvCxnSpPr>
+          <p:cNvPr id="11" name="Straight Arrow Connector 10"/>
+          <p:cNvCxnSpPr>
+            <a:stCxn id="10" idx="2"/>
+          </p:cNvCxnSpPr>
+          <p:nvPr/>
+        </p:nvCxnSpPr>
+        <p:spPr>
+          <a:xfrm flipH="1">
+            <a:off x="10258521" y="4671315"/>
+            <a:ext cx="8467" cy="473793"/>
+          </a:xfrm>
+          <a:prstGeom prst="straightConnector1">
+            <a:avLst/>
+          </a:prstGeom>
+          <a:ln>
+            <a:tailEnd type="triangle"/>
+          </a:ln>
+        </p:spPr>
+        <p:style>
+          <a:lnRef idx="1">
+            <a:schemeClr val="accent1"/>
+          </a:lnRef>
+          <a:fillRef idx="0">
+            <a:schemeClr val="accent1"/>
+          </a:fillRef>
+          <a:effectRef idx="0">
+            <a:schemeClr val="accent1"/>
+          </a:effectRef>
+          <a:fontRef idx="minor">
+            <a:schemeClr val="tx1"/>
+          </a:fontRef>
+        </p:style>
+      </p:cxnSp>
+      <p:sp>
+        <p:nvSpPr>
+          <p:cNvPr id="12" name="Rectangle 11"/>
+          <p:cNvSpPr/>
+          <p:nvPr/>
+        </p:nvSpPr>
+        <p:spPr>
+          <a:xfrm>
+            <a:off x="8230753" y="5212842"/>
+            <a:ext cx="4072467" cy="1100666"/>
+          </a:xfrm>
+          <a:prstGeom prst="rect">
+            <a:avLst/>
+          </a:prstGeom>
+          <a:solidFill>
+            <a:schemeClr val="accent2"/>
+          </a:solidFill>
+        </p:spPr>
+        <p:style>
+          <a:lnRef idx="2">
+            <a:schemeClr val="accent1">
+              <a:shade val="50000"/>
+            </a:schemeClr>
+          </a:lnRef>
+          <a:fillRef idx="1">
+            <a:schemeClr val="accent1"/>
+          </a:fillRef>
+          <a:effectRef idx="0">
+            <a:schemeClr val="accent1"/>
+          </a:effectRef>
+          <a:fontRef idx="minor">
+            <a:schemeClr val="lt1"/>
+          </a:fontRef>
+        </p:style>
+        <p:txBody>
+          <a:bodyPr rtlCol="0" anchor="ctr"/>
+          <a:lstStyle/>
+          <a:p>
+            <a:pPr algn="ctr"/>
+            <a:r>
+              <a:rPr lang="ko-KR" altLang="en-US" dirty="0" smtClean="0"/>
+              <a:t>영화에 해당하는 </a:t>
+            </a:r>
+            <a:r>
+              <a:rPr lang="en-US" altLang="ko-KR" dirty="0" smtClean="0"/>
+              <a:t>Feature, </a:t>
+            </a:r>
+            <a:r>
+              <a:rPr lang="ko-KR" altLang="en-US" dirty="0" smtClean="0"/>
+              <a:t>유저에 해당하는 </a:t>
+            </a:r>
+            <a:r>
+              <a:rPr lang="en-US" altLang="ko-KR" dirty="0" smtClean="0"/>
+              <a:t>Feature </a:t>
+            </a:r>
+            <a:r>
+              <a:rPr lang="ko-KR" altLang="en-US" dirty="0" smtClean="0"/>
+              <a:t>값 갱신</a:t>
+            </a:r>
+            <a:endParaRPr lang="ko-KR" altLang="en-US" dirty="0"/>
+          </a:p>
+        </p:txBody>
+      </p:sp>
+      <p:cxnSp>
+        <p:nvCxnSpPr>
+          <p:cNvPr id="13" name="Curved Connector 12"/>
+          <p:cNvCxnSpPr>
+            <a:stCxn id="12" idx="1"/>
+          </p:cNvCxnSpPr>
+          <p:nvPr/>
+        </p:nvCxnSpPr>
+        <p:spPr>
+          <a:xfrm rot="10800000" flipH="1">
+            <a:off x="8230753" y="900631"/>
+            <a:ext cx="575736" cy="4862544"/>
+          </a:xfrm>
+          <a:prstGeom prst="curvedConnector4">
+            <a:avLst>
+              <a:gd name="adj1" fmla="val -39706"/>
+              <a:gd name="adj2" fmla="val 105109"/>
+            </a:avLst>
+          </a:prstGeom>
+          <a:ln>
+            <a:tailEnd type="triangle"/>
+          </a:ln>
+        </p:spPr>
+        <p:style>
+          <a:lnRef idx="1">
+            <a:schemeClr val="accent1"/>
+          </a:lnRef>
+          <a:fillRef idx="0">
+            <a:schemeClr val="accent1"/>
+          </a:fillRef>
+          <a:effectRef idx="0">
+            <a:schemeClr val="accent1"/>
+          </a:effectRef>
+          <a:fontRef idx="minor">
+            <a:schemeClr val="tx1"/>
+          </a:fontRef>
+        </p:style>
+      </p:cxnSp>
+      <p:sp>
+        <p:nvSpPr>
+          <p:cNvPr id="14" name="TextBox 13"/>
           <p:cNvSpPr txBox="1"/>
           <p:nvPr/>
         </p:nvSpPr>
         <p:spPr>
           <a:xfrm>
-            <a:off x="7455243" y="4699706"/>
-            <a:ext cx="3937686" cy="646331"/>
+            <a:off x="8158786" y="3144027"/>
+            <a:ext cx="589490" cy="276999"/>
           </a:xfrm>
           <a:prstGeom prst="rect">
             <a:avLst/>
@@ -6581,36 +6605,25 @@
           <a:lstStyle/>
           <a:p>
             <a:r>
-              <a:rPr lang="en-US" altLang="ko-KR" dirty="0" smtClean="0"/>
-              <a:t>User, Movie, Global Effect </a:t>
-            </a:r>
-            <a:r>
-              <a:rPr lang="ko-KR" altLang="en-US" dirty="0" smtClean="0"/>
-              <a:t>별로</a:t>
-            </a:r>
-            <a:endParaRPr lang="en-US" altLang="ko-KR" dirty="0" smtClean="0"/>
-          </a:p>
-          <a:p>
-            <a:r>
-              <a:rPr lang="ko-KR" altLang="en-US" dirty="0" smtClean="0"/>
-              <a:t>분석</a:t>
-            </a:r>
-            <a:r>
-              <a:rPr lang="en-US" altLang="ko-KR" dirty="0" smtClean="0"/>
-              <a:t>, </a:t>
-            </a:r>
-            <a:r>
-              <a:rPr lang="ko-KR" altLang="en-US" dirty="0" smtClean="0"/>
-              <a:t>비중을 부여</a:t>
-            </a:r>
-            <a:endParaRPr lang="ko-KR" altLang="en-US" dirty="0"/>
+              <a:rPr lang="en-US" altLang="ko-KR" sz="1200" dirty="0" smtClean="0">
+                <a:solidFill>
+                  <a:srgbClr val="FF0000"/>
+                </a:solidFill>
+              </a:rPr>
+              <a:t>loop</a:t>
+            </a:r>
+            <a:endParaRPr lang="ko-KR" altLang="en-US" sz="1200" dirty="0">
+              <a:solidFill>
+                <a:srgbClr val="FF0000"/>
+              </a:solidFill>
+            </a:endParaRPr>
           </a:p>
         </p:txBody>
       </p:sp>
     </p:spTree>
     <p:extLst>
       <p:ext uri="{BB962C8B-B14F-4D97-AF65-F5344CB8AC3E}">
-        <p14:creationId xmlns:p14="http://schemas.microsoft.com/office/powerpoint/2010/main" val="4207512812"/>
+        <p14:creationId xmlns:p14="http://schemas.microsoft.com/office/powerpoint/2010/main" val="2039171467"/>
       </p:ext>
     </p:extLst>
   </p:cSld>
@@ -6677,1992 +6690,6 @@
       </p:sp>
       <p:sp>
         <p:nvSpPr>
-          <p:cNvPr id="2" name="TextBox 1"/>
-          <p:cNvSpPr txBox="1"/>
-          <p:nvPr/>
-        </p:nvSpPr>
-        <p:spPr>
-          <a:xfrm>
-            <a:off x="741405" y="1318054"/>
-            <a:ext cx="3591698" cy="369332"/>
-          </a:xfrm>
-          <a:prstGeom prst="rect">
-            <a:avLst/>
-          </a:prstGeom>
-          <a:noFill/>
-        </p:spPr>
-        <p:txBody>
-          <a:bodyPr wrap="square" rtlCol="0">
-            <a:spAutoFit/>
-          </a:bodyPr>
-          <a:lstStyle/>
-          <a:p>
-            <a:r>
-              <a:rPr lang="en-US" altLang="ko-KR" dirty="0" smtClean="0"/>
-              <a:t>Singular Value Decomposition </a:t>
-            </a:r>
-            <a:endParaRPr lang="ko-KR" altLang="en-US" dirty="0"/>
-          </a:p>
-        </p:txBody>
-      </p:sp>
-      <p:sp>
-        <p:nvSpPr>
-          <p:cNvPr id="3" name="TextBox 2"/>
-          <p:cNvSpPr txBox="1"/>
-          <p:nvPr/>
-        </p:nvSpPr>
-        <p:spPr>
-          <a:xfrm>
-            <a:off x="963827" y="2504303"/>
-            <a:ext cx="3097427" cy="1477328"/>
-          </a:xfrm>
-          <a:prstGeom prst="rect">
-            <a:avLst/>
-          </a:prstGeom>
-          <a:noFill/>
-        </p:spPr>
-        <p:txBody>
-          <a:bodyPr wrap="square" rtlCol="0">
-            <a:spAutoFit/>
-          </a:bodyPr>
-          <a:lstStyle/>
-          <a:p>
-            <a:r>
-              <a:rPr lang="ko-KR" altLang="en-US" dirty="0" smtClean="0"/>
-              <a:t>기본 개념</a:t>
-            </a:r>
-            <a:r>
-              <a:rPr lang="en-US" altLang="ko-KR" dirty="0" smtClean="0"/>
-              <a:t>:</a:t>
-            </a:r>
-          </a:p>
-          <a:p>
-            <a:endParaRPr lang="en-US" altLang="ko-KR" dirty="0"/>
-          </a:p>
-          <a:p>
-            <a:r>
-              <a:rPr lang="ko-KR" altLang="en-US" dirty="0" smtClean="0"/>
-              <a:t>한개의 큰 매트릭스 </a:t>
-            </a:r>
-            <a:r>
-              <a:rPr lang="en-US" altLang="ko-KR" dirty="0" smtClean="0"/>
-              <a:t>2</a:t>
-            </a:r>
-            <a:r>
-              <a:rPr lang="ko-KR" altLang="en-US" dirty="0" smtClean="0"/>
-              <a:t>개의 </a:t>
-            </a:r>
-            <a:endParaRPr lang="en-US" altLang="ko-KR" dirty="0" smtClean="0"/>
-          </a:p>
-          <a:p>
-            <a:r>
-              <a:rPr lang="ko-KR" altLang="en-US" dirty="0" smtClean="0"/>
-              <a:t>작은 매트릭스로 나누는 </a:t>
-            </a:r>
-            <a:endParaRPr lang="en-US" altLang="ko-KR" dirty="0" smtClean="0"/>
-          </a:p>
-          <a:p>
-            <a:r>
-              <a:rPr lang="en-US" altLang="ko-KR" dirty="0" smtClean="0"/>
-              <a:t>Factorization </a:t>
-            </a:r>
-            <a:r>
-              <a:rPr lang="ko-KR" altLang="en-US" dirty="0" smtClean="0"/>
-              <a:t>방법</a:t>
-            </a:r>
-            <a:r>
-              <a:rPr lang="en-US" altLang="ko-KR" dirty="0" smtClean="0"/>
-              <a:t>.</a:t>
-            </a:r>
-            <a:endParaRPr lang="ko-KR" altLang="en-US" dirty="0"/>
-          </a:p>
-        </p:txBody>
-      </p:sp>
-      <p:sp>
-        <p:nvSpPr>
-          <p:cNvPr id="6" name="Rectangle 5"/>
-          <p:cNvSpPr/>
-          <p:nvPr/>
-        </p:nvSpPr>
-        <p:spPr>
-          <a:xfrm>
-            <a:off x="5754129" y="1153298"/>
-            <a:ext cx="5025081" cy="1351005"/>
-          </a:xfrm>
-          <a:prstGeom prst="rect">
-            <a:avLst/>
-          </a:prstGeom>
-        </p:spPr>
-        <p:style>
-          <a:lnRef idx="2">
-            <a:schemeClr val="accent1">
-              <a:shade val="50000"/>
-            </a:schemeClr>
-          </a:lnRef>
-          <a:fillRef idx="1">
-            <a:schemeClr val="accent1"/>
-          </a:fillRef>
-          <a:effectRef idx="0">
-            <a:schemeClr val="accent1"/>
-          </a:effectRef>
-          <a:fontRef idx="minor">
-            <a:schemeClr val="lt1"/>
-          </a:fontRef>
-        </p:style>
-        <p:txBody>
-          <a:bodyPr rtlCol="0" anchor="ctr"/>
-          <a:lstStyle/>
-          <a:p>
-            <a:pPr algn="ctr"/>
-            <a:r>
-              <a:rPr lang="en-US" altLang="ko-KR" dirty="0" smtClean="0"/>
-              <a:t>Matrix A</a:t>
-            </a:r>
-            <a:endParaRPr lang="ko-KR" altLang="en-US" dirty="0"/>
-          </a:p>
-        </p:txBody>
-      </p:sp>
-      <p:sp>
-        <p:nvSpPr>
-          <p:cNvPr id="7" name="Rounded Rectangle 6"/>
-          <p:cNvSpPr/>
-          <p:nvPr/>
-        </p:nvSpPr>
-        <p:spPr>
-          <a:xfrm>
-            <a:off x="4518453" y="3443416"/>
-            <a:ext cx="2471351" cy="1334530"/>
-          </a:xfrm>
-          <a:prstGeom prst="roundRect">
-            <a:avLst/>
-          </a:prstGeom>
-          <a:solidFill>
-            <a:schemeClr val="accent6">
-              <a:lumMod val="60000"/>
-              <a:lumOff val="40000"/>
-            </a:schemeClr>
-          </a:solidFill>
-        </p:spPr>
-        <p:style>
-          <a:lnRef idx="2">
-            <a:schemeClr val="accent1">
-              <a:shade val="50000"/>
-            </a:schemeClr>
-          </a:lnRef>
-          <a:fillRef idx="1">
-            <a:schemeClr val="accent1"/>
-          </a:fillRef>
-          <a:effectRef idx="0">
-            <a:schemeClr val="accent1"/>
-          </a:effectRef>
-          <a:fontRef idx="minor">
-            <a:schemeClr val="lt1"/>
-          </a:fontRef>
-        </p:style>
-        <p:txBody>
-          <a:bodyPr rtlCol="0" anchor="ctr"/>
-          <a:lstStyle/>
-          <a:p>
-            <a:pPr algn="ctr"/>
-            <a:r>
-              <a:rPr lang="en-US" altLang="ko-KR" dirty="0" smtClean="0"/>
-              <a:t>Matrix X</a:t>
-            </a:r>
-            <a:endParaRPr lang="ko-KR" altLang="en-US" dirty="0"/>
-          </a:p>
-        </p:txBody>
-      </p:sp>
-      <p:sp>
-        <p:nvSpPr>
-          <p:cNvPr id="8" name="Rounded Rectangle 7"/>
-          <p:cNvSpPr/>
-          <p:nvPr/>
-        </p:nvSpPr>
-        <p:spPr>
-          <a:xfrm>
-            <a:off x="9543534" y="3443416"/>
-            <a:ext cx="2471351" cy="1334530"/>
-          </a:xfrm>
-          <a:prstGeom prst="roundRect">
-            <a:avLst/>
-          </a:prstGeom>
-          <a:solidFill>
-            <a:schemeClr val="accent6">
-              <a:lumMod val="60000"/>
-              <a:lumOff val="40000"/>
-            </a:schemeClr>
-          </a:solidFill>
-        </p:spPr>
-        <p:style>
-          <a:lnRef idx="2">
-            <a:schemeClr val="accent1">
-              <a:shade val="50000"/>
-            </a:schemeClr>
-          </a:lnRef>
-          <a:fillRef idx="1">
-            <a:schemeClr val="accent1"/>
-          </a:fillRef>
-          <a:effectRef idx="0">
-            <a:schemeClr val="accent1"/>
-          </a:effectRef>
-          <a:fontRef idx="minor">
-            <a:schemeClr val="lt1"/>
-          </a:fontRef>
-        </p:style>
-        <p:txBody>
-          <a:bodyPr rtlCol="0" anchor="ctr"/>
-          <a:lstStyle/>
-          <a:p>
-            <a:pPr algn="ctr"/>
-            <a:r>
-              <a:rPr lang="en-US" altLang="ko-KR" dirty="0" smtClean="0"/>
-              <a:t>Matrix Y</a:t>
-            </a:r>
-            <a:endParaRPr lang="ko-KR" altLang="en-US" dirty="0"/>
-          </a:p>
-        </p:txBody>
-      </p:sp>
-      <p:cxnSp>
-        <p:nvCxnSpPr>
-          <p:cNvPr id="10" name="Straight Arrow Connector 9"/>
-          <p:cNvCxnSpPr/>
-          <p:nvPr/>
-        </p:nvCxnSpPr>
-        <p:spPr>
-          <a:xfrm flipH="1">
-            <a:off x="5931242" y="2486897"/>
-            <a:ext cx="2335427" cy="856735"/>
-          </a:xfrm>
-          <a:prstGeom prst="straightConnector1">
-            <a:avLst/>
-          </a:prstGeom>
-          <a:ln>
-            <a:solidFill>
-              <a:schemeClr val="tx1">
-                <a:lumMod val="85000"/>
-                <a:lumOff val="15000"/>
-              </a:schemeClr>
-            </a:solidFill>
-            <a:tailEnd type="triangle"/>
-          </a:ln>
-        </p:spPr>
-        <p:style>
-          <a:lnRef idx="1">
-            <a:schemeClr val="accent1"/>
-          </a:lnRef>
-          <a:fillRef idx="0">
-            <a:schemeClr val="accent1"/>
-          </a:fillRef>
-          <a:effectRef idx="0">
-            <a:schemeClr val="accent1"/>
-          </a:effectRef>
-          <a:fontRef idx="minor">
-            <a:schemeClr val="tx1"/>
-          </a:fontRef>
-        </p:style>
-      </p:cxnSp>
-      <p:cxnSp>
-        <p:nvCxnSpPr>
-          <p:cNvPr id="12" name="Straight Arrow Connector 11"/>
-          <p:cNvCxnSpPr/>
-          <p:nvPr/>
-        </p:nvCxnSpPr>
-        <p:spPr>
-          <a:xfrm>
-            <a:off x="8202597" y="2486897"/>
-            <a:ext cx="2512541" cy="897924"/>
-          </a:xfrm>
-          <a:prstGeom prst="straightConnector1">
-            <a:avLst/>
-          </a:prstGeom>
-          <a:ln>
-            <a:solidFill>
-              <a:schemeClr val="tx1"/>
-            </a:solidFill>
-            <a:tailEnd type="triangle"/>
-          </a:ln>
-        </p:spPr>
-        <p:style>
-          <a:lnRef idx="1">
-            <a:schemeClr val="accent1"/>
-          </a:lnRef>
-          <a:fillRef idx="0">
-            <a:schemeClr val="accent1"/>
-          </a:fillRef>
-          <a:effectRef idx="0">
-            <a:schemeClr val="accent1"/>
-          </a:effectRef>
-          <a:fontRef idx="minor">
-            <a:schemeClr val="tx1"/>
-          </a:fontRef>
-        </p:style>
-      </p:cxnSp>
-      <p:sp>
-        <p:nvSpPr>
-          <p:cNvPr id="13" name="TextBox 12"/>
-          <p:cNvSpPr txBox="1"/>
-          <p:nvPr/>
-        </p:nvSpPr>
-        <p:spPr>
-          <a:xfrm>
-            <a:off x="6549082" y="5039696"/>
-            <a:ext cx="4679091" cy="369332"/>
-          </a:xfrm>
-          <a:prstGeom prst="rect">
-            <a:avLst/>
-          </a:prstGeom>
-          <a:noFill/>
-        </p:spPr>
-        <p:txBody>
-          <a:bodyPr wrap="square" rtlCol="0">
-            <a:spAutoFit/>
-          </a:bodyPr>
-          <a:lstStyle/>
-          <a:p>
-            <a:r>
-              <a:rPr lang="en-US" altLang="ko-KR" dirty="0" smtClean="0"/>
-              <a:t>Matrix A = Matrix X * Matrix Y </a:t>
-            </a:r>
-            <a:r>
-              <a:rPr lang="en-US" altLang="ko-KR" baseline="30000" dirty="0"/>
-              <a:t>T</a:t>
-            </a:r>
-            <a:endParaRPr lang="ko-KR" altLang="en-US" dirty="0"/>
-          </a:p>
-        </p:txBody>
-      </p:sp>
-    </p:spTree>
-    <p:extLst>
-      <p:ext uri="{BB962C8B-B14F-4D97-AF65-F5344CB8AC3E}">
-        <p14:creationId xmlns:p14="http://schemas.microsoft.com/office/powerpoint/2010/main" val="3393081963"/>
-      </p:ext>
-    </p:extLst>
-  </p:cSld>
-  <p:clrMapOvr>
-    <a:masterClrMapping/>
-  </p:clrMapOvr>
-</p:sld>
-</file>
-
-<file path=ppt/slides/slide18.xml><?xml version="1.0" encoding="utf-8"?>
-<p:sld xmlns:a="http://schemas.openxmlformats.org/drawingml/2006/main" xmlns:r="http://schemas.openxmlformats.org/officeDocument/2006/relationships" xmlns:p="http://schemas.openxmlformats.org/presentationml/2006/main">
-  <p:cSld>
-    <p:spTree>
-      <p:nvGrpSpPr>
-        <p:cNvPr id="1" name=""/>
-        <p:cNvGrpSpPr/>
-        <p:nvPr/>
-      </p:nvGrpSpPr>
-      <p:grpSpPr>
-        <a:xfrm>
-          <a:off x="0" y="0"/>
-          <a:ext cx="0" cy="0"/>
-          <a:chOff x="0" y="0"/>
-          <a:chExt cx="0" cy="0"/>
-        </a:xfrm>
-      </p:grpSpPr>
-      <p:sp>
-        <p:nvSpPr>
-          <p:cNvPr id="4" name="TextBox 3"/>
-          <p:cNvSpPr txBox="1"/>
-          <p:nvPr/>
-        </p:nvSpPr>
-        <p:spPr>
-          <a:xfrm>
-            <a:off x="548643" y="384803"/>
-            <a:ext cx="4697128" cy="523220"/>
-          </a:xfrm>
-          <a:prstGeom prst="rect">
-            <a:avLst/>
-          </a:prstGeom>
-          <a:noFill/>
-        </p:spPr>
-        <p:txBody>
-          <a:bodyPr wrap="square" rtlCol="0">
-            <a:spAutoFit/>
-          </a:bodyPr>
-          <a:lstStyle/>
-          <a:p>
-            <a:r>
-              <a:rPr lang="en-US" altLang="ko-KR" sz="2800" dirty="0"/>
-              <a:t>3</a:t>
-            </a:r>
-            <a:r>
-              <a:rPr lang="en-US" altLang="ko-KR" sz="2800" dirty="0" smtClean="0"/>
-              <a:t>) </a:t>
-            </a:r>
-            <a:r>
-              <a:rPr lang="ko-KR" altLang="en-US" sz="2800" dirty="0" smtClean="0"/>
-              <a:t>데이터 분석</a:t>
-            </a:r>
-            <a:endParaRPr lang="ko-KR" altLang="en-US" sz="2800" dirty="0"/>
-          </a:p>
-        </p:txBody>
-      </p:sp>
-      <p:sp>
-        <p:nvSpPr>
-          <p:cNvPr id="11" name="TextBox 10"/>
-          <p:cNvSpPr txBox="1"/>
-          <p:nvPr/>
-        </p:nvSpPr>
-        <p:spPr>
-          <a:xfrm>
-            <a:off x="548643" y="1148892"/>
-            <a:ext cx="3303690" cy="369332"/>
-          </a:xfrm>
-          <a:prstGeom prst="rect">
-            <a:avLst/>
-          </a:prstGeom>
-          <a:noFill/>
-        </p:spPr>
-        <p:txBody>
-          <a:bodyPr wrap="square" rtlCol="0">
-            <a:spAutoFit/>
-          </a:bodyPr>
-          <a:lstStyle/>
-          <a:p>
-            <a:r>
-              <a:rPr lang="ko-KR" altLang="en-US" dirty="0" smtClean="0">
-                <a:solidFill>
-                  <a:schemeClr val="accent2"/>
-                </a:solidFill>
-              </a:rPr>
-              <a:t>프로젝트에서 </a:t>
-            </a:r>
-            <a:r>
-              <a:rPr lang="en-US" altLang="ko-KR" dirty="0" smtClean="0">
-                <a:solidFill>
-                  <a:schemeClr val="accent2"/>
-                </a:solidFill>
-              </a:rPr>
-              <a:t>SVD </a:t>
-            </a:r>
-            <a:r>
-              <a:rPr lang="ko-KR" altLang="en-US" dirty="0" smtClean="0">
-                <a:solidFill>
-                  <a:schemeClr val="accent2"/>
-                </a:solidFill>
-              </a:rPr>
-              <a:t>사용 방법</a:t>
-            </a:r>
-            <a:endParaRPr lang="ko-KR" altLang="en-US" dirty="0">
-              <a:solidFill>
-                <a:schemeClr val="accent2"/>
-              </a:solidFill>
-            </a:endParaRPr>
-          </a:p>
-        </p:txBody>
-      </p:sp>
-      <p:sp>
-        <p:nvSpPr>
-          <p:cNvPr id="12" name="Rounded Rectangle 11"/>
-          <p:cNvSpPr/>
-          <p:nvPr/>
-        </p:nvSpPr>
-        <p:spPr>
-          <a:xfrm>
-            <a:off x="618067" y="1930400"/>
-            <a:ext cx="1684866" cy="541867"/>
-          </a:xfrm>
-          <a:prstGeom prst="roundRect">
-            <a:avLst/>
-          </a:prstGeom>
-        </p:spPr>
-        <p:style>
-          <a:lnRef idx="2">
-            <a:schemeClr val="accent1">
-              <a:shade val="50000"/>
-            </a:schemeClr>
-          </a:lnRef>
-          <a:fillRef idx="1">
-            <a:schemeClr val="accent1"/>
-          </a:fillRef>
-          <a:effectRef idx="0">
-            <a:schemeClr val="accent1"/>
-          </a:effectRef>
-          <a:fontRef idx="minor">
-            <a:schemeClr val="lt1"/>
-          </a:fontRef>
-        </p:style>
-        <p:txBody>
-          <a:bodyPr rtlCol="0" anchor="ctr"/>
-          <a:lstStyle/>
-          <a:p>
-            <a:pPr algn="ctr"/>
-            <a:r>
-              <a:rPr lang="en-US" altLang="ko-KR" dirty="0" smtClean="0"/>
-              <a:t>Matrix X</a:t>
-            </a:r>
-            <a:endParaRPr lang="ko-KR" altLang="en-US" dirty="0"/>
-          </a:p>
-        </p:txBody>
-      </p:sp>
-      <p:sp>
-        <p:nvSpPr>
-          <p:cNvPr id="13" name="Rounded Rectangle 12"/>
-          <p:cNvSpPr/>
-          <p:nvPr/>
-        </p:nvSpPr>
-        <p:spPr>
-          <a:xfrm>
-            <a:off x="4886874" y="1930400"/>
-            <a:ext cx="1684866" cy="541867"/>
-          </a:xfrm>
-          <a:prstGeom prst="roundRect">
-            <a:avLst/>
-          </a:prstGeom>
-        </p:spPr>
-        <p:style>
-          <a:lnRef idx="2">
-            <a:schemeClr val="accent1">
-              <a:shade val="50000"/>
-            </a:schemeClr>
-          </a:lnRef>
-          <a:fillRef idx="1">
-            <a:schemeClr val="accent1"/>
-          </a:fillRef>
-          <a:effectRef idx="0">
-            <a:schemeClr val="accent1"/>
-          </a:effectRef>
-          <a:fontRef idx="minor">
-            <a:schemeClr val="lt1"/>
-          </a:fontRef>
-        </p:style>
-        <p:txBody>
-          <a:bodyPr rtlCol="0" anchor="ctr"/>
-          <a:lstStyle/>
-          <a:p>
-            <a:pPr algn="ctr"/>
-            <a:r>
-              <a:rPr lang="en-US" altLang="ko-KR" dirty="0" smtClean="0"/>
-              <a:t>Matrix Y</a:t>
-            </a:r>
-            <a:endParaRPr lang="ko-KR" altLang="en-US" dirty="0"/>
-          </a:p>
-        </p:txBody>
-      </p:sp>
-      <p:cxnSp>
-        <p:nvCxnSpPr>
-          <p:cNvPr id="15" name="Straight Arrow Connector 14"/>
-          <p:cNvCxnSpPr/>
-          <p:nvPr/>
-        </p:nvCxnSpPr>
-        <p:spPr>
-          <a:xfrm flipH="1" flipV="1">
-            <a:off x="1452033" y="2556933"/>
-            <a:ext cx="8467" cy="1490134"/>
-          </a:xfrm>
-          <a:prstGeom prst="straightConnector1">
-            <a:avLst/>
-          </a:prstGeom>
-          <a:ln>
-            <a:tailEnd type="triangle"/>
-          </a:ln>
-        </p:spPr>
-        <p:style>
-          <a:lnRef idx="1">
-            <a:schemeClr val="accent1"/>
-          </a:lnRef>
-          <a:fillRef idx="0">
-            <a:schemeClr val="accent1"/>
-          </a:fillRef>
-          <a:effectRef idx="0">
-            <a:schemeClr val="accent1"/>
-          </a:effectRef>
-          <a:fontRef idx="minor">
-            <a:schemeClr val="tx1"/>
-          </a:fontRef>
-        </p:style>
-      </p:cxnSp>
-      <p:sp>
-        <p:nvSpPr>
-          <p:cNvPr id="17" name="TextBox 16"/>
-          <p:cNvSpPr txBox="1"/>
-          <p:nvPr/>
-        </p:nvSpPr>
-        <p:spPr>
-          <a:xfrm>
-            <a:off x="347133" y="4241800"/>
-            <a:ext cx="3327400" cy="1754326"/>
-          </a:xfrm>
-          <a:prstGeom prst="rect">
-            <a:avLst/>
-          </a:prstGeom>
-          <a:noFill/>
-        </p:spPr>
-        <p:txBody>
-          <a:bodyPr wrap="square" rtlCol="0">
-            <a:spAutoFit/>
-          </a:bodyPr>
-          <a:lstStyle/>
-          <a:p>
-            <a:r>
-              <a:rPr lang="ko-KR" altLang="en-US" dirty="0" smtClean="0"/>
-              <a:t>각 영화에 대한 </a:t>
-            </a:r>
-            <a:r>
-              <a:rPr lang="en-US" altLang="ko-KR" dirty="0" smtClean="0"/>
-              <a:t>Aspect Vector </a:t>
-            </a:r>
-            <a:r>
-              <a:rPr lang="ko-KR" altLang="en-US" dirty="0" smtClean="0"/>
-              <a:t>구축</a:t>
-            </a:r>
-            <a:r>
-              <a:rPr lang="en-US" altLang="ko-KR" dirty="0" smtClean="0"/>
-              <a:t>. </a:t>
-            </a:r>
-          </a:p>
-          <a:p>
-            <a:endParaRPr lang="en-US" altLang="ko-KR" dirty="0"/>
-          </a:p>
-          <a:p>
-            <a:r>
-              <a:rPr lang="en-US" altLang="ko-KR" dirty="0" smtClean="0"/>
-              <a:t>IF Aspect = 40</a:t>
-            </a:r>
-          </a:p>
-          <a:p>
-            <a:endParaRPr lang="en-US" altLang="ko-KR" dirty="0"/>
-          </a:p>
-          <a:p>
-            <a:r>
-              <a:rPr lang="en-US" altLang="ko-KR" dirty="0" smtClean="0"/>
-              <a:t>Matrix X = # of Movies * 40</a:t>
-            </a:r>
-          </a:p>
-        </p:txBody>
-      </p:sp>
-      <p:cxnSp>
-        <p:nvCxnSpPr>
-          <p:cNvPr id="20" name="Straight Arrow Connector 19"/>
-          <p:cNvCxnSpPr/>
-          <p:nvPr/>
-        </p:nvCxnSpPr>
-        <p:spPr>
-          <a:xfrm flipH="1" flipV="1">
-            <a:off x="5729307" y="2556933"/>
-            <a:ext cx="8467" cy="1490134"/>
-          </a:xfrm>
-          <a:prstGeom prst="straightConnector1">
-            <a:avLst/>
-          </a:prstGeom>
-          <a:ln>
-            <a:tailEnd type="triangle"/>
-          </a:ln>
-        </p:spPr>
-        <p:style>
-          <a:lnRef idx="1">
-            <a:schemeClr val="accent1"/>
-          </a:lnRef>
-          <a:fillRef idx="0">
-            <a:schemeClr val="accent1"/>
-          </a:fillRef>
-          <a:effectRef idx="0">
-            <a:schemeClr val="accent1"/>
-          </a:effectRef>
-          <a:fontRef idx="minor">
-            <a:schemeClr val="tx1"/>
-          </a:fontRef>
-        </p:style>
-      </p:cxnSp>
-      <p:sp>
-        <p:nvSpPr>
-          <p:cNvPr id="21" name="TextBox 20"/>
-          <p:cNvSpPr txBox="1"/>
-          <p:nvPr/>
-        </p:nvSpPr>
-        <p:spPr>
-          <a:xfrm>
-            <a:off x="4690533" y="4241800"/>
-            <a:ext cx="3081867" cy="1754326"/>
-          </a:xfrm>
-          <a:prstGeom prst="rect">
-            <a:avLst/>
-          </a:prstGeom>
-          <a:noFill/>
-        </p:spPr>
-        <p:txBody>
-          <a:bodyPr wrap="square" rtlCol="0">
-            <a:spAutoFit/>
-          </a:bodyPr>
-          <a:lstStyle/>
-          <a:p>
-            <a:r>
-              <a:rPr lang="ko-KR" altLang="en-US" dirty="0" smtClean="0"/>
-              <a:t>각 유저에 대한 </a:t>
-            </a:r>
-            <a:r>
-              <a:rPr lang="en-US" altLang="ko-KR" dirty="0" smtClean="0"/>
-              <a:t>Aspect Vector </a:t>
-            </a:r>
-            <a:r>
-              <a:rPr lang="ko-KR" altLang="en-US" dirty="0" smtClean="0"/>
-              <a:t>구축</a:t>
-            </a:r>
-            <a:r>
-              <a:rPr lang="en-US" altLang="ko-KR" dirty="0" smtClean="0"/>
-              <a:t>. </a:t>
-            </a:r>
-          </a:p>
-          <a:p>
-            <a:endParaRPr lang="en-US" altLang="ko-KR" dirty="0"/>
-          </a:p>
-          <a:p>
-            <a:r>
-              <a:rPr lang="en-US" altLang="ko-KR" dirty="0" smtClean="0"/>
-              <a:t>IF Aspect = 40</a:t>
-            </a:r>
-          </a:p>
-          <a:p>
-            <a:endParaRPr lang="en-US" altLang="ko-KR" dirty="0"/>
-          </a:p>
-          <a:p>
-            <a:r>
-              <a:rPr lang="en-US" altLang="ko-KR" dirty="0" smtClean="0"/>
-              <a:t>Matrix Y = # of Users * 40</a:t>
-            </a:r>
-            <a:endParaRPr lang="ko-KR" altLang="en-US" dirty="0"/>
-          </a:p>
-        </p:txBody>
-      </p:sp>
-      <p:sp>
-        <p:nvSpPr>
-          <p:cNvPr id="22" name="TextBox 21"/>
-          <p:cNvSpPr txBox="1"/>
-          <p:nvPr/>
-        </p:nvSpPr>
-        <p:spPr>
-          <a:xfrm>
-            <a:off x="8153400" y="2472267"/>
-            <a:ext cx="4038600" cy="3754874"/>
-          </a:xfrm>
-          <a:prstGeom prst="rect">
-            <a:avLst/>
-          </a:prstGeom>
-          <a:noFill/>
-        </p:spPr>
-        <p:txBody>
-          <a:bodyPr wrap="square" rtlCol="0">
-            <a:spAutoFit/>
-          </a:bodyPr>
-          <a:lstStyle/>
-          <a:p>
-            <a:r>
-              <a:rPr lang="en-US" altLang="ko-KR" sz="1400" dirty="0" smtClean="0">
-                <a:solidFill>
-                  <a:srgbClr val="FF0000"/>
-                </a:solidFill>
-              </a:rPr>
-              <a:t>Matrix X </a:t>
-            </a:r>
-            <a:r>
-              <a:rPr lang="ko-KR" altLang="en-US" sz="1400" dirty="0" smtClean="0">
-                <a:solidFill>
-                  <a:srgbClr val="FF0000"/>
-                </a:solidFill>
-              </a:rPr>
-              <a:t>에서 영화 </a:t>
-            </a:r>
-            <a:r>
-              <a:rPr lang="en-US" altLang="ko-KR" sz="1400" dirty="0" smtClean="0">
-                <a:solidFill>
-                  <a:srgbClr val="FF0000"/>
-                </a:solidFill>
-              </a:rPr>
-              <a:t>1 </a:t>
-            </a:r>
-            <a:r>
-              <a:rPr lang="ko-KR" altLang="en-US" sz="1400" dirty="0" smtClean="0">
-                <a:solidFill>
-                  <a:srgbClr val="FF0000"/>
-                </a:solidFill>
-              </a:rPr>
-              <a:t>의 </a:t>
-            </a:r>
-            <a:r>
-              <a:rPr lang="en-US" altLang="ko-KR" sz="1400" dirty="0" smtClean="0">
-                <a:solidFill>
-                  <a:srgbClr val="FF0000"/>
-                </a:solidFill>
-              </a:rPr>
-              <a:t>Aspect Vector</a:t>
-            </a:r>
-          </a:p>
-          <a:p>
-            <a:endParaRPr lang="en-US" altLang="ko-KR" sz="1400" dirty="0">
-              <a:solidFill>
-                <a:srgbClr val="FF0000"/>
-              </a:solidFill>
-            </a:endParaRPr>
-          </a:p>
-          <a:p>
-            <a:r>
-              <a:rPr lang="en-US" altLang="ko-KR" sz="1400" dirty="0" smtClean="0">
-                <a:solidFill>
-                  <a:srgbClr val="FF0000"/>
-                </a:solidFill>
-              </a:rPr>
-              <a:t>[Feature 1, Feature 2, . . . , Feature N]</a:t>
-            </a:r>
-          </a:p>
-          <a:p>
-            <a:endParaRPr lang="en-US" altLang="ko-KR" sz="1400" dirty="0" smtClean="0">
-              <a:solidFill>
-                <a:srgbClr val="FF0000"/>
-              </a:solidFill>
-            </a:endParaRPr>
-          </a:p>
-          <a:p>
-            <a:endParaRPr lang="en-US" altLang="ko-KR" sz="1400" dirty="0">
-              <a:solidFill>
-                <a:srgbClr val="FF0000"/>
-              </a:solidFill>
-            </a:endParaRPr>
-          </a:p>
-          <a:p>
-            <a:r>
-              <a:rPr lang="en-US" altLang="ko-KR" sz="1400" dirty="0" smtClean="0">
-                <a:solidFill>
-                  <a:srgbClr val="FF0000"/>
-                </a:solidFill>
-              </a:rPr>
-              <a:t>Matrix Y </a:t>
-            </a:r>
-            <a:r>
-              <a:rPr lang="ko-KR" altLang="en-US" sz="1400" dirty="0" smtClean="0">
-                <a:solidFill>
-                  <a:srgbClr val="FF0000"/>
-                </a:solidFill>
-              </a:rPr>
-              <a:t>에서 영화 </a:t>
-            </a:r>
-            <a:r>
-              <a:rPr lang="en-US" altLang="ko-KR" sz="1400" dirty="0" smtClean="0">
-                <a:solidFill>
-                  <a:srgbClr val="FF0000"/>
-                </a:solidFill>
-              </a:rPr>
-              <a:t>2 </a:t>
-            </a:r>
-            <a:r>
-              <a:rPr lang="ko-KR" altLang="en-US" sz="1400" dirty="0" smtClean="0">
-                <a:solidFill>
-                  <a:srgbClr val="FF0000"/>
-                </a:solidFill>
-              </a:rPr>
-              <a:t>의 </a:t>
-            </a:r>
-            <a:r>
-              <a:rPr lang="en-US" altLang="ko-KR" sz="1400" dirty="0" smtClean="0">
-                <a:solidFill>
-                  <a:srgbClr val="FF0000"/>
-                </a:solidFill>
-              </a:rPr>
-              <a:t>Aspect </a:t>
-            </a:r>
-          </a:p>
-          <a:p>
-            <a:r>
-              <a:rPr lang="en-US" altLang="ko-KR" sz="1400" dirty="0" smtClean="0">
-                <a:solidFill>
-                  <a:srgbClr val="FF0000"/>
-                </a:solidFill>
-              </a:rPr>
-              <a:t>Vector </a:t>
-            </a:r>
-          </a:p>
-          <a:p>
-            <a:endParaRPr lang="en-US" altLang="ko-KR" sz="1400" dirty="0">
-              <a:solidFill>
-                <a:srgbClr val="FF0000"/>
-              </a:solidFill>
-            </a:endParaRPr>
-          </a:p>
-          <a:p>
-            <a:r>
-              <a:rPr lang="en-US" altLang="ko-KR" sz="1400" dirty="0" smtClean="0">
-                <a:solidFill>
-                  <a:srgbClr val="FF0000"/>
-                </a:solidFill>
-              </a:rPr>
-              <a:t>[Feature 1, Feature 2, . . . , Feature N]</a:t>
-            </a:r>
-          </a:p>
-          <a:p>
-            <a:endParaRPr lang="en-US" altLang="ko-KR" sz="1400" dirty="0">
-              <a:solidFill>
-                <a:srgbClr val="FF0000"/>
-              </a:solidFill>
-            </a:endParaRPr>
-          </a:p>
-          <a:p>
-            <a:endParaRPr lang="en-US" altLang="ko-KR" sz="1400" dirty="0" smtClean="0">
-              <a:solidFill>
-                <a:srgbClr val="FF0000"/>
-              </a:solidFill>
-            </a:endParaRPr>
-          </a:p>
-          <a:p>
-            <a:r>
-              <a:rPr lang="ko-KR" altLang="en-US" sz="1400" dirty="0" smtClean="0">
-                <a:solidFill>
-                  <a:srgbClr val="FF0000"/>
-                </a:solidFill>
-              </a:rPr>
-              <a:t>영화 </a:t>
-            </a:r>
-            <a:r>
-              <a:rPr lang="en-US" altLang="ko-KR" sz="1400" dirty="0" smtClean="0">
-                <a:solidFill>
-                  <a:srgbClr val="FF0000"/>
-                </a:solidFill>
-              </a:rPr>
-              <a:t>Aspect Vector </a:t>
-            </a:r>
-            <a:r>
-              <a:rPr lang="ko-KR" altLang="en-US" sz="1400" dirty="0" smtClean="0">
-                <a:solidFill>
-                  <a:srgbClr val="FF0000"/>
-                </a:solidFill>
-              </a:rPr>
-              <a:t>와 유저 </a:t>
-            </a:r>
-            <a:r>
-              <a:rPr lang="en-US" altLang="ko-KR" sz="1400" dirty="0" smtClean="0">
-                <a:solidFill>
-                  <a:srgbClr val="FF0000"/>
-                </a:solidFill>
-              </a:rPr>
-              <a:t>Aspect Vector </a:t>
-            </a:r>
-            <a:r>
-              <a:rPr lang="ko-KR" altLang="en-US" sz="1400" dirty="0" smtClean="0">
-                <a:solidFill>
-                  <a:srgbClr val="FF0000"/>
-                </a:solidFill>
-              </a:rPr>
-              <a:t>의 </a:t>
-            </a:r>
-            <a:r>
-              <a:rPr lang="en-US" altLang="ko-KR" sz="1400" dirty="0" smtClean="0">
-                <a:solidFill>
-                  <a:srgbClr val="FF0000"/>
-                </a:solidFill>
-              </a:rPr>
-              <a:t>Dot Product </a:t>
-            </a:r>
-            <a:r>
-              <a:rPr lang="ko-KR" altLang="en-US" sz="1400" dirty="0" smtClean="0">
-                <a:solidFill>
-                  <a:srgbClr val="FF0000"/>
-                </a:solidFill>
-              </a:rPr>
-              <a:t>를 구하면 </a:t>
-            </a:r>
-            <a:endParaRPr lang="en-US" altLang="ko-KR" sz="1400" dirty="0" smtClean="0">
-              <a:solidFill>
-                <a:srgbClr val="FF0000"/>
-              </a:solidFill>
-            </a:endParaRPr>
-          </a:p>
-          <a:p>
-            <a:r>
-              <a:rPr lang="ko-KR" altLang="en-US" sz="1400" dirty="0" smtClean="0">
-                <a:solidFill>
-                  <a:srgbClr val="FF0000"/>
-                </a:solidFill>
-              </a:rPr>
-              <a:t>해당 영화에 대한 해당 유저의 예상 </a:t>
-            </a:r>
-            <a:endParaRPr lang="en-US" altLang="ko-KR" sz="1400" dirty="0" smtClean="0">
-              <a:solidFill>
-                <a:srgbClr val="FF0000"/>
-              </a:solidFill>
-            </a:endParaRPr>
-          </a:p>
-          <a:p>
-            <a:r>
-              <a:rPr lang="ko-KR" altLang="en-US" sz="1400" dirty="0" smtClean="0">
-                <a:solidFill>
-                  <a:srgbClr val="FF0000"/>
-                </a:solidFill>
-              </a:rPr>
-              <a:t>평점을 구할 수 있다</a:t>
-            </a:r>
-            <a:r>
-              <a:rPr lang="en-US" altLang="ko-KR" sz="1400" dirty="0" smtClean="0">
-                <a:solidFill>
-                  <a:srgbClr val="FF0000"/>
-                </a:solidFill>
-              </a:rPr>
-              <a:t>. </a:t>
-            </a:r>
-            <a:endParaRPr lang="en-US" altLang="ko-KR" sz="1400" dirty="0">
-              <a:solidFill>
-                <a:srgbClr val="FF0000"/>
-              </a:solidFill>
-            </a:endParaRPr>
-          </a:p>
-          <a:p>
-            <a:endParaRPr lang="en-US" altLang="ko-KR" sz="1400" dirty="0">
-              <a:solidFill>
-                <a:srgbClr val="FF0000"/>
-              </a:solidFill>
-            </a:endParaRPr>
-          </a:p>
-          <a:p>
-            <a:endParaRPr lang="ko-KR" altLang="en-US" sz="1400" dirty="0">
-              <a:solidFill>
-                <a:srgbClr val="FF0000"/>
-              </a:solidFill>
-            </a:endParaRPr>
-          </a:p>
-        </p:txBody>
-      </p:sp>
-    </p:spTree>
-    <p:extLst>
-      <p:ext uri="{BB962C8B-B14F-4D97-AF65-F5344CB8AC3E}">
-        <p14:creationId xmlns:p14="http://schemas.microsoft.com/office/powerpoint/2010/main" val="4278641427"/>
-      </p:ext>
-    </p:extLst>
-  </p:cSld>
-  <p:clrMapOvr>
-    <a:masterClrMapping/>
-  </p:clrMapOvr>
-</p:sld>
-</file>
-
-<file path=ppt/slides/slide19.xml><?xml version="1.0" encoding="utf-8"?>
-<p:sld xmlns:a="http://schemas.openxmlformats.org/drawingml/2006/main" xmlns:r="http://schemas.openxmlformats.org/officeDocument/2006/relationships" xmlns:p="http://schemas.openxmlformats.org/presentationml/2006/main">
-  <p:cSld>
-    <p:spTree>
-      <p:nvGrpSpPr>
-        <p:cNvPr id="1" name=""/>
-        <p:cNvGrpSpPr/>
-        <p:nvPr/>
-      </p:nvGrpSpPr>
-      <p:grpSpPr>
-        <a:xfrm>
-          <a:off x="0" y="0"/>
-          <a:ext cx="0" cy="0"/>
-          <a:chOff x="0" y="0"/>
-          <a:chExt cx="0" cy="0"/>
-        </a:xfrm>
-      </p:grpSpPr>
-      <p:pic>
-        <p:nvPicPr>
-          <p:cNvPr id="4" name="Picture 3"/>
-          <p:cNvPicPr>
-            <a:picLocks noChangeAspect="1"/>
-          </p:cNvPicPr>
-          <p:nvPr/>
-        </p:nvPicPr>
-        <p:blipFill>
-          <a:blip r:embed="rId2"/>
-          <a:stretch>
-            <a:fillRect/>
-          </a:stretch>
-        </p:blipFill>
-        <p:spPr>
-          <a:xfrm>
-            <a:off x="0" y="2428875"/>
-            <a:ext cx="6953250" cy="4429125"/>
-          </a:xfrm>
-          <a:prstGeom prst="rect">
-            <a:avLst/>
-          </a:prstGeom>
-        </p:spPr>
-      </p:pic>
-      <p:cxnSp>
-        <p:nvCxnSpPr>
-          <p:cNvPr id="6" name="Straight Arrow Connector 5"/>
-          <p:cNvCxnSpPr/>
-          <p:nvPr/>
-        </p:nvCxnSpPr>
-        <p:spPr>
-          <a:xfrm flipH="1">
-            <a:off x="687916" y="1537399"/>
-            <a:ext cx="869950" cy="850371"/>
-          </a:xfrm>
-          <a:prstGeom prst="straightConnector1">
-            <a:avLst/>
-          </a:prstGeom>
-          <a:ln>
-            <a:tailEnd type="triangle"/>
-          </a:ln>
-        </p:spPr>
-        <p:style>
-          <a:lnRef idx="1">
-            <a:schemeClr val="accent1"/>
-          </a:lnRef>
-          <a:fillRef idx="0">
-            <a:schemeClr val="accent1"/>
-          </a:fillRef>
-          <a:effectRef idx="0">
-            <a:schemeClr val="accent1"/>
-          </a:effectRef>
-          <a:fontRef idx="minor">
-            <a:schemeClr val="tx1"/>
-          </a:fontRef>
-        </p:style>
-      </p:cxnSp>
-      <p:sp>
-        <p:nvSpPr>
-          <p:cNvPr id="7" name="TextBox 6"/>
-          <p:cNvSpPr txBox="1"/>
-          <p:nvPr/>
-        </p:nvSpPr>
-        <p:spPr>
-          <a:xfrm>
-            <a:off x="430110" y="1168067"/>
-            <a:ext cx="2709333" cy="369332"/>
-          </a:xfrm>
-          <a:prstGeom prst="rect">
-            <a:avLst/>
-          </a:prstGeom>
-          <a:noFill/>
-        </p:spPr>
-        <p:txBody>
-          <a:bodyPr wrap="square" rtlCol="0">
-            <a:spAutoFit/>
-          </a:bodyPr>
-          <a:lstStyle/>
-          <a:p>
-            <a:r>
-              <a:rPr lang="en-US" altLang="ko-KR" dirty="0" smtClean="0"/>
-              <a:t>SVD </a:t>
-            </a:r>
-            <a:r>
-              <a:rPr lang="ko-KR" altLang="en-US" dirty="0" smtClean="0"/>
-              <a:t>구축 프로그램</a:t>
-            </a:r>
-            <a:endParaRPr lang="ko-KR" altLang="en-US" dirty="0"/>
-          </a:p>
-        </p:txBody>
-      </p:sp>
-      <p:sp>
-        <p:nvSpPr>
-          <p:cNvPr id="8" name="TextBox 7"/>
-          <p:cNvSpPr txBox="1"/>
-          <p:nvPr/>
-        </p:nvSpPr>
-        <p:spPr>
-          <a:xfrm>
-            <a:off x="430110" y="492035"/>
-            <a:ext cx="4697128" cy="523220"/>
-          </a:xfrm>
-          <a:prstGeom prst="rect">
-            <a:avLst/>
-          </a:prstGeom>
-          <a:noFill/>
-        </p:spPr>
-        <p:txBody>
-          <a:bodyPr wrap="square" rtlCol="0">
-            <a:spAutoFit/>
-          </a:bodyPr>
-          <a:lstStyle/>
-          <a:p>
-            <a:r>
-              <a:rPr lang="en-US" altLang="ko-KR" sz="2800" dirty="0"/>
-              <a:t>3</a:t>
-            </a:r>
-            <a:r>
-              <a:rPr lang="en-US" altLang="ko-KR" sz="2800" dirty="0" smtClean="0"/>
-              <a:t>) </a:t>
-            </a:r>
-            <a:r>
-              <a:rPr lang="ko-KR" altLang="en-US" sz="2800" dirty="0" smtClean="0"/>
-              <a:t>데이터 분석</a:t>
-            </a:r>
-            <a:endParaRPr lang="ko-KR" altLang="en-US" sz="2800" dirty="0"/>
-          </a:p>
-        </p:txBody>
-      </p:sp>
-      <p:sp>
-        <p:nvSpPr>
-          <p:cNvPr id="10" name="Rectangle 9"/>
-          <p:cNvSpPr/>
-          <p:nvPr/>
-        </p:nvSpPr>
-        <p:spPr>
-          <a:xfrm>
-            <a:off x="8407400" y="1015255"/>
-            <a:ext cx="2641600" cy="618812"/>
-          </a:xfrm>
-          <a:prstGeom prst="rect">
-            <a:avLst/>
-          </a:prstGeom>
-        </p:spPr>
-        <p:style>
-          <a:lnRef idx="2">
-            <a:schemeClr val="accent1">
-              <a:shade val="50000"/>
-            </a:schemeClr>
-          </a:lnRef>
-          <a:fillRef idx="1">
-            <a:schemeClr val="accent1"/>
-          </a:fillRef>
-          <a:effectRef idx="0">
-            <a:schemeClr val="accent1"/>
-          </a:effectRef>
-          <a:fontRef idx="minor">
-            <a:schemeClr val="lt1"/>
-          </a:fontRef>
-        </p:style>
-        <p:txBody>
-          <a:bodyPr rtlCol="0" anchor="ctr"/>
-          <a:lstStyle/>
-          <a:p>
-            <a:pPr algn="ctr"/>
-            <a:r>
-              <a:rPr lang="ko-KR" altLang="en-US" sz="1200" dirty="0" smtClean="0"/>
-              <a:t>데이터 수집 </a:t>
-            </a:r>
-            <a:r>
-              <a:rPr lang="en-US" altLang="ko-KR" sz="1200" dirty="0" smtClean="0"/>
-              <a:t>(</a:t>
-            </a:r>
-            <a:r>
-              <a:rPr lang="ko-KR" altLang="en-US" sz="1200" dirty="0" smtClean="0"/>
-              <a:t>영화 </a:t>
-            </a:r>
-            <a:r>
-              <a:rPr lang="en-US" altLang="ko-KR" sz="1200" dirty="0" smtClean="0"/>
-              <a:t>x </a:t>
-            </a:r>
-            <a:r>
-              <a:rPr lang="ko-KR" altLang="en-US" sz="1200" dirty="0" smtClean="0"/>
-              <a:t>유저 </a:t>
-            </a:r>
-            <a:r>
-              <a:rPr lang="en-US" altLang="ko-KR" sz="1200" dirty="0" smtClean="0"/>
-              <a:t>y </a:t>
-            </a:r>
-            <a:r>
-              <a:rPr lang="ko-KR" altLang="en-US" sz="1200" dirty="0" smtClean="0"/>
-              <a:t>를 평가</a:t>
-            </a:r>
-            <a:r>
-              <a:rPr lang="en-US" altLang="ko-KR" sz="1200" dirty="0" smtClean="0"/>
-              <a:t>)</a:t>
-            </a:r>
-            <a:endParaRPr lang="ko-KR" altLang="en-US" sz="1200" dirty="0"/>
-          </a:p>
-        </p:txBody>
-      </p:sp>
-      <p:cxnSp>
-        <p:nvCxnSpPr>
-          <p:cNvPr id="12" name="Straight Arrow Connector 11"/>
-          <p:cNvCxnSpPr/>
-          <p:nvPr/>
-        </p:nvCxnSpPr>
-        <p:spPr>
-          <a:xfrm>
-            <a:off x="9787466" y="1634067"/>
-            <a:ext cx="0" cy="677333"/>
-          </a:xfrm>
-          <a:prstGeom prst="straightConnector1">
-            <a:avLst/>
-          </a:prstGeom>
-          <a:ln>
-            <a:tailEnd type="triangle"/>
-          </a:ln>
-        </p:spPr>
-        <p:style>
-          <a:lnRef idx="1">
-            <a:schemeClr val="accent1"/>
-          </a:lnRef>
-          <a:fillRef idx="0">
-            <a:schemeClr val="accent1"/>
-          </a:fillRef>
-          <a:effectRef idx="0">
-            <a:schemeClr val="accent1"/>
-          </a:effectRef>
-          <a:fontRef idx="minor">
-            <a:schemeClr val="tx1"/>
-          </a:fontRef>
-        </p:style>
-      </p:cxnSp>
-      <p:sp>
-        <p:nvSpPr>
-          <p:cNvPr id="14" name="Rectangle 13"/>
-          <p:cNvSpPr/>
-          <p:nvPr/>
-        </p:nvSpPr>
-        <p:spPr>
-          <a:xfrm>
-            <a:off x="8094133" y="2387770"/>
-            <a:ext cx="3403600" cy="1024467"/>
-          </a:xfrm>
-          <a:prstGeom prst="rect">
-            <a:avLst/>
-          </a:prstGeom>
-          <a:solidFill>
-            <a:schemeClr val="accent2"/>
-          </a:solidFill>
-        </p:spPr>
-        <p:style>
-          <a:lnRef idx="2">
-            <a:schemeClr val="accent1">
-              <a:shade val="50000"/>
-            </a:schemeClr>
-          </a:lnRef>
-          <a:fillRef idx="1">
-            <a:schemeClr val="accent1"/>
-          </a:fillRef>
-          <a:effectRef idx="0">
-            <a:schemeClr val="accent1"/>
-          </a:effectRef>
-          <a:fontRef idx="minor">
-            <a:schemeClr val="lt1"/>
-          </a:fontRef>
-        </p:style>
-        <p:txBody>
-          <a:bodyPr rtlCol="0" anchor="ctr"/>
-          <a:lstStyle/>
-          <a:p>
-            <a:pPr algn="ctr"/>
-            <a:r>
-              <a:rPr lang="en-US" altLang="ko-KR" sz="1400" dirty="0" smtClean="0"/>
-              <a:t>Offset </a:t>
-            </a:r>
-            <a:r>
-              <a:rPr lang="ko-KR" altLang="en-US" sz="1400" dirty="0" smtClean="0"/>
-              <a:t>평가 </a:t>
-            </a:r>
-            <a:r>
-              <a:rPr lang="en-US" altLang="ko-KR" sz="1400" dirty="0" smtClean="0"/>
-              <a:t>: (</a:t>
-            </a:r>
-            <a:r>
-              <a:rPr lang="ko-KR" altLang="en-US" sz="1400" dirty="0" smtClean="0"/>
-              <a:t>영화의 평균 평점과 해당 유저의 평균 평점의 차</a:t>
-            </a:r>
-            <a:r>
-              <a:rPr lang="en-US" altLang="ko-KR" sz="1400" dirty="0" smtClean="0"/>
-              <a:t>)</a:t>
-            </a:r>
-            <a:endParaRPr lang="ko-KR" altLang="en-US" sz="1400" dirty="0"/>
-          </a:p>
-        </p:txBody>
-      </p:sp>
-      <p:cxnSp>
-        <p:nvCxnSpPr>
-          <p:cNvPr id="16" name="Straight Arrow Connector 15"/>
-          <p:cNvCxnSpPr>
-            <a:stCxn id="14" idx="2"/>
-          </p:cNvCxnSpPr>
-          <p:nvPr/>
-        </p:nvCxnSpPr>
-        <p:spPr>
-          <a:xfrm>
-            <a:off x="9795933" y="3412237"/>
-            <a:ext cx="0" cy="609430"/>
-          </a:xfrm>
-          <a:prstGeom prst="straightConnector1">
-            <a:avLst/>
-          </a:prstGeom>
-          <a:ln>
-            <a:tailEnd type="triangle"/>
-          </a:ln>
-        </p:spPr>
-        <p:style>
-          <a:lnRef idx="1">
-            <a:schemeClr val="accent1"/>
-          </a:lnRef>
-          <a:fillRef idx="0">
-            <a:schemeClr val="accent1"/>
-          </a:fillRef>
-          <a:effectRef idx="0">
-            <a:schemeClr val="accent1"/>
-          </a:effectRef>
-          <a:fontRef idx="minor">
-            <a:schemeClr val="tx1"/>
-          </a:fontRef>
-        </p:style>
-      </p:cxnSp>
-      <p:sp>
-        <p:nvSpPr>
-          <p:cNvPr id="17" name="Rectangle 16"/>
-          <p:cNvSpPr/>
-          <p:nvPr/>
-        </p:nvSpPr>
-        <p:spPr>
-          <a:xfrm>
-            <a:off x="7988299" y="4165940"/>
-            <a:ext cx="3615267" cy="939800"/>
-          </a:xfrm>
-          <a:prstGeom prst="rect">
-            <a:avLst/>
-          </a:prstGeom>
-        </p:spPr>
-        <p:style>
-          <a:lnRef idx="2">
-            <a:schemeClr val="accent1">
-              <a:shade val="50000"/>
-            </a:schemeClr>
-          </a:lnRef>
-          <a:fillRef idx="1">
-            <a:schemeClr val="accent1"/>
-          </a:fillRef>
-          <a:effectRef idx="0">
-            <a:schemeClr val="accent1"/>
-          </a:effectRef>
-          <a:fontRef idx="minor">
-            <a:schemeClr val="lt1"/>
-          </a:fontRef>
-        </p:style>
-        <p:txBody>
-          <a:bodyPr rtlCol="0" anchor="ctr"/>
-          <a:lstStyle/>
-          <a:p>
-            <a:pPr algn="ctr"/>
-            <a:r>
-              <a:rPr lang="en-US" altLang="ko-KR" dirty="0" smtClean="0"/>
-              <a:t>Training Algorithm </a:t>
-            </a:r>
-            <a:r>
-              <a:rPr lang="ko-KR" altLang="en-US" dirty="0" smtClean="0"/>
-              <a:t>에 대입</a:t>
-            </a:r>
-            <a:endParaRPr lang="ko-KR" altLang="en-US" dirty="0"/>
-          </a:p>
-        </p:txBody>
-      </p:sp>
-      <p:cxnSp>
-        <p:nvCxnSpPr>
-          <p:cNvPr id="20" name="Straight Arrow Connector 19"/>
-          <p:cNvCxnSpPr>
-            <a:stCxn id="17" idx="2"/>
-          </p:cNvCxnSpPr>
-          <p:nvPr/>
-        </p:nvCxnSpPr>
-        <p:spPr>
-          <a:xfrm flipH="1">
-            <a:off x="9787466" y="5105740"/>
-            <a:ext cx="8467" cy="473793"/>
-          </a:xfrm>
-          <a:prstGeom prst="straightConnector1">
-            <a:avLst/>
-          </a:prstGeom>
-          <a:ln>
-            <a:tailEnd type="triangle"/>
-          </a:ln>
-        </p:spPr>
-        <p:style>
-          <a:lnRef idx="1">
-            <a:schemeClr val="accent1"/>
-          </a:lnRef>
-          <a:fillRef idx="0">
-            <a:schemeClr val="accent1"/>
-          </a:fillRef>
-          <a:effectRef idx="0">
-            <a:schemeClr val="accent1"/>
-          </a:effectRef>
-          <a:fontRef idx="minor">
-            <a:schemeClr val="tx1"/>
-          </a:fontRef>
-        </p:style>
-      </p:cxnSp>
-      <p:sp>
-        <p:nvSpPr>
-          <p:cNvPr id="21" name="Rectangle 20"/>
-          <p:cNvSpPr/>
-          <p:nvPr/>
-        </p:nvSpPr>
-        <p:spPr>
-          <a:xfrm>
-            <a:off x="7759698" y="5647267"/>
-            <a:ext cx="4072467" cy="1100666"/>
-          </a:xfrm>
-          <a:prstGeom prst="rect">
-            <a:avLst/>
-          </a:prstGeom>
-          <a:solidFill>
-            <a:schemeClr val="accent2"/>
-          </a:solidFill>
-        </p:spPr>
-        <p:style>
-          <a:lnRef idx="2">
-            <a:schemeClr val="accent1">
-              <a:shade val="50000"/>
-            </a:schemeClr>
-          </a:lnRef>
-          <a:fillRef idx="1">
-            <a:schemeClr val="accent1"/>
-          </a:fillRef>
-          <a:effectRef idx="0">
-            <a:schemeClr val="accent1"/>
-          </a:effectRef>
-          <a:fontRef idx="minor">
-            <a:schemeClr val="lt1"/>
-          </a:fontRef>
-        </p:style>
-        <p:txBody>
-          <a:bodyPr rtlCol="0" anchor="ctr"/>
-          <a:lstStyle/>
-          <a:p>
-            <a:pPr algn="ctr"/>
-            <a:r>
-              <a:rPr lang="ko-KR" altLang="en-US" dirty="0" smtClean="0"/>
-              <a:t>영화에 해당하는 </a:t>
-            </a:r>
-            <a:r>
-              <a:rPr lang="en-US" altLang="ko-KR" dirty="0" smtClean="0"/>
-              <a:t>Feature, </a:t>
-            </a:r>
-            <a:r>
-              <a:rPr lang="ko-KR" altLang="en-US" dirty="0" smtClean="0"/>
-              <a:t>유저에 해당하는 </a:t>
-            </a:r>
-            <a:r>
-              <a:rPr lang="en-US" altLang="ko-KR" dirty="0" smtClean="0"/>
-              <a:t>Feature </a:t>
-            </a:r>
-            <a:r>
-              <a:rPr lang="ko-KR" altLang="en-US" dirty="0" smtClean="0"/>
-              <a:t>값 갱신</a:t>
-            </a:r>
-            <a:endParaRPr lang="ko-KR" altLang="en-US" dirty="0"/>
-          </a:p>
-        </p:txBody>
-      </p:sp>
-      <p:cxnSp>
-        <p:nvCxnSpPr>
-          <p:cNvPr id="23" name="Curved Connector 22"/>
-          <p:cNvCxnSpPr>
-            <a:stCxn id="21" idx="1"/>
-          </p:cNvCxnSpPr>
-          <p:nvPr/>
-        </p:nvCxnSpPr>
-        <p:spPr>
-          <a:xfrm rot="10800000" flipH="1">
-            <a:off x="7759698" y="1335056"/>
-            <a:ext cx="575736" cy="4862544"/>
-          </a:xfrm>
-          <a:prstGeom prst="curvedConnector4">
-            <a:avLst>
-              <a:gd name="adj1" fmla="val -39706"/>
-              <a:gd name="adj2" fmla="val 105109"/>
-            </a:avLst>
-          </a:prstGeom>
-          <a:ln>
-            <a:tailEnd type="triangle"/>
-          </a:ln>
-        </p:spPr>
-        <p:style>
-          <a:lnRef idx="1">
-            <a:schemeClr val="accent1"/>
-          </a:lnRef>
-          <a:fillRef idx="0">
-            <a:schemeClr val="accent1"/>
-          </a:fillRef>
-          <a:effectRef idx="0">
-            <a:schemeClr val="accent1"/>
-          </a:effectRef>
-          <a:fontRef idx="minor">
-            <a:schemeClr val="tx1"/>
-          </a:fontRef>
-        </p:style>
-      </p:cxnSp>
-      <p:sp>
-        <p:nvSpPr>
-          <p:cNvPr id="24" name="TextBox 23"/>
-          <p:cNvSpPr txBox="1"/>
-          <p:nvPr/>
-        </p:nvSpPr>
-        <p:spPr>
-          <a:xfrm>
-            <a:off x="7687731" y="3578452"/>
-            <a:ext cx="589490" cy="276999"/>
-          </a:xfrm>
-          <a:prstGeom prst="rect">
-            <a:avLst/>
-          </a:prstGeom>
-          <a:noFill/>
-        </p:spPr>
-        <p:txBody>
-          <a:bodyPr wrap="square" rtlCol="0">
-            <a:spAutoFit/>
-          </a:bodyPr>
-          <a:lstStyle/>
-          <a:p>
-            <a:r>
-              <a:rPr lang="en-US" altLang="ko-KR" sz="1200" dirty="0" smtClean="0">
-                <a:solidFill>
-                  <a:srgbClr val="FF0000"/>
-                </a:solidFill>
-              </a:rPr>
-              <a:t>loop</a:t>
-            </a:r>
-            <a:endParaRPr lang="ko-KR" altLang="en-US" sz="1200" dirty="0">
-              <a:solidFill>
-                <a:srgbClr val="FF0000"/>
-              </a:solidFill>
-            </a:endParaRPr>
-          </a:p>
-        </p:txBody>
-      </p:sp>
-    </p:spTree>
-    <p:extLst>
-      <p:ext uri="{BB962C8B-B14F-4D97-AF65-F5344CB8AC3E}">
-        <p14:creationId xmlns:p14="http://schemas.microsoft.com/office/powerpoint/2010/main" val="4281366518"/>
-      </p:ext>
-    </p:extLst>
-  </p:cSld>
-  <p:clrMapOvr>
-    <a:masterClrMapping/>
-  </p:clrMapOvr>
-</p:sld>
-</file>
-
-<file path=ppt/slides/slide2.xml><?xml version="1.0" encoding="utf-8"?>
-<p:sld xmlns:a="http://schemas.openxmlformats.org/drawingml/2006/main" xmlns:r="http://schemas.openxmlformats.org/officeDocument/2006/relationships" xmlns:p="http://schemas.openxmlformats.org/presentationml/2006/main">
-  <p:cSld>
-    <p:spTree>
-      <p:nvGrpSpPr>
-        <p:cNvPr id="1" name=""/>
-        <p:cNvGrpSpPr/>
-        <p:nvPr/>
-      </p:nvGrpSpPr>
-      <p:grpSpPr>
-        <a:xfrm>
-          <a:off x="0" y="0"/>
-          <a:ext cx="0" cy="0"/>
-          <a:chOff x="0" y="0"/>
-          <a:chExt cx="0" cy="0"/>
-        </a:xfrm>
-      </p:grpSpPr>
-      <p:sp>
-        <p:nvSpPr>
-          <p:cNvPr id="4" name="TextBox 3"/>
-          <p:cNvSpPr txBox="1"/>
-          <p:nvPr/>
-        </p:nvSpPr>
-        <p:spPr>
-          <a:xfrm>
-            <a:off x="832022" y="543697"/>
-            <a:ext cx="4959178" cy="1015663"/>
-          </a:xfrm>
-          <a:prstGeom prst="rect">
-            <a:avLst/>
-          </a:prstGeom>
-          <a:noFill/>
-        </p:spPr>
-        <p:txBody>
-          <a:bodyPr wrap="square" rtlCol="0">
-            <a:spAutoFit/>
-          </a:bodyPr>
-          <a:lstStyle/>
-          <a:p>
-            <a:r>
-              <a:rPr lang="en-US" altLang="ko-KR" sz="2400" dirty="0" smtClean="0"/>
-              <a:t>Recommender System </a:t>
-            </a:r>
-          </a:p>
-          <a:p>
-            <a:endParaRPr lang="en-US" altLang="ko-KR" dirty="0"/>
-          </a:p>
-          <a:p>
-            <a:r>
-              <a:rPr lang="ko-KR" altLang="en-US" dirty="0" smtClean="0"/>
-              <a:t> </a:t>
-            </a:r>
-            <a:endParaRPr lang="ko-KR" altLang="en-US" dirty="0"/>
-          </a:p>
-        </p:txBody>
-      </p:sp>
-      <p:sp>
-        <p:nvSpPr>
-          <p:cNvPr id="5" name="TextBox 4"/>
-          <p:cNvSpPr txBox="1"/>
-          <p:nvPr/>
-        </p:nvSpPr>
-        <p:spPr>
-          <a:xfrm>
-            <a:off x="1598141" y="1559360"/>
-            <a:ext cx="8460259" cy="646331"/>
-          </a:xfrm>
-          <a:prstGeom prst="rect">
-            <a:avLst/>
-          </a:prstGeom>
-          <a:noFill/>
-        </p:spPr>
-        <p:txBody>
-          <a:bodyPr wrap="square" rtlCol="0">
-            <a:spAutoFit/>
-          </a:bodyPr>
-          <a:lstStyle/>
-          <a:p>
-            <a:r>
-              <a:rPr lang="en-US" altLang="ko-KR" dirty="0" smtClean="0">
-                <a:solidFill>
-                  <a:schemeClr val="accent1"/>
-                </a:solidFill>
-              </a:rPr>
-              <a:t>Recommender System </a:t>
-            </a:r>
-            <a:r>
-              <a:rPr lang="ko-KR" altLang="en-US" dirty="0" smtClean="0"/>
-              <a:t>은 기존 데이터로 사용자의 성향을 분석한 후 그 성향을 토대로 사용자가 어떤 아이템에 내릴 평가를 예상하는 시스템이다</a:t>
-            </a:r>
-            <a:r>
-              <a:rPr lang="en-US" altLang="ko-KR" dirty="0" smtClean="0"/>
-              <a:t>. </a:t>
-            </a:r>
-            <a:endParaRPr lang="en-US" altLang="ko-KR" dirty="0"/>
-          </a:p>
-        </p:txBody>
-      </p:sp>
-      <p:sp>
-        <p:nvSpPr>
-          <p:cNvPr id="7" name="TextBox 6"/>
-          <p:cNvSpPr txBox="1"/>
-          <p:nvPr/>
-        </p:nvSpPr>
-        <p:spPr>
-          <a:xfrm>
-            <a:off x="1598141" y="3369276"/>
-            <a:ext cx="5329881" cy="2308324"/>
-          </a:xfrm>
-          <a:prstGeom prst="rect">
-            <a:avLst/>
-          </a:prstGeom>
-          <a:noFill/>
-        </p:spPr>
-        <p:txBody>
-          <a:bodyPr wrap="square" rtlCol="0">
-            <a:spAutoFit/>
-          </a:bodyPr>
-          <a:lstStyle/>
-          <a:p>
-            <a:r>
-              <a:rPr lang="ko-KR" altLang="en-US" dirty="0" smtClean="0">
-                <a:solidFill>
-                  <a:schemeClr val="accent4"/>
-                </a:solidFill>
-              </a:rPr>
-              <a:t>예</a:t>
-            </a:r>
-            <a:r>
-              <a:rPr lang="en-US" altLang="ko-KR" dirty="0" smtClean="0">
-                <a:solidFill>
-                  <a:schemeClr val="accent4"/>
-                </a:solidFill>
-              </a:rPr>
-              <a:t>)</a:t>
-            </a:r>
-          </a:p>
-          <a:p>
-            <a:r>
-              <a:rPr lang="en-US" altLang="ko-KR" dirty="0"/>
-              <a:t>	</a:t>
-            </a:r>
-            <a:r>
-              <a:rPr lang="ko-KR" altLang="en-US" dirty="0" smtClean="0"/>
-              <a:t>사용자 </a:t>
-            </a:r>
-            <a:r>
-              <a:rPr lang="en-US" altLang="ko-KR" dirty="0" smtClean="0"/>
-              <a:t>A </a:t>
-            </a:r>
-            <a:r>
-              <a:rPr lang="ko-KR" altLang="en-US" dirty="0" smtClean="0"/>
-              <a:t>가 아이폰과 맥북에 좋은 평점</a:t>
-            </a:r>
-            <a:r>
-              <a:rPr lang="en-US" altLang="ko-KR" dirty="0" smtClean="0"/>
-              <a:t>	</a:t>
-            </a:r>
-            <a:r>
-              <a:rPr lang="ko-KR" altLang="en-US" dirty="0" smtClean="0"/>
-              <a:t>을 부여했고</a:t>
-            </a:r>
-            <a:r>
-              <a:rPr lang="en-US" altLang="ko-KR" dirty="0" smtClean="0"/>
-              <a:t>, </a:t>
-            </a:r>
-            <a:r>
-              <a:rPr lang="ko-KR" altLang="en-US" dirty="0" smtClean="0"/>
-              <a:t>윈도스 제품에는 낮은 평점</a:t>
-            </a:r>
-            <a:r>
-              <a:rPr lang="en-US" altLang="ko-KR" dirty="0" smtClean="0"/>
-              <a:t>	</a:t>
-            </a:r>
-            <a:r>
-              <a:rPr lang="ko-KR" altLang="en-US" dirty="0" smtClean="0"/>
-              <a:t>을 부여했다</a:t>
-            </a:r>
-            <a:r>
-              <a:rPr lang="en-US" altLang="ko-KR" dirty="0" smtClean="0"/>
-              <a:t>. Recommender System </a:t>
-            </a:r>
-            <a:r>
-              <a:rPr lang="ko-KR" altLang="en-US" dirty="0" smtClean="0"/>
-              <a:t>은 </a:t>
-            </a:r>
-            <a:endParaRPr lang="en-US" altLang="ko-KR" dirty="0" smtClean="0"/>
-          </a:p>
-          <a:p>
-            <a:r>
-              <a:rPr lang="en-US" altLang="ko-KR" dirty="0"/>
-              <a:t>	</a:t>
-            </a:r>
-            <a:r>
-              <a:rPr lang="ko-KR" altLang="en-US" dirty="0" smtClean="0"/>
-              <a:t>이 데이터를 가지고 </a:t>
-            </a:r>
-            <a:r>
-              <a:rPr lang="en-US" altLang="ko-KR" dirty="0" smtClean="0"/>
-              <a:t>“</a:t>
-            </a:r>
-            <a:r>
-              <a:rPr lang="ko-KR" altLang="en-US" dirty="0" smtClean="0"/>
-              <a:t>사용자 </a:t>
-            </a:r>
-            <a:r>
-              <a:rPr lang="en-US" altLang="ko-KR" dirty="0" smtClean="0"/>
-              <a:t>A </a:t>
-            </a:r>
-            <a:r>
-              <a:rPr lang="ko-KR" altLang="en-US" dirty="0" smtClean="0"/>
-              <a:t>는 애플</a:t>
-            </a:r>
-            <a:endParaRPr lang="en-US" altLang="ko-KR" dirty="0" smtClean="0"/>
-          </a:p>
-          <a:p>
-            <a:r>
-              <a:rPr lang="en-US" altLang="ko-KR" dirty="0"/>
-              <a:t>	</a:t>
-            </a:r>
-            <a:r>
-              <a:rPr lang="ko-KR" altLang="en-US" dirty="0" smtClean="0"/>
-              <a:t>제품을 좋아한다</a:t>
-            </a:r>
-            <a:r>
-              <a:rPr lang="en-US" altLang="ko-KR" dirty="0" smtClean="0"/>
-              <a:t>“ </a:t>
-            </a:r>
-            <a:r>
-              <a:rPr lang="ko-KR" altLang="en-US" dirty="0" smtClean="0"/>
-              <a:t>라는 결론은 내리고 </a:t>
-            </a:r>
-            <a:endParaRPr lang="en-US" altLang="ko-KR" dirty="0" smtClean="0"/>
-          </a:p>
-          <a:p>
-            <a:r>
-              <a:rPr lang="en-US" altLang="ko-KR" dirty="0"/>
-              <a:t>	</a:t>
-            </a:r>
-            <a:r>
-              <a:rPr lang="ko-KR" altLang="en-US" dirty="0" smtClean="0"/>
-              <a:t>그에 맞게 사용자 </a:t>
-            </a:r>
-            <a:r>
-              <a:rPr lang="en-US" altLang="ko-KR" dirty="0" smtClean="0"/>
-              <a:t>A </a:t>
-            </a:r>
-            <a:r>
-              <a:rPr lang="ko-KR" altLang="en-US" dirty="0" smtClean="0"/>
-              <a:t>한테 제품을 추천</a:t>
-            </a:r>
-            <a:endParaRPr lang="en-US" altLang="ko-KR" dirty="0" smtClean="0"/>
-          </a:p>
-          <a:p>
-            <a:r>
-              <a:rPr lang="en-US" altLang="ko-KR" dirty="0"/>
-              <a:t>	</a:t>
-            </a:r>
-            <a:r>
-              <a:rPr lang="ko-KR" altLang="en-US" dirty="0" smtClean="0"/>
-              <a:t>해준다</a:t>
-            </a:r>
-            <a:r>
-              <a:rPr lang="en-US" altLang="ko-KR" dirty="0" smtClean="0"/>
-              <a:t>. </a:t>
-            </a:r>
-          </a:p>
-        </p:txBody>
-      </p:sp>
-    </p:spTree>
-    <p:extLst>
-      <p:ext uri="{BB962C8B-B14F-4D97-AF65-F5344CB8AC3E}">
-        <p14:creationId xmlns:p14="http://schemas.microsoft.com/office/powerpoint/2010/main" val="3570464820"/>
-      </p:ext>
-    </p:extLst>
-  </p:cSld>
-  <p:clrMapOvr>
-    <a:masterClrMapping/>
-  </p:clrMapOvr>
-  <p:timing>
-    <p:tnLst>
-      <p:par>
-        <p:cTn id="1" dur="indefinite" restart="never" nodeType="tmRoot"/>
-      </p:par>
-    </p:tnLst>
-  </p:timing>
-</p:sld>
-</file>
-
-<file path=ppt/slides/slide20.xml><?xml version="1.0" encoding="utf-8"?>
-<p:sld xmlns:a="http://schemas.openxmlformats.org/drawingml/2006/main" xmlns:r="http://schemas.openxmlformats.org/officeDocument/2006/relationships" xmlns:p="http://schemas.openxmlformats.org/presentationml/2006/main">
-  <p:cSld>
-    <p:spTree>
-      <p:nvGrpSpPr>
-        <p:cNvPr id="1" name=""/>
-        <p:cNvGrpSpPr/>
-        <p:nvPr/>
-      </p:nvGrpSpPr>
-      <p:grpSpPr>
-        <a:xfrm>
-          <a:off x="0" y="0"/>
-          <a:ext cx="0" cy="0"/>
-          <a:chOff x="0" y="0"/>
-          <a:chExt cx="0" cy="0"/>
-        </a:xfrm>
-      </p:grpSpPr>
-      <p:sp>
-        <p:nvSpPr>
-          <p:cNvPr id="4" name="TextBox 3"/>
-          <p:cNvSpPr txBox="1"/>
-          <p:nvPr/>
-        </p:nvSpPr>
-        <p:spPr>
-          <a:xfrm>
-            <a:off x="430110" y="492035"/>
-            <a:ext cx="4697128" cy="523220"/>
-          </a:xfrm>
-          <a:prstGeom prst="rect">
-            <a:avLst/>
-          </a:prstGeom>
-          <a:noFill/>
-        </p:spPr>
-        <p:txBody>
-          <a:bodyPr wrap="square" rtlCol="0">
-            <a:spAutoFit/>
-          </a:bodyPr>
-          <a:lstStyle/>
-          <a:p>
-            <a:r>
-              <a:rPr lang="en-US" altLang="ko-KR" sz="2800" dirty="0"/>
-              <a:t>3</a:t>
-            </a:r>
-            <a:r>
-              <a:rPr lang="en-US" altLang="ko-KR" sz="2800" dirty="0" smtClean="0"/>
-              <a:t>) </a:t>
-            </a:r>
-            <a:r>
-              <a:rPr lang="ko-KR" altLang="en-US" sz="2800" dirty="0" smtClean="0"/>
-              <a:t>데이터 분석</a:t>
-            </a:r>
-            <a:endParaRPr lang="ko-KR" altLang="en-US" sz="2800" dirty="0"/>
-          </a:p>
-        </p:txBody>
-      </p:sp>
-      <p:sp>
-        <p:nvSpPr>
           <p:cNvPr id="5" name="TextBox 4"/>
           <p:cNvSpPr txBox="1"/>
           <p:nvPr/>
@@ -8856,7 +6883,41 @@
             </a:r>
             <a:r>
               <a:rPr lang="ko-KR" altLang="en-US" dirty="0" smtClean="0"/>
-              <a:t>알고리즘 완료</a:t>
+              <a:t>알고리즘 </a:t>
+            </a:r>
+            <a:r>
+              <a:rPr lang="ko-KR" altLang="en-US" dirty="0" smtClean="0"/>
+              <a:t>완료</a:t>
+            </a:r>
+            <a:endParaRPr lang="en-US" altLang="ko-KR" dirty="0" smtClean="0"/>
+          </a:p>
+          <a:p>
+            <a:pPr marL="342900" indent="-342900" algn="ctr">
+              <a:buAutoNum type="arabicPeriod"/>
+            </a:pPr>
+            <a:r>
+              <a:rPr lang="en-US" altLang="ko-KR" dirty="0" smtClean="0"/>
+              <a:t>SVD </a:t>
+            </a:r>
+            <a:r>
+              <a:rPr lang="ko-KR" altLang="en-US" dirty="0" smtClean="0"/>
+              <a:t>진행 속도 보완</a:t>
+            </a:r>
+            <a:r>
+              <a:rPr lang="en-US" altLang="ko-KR" dirty="0"/>
+              <a:t> </a:t>
+            </a:r>
+            <a:r>
+              <a:rPr lang="en-US" altLang="ko-KR" dirty="0" smtClean="0"/>
+              <a:t>(Sparse Matrix </a:t>
+            </a:r>
+            <a:r>
+              <a:rPr lang="ko-KR" altLang="en-US" dirty="0" smtClean="0"/>
+              <a:t>로 인해서 인덱싱 시간 줄어듬</a:t>
+            </a:r>
+            <a:r>
+              <a:rPr lang="en-US" altLang="ko-KR" dirty="0" smtClean="0"/>
+              <a:t>)</a:t>
             </a:r>
             <a:endParaRPr lang="en-US" altLang="ko-KR" dirty="0" smtClean="0"/>
           </a:p>
@@ -9004,39 +7065,14 @@
           <a:bodyPr rtlCol="0" anchor="ctr"/>
           <a:lstStyle/>
           <a:p>
-            <a:pPr marL="342900" indent="-342900" algn="ctr">
-              <a:buAutoNum type="arabicPeriod"/>
-            </a:pPr>
-            <a:r>
-              <a:rPr lang="en-US" altLang="ko-KR" dirty="0" smtClean="0"/>
-              <a:t>SVD </a:t>
-            </a:r>
-            <a:r>
-              <a:rPr lang="ko-KR" altLang="en-US" dirty="0" smtClean="0"/>
-              <a:t>진행 속도</a:t>
-            </a:r>
-            <a:endParaRPr lang="en-US" altLang="ko-KR" dirty="0" smtClean="0"/>
-          </a:p>
-          <a:p>
             <a:pPr algn="ctr"/>
             <a:r>
               <a:rPr lang="en-US" altLang="ko-KR" dirty="0" smtClean="0"/>
-              <a:t>(Data </a:t>
-            </a:r>
-            <a:r>
-              <a:rPr lang="ko-KR" altLang="en-US" dirty="0" smtClean="0"/>
-              <a:t>가공 문제</a:t>
-            </a:r>
-            <a:r>
-              <a:rPr lang="en-US" altLang="ko-KR" dirty="0" smtClean="0"/>
-              <a:t>)</a:t>
-            </a:r>
-          </a:p>
-          <a:p>
-            <a:pPr algn="ctr"/>
-            <a:r>
-              <a:rPr lang="en-US" altLang="ko-KR" dirty="0" smtClean="0"/>
-              <a:t>2. Bias, Overfitting </a:t>
+              <a:t>2</a:t>
+            </a:r>
+            <a:r>
+              <a:rPr lang="en-US" altLang="ko-KR" dirty="0" smtClean="0"/>
+              <a:t>. Bias, Overfitting </a:t>
             </a:r>
             <a:r>
               <a:rPr lang="ko-KR" altLang="en-US" dirty="0" smtClean="0"/>
@@ -9067,7 +7103,7 @@
 </p:sld>
 </file>
 
-<file path=ppt/slides/slide21.xml><?xml version="1.0" encoding="utf-8"?>
+<file path=ppt/slides/slide18.xml><?xml version="1.0" encoding="utf-8"?>
 <p:sld xmlns:a="http://schemas.openxmlformats.org/drawingml/2006/main" xmlns:r="http://schemas.openxmlformats.org/officeDocument/2006/relationships" xmlns:p="http://schemas.openxmlformats.org/presentationml/2006/main">
   <p:cSld>
     <p:bg>
@@ -9146,11 +7182,7 @@
             </a:r>
             <a:r>
               <a:rPr lang="en-US" altLang="ko-KR" sz="4800" dirty="0" smtClean="0"/>
-              <a:t>)</a:t>
-            </a:r>
-            <a:r>
-              <a:rPr lang="en-US" altLang="ko-KR" sz="4800" dirty="0" smtClean="0"/>
-              <a:t> </a:t>
+              <a:t>) </a:t>
             </a:r>
             <a:r>
               <a:rPr lang="ko-KR" altLang="en-US" sz="4800" dirty="0" smtClean="0"/>
@@ -9188,7 +7220,7 @@
 </p:sld>
 </file>
 
-<file path=ppt/slides/slide22.xml><?xml version="1.0" encoding="utf-8"?>
+<file path=ppt/slides/slide19.xml><?xml version="1.0" encoding="utf-8"?>
 <p:sld xmlns:a="http://schemas.openxmlformats.org/drawingml/2006/main" xmlns:r="http://schemas.openxmlformats.org/officeDocument/2006/relationships" xmlns:p="http://schemas.openxmlformats.org/presentationml/2006/main">
   <p:cSld>
     <p:spTree>
@@ -9990,6 +8022,295 @@
   <p:clrMapOvr>
     <a:masterClrMapping/>
   </p:clrMapOvr>
+</p:sld>
+</file>
+
+<file path=ppt/slides/slide2.xml><?xml version="1.0" encoding="utf-8"?>
+<p:sld xmlns:a="http://schemas.openxmlformats.org/drawingml/2006/main" xmlns:r="http://schemas.openxmlformats.org/officeDocument/2006/relationships" xmlns:p="http://schemas.openxmlformats.org/presentationml/2006/main">
+  <p:cSld>
+    <p:spTree>
+      <p:nvGrpSpPr>
+        <p:cNvPr id="1" name=""/>
+        <p:cNvGrpSpPr/>
+        <p:nvPr/>
+      </p:nvGrpSpPr>
+      <p:grpSpPr>
+        <a:xfrm>
+          <a:off x="0" y="0"/>
+          <a:ext cx="0" cy="0"/>
+          <a:chOff x="0" y="0"/>
+          <a:chExt cx="0" cy="0"/>
+        </a:xfrm>
+      </p:grpSpPr>
+      <p:sp>
+        <p:nvSpPr>
+          <p:cNvPr id="4" name="TextBox 3"/>
+          <p:cNvSpPr txBox="1"/>
+          <p:nvPr/>
+        </p:nvSpPr>
+        <p:spPr>
+          <a:xfrm>
+            <a:off x="832022" y="543697"/>
+            <a:ext cx="4959178" cy="1015663"/>
+          </a:xfrm>
+          <a:prstGeom prst="rect">
+            <a:avLst/>
+          </a:prstGeom>
+          <a:noFill/>
+        </p:spPr>
+        <p:txBody>
+          <a:bodyPr wrap="square" rtlCol="0">
+            <a:spAutoFit/>
+          </a:bodyPr>
+          <a:lstStyle/>
+          <a:p>
+            <a:r>
+              <a:rPr lang="en-US" altLang="ko-KR" sz="2400" dirty="0" smtClean="0"/>
+              <a:t>Recommender System </a:t>
+            </a:r>
+          </a:p>
+          <a:p>
+            <a:endParaRPr lang="en-US" altLang="ko-KR" dirty="0"/>
+          </a:p>
+          <a:p>
+            <a:r>
+              <a:rPr lang="ko-KR" altLang="en-US" dirty="0" smtClean="0"/>
+              <a:t> </a:t>
+            </a:r>
+            <a:endParaRPr lang="ko-KR" altLang="en-US" dirty="0"/>
+          </a:p>
+        </p:txBody>
+      </p:sp>
+      <p:sp>
+        <p:nvSpPr>
+          <p:cNvPr id="5" name="TextBox 4"/>
+          <p:cNvSpPr txBox="1"/>
+          <p:nvPr/>
+        </p:nvSpPr>
+        <p:spPr>
+          <a:xfrm>
+            <a:off x="1598141" y="1559360"/>
+            <a:ext cx="8460259" cy="646331"/>
+          </a:xfrm>
+          <a:prstGeom prst="rect">
+            <a:avLst/>
+          </a:prstGeom>
+          <a:noFill/>
+        </p:spPr>
+        <p:txBody>
+          <a:bodyPr wrap="square" rtlCol="0">
+            <a:spAutoFit/>
+          </a:bodyPr>
+          <a:lstStyle/>
+          <a:p>
+            <a:r>
+              <a:rPr lang="en-US" altLang="ko-KR" dirty="0" smtClean="0">
+                <a:solidFill>
+                  <a:schemeClr val="accent1"/>
+                </a:solidFill>
+              </a:rPr>
+              <a:t>Recommender System </a:t>
+            </a:r>
+            <a:r>
+              <a:rPr lang="ko-KR" altLang="en-US" dirty="0" smtClean="0"/>
+              <a:t>은 기존 데이터로 사용자의 성향을 분석한 후 그 성향을 토대로 사용자가 어떤 아이템에 내릴 평가를 예상하는 시스템이다</a:t>
+            </a:r>
+            <a:r>
+              <a:rPr lang="en-US" altLang="ko-KR" dirty="0" smtClean="0"/>
+              <a:t>. </a:t>
+            </a:r>
+            <a:endParaRPr lang="en-US" altLang="ko-KR" dirty="0"/>
+          </a:p>
+        </p:txBody>
+      </p:sp>
+      <p:sp>
+        <p:nvSpPr>
+          <p:cNvPr id="7" name="TextBox 6"/>
+          <p:cNvSpPr txBox="1"/>
+          <p:nvPr/>
+        </p:nvSpPr>
+        <p:spPr>
+          <a:xfrm>
+            <a:off x="1598141" y="3369276"/>
+            <a:ext cx="5329881" cy="2308324"/>
+          </a:xfrm>
+          <a:prstGeom prst="rect">
+            <a:avLst/>
+          </a:prstGeom>
+          <a:noFill/>
+        </p:spPr>
+        <p:txBody>
+          <a:bodyPr wrap="square" rtlCol="0">
+            <a:spAutoFit/>
+          </a:bodyPr>
+          <a:lstStyle/>
+          <a:p>
+            <a:r>
+              <a:rPr lang="ko-KR" altLang="en-US" dirty="0" smtClean="0">
+                <a:solidFill>
+                  <a:schemeClr val="accent4"/>
+                </a:solidFill>
+              </a:rPr>
+              <a:t>예</a:t>
+            </a:r>
+            <a:r>
+              <a:rPr lang="en-US" altLang="ko-KR" dirty="0" smtClean="0">
+                <a:solidFill>
+                  <a:schemeClr val="accent4"/>
+                </a:solidFill>
+              </a:rPr>
+              <a:t>)</a:t>
+            </a:r>
+          </a:p>
+          <a:p>
+            <a:r>
+              <a:rPr lang="en-US" altLang="ko-KR" dirty="0"/>
+              <a:t>	</a:t>
+            </a:r>
+            <a:r>
+              <a:rPr lang="ko-KR" altLang="en-US" dirty="0" smtClean="0"/>
+              <a:t>사용자 </a:t>
+            </a:r>
+            <a:r>
+              <a:rPr lang="en-US" altLang="ko-KR" dirty="0" smtClean="0"/>
+              <a:t>A </a:t>
+            </a:r>
+            <a:r>
+              <a:rPr lang="ko-KR" altLang="en-US" dirty="0" smtClean="0"/>
+              <a:t>가 아이폰과 맥북에 좋은 평점</a:t>
+            </a:r>
+            <a:r>
+              <a:rPr lang="en-US" altLang="ko-KR" dirty="0" smtClean="0"/>
+              <a:t>	</a:t>
+            </a:r>
+            <a:r>
+              <a:rPr lang="ko-KR" altLang="en-US" dirty="0" smtClean="0"/>
+              <a:t>을 부여했고</a:t>
+            </a:r>
+            <a:r>
+              <a:rPr lang="en-US" altLang="ko-KR" dirty="0" smtClean="0"/>
+              <a:t>, </a:t>
+            </a:r>
+            <a:r>
+              <a:rPr lang="ko-KR" altLang="en-US" dirty="0" smtClean="0"/>
+              <a:t>윈도스 제품에는 낮은 평점</a:t>
+            </a:r>
+            <a:r>
+              <a:rPr lang="en-US" altLang="ko-KR" dirty="0" smtClean="0"/>
+              <a:t>	</a:t>
+            </a:r>
+            <a:r>
+              <a:rPr lang="ko-KR" altLang="en-US" dirty="0" smtClean="0"/>
+              <a:t>을 부여했다</a:t>
+            </a:r>
+            <a:r>
+              <a:rPr lang="en-US" altLang="ko-KR" dirty="0" smtClean="0"/>
+              <a:t>. Recommender System </a:t>
+            </a:r>
+            <a:r>
+              <a:rPr lang="ko-KR" altLang="en-US" dirty="0" smtClean="0"/>
+              <a:t>은 </a:t>
+            </a:r>
+            <a:endParaRPr lang="en-US" altLang="ko-KR" dirty="0" smtClean="0"/>
+          </a:p>
+          <a:p>
+            <a:r>
+              <a:rPr lang="en-US" altLang="ko-KR" dirty="0"/>
+              <a:t>	</a:t>
+            </a:r>
+            <a:r>
+              <a:rPr lang="ko-KR" altLang="en-US" dirty="0" smtClean="0"/>
+              <a:t>이 데이터를 가지고 </a:t>
+            </a:r>
+            <a:r>
+              <a:rPr lang="en-US" altLang="ko-KR" dirty="0" smtClean="0"/>
+              <a:t>“</a:t>
+            </a:r>
+            <a:r>
+              <a:rPr lang="ko-KR" altLang="en-US" dirty="0" smtClean="0"/>
+              <a:t>사용자 </a:t>
+            </a:r>
+            <a:r>
+              <a:rPr lang="en-US" altLang="ko-KR" dirty="0" smtClean="0"/>
+              <a:t>A </a:t>
+            </a:r>
+            <a:r>
+              <a:rPr lang="ko-KR" altLang="en-US" dirty="0" smtClean="0"/>
+              <a:t>는 애플</a:t>
+            </a:r>
+            <a:endParaRPr lang="en-US" altLang="ko-KR" dirty="0" smtClean="0"/>
+          </a:p>
+          <a:p>
+            <a:r>
+              <a:rPr lang="en-US" altLang="ko-KR" dirty="0"/>
+              <a:t>	</a:t>
+            </a:r>
+            <a:r>
+              <a:rPr lang="ko-KR" altLang="en-US" dirty="0" smtClean="0"/>
+              <a:t>제품을 좋아한다</a:t>
+            </a:r>
+            <a:r>
+              <a:rPr lang="en-US" altLang="ko-KR" dirty="0" smtClean="0"/>
+              <a:t>“ </a:t>
+            </a:r>
+            <a:r>
+              <a:rPr lang="ko-KR" altLang="en-US" dirty="0" smtClean="0"/>
+              <a:t>라는 결론은 내리고 </a:t>
+            </a:r>
+            <a:endParaRPr lang="en-US" altLang="ko-KR" dirty="0" smtClean="0"/>
+          </a:p>
+          <a:p>
+            <a:r>
+              <a:rPr lang="en-US" altLang="ko-KR" dirty="0"/>
+              <a:t>	</a:t>
+            </a:r>
+            <a:r>
+              <a:rPr lang="ko-KR" altLang="en-US" dirty="0" smtClean="0"/>
+              <a:t>그에 맞게 사용자 </a:t>
+            </a:r>
+            <a:r>
+              <a:rPr lang="en-US" altLang="ko-KR" dirty="0" smtClean="0"/>
+              <a:t>A </a:t>
+            </a:r>
+            <a:r>
+              <a:rPr lang="ko-KR" altLang="en-US" dirty="0" smtClean="0"/>
+              <a:t>한테 제품을 추천</a:t>
+            </a:r>
+            <a:endParaRPr lang="en-US" altLang="ko-KR" dirty="0" smtClean="0"/>
+          </a:p>
+          <a:p>
+            <a:r>
+              <a:rPr lang="en-US" altLang="ko-KR" dirty="0"/>
+              <a:t>	</a:t>
+            </a:r>
+            <a:r>
+              <a:rPr lang="ko-KR" altLang="en-US" dirty="0" smtClean="0"/>
+              <a:t>해준다</a:t>
+            </a:r>
+            <a:r>
+              <a:rPr lang="en-US" altLang="ko-KR" dirty="0" smtClean="0"/>
+              <a:t>. </a:t>
+            </a:r>
+          </a:p>
+        </p:txBody>
+      </p:sp>
+    </p:spTree>
+    <p:extLst>
+      <p:ext uri="{BB962C8B-B14F-4D97-AF65-F5344CB8AC3E}">
+        <p14:creationId xmlns:p14="http://schemas.microsoft.com/office/powerpoint/2010/main" val="3570464820"/>
+      </p:ext>
+    </p:extLst>
+  </p:cSld>
+  <p:clrMapOvr>
+    <a:masterClrMapping/>
+  </p:clrMapOvr>
+  <p:timing>
+    <p:tnLst>
+      <p:par>
+        <p:cTn id="1" dur="indefinite" restart="never" nodeType="tmRoot"/>
+      </p:par>
+    </p:tnLst>
+  </p:timing>
 </p:sld>
 </file>
 
@@ -10748,27 +9069,7 @@
           <a:p>
             <a:r>
               <a:rPr lang="en-US" altLang="ko-KR" dirty="0" smtClean="0"/>
-              <a:t>		</a:t>
-            </a:r>
-            <a:r>
-              <a:rPr lang="ko-KR" altLang="en-US" dirty="0" smtClean="0"/>
-              <a:t>이 </a:t>
-            </a:r>
-            <a:r>
-              <a:rPr lang="en-US" altLang="ko-KR" dirty="0" smtClean="0"/>
-              <a:t>Dataset </a:t>
-            </a:r>
-            <a:r>
-              <a:rPr lang="ko-KR" altLang="en-US" dirty="0" smtClean="0"/>
-              <a:t>를 기반으로 알고리즘을 구축하고 넷플릭스 </a:t>
-            </a:r>
-            <a:r>
-              <a:rPr lang="en-US" altLang="ko-KR" dirty="0"/>
-              <a:t>	</a:t>
-            </a:r>
-            <a:r>
-              <a:rPr lang="en-US" altLang="ko-KR" dirty="0" smtClean="0"/>
-              <a:t>	</a:t>
+              <a:t>			</a:t>
             </a:r>
             <a:endParaRPr lang="en-US" altLang="ko-KR" dirty="0"/>
           </a:p>

--- a/넷플릭스.pptx
+++ b/넷플릭스.pptx
@@ -21,9 +21,11 @@
     <p:sldId id="272" r:id="rId15"/>
     <p:sldId id="273" r:id="rId16"/>
     <p:sldId id="279" r:id="rId17"/>
-    <p:sldId id="275" r:id="rId18"/>
-    <p:sldId id="276" r:id="rId19"/>
-    <p:sldId id="277" r:id="rId20"/>
+    <p:sldId id="280" r:id="rId18"/>
+    <p:sldId id="281" r:id="rId19"/>
+    <p:sldId id="275" r:id="rId20"/>
+    <p:sldId id="276" r:id="rId21"/>
+    <p:sldId id="277" r:id="rId22"/>
   </p:sldIdLst>
   <p:sldSz cx="12192000" cy="6858000"/>
   <p:notesSz cx="6858000" cy="9144000"/>
@@ -130,6 +132,18 @@
 </p:presentation>
 </file>
 
+<file path=ppt/commentAuthors.xml><?xml version="1.0" encoding="utf-8"?>
+<p:cmAuthorLst xmlns:a="http://schemas.openxmlformats.org/drawingml/2006/main" xmlns:r="http://schemas.openxmlformats.org/officeDocument/2006/relationships" xmlns:p="http://schemas.openxmlformats.org/presentationml/2006/main">
+  <p:cmAuthor id="1" name="Microsoft" initials="M" lastIdx="2" clrIdx="0">
+    <p:extLst>
+      <p:ext uri="{19B8F6BF-5375-455C-9EA6-DF929625EA0E}">
+        <p15:presenceInfo xmlns:p15="http://schemas.microsoft.com/office/powerpoint/2012/main" userId="Microsoft" providerId="None"/>
+      </p:ext>
+    </p:extLst>
+  </p:cmAuthor>
+</p:cmAuthorLst>
+</file>
+
 <file path=ppt/slideLayouts/slideLayout1.xml><?xml version="1.0" encoding="utf-8"?>
 <p:sldLayout xmlns:a="http://schemas.openxmlformats.org/drawingml/2006/main" xmlns:r="http://schemas.openxmlformats.org/officeDocument/2006/relationships" xmlns:p="http://schemas.openxmlformats.org/presentationml/2006/main" type="title" preserve="1">
   <p:cSld name="Title Slide">
@@ -261,7 +275,7 @@
           <a:p>
             <a:fld id="{DE9DA6C0-B28F-46EF-86A1-81A5908CA26F}" type="datetimeFigureOut">
               <a:rPr lang="ko-KR" altLang="en-US" smtClean="0"/>
-              <a:t>2018. 7. 26.</a:t>
+              <a:t>2018. 7. 27.</a:t>
             </a:fld>
             <a:endParaRPr lang="ko-KR" altLang="en-US"/>
           </a:p>
@@ -431,7 +445,7 @@
           <a:p>
             <a:fld id="{DE9DA6C0-B28F-46EF-86A1-81A5908CA26F}" type="datetimeFigureOut">
               <a:rPr lang="ko-KR" altLang="en-US" smtClean="0"/>
-              <a:t>2018. 7. 26.</a:t>
+              <a:t>2018. 7. 27.</a:t>
             </a:fld>
             <a:endParaRPr lang="ko-KR" altLang="en-US"/>
           </a:p>
@@ -611,7 +625,7 @@
           <a:p>
             <a:fld id="{DE9DA6C0-B28F-46EF-86A1-81A5908CA26F}" type="datetimeFigureOut">
               <a:rPr lang="ko-KR" altLang="en-US" smtClean="0"/>
-              <a:t>2018. 7. 26.</a:t>
+              <a:t>2018. 7. 27.</a:t>
             </a:fld>
             <a:endParaRPr lang="ko-KR" altLang="en-US"/>
           </a:p>
@@ -781,7 +795,7 @@
           <a:p>
             <a:fld id="{DE9DA6C0-B28F-46EF-86A1-81A5908CA26F}" type="datetimeFigureOut">
               <a:rPr lang="ko-KR" altLang="en-US" smtClean="0"/>
-              <a:t>2018. 7. 26.</a:t>
+              <a:t>2018. 7. 27.</a:t>
             </a:fld>
             <a:endParaRPr lang="ko-KR" altLang="en-US"/>
           </a:p>
@@ -1027,7 +1041,7 @@
           <a:p>
             <a:fld id="{DE9DA6C0-B28F-46EF-86A1-81A5908CA26F}" type="datetimeFigureOut">
               <a:rPr lang="ko-KR" altLang="en-US" smtClean="0"/>
-              <a:t>2018. 7. 26.</a:t>
+              <a:t>2018. 7. 27.</a:t>
             </a:fld>
             <a:endParaRPr lang="ko-KR" altLang="en-US"/>
           </a:p>
@@ -1259,7 +1273,7 @@
           <a:p>
             <a:fld id="{DE9DA6C0-B28F-46EF-86A1-81A5908CA26F}" type="datetimeFigureOut">
               <a:rPr lang="ko-KR" altLang="en-US" smtClean="0"/>
-              <a:t>2018. 7. 26.</a:t>
+              <a:t>2018. 7. 27.</a:t>
             </a:fld>
             <a:endParaRPr lang="ko-KR" altLang="en-US"/>
           </a:p>
@@ -1626,7 +1640,7 @@
           <a:p>
             <a:fld id="{DE9DA6C0-B28F-46EF-86A1-81A5908CA26F}" type="datetimeFigureOut">
               <a:rPr lang="ko-KR" altLang="en-US" smtClean="0"/>
-              <a:t>2018. 7. 26.</a:t>
+              <a:t>2018. 7. 27.</a:t>
             </a:fld>
             <a:endParaRPr lang="ko-KR" altLang="en-US"/>
           </a:p>
@@ -1744,7 +1758,7 @@
           <a:p>
             <a:fld id="{DE9DA6C0-B28F-46EF-86A1-81A5908CA26F}" type="datetimeFigureOut">
               <a:rPr lang="ko-KR" altLang="en-US" smtClean="0"/>
-              <a:t>2018. 7. 26.</a:t>
+              <a:t>2018. 7. 27.</a:t>
             </a:fld>
             <a:endParaRPr lang="ko-KR" altLang="en-US"/>
           </a:p>
@@ -1839,7 +1853,7 @@
           <a:p>
             <a:fld id="{DE9DA6C0-B28F-46EF-86A1-81A5908CA26F}" type="datetimeFigureOut">
               <a:rPr lang="ko-KR" altLang="en-US" smtClean="0"/>
-              <a:t>2018. 7. 26.</a:t>
+              <a:t>2018. 7. 27.</a:t>
             </a:fld>
             <a:endParaRPr lang="ko-KR" altLang="en-US"/>
           </a:p>
@@ -2116,7 +2130,7 @@
           <a:p>
             <a:fld id="{DE9DA6C0-B28F-46EF-86A1-81A5908CA26F}" type="datetimeFigureOut">
               <a:rPr lang="ko-KR" altLang="en-US" smtClean="0"/>
-              <a:t>2018. 7. 26.</a:t>
+              <a:t>2018. 7. 27.</a:t>
             </a:fld>
             <a:endParaRPr lang="ko-KR" altLang="en-US"/>
           </a:p>
@@ -2369,7 +2383,7 @@
           <a:p>
             <a:fld id="{DE9DA6C0-B28F-46EF-86A1-81A5908CA26F}" type="datetimeFigureOut">
               <a:rPr lang="ko-KR" altLang="en-US" smtClean="0"/>
-              <a:t>2018. 7. 26.</a:t>
+              <a:t>2018. 7. 27.</a:t>
             </a:fld>
             <a:endParaRPr lang="ko-KR" altLang="en-US"/>
           </a:p>
@@ -2582,7 +2596,7 @@
           <a:p>
             <a:fld id="{DE9DA6C0-B28F-46EF-86A1-81A5908CA26F}" type="datetimeFigureOut">
               <a:rPr lang="ko-KR" altLang="en-US" smtClean="0"/>
-              <a:t>2018. 7. 26.</a:t>
+              <a:t>2018. 7. 27.</a:t>
             </a:fld>
             <a:endParaRPr lang="ko-KR" altLang="en-US"/>
           </a:p>
@@ -5391,6 +5405,13 @@
   <p:clrMapOvr>
     <a:masterClrMapping/>
   </p:clrMapOvr>
+  <p:timing>
+    <p:tnLst>
+      <p:par>
+        <p:cTn id="1" dur="indefinite" restart="never" nodeType="tmRoot"/>
+      </p:par>
+    </p:tnLst>
+  </p:timing>
 </p:sld>
 </file>
 
@@ -6080,6 +6101,13 @@
   <p:clrMapOvr>
     <a:masterClrMapping/>
   </p:clrMapOvr>
+  <p:timing>
+    <p:tnLst>
+      <p:par>
+        <p:cTn id="1" dur="indefinite" restart="never" nodeType="tmRoot"/>
+      </p:par>
+    </p:tnLst>
+  </p:timing>
 </p:sld>
 </file>
 
@@ -6630,6 +6658,13 @@
   <p:clrMapOvr>
     <a:masterClrMapping/>
   </p:clrMapOvr>
+  <p:timing>
+    <p:tnLst>
+      <p:par>
+        <p:cTn id="1" dur="indefinite" restart="never" nodeType="tmRoot"/>
+      </p:par>
+    </p:tnLst>
+  </p:timing>
 </p:sld>
 </file>
 
@@ -6650,6 +6685,870 @@
           <a:chExt cx="0" cy="0"/>
         </a:xfrm>
       </p:grpSpPr>
+      <p:pic>
+        <p:nvPicPr>
+          <p:cNvPr id="4" name="Picture 3"/>
+          <p:cNvPicPr>
+            <a:picLocks noChangeAspect="1"/>
+          </p:cNvPicPr>
+          <p:nvPr/>
+        </p:nvPicPr>
+        <p:blipFill>
+          <a:blip r:embed="rId2"/>
+          <a:stretch>
+            <a:fillRect/>
+          </a:stretch>
+        </p:blipFill>
+        <p:spPr>
+          <a:xfrm>
+            <a:off x="7306733" y="0"/>
+            <a:ext cx="4885267" cy="6858000"/>
+          </a:xfrm>
+          <a:prstGeom prst="rect">
+            <a:avLst/>
+          </a:prstGeom>
+        </p:spPr>
+      </p:pic>
+      <p:sp>
+        <p:nvSpPr>
+          <p:cNvPr id="7" name="TextBox 6"/>
+          <p:cNvSpPr txBox="1"/>
+          <p:nvPr/>
+        </p:nvSpPr>
+        <p:spPr>
+          <a:xfrm>
+            <a:off x="548643" y="384803"/>
+            <a:ext cx="4697128" cy="523220"/>
+          </a:xfrm>
+          <a:prstGeom prst="rect">
+            <a:avLst/>
+          </a:prstGeom>
+          <a:noFill/>
+        </p:spPr>
+        <p:txBody>
+          <a:bodyPr wrap="square" rtlCol="0">
+            <a:spAutoFit/>
+          </a:bodyPr>
+          <a:lstStyle/>
+          <a:p>
+            <a:r>
+              <a:rPr lang="en-US" altLang="ko-KR" sz="2800" dirty="0"/>
+              <a:t>3</a:t>
+            </a:r>
+            <a:r>
+              <a:rPr lang="en-US" altLang="ko-KR" sz="2800" dirty="0" smtClean="0"/>
+              <a:t>) </a:t>
+            </a:r>
+            <a:r>
+              <a:rPr lang="ko-KR" altLang="en-US" sz="2800" dirty="0" smtClean="0"/>
+              <a:t>데이터 분석</a:t>
+            </a:r>
+            <a:endParaRPr lang="ko-KR" altLang="en-US" sz="2800" dirty="0"/>
+          </a:p>
+        </p:txBody>
+      </p:sp>
+      <p:sp>
+        <p:nvSpPr>
+          <p:cNvPr id="8" name="TextBox 7"/>
+          <p:cNvSpPr txBox="1"/>
+          <p:nvPr/>
+        </p:nvSpPr>
+        <p:spPr>
+          <a:xfrm>
+            <a:off x="463040" y="3019567"/>
+            <a:ext cx="4868333" cy="923330"/>
+          </a:xfrm>
+          <a:prstGeom prst="rect">
+            <a:avLst/>
+          </a:prstGeom>
+          <a:noFill/>
+        </p:spPr>
+        <p:txBody>
+          <a:bodyPr wrap="square" rtlCol="0">
+            <a:spAutoFit/>
+          </a:bodyPr>
+          <a:lstStyle/>
+          <a:p>
+            <a:r>
+              <a:rPr lang="en-US" altLang="ko-KR" dirty="0" smtClean="0">
+                <a:solidFill>
+                  <a:srgbClr val="FF0000"/>
+                </a:solidFill>
+              </a:rPr>
+              <a:t>Stochastic Gradient Descent </a:t>
+            </a:r>
+            <a:r>
+              <a:rPr lang="ko-KR" altLang="en-US" dirty="0" smtClean="0">
+                <a:solidFill>
+                  <a:srgbClr val="FF0000"/>
+                </a:solidFill>
+              </a:rPr>
+              <a:t>를 인용한 </a:t>
+            </a:r>
+            <a:r>
+              <a:rPr lang="en-US" altLang="ko-KR" dirty="0" smtClean="0">
+                <a:solidFill>
+                  <a:srgbClr val="FF0000"/>
+                </a:solidFill>
+              </a:rPr>
+              <a:t>Singular Value Decomposition</a:t>
+            </a:r>
+          </a:p>
+          <a:p>
+            <a:endParaRPr lang="en-US" altLang="ko-KR" dirty="0">
+              <a:solidFill>
+                <a:srgbClr val="FF0000"/>
+              </a:solidFill>
+            </a:endParaRPr>
+          </a:p>
+        </p:txBody>
+      </p:sp>
+      <p:cxnSp>
+        <p:nvCxnSpPr>
+          <p:cNvPr id="10" name="Straight Arrow Connector 9"/>
+          <p:cNvCxnSpPr/>
+          <p:nvPr/>
+        </p:nvCxnSpPr>
+        <p:spPr>
+          <a:xfrm flipV="1">
+            <a:off x="6578600" y="3149600"/>
+            <a:ext cx="1083733" cy="8467"/>
+          </a:xfrm>
+          <a:prstGeom prst="straightConnector1">
+            <a:avLst/>
+          </a:prstGeom>
+          <a:ln>
+            <a:solidFill>
+              <a:srgbClr val="FF0000"/>
+            </a:solidFill>
+            <a:tailEnd type="triangle"/>
+          </a:ln>
+        </p:spPr>
+        <p:style>
+          <a:lnRef idx="1">
+            <a:schemeClr val="accent1"/>
+          </a:lnRef>
+          <a:fillRef idx="0">
+            <a:schemeClr val="accent1"/>
+          </a:fillRef>
+          <a:effectRef idx="0">
+            <a:schemeClr val="accent1"/>
+          </a:effectRef>
+          <a:fontRef idx="minor">
+            <a:schemeClr val="tx1"/>
+          </a:fontRef>
+        </p:style>
+      </p:cxnSp>
+      <p:sp>
+        <p:nvSpPr>
+          <p:cNvPr id="11" name="TextBox 10"/>
+          <p:cNvSpPr txBox="1"/>
+          <p:nvPr/>
+        </p:nvSpPr>
+        <p:spPr>
+          <a:xfrm>
+            <a:off x="6019800" y="3019567"/>
+            <a:ext cx="465667" cy="276999"/>
+          </a:xfrm>
+          <a:prstGeom prst="rect">
+            <a:avLst/>
+          </a:prstGeom>
+          <a:noFill/>
+        </p:spPr>
+        <p:txBody>
+          <a:bodyPr wrap="square" rtlCol="0">
+            <a:spAutoFit/>
+          </a:bodyPr>
+          <a:lstStyle/>
+          <a:p>
+            <a:r>
+              <a:rPr lang="en-US" altLang="ko-KR" sz="1200" dirty="0" smtClean="0"/>
+              <a:t>bias</a:t>
+            </a:r>
+            <a:endParaRPr lang="ko-KR" altLang="en-US" sz="1200" dirty="0"/>
+          </a:p>
+        </p:txBody>
+      </p:sp>
+      <p:cxnSp>
+        <p:nvCxnSpPr>
+          <p:cNvPr id="14" name="Straight Arrow Connector 13"/>
+          <p:cNvCxnSpPr/>
+          <p:nvPr/>
+        </p:nvCxnSpPr>
+        <p:spPr>
+          <a:xfrm flipV="1">
+            <a:off x="6578600" y="2616200"/>
+            <a:ext cx="1083733" cy="8467"/>
+          </a:xfrm>
+          <a:prstGeom prst="straightConnector1">
+            <a:avLst/>
+          </a:prstGeom>
+          <a:ln>
+            <a:solidFill>
+              <a:srgbClr val="FF0000"/>
+            </a:solidFill>
+            <a:tailEnd type="triangle"/>
+          </a:ln>
+        </p:spPr>
+        <p:style>
+          <a:lnRef idx="1">
+            <a:schemeClr val="accent1"/>
+          </a:lnRef>
+          <a:fillRef idx="0">
+            <a:schemeClr val="accent1"/>
+          </a:fillRef>
+          <a:effectRef idx="0">
+            <a:schemeClr val="accent1"/>
+          </a:effectRef>
+          <a:fontRef idx="minor">
+            <a:schemeClr val="tx1"/>
+          </a:fontRef>
+        </p:style>
+      </p:cxnSp>
+      <p:sp>
+        <p:nvSpPr>
+          <p:cNvPr id="15" name="TextBox 14"/>
+          <p:cNvSpPr txBox="1"/>
+          <p:nvPr/>
+        </p:nvSpPr>
+        <p:spPr>
+          <a:xfrm>
+            <a:off x="6057899" y="2446923"/>
+            <a:ext cx="558801" cy="338554"/>
+          </a:xfrm>
+          <a:prstGeom prst="rect">
+            <a:avLst/>
+          </a:prstGeom>
+          <a:noFill/>
+        </p:spPr>
+        <p:txBody>
+          <a:bodyPr wrap="square" rtlCol="0">
+            <a:spAutoFit/>
+          </a:bodyPr>
+          <a:lstStyle/>
+          <a:p>
+            <a:r>
+              <a:rPr lang="en-US" altLang="ko-KR" sz="800" dirty="0" smtClean="0"/>
+              <a:t>Vector </a:t>
+            </a:r>
+            <a:r>
+              <a:rPr lang="en-US" altLang="ko-KR" sz="800" dirty="0" err="1" smtClean="0"/>
+              <a:t>Init</a:t>
+            </a:r>
+            <a:endParaRPr lang="ko-KR" altLang="en-US" sz="800" dirty="0"/>
+          </a:p>
+        </p:txBody>
+      </p:sp>
+      <p:cxnSp>
+        <p:nvCxnSpPr>
+          <p:cNvPr id="18" name="Straight Arrow Connector 17"/>
+          <p:cNvCxnSpPr/>
+          <p:nvPr/>
+        </p:nvCxnSpPr>
+        <p:spPr>
+          <a:xfrm flipV="1">
+            <a:off x="6578599" y="5461000"/>
+            <a:ext cx="1083733" cy="8467"/>
+          </a:xfrm>
+          <a:prstGeom prst="straightConnector1">
+            <a:avLst/>
+          </a:prstGeom>
+          <a:ln>
+            <a:solidFill>
+              <a:srgbClr val="FF0000"/>
+            </a:solidFill>
+            <a:tailEnd type="triangle"/>
+          </a:ln>
+        </p:spPr>
+        <p:style>
+          <a:lnRef idx="1">
+            <a:schemeClr val="accent1"/>
+          </a:lnRef>
+          <a:fillRef idx="0">
+            <a:schemeClr val="accent1"/>
+          </a:fillRef>
+          <a:effectRef idx="0">
+            <a:schemeClr val="accent1"/>
+          </a:effectRef>
+          <a:fontRef idx="minor">
+            <a:schemeClr val="tx1"/>
+          </a:fontRef>
+        </p:style>
+      </p:cxnSp>
+      <p:sp>
+        <p:nvSpPr>
+          <p:cNvPr id="19" name="TextBox 18"/>
+          <p:cNvSpPr txBox="1"/>
+          <p:nvPr/>
+        </p:nvSpPr>
+        <p:spPr>
+          <a:xfrm>
+            <a:off x="6057899" y="5345584"/>
+            <a:ext cx="639234" cy="230832"/>
+          </a:xfrm>
+          <a:prstGeom prst="rect">
+            <a:avLst/>
+          </a:prstGeom>
+          <a:noFill/>
+        </p:spPr>
+        <p:txBody>
+          <a:bodyPr wrap="square" rtlCol="0">
+            <a:spAutoFit/>
+          </a:bodyPr>
+          <a:lstStyle/>
+          <a:p>
+            <a:r>
+              <a:rPr lang="ko-KR" altLang="en-US" sz="900" dirty="0" smtClean="0"/>
+              <a:t>무작위</a:t>
+            </a:r>
+            <a:endParaRPr lang="ko-KR" altLang="en-US" sz="900" dirty="0"/>
+          </a:p>
+        </p:txBody>
+      </p:sp>
+    </p:spTree>
+    <p:extLst>
+      <p:ext uri="{BB962C8B-B14F-4D97-AF65-F5344CB8AC3E}">
+        <p14:creationId xmlns:p14="http://schemas.microsoft.com/office/powerpoint/2010/main" val="2783232274"/>
+      </p:ext>
+    </p:extLst>
+  </p:cSld>
+  <p:clrMapOvr>
+    <a:masterClrMapping/>
+  </p:clrMapOvr>
+  <p:timing>
+    <p:tnLst>
+      <p:par>
+        <p:cTn id="1" dur="indefinite" restart="never" nodeType="tmRoot"/>
+      </p:par>
+    </p:tnLst>
+  </p:timing>
+</p:sld>
+</file>
+
+<file path=ppt/slides/slide18.xml><?xml version="1.0" encoding="utf-8"?>
+<p:sld xmlns:a="http://schemas.openxmlformats.org/drawingml/2006/main" xmlns:r="http://schemas.openxmlformats.org/officeDocument/2006/relationships" xmlns:p="http://schemas.openxmlformats.org/presentationml/2006/main">
+  <p:cSld>
+    <p:spTree>
+      <p:nvGrpSpPr>
+        <p:cNvPr id="1" name=""/>
+        <p:cNvGrpSpPr/>
+        <p:nvPr/>
+      </p:nvGrpSpPr>
+      <p:grpSpPr>
+        <a:xfrm>
+          <a:off x="0" y="0"/>
+          <a:ext cx="0" cy="0"/>
+          <a:chOff x="0" y="0"/>
+          <a:chExt cx="0" cy="0"/>
+        </a:xfrm>
+      </p:grpSpPr>
+      <p:pic>
+        <p:nvPicPr>
+          <p:cNvPr id="10" name="Picture 9"/>
+          <p:cNvPicPr>
+            <a:picLocks noChangeAspect="1"/>
+          </p:cNvPicPr>
+          <p:nvPr/>
+        </p:nvPicPr>
+        <p:blipFill>
+          <a:blip r:embed="rId2"/>
+          <a:stretch>
+            <a:fillRect/>
+          </a:stretch>
+        </p:blipFill>
+        <p:spPr>
+          <a:xfrm>
+            <a:off x="7162800" y="1409700"/>
+            <a:ext cx="1857375" cy="5448300"/>
+          </a:xfrm>
+          <a:prstGeom prst="rect">
+            <a:avLst/>
+          </a:prstGeom>
+        </p:spPr>
+      </p:pic>
+      <p:pic>
+        <p:nvPicPr>
+          <p:cNvPr id="11" name="Picture 10"/>
+          <p:cNvPicPr>
+            <a:picLocks noChangeAspect="1"/>
+          </p:cNvPicPr>
+          <p:nvPr/>
+        </p:nvPicPr>
+        <p:blipFill>
+          <a:blip r:embed="rId3"/>
+          <a:stretch>
+            <a:fillRect/>
+          </a:stretch>
+        </p:blipFill>
+        <p:spPr>
+          <a:xfrm>
+            <a:off x="10296525" y="1409700"/>
+            <a:ext cx="1895475" cy="3800475"/>
+          </a:xfrm>
+          <a:prstGeom prst="rect">
+            <a:avLst/>
+          </a:prstGeom>
+        </p:spPr>
+      </p:pic>
+      <p:cxnSp>
+        <p:nvCxnSpPr>
+          <p:cNvPr id="13" name="Straight Arrow Connector 12"/>
+          <p:cNvCxnSpPr/>
+          <p:nvPr/>
+        </p:nvCxnSpPr>
+        <p:spPr>
+          <a:xfrm>
+            <a:off x="9020175" y="3488267"/>
+            <a:ext cx="1276350" cy="8466"/>
+          </a:xfrm>
+          <a:prstGeom prst="straightConnector1">
+            <a:avLst/>
+          </a:prstGeom>
+          <a:ln>
+            <a:tailEnd type="triangle"/>
+          </a:ln>
+        </p:spPr>
+        <p:style>
+          <a:lnRef idx="1">
+            <a:schemeClr val="accent1"/>
+          </a:lnRef>
+          <a:fillRef idx="0">
+            <a:schemeClr val="accent1"/>
+          </a:fillRef>
+          <a:effectRef idx="0">
+            <a:schemeClr val="accent1"/>
+          </a:effectRef>
+          <a:fontRef idx="minor">
+            <a:schemeClr val="tx1"/>
+          </a:fontRef>
+        </p:style>
+      </p:cxnSp>
+      <p:sp>
+        <p:nvSpPr>
+          <p:cNvPr id="14" name="TextBox 13"/>
+          <p:cNvSpPr txBox="1"/>
+          <p:nvPr/>
+        </p:nvSpPr>
+        <p:spPr>
+          <a:xfrm>
+            <a:off x="548643" y="384803"/>
+            <a:ext cx="4697128" cy="523220"/>
+          </a:xfrm>
+          <a:prstGeom prst="rect">
+            <a:avLst/>
+          </a:prstGeom>
+          <a:noFill/>
+        </p:spPr>
+        <p:txBody>
+          <a:bodyPr wrap="square" rtlCol="0">
+            <a:spAutoFit/>
+          </a:bodyPr>
+          <a:lstStyle/>
+          <a:p>
+            <a:r>
+              <a:rPr lang="en-US" altLang="ko-KR" sz="2800" dirty="0"/>
+              <a:t>3</a:t>
+            </a:r>
+            <a:r>
+              <a:rPr lang="en-US" altLang="ko-KR" sz="2800" dirty="0" smtClean="0"/>
+              <a:t>) </a:t>
+            </a:r>
+            <a:r>
+              <a:rPr lang="ko-KR" altLang="en-US" sz="2800" dirty="0" smtClean="0"/>
+              <a:t>데이터 분석</a:t>
+            </a:r>
+            <a:endParaRPr lang="ko-KR" altLang="en-US" sz="2800" dirty="0"/>
+          </a:p>
+        </p:txBody>
+      </p:sp>
+      <p:sp>
+        <p:nvSpPr>
+          <p:cNvPr id="15" name="TextBox 14"/>
+          <p:cNvSpPr txBox="1"/>
+          <p:nvPr/>
+        </p:nvSpPr>
+        <p:spPr>
+          <a:xfrm>
+            <a:off x="7055908" y="538691"/>
+            <a:ext cx="1964267" cy="369332"/>
+          </a:xfrm>
+          <a:prstGeom prst="rect">
+            <a:avLst/>
+          </a:prstGeom>
+          <a:noFill/>
+        </p:spPr>
+        <p:txBody>
+          <a:bodyPr wrap="square" rtlCol="0">
+            <a:spAutoFit/>
+          </a:bodyPr>
+          <a:lstStyle/>
+          <a:p>
+            <a:r>
+              <a:rPr lang="en-US" altLang="ko-KR" dirty="0" smtClean="0"/>
+              <a:t>SGD </a:t>
+            </a:r>
+            <a:r>
+              <a:rPr lang="ko-KR" altLang="en-US" dirty="0" smtClean="0"/>
+              <a:t>의 에러</a:t>
+            </a:r>
+            <a:endParaRPr lang="ko-KR" altLang="en-US" dirty="0"/>
+          </a:p>
+        </p:txBody>
+      </p:sp>
+      <p:sp>
+        <p:nvSpPr>
+          <p:cNvPr id="17" name="TextBox 16"/>
+          <p:cNvSpPr txBox="1"/>
+          <p:nvPr/>
+        </p:nvSpPr>
+        <p:spPr>
+          <a:xfrm>
+            <a:off x="711200" y="1409700"/>
+            <a:ext cx="5147733" cy="1477328"/>
+          </a:xfrm>
+          <a:prstGeom prst="rect">
+            <a:avLst/>
+          </a:prstGeom>
+          <a:noFill/>
+        </p:spPr>
+        <p:txBody>
+          <a:bodyPr wrap="square" rtlCol="0">
+            <a:spAutoFit/>
+          </a:bodyPr>
+          <a:lstStyle/>
+          <a:p>
+            <a:r>
+              <a:rPr lang="ko-KR" altLang="en-US" dirty="0" smtClean="0"/>
+              <a:t>현재 진행 상황</a:t>
+            </a:r>
+            <a:r>
+              <a:rPr lang="en-US" altLang="ko-KR" dirty="0" smtClean="0"/>
+              <a:t>: </a:t>
+            </a:r>
+          </a:p>
+          <a:p>
+            <a:endParaRPr lang="en-US" altLang="ko-KR" dirty="0"/>
+          </a:p>
+          <a:p>
+            <a:r>
+              <a:rPr lang="en-US" altLang="ko-KR" dirty="0" smtClean="0"/>
+              <a:t>	SGD </a:t>
+            </a:r>
+            <a:r>
+              <a:rPr lang="ko-KR" altLang="en-US" dirty="0" smtClean="0"/>
+              <a:t>에 최적화된 파라미터 찾기</a:t>
+            </a:r>
+            <a:endParaRPr lang="en-US" altLang="ko-KR" dirty="0" smtClean="0"/>
+          </a:p>
+          <a:p>
+            <a:endParaRPr lang="en-US" altLang="ko-KR" dirty="0"/>
+          </a:p>
+          <a:p>
+            <a:r>
+              <a:rPr lang="en-US" altLang="ko-KR" dirty="0" smtClean="0"/>
+              <a:t>		</a:t>
+            </a:r>
+          </a:p>
+        </p:txBody>
+      </p:sp>
+      <p:sp>
+        <p:nvSpPr>
+          <p:cNvPr id="18" name="Rectangle 17"/>
+          <p:cNvSpPr/>
+          <p:nvPr/>
+        </p:nvSpPr>
+        <p:spPr>
+          <a:xfrm>
+            <a:off x="1837267" y="3115733"/>
+            <a:ext cx="1270000" cy="609600"/>
+          </a:xfrm>
+          <a:prstGeom prst="rect">
+            <a:avLst/>
+          </a:prstGeom>
+        </p:spPr>
+        <p:style>
+          <a:lnRef idx="2">
+            <a:schemeClr val="accent1">
+              <a:shade val="50000"/>
+            </a:schemeClr>
+          </a:lnRef>
+          <a:fillRef idx="1">
+            <a:schemeClr val="accent1"/>
+          </a:fillRef>
+          <a:effectRef idx="0">
+            <a:schemeClr val="accent1"/>
+          </a:effectRef>
+          <a:fontRef idx="minor">
+            <a:schemeClr val="lt1"/>
+          </a:fontRef>
+        </p:style>
+        <p:txBody>
+          <a:bodyPr rtlCol="0" anchor="ctr"/>
+          <a:lstStyle/>
+          <a:p>
+            <a:pPr algn="ctr"/>
+            <a:r>
+              <a:rPr lang="en-US" altLang="ko-KR" dirty="0" smtClean="0"/>
+              <a:t>Learning Rate</a:t>
+            </a:r>
+            <a:endParaRPr lang="ko-KR" altLang="en-US" dirty="0"/>
+          </a:p>
+        </p:txBody>
+      </p:sp>
+      <p:sp>
+        <p:nvSpPr>
+          <p:cNvPr id="20" name="Rectangle 19"/>
+          <p:cNvSpPr/>
+          <p:nvPr/>
+        </p:nvSpPr>
+        <p:spPr>
+          <a:xfrm>
+            <a:off x="3776134" y="3115733"/>
+            <a:ext cx="1270000" cy="609600"/>
+          </a:xfrm>
+          <a:prstGeom prst="rect">
+            <a:avLst/>
+          </a:prstGeom>
+        </p:spPr>
+        <p:style>
+          <a:lnRef idx="2">
+            <a:schemeClr val="accent1">
+              <a:shade val="50000"/>
+            </a:schemeClr>
+          </a:lnRef>
+          <a:fillRef idx="1">
+            <a:schemeClr val="accent1"/>
+          </a:fillRef>
+          <a:effectRef idx="0">
+            <a:schemeClr val="accent1"/>
+          </a:effectRef>
+          <a:fontRef idx="minor">
+            <a:schemeClr val="lt1"/>
+          </a:fontRef>
+        </p:style>
+        <p:txBody>
+          <a:bodyPr rtlCol="0" anchor="ctr"/>
+          <a:lstStyle/>
+          <a:p>
+            <a:pPr algn="ctr"/>
+            <a:r>
+              <a:rPr lang="en-US" altLang="ko-KR" dirty="0" smtClean="0"/>
+              <a:t># of Iterations</a:t>
+            </a:r>
+            <a:endParaRPr lang="ko-KR" altLang="en-US" dirty="0"/>
+          </a:p>
+        </p:txBody>
+      </p:sp>
+      <p:sp>
+        <p:nvSpPr>
+          <p:cNvPr id="21" name="TextBox 20"/>
+          <p:cNvSpPr txBox="1"/>
+          <p:nvPr/>
+        </p:nvSpPr>
+        <p:spPr>
+          <a:xfrm>
+            <a:off x="1303866" y="4035271"/>
+            <a:ext cx="1981200" cy="646331"/>
+          </a:xfrm>
+          <a:prstGeom prst="rect">
+            <a:avLst/>
+          </a:prstGeom>
+          <a:noFill/>
+        </p:spPr>
+        <p:txBody>
+          <a:bodyPr wrap="square" rtlCol="0">
+            <a:spAutoFit/>
+          </a:bodyPr>
+          <a:lstStyle/>
+          <a:p>
+            <a:r>
+              <a:rPr lang="ko-KR" altLang="en-US" dirty="0" smtClean="0"/>
+              <a:t>너무 크면 </a:t>
+            </a:r>
+            <a:r>
+              <a:rPr lang="en-US" altLang="ko-KR" dirty="0" err="1" smtClean="0"/>
+              <a:t>overfit</a:t>
+            </a:r>
+            <a:r>
+              <a:rPr lang="en-US" altLang="ko-KR" dirty="0" smtClean="0"/>
+              <a:t> </a:t>
+            </a:r>
+            <a:r>
+              <a:rPr lang="ko-KR" altLang="en-US" dirty="0" smtClean="0"/>
+              <a:t>발생</a:t>
+            </a:r>
+            <a:endParaRPr lang="en-US" altLang="ko-KR" dirty="0" smtClean="0"/>
+          </a:p>
+        </p:txBody>
+      </p:sp>
+      <p:sp>
+        <p:nvSpPr>
+          <p:cNvPr id="23" name="TextBox 22"/>
+          <p:cNvSpPr txBox="1"/>
+          <p:nvPr/>
+        </p:nvSpPr>
+        <p:spPr>
+          <a:xfrm>
+            <a:off x="3818468" y="4035271"/>
+            <a:ext cx="1981200" cy="1477328"/>
+          </a:xfrm>
+          <a:prstGeom prst="rect">
+            <a:avLst/>
+          </a:prstGeom>
+          <a:noFill/>
+        </p:spPr>
+        <p:txBody>
+          <a:bodyPr wrap="square" rtlCol="0">
+            <a:spAutoFit/>
+          </a:bodyPr>
+          <a:lstStyle/>
+          <a:p>
+            <a:r>
+              <a:rPr lang="ko-KR" altLang="en-US" dirty="0" smtClean="0"/>
+              <a:t>너무 많으면 </a:t>
+            </a:r>
+            <a:endParaRPr lang="en-US" altLang="ko-KR" dirty="0" smtClean="0"/>
+          </a:p>
+          <a:p>
+            <a:r>
+              <a:rPr lang="ko-KR" altLang="en-US" dirty="0" smtClean="0"/>
+              <a:t>시간 낭비</a:t>
+            </a:r>
+            <a:endParaRPr lang="en-US" altLang="ko-KR" dirty="0" smtClean="0"/>
+          </a:p>
+          <a:p>
+            <a:endParaRPr lang="en-US" altLang="ko-KR" dirty="0"/>
+          </a:p>
+          <a:p>
+            <a:r>
+              <a:rPr lang="ko-KR" altLang="en-US" dirty="0" smtClean="0"/>
+              <a:t>너무 적으면 </a:t>
+            </a:r>
+            <a:endParaRPr lang="en-US" altLang="ko-KR" dirty="0" smtClean="0"/>
+          </a:p>
+          <a:p>
+            <a:r>
+              <a:rPr lang="ko-KR" altLang="en-US" dirty="0" smtClean="0"/>
+              <a:t>최적화 </a:t>
+            </a:r>
+            <a:r>
+              <a:rPr lang="en-US" altLang="ko-KR" dirty="0" smtClean="0"/>
+              <a:t>X</a:t>
+            </a:r>
+          </a:p>
+        </p:txBody>
+      </p:sp>
+      <p:cxnSp>
+        <p:nvCxnSpPr>
+          <p:cNvPr id="25" name="Straight Arrow Connector 24"/>
+          <p:cNvCxnSpPr>
+            <a:stCxn id="18" idx="2"/>
+          </p:cNvCxnSpPr>
+          <p:nvPr/>
+        </p:nvCxnSpPr>
+        <p:spPr>
+          <a:xfrm>
+            <a:off x="2472267" y="3725333"/>
+            <a:ext cx="0" cy="309938"/>
+          </a:xfrm>
+          <a:prstGeom prst="straightConnector1">
+            <a:avLst/>
+          </a:prstGeom>
+          <a:ln>
+            <a:solidFill>
+              <a:schemeClr val="accent2"/>
+            </a:solidFill>
+            <a:tailEnd type="triangle"/>
+          </a:ln>
+        </p:spPr>
+        <p:style>
+          <a:lnRef idx="1">
+            <a:schemeClr val="accent1"/>
+          </a:lnRef>
+          <a:fillRef idx="0">
+            <a:schemeClr val="accent1"/>
+          </a:fillRef>
+          <a:effectRef idx="0">
+            <a:schemeClr val="accent1"/>
+          </a:effectRef>
+          <a:fontRef idx="minor">
+            <a:schemeClr val="tx1"/>
+          </a:fontRef>
+        </p:style>
+      </p:cxnSp>
+      <p:cxnSp>
+        <p:nvCxnSpPr>
+          <p:cNvPr id="26" name="Straight Arrow Connector 25"/>
+          <p:cNvCxnSpPr/>
+          <p:nvPr/>
+        </p:nvCxnSpPr>
+        <p:spPr>
+          <a:xfrm>
+            <a:off x="4428068" y="3725333"/>
+            <a:ext cx="0" cy="309938"/>
+          </a:xfrm>
+          <a:prstGeom prst="straightConnector1">
+            <a:avLst/>
+          </a:prstGeom>
+          <a:ln>
+            <a:solidFill>
+              <a:schemeClr val="accent2"/>
+            </a:solidFill>
+            <a:tailEnd type="triangle"/>
+          </a:ln>
+        </p:spPr>
+        <p:style>
+          <a:lnRef idx="1">
+            <a:schemeClr val="accent1"/>
+          </a:lnRef>
+          <a:fillRef idx="0">
+            <a:schemeClr val="accent1"/>
+          </a:fillRef>
+          <a:effectRef idx="0">
+            <a:schemeClr val="accent1"/>
+          </a:effectRef>
+          <a:fontRef idx="minor">
+            <a:schemeClr val="tx1"/>
+          </a:fontRef>
+        </p:style>
+      </p:cxnSp>
+    </p:spTree>
+    <p:extLst>
+      <p:ext uri="{BB962C8B-B14F-4D97-AF65-F5344CB8AC3E}">
+        <p14:creationId xmlns:p14="http://schemas.microsoft.com/office/powerpoint/2010/main" val="3266656972"/>
+      </p:ext>
+    </p:extLst>
+  </p:cSld>
+  <p:clrMapOvr>
+    <a:masterClrMapping/>
+  </p:clrMapOvr>
+  <p:timing>
+    <p:tnLst>
+      <p:par>
+        <p:cTn id="1" dur="indefinite" restart="never" nodeType="tmRoot"/>
+      </p:par>
+    </p:tnLst>
+  </p:timing>
+</p:sld>
+</file>
+
+<file path=ppt/slides/slide19.xml><?xml version="1.0" encoding="utf-8"?>
+<p:sld xmlns:a="http://schemas.openxmlformats.org/drawingml/2006/main" xmlns:r="http://schemas.openxmlformats.org/officeDocument/2006/relationships" xmlns:p="http://schemas.openxmlformats.org/presentationml/2006/main">
+  <p:cSld>
+    <p:spTree>
+      <p:nvGrpSpPr>
+        <p:cNvPr id="1" name=""/>
+        <p:cNvGrpSpPr/>
+        <p:nvPr/>
+      </p:nvGrpSpPr>
+      <p:grpSpPr>
+        <a:xfrm>
+          <a:off x="0" y="0"/>
+          <a:ext cx="0" cy="0"/>
+          <a:chOff x="0" y="0"/>
+          <a:chExt cx="0" cy="0"/>
+        </a:xfrm>
+      </p:grpSpPr>
       <p:sp>
         <p:nvSpPr>
           <p:cNvPr id="4" name="TextBox 3"/>
@@ -6883,11 +7782,7 @@
             </a:r>
             <a:r>
               <a:rPr lang="ko-KR" altLang="en-US" dirty="0" smtClean="0"/>
-              <a:t>알고리즘 </a:t>
-            </a:r>
-            <a:r>
-              <a:rPr lang="ko-KR" altLang="en-US" dirty="0" smtClean="0"/>
-              <a:t>완료</a:t>
+              <a:t>알고리즘 완료</a:t>
             </a:r>
             <a:endParaRPr lang="en-US" altLang="ko-KR" dirty="0" smtClean="0"/>
           </a:p>
@@ -6919,7 +7814,6 @@
               <a:rPr lang="en-US" altLang="ko-KR" dirty="0" smtClean="0"/>
               <a:t>)</a:t>
             </a:r>
-            <a:endParaRPr lang="en-US" altLang="ko-KR" dirty="0" smtClean="0"/>
           </a:p>
           <a:p>
             <a:pPr marL="342900" indent="-342900" algn="ctr">
@@ -7068,11 +7962,7 @@
             <a:pPr algn="ctr"/>
             <a:r>
               <a:rPr lang="en-US" altLang="ko-KR" dirty="0" smtClean="0"/>
-              <a:t>2</a:t>
-            </a:r>
-            <a:r>
-              <a:rPr lang="en-US" altLang="ko-KR" dirty="0" smtClean="0"/>
-              <a:t>. Bias, Overfitting </a:t>
+              <a:t>2. Bias, Overfitting </a:t>
             </a:r>
             <a:r>
               <a:rPr lang="ko-KR" altLang="en-US" dirty="0" smtClean="0"/>
@@ -7100,10 +7990,306 @@
   <p:clrMapOvr>
     <a:masterClrMapping/>
   </p:clrMapOvr>
+  <p:timing>
+    <p:tnLst>
+      <p:par>
+        <p:cTn id="1" dur="indefinite" restart="never" nodeType="tmRoot"/>
+      </p:par>
+    </p:tnLst>
+  </p:timing>
 </p:sld>
 </file>
 
-<file path=ppt/slides/slide18.xml><?xml version="1.0" encoding="utf-8"?>
+<file path=ppt/slides/slide2.xml><?xml version="1.0" encoding="utf-8"?>
+<p:sld xmlns:a="http://schemas.openxmlformats.org/drawingml/2006/main" xmlns:r="http://schemas.openxmlformats.org/officeDocument/2006/relationships" xmlns:p="http://schemas.openxmlformats.org/presentationml/2006/main">
+  <p:cSld>
+    <p:spTree>
+      <p:nvGrpSpPr>
+        <p:cNvPr id="1" name=""/>
+        <p:cNvGrpSpPr/>
+        <p:nvPr/>
+      </p:nvGrpSpPr>
+      <p:grpSpPr>
+        <a:xfrm>
+          <a:off x="0" y="0"/>
+          <a:ext cx="0" cy="0"/>
+          <a:chOff x="0" y="0"/>
+          <a:chExt cx="0" cy="0"/>
+        </a:xfrm>
+      </p:grpSpPr>
+      <p:sp>
+        <p:nvSpPr>
+          <p:cNvPr id="4" name="TextBox 3"/>
+          <p:cNvSpPr txBox="1"/>
+          <p:nvPr/>
+        </p:nvSpPr>
+        <p:spPr>
+          <a:xfrm>
+            <a:off x="832022" y="543697"/>
+            <a:ext cx="4959178" cy="1015663"/>
+          </a:xfrm>
+          <a:prstGeom prst="rect">
+            <a:avLst/>
+          </a:prstGeom>
+          <a:noFill/>
+        </p:spPr>
+        <p:txBody>
+          <a:bodyPr wrap="square" rtlCol="0">
+            <a:spAutoFit/>
+          </a:bodyPr>
+          <a:lstStyle/>
+          <a:p>
+            <a:r>
+              <a:rPr lang="en-US" altLang="ko-KR" sz="2400" dirty="0" smtClean="0"/>
+              <a:t>Recommender System </a:t>
+            </a:r>
+          </a:p>
+          <a:p>
+            <a:endParaRPr lang="en-US" altLang="ko-KR" dirty="0"/>
+          </a:p>
+          <a:p>
+            <a:r>
+              <a:rPr lang="ko-KR" altLang="en-US" dirty="0" smtClean="0"/>
+              <a:t> </a:t>
+            </a:r>
+            <a:endParaRPr lang="ko-KR" altLang="en-US" dirty="0"/>
+          </a:p>
+        </p:txBody>
+      </p:sp>
+      <p:sp>
+        <p:nvSpPr>
+          <p:cNvPr id="5" name="TextBox 4"/>
+          <p:cNvSpPr txBox="1"/>
+          <p:nvPr/>
+        </p:nvSpPr>
+        <p:spPr>
+          <a:xfrm>
+            <a:off x="1598141" y="1559360"/>
+            <a:ext cx="8460259" cy="646331"/>
+          </a:xfrm>
+          <a:prstGeom prst="rect">
+            <a:avLst/>
+          </a:prstGeom>
+          <a:noFill/>
+        </p:spPr>
+        <p:txBody>
+          <a:bodyPr wrap="square" rtlCol="0">
+            <a:spAutoFit/>
+          </a:bodyPr>
+          <a:lstStyle/>
+          <a:p>
+            <a:r>
+              <a:rPr lang="en-US" altLang="ko-KR" dirty="0" smtClean="0">
+                <a:solidFill>
+                  <a:schemeClr val="accent1"/>
+                </a:solidFill>
+              </a:rPr>
+              <a:t>Recommender System </a:t>
+            </a:r>
+            <a:r>
+              <a:rPr lang="ko-KR" altLang="en-US" dirty="0" smtClean="0"/>
+              <a:t>은 기존 데이터로 사용자의 성향을 분석한 후 그 성향을 토대로 사용자가 어떤 아이템에 내릴 평가를 예상하는 시스템이다</a:t>
+            </a:r>
+            <a:r>
+              <a:rPr lang="en-US" altLang="ko-KR" dirty="0" smtClean="0"/>
+              <a:t>. </a:t>
+            </a:r>
+            <a:endParaRPr lang="en-US" altLang="ko-KR" dirty="0"/>
+          </a:p>
+        </p:txBody>
+      </p:sp>
+      <p:sp>
+        <p:nvSpPr>
+          <p:cNvPr id="7" name="TextBox 6"/>
+          <p:cNvSpPr txBox="1"/>
+          <p:nvPr/>
+        </p:nvSpPr>
+        <p:spPr>
+          <a:xfrm>
+            <a:off x="1598141" y="3369276"/>
+            <a:ext cx="5329881" cy="2308324"/>
+          </a:xfrm>
+          <a:prstGeom prst="rect">
+            <a:avLst/>
+          </a:prstGeom>
+          <a:noFill/>
+        </p:spPr>
+        <p:txBody>
+          <a:bodyPr wrap="square" rtlCol="0">
+            <a:spAutoFit/>
+          </a:bodyPr>
+          <a:lstStyle/>
+          <a:p>
+            <a:r>
+              <a:rPr lang="ko-KR" altLang="en-US" dirty="0" smtClean="0">
+                <a:solidFill>
+                  <a:schemeClr val="accent4"/>
+                </a:solidFill>
+              </a:rPr>
+              <a:t>예</a:t>
+            </a:r>
+            <a:r>
+              <a:rPr lang="en-US" altLang="ko-KR" dirty="0" smtClean="0">
+                <a:solidFill>
+                  <a:schemeClr val="accent4"/>
+                </a:solidFill>
+              </a:rPr>
+              <a:t>)</a:t>
+            </a:r>
+          </a:p>
+          <a:p>
+            <a:r>
+              <a:rPr lang="en-US" altLang="ko-KR" dirty="0"/>
+              <a:t>	</a:t>
+            </a:r>
+            <a:r>
+              <a:rPr lang="ko-KR" altLang="en-US" dirty="0" smtClean="0"/>
+              <a:t>사용자 </a:t>
+            </a:r>
+            <a:r>
+              <a:rPr lang="en-US" altLang="ko-KR" dirty="0" smtClean="0"/>
+              <a:t>A </a:t>
+            </a:r>
+            <a:r>
+              <a:rPr lang="ko-KR" altLang="en-US" dirty="0" smtClean="0"/>
+              <a:t>가 아이폰과 맥북에 좋은 평점</a:t>
+            </a:r>
+            <a:r>
+              <a:rPr lang="en-US" altLang="ko-KR" dirty="0" smtClean="0"/>
+              <a:t>	</a:t>
+            </a:r>
+            <a:r>
+              <a:rPr lang="ko-KR" altLang="en-US" dirty="0" smtClean="0"/>
+              <a:t>을 부여했고</a:t>
+            </a:r>
+            <a:r>
+              <a:rPr lang="en-US" altLang="ko-KR" dirty="0" smtClean="0"/>
+              <a:t>, </a:t>
+            </a:r>
+            <a:r>
+              <a:rPr lang="ko-KR" altLang="en-US" dirty="0" smtClean="0"/>
+              <a:t>윈도스 제품에는 낮은 평점</a:t>
+            </a:r>
+            <a:r>
+              <a:rPr lang="en-US" altLang="ko-KR" dirty="0" smtClean="0"/>
+              <a:t>	</a:t>
+            </a:r>
+            <a:r>
+              <a:rPr lang="ko-KR" altLang="en-US" dirty="0" smtClean="0"/>
+              <a:t>을 부여했다</a:t>
+            </a:r>
+            <a:r>
+              <a:rPr lang="en-US" altLang="ko-KR" dirty="0" smtClean="0"/>
+              <a:t>. Recommender System </a:t>
+            </a:r>
+            <a:r>
+              <a:rPr lang="ko-KR" altLang="en-US" dirty="0" smtClean="0"/>
+              <a:t>은 </a:t>
+            </a:r>
+            <a:endParaRPr lang="en-US" altLang="ko-KR" dirty="0" smtClean="0"/>
+          </a:p>
+          <a:p>
+            <a:r>
+              <a:rPr lang="en-US" altLang="ko-KR" dirty="0"/>
+              <a:t>	</a:t>
+            </a:r>
+            <a:r>
+              <a:rPr lang="ko-KR" altLang="en-US" dirty="0" smtClean="0"/>
+              <a:t>이 데이터를 가지고 </a:t>
+            </a:r>
+            <a:r>
+              <a:rPr lang="en-US" altLang="ko-KR" dirty="0" smtClean="0"/>
+              <a:t>“</a:t>
+            </a:r>
+            <a:r>
+              <a:rPr lang="ko-KR" altLang="en-US" dirty="0" smtClean="0"/>
+              <a:t>사용자 </a:t>
+            </a:r>
+            <a:r>
+              <a:rPr lang="en-US" altLang="ko-KR" dirty="0" smtClean="0"/>
+              <a:t>A </a:t>
+            </a:r>
+            <a:r>
+              <a:rPr lang="ko-KR" altLang="en-US" dirty="0" smtClean="0"/>
+              <a:t>는 애플</a:t>
+            </a:r>
+            <a:endParaRPr lang="en-US" altLang="ko-KR" dirty="0" smtClean="0"/>
+          </a:p>
+          <a:p>
+            <a:r>
+              <a:rPr lang="en-US" altLang="ko-KR" dirty="0"/>
+              <a:t>	</a:t>
+            </a:r>
+            <a:r>
+              <a:rPr lang="ko-KR" altLang="en-US" dirty="0" smtClean="0"/>
+              <a:t>제품을 좋아한다</a:t>
+            </a:r>
+            <a:r>
+              <a:rPr lang="en-US" altLang="ko-KR" dirty="0" smtClean="0"/>
+              <a:t>“ </a:t>
+            </a:r>
+            <a:r>
+              <a:rPr lang="ko-KR" altLang="en-US" dirty="0" smtClean="0"/>
+              <a:t>라는 결론은 내리고 </a:t>
+            </a:r>
+            <a:endParaRPr lang="en-US" altLang="ko-KR" dirty="0" smtClean="0"/>
+          </a:p>
+          <a:p>
+            <a:r>
+              <a:rPr lang="en-US" altLang="ko-KR" dirty="0"/>
+              <a:t>	</a:t>
+            </a:r>
+            <a:r>
+              <a:rPr lang="ko-KR" altLang="en-US" dirty="0" smtClean="0"/>
+              <a:t>그에 맞게 사용자 </a:t>
+            </a:r>
+            <a:r>
+              <a:rPr lang="en-US" altLang="ko-KR" dirty="0" smtClean="0"/>
+              <a:t>A </a:t>
+            </a:r>
+            <a:r>
+              <a:rPr lang="ko-KR" altLang="en-US" dirty="0" smtClean="0"/>
+              <a:t>한테 제품을 추천</a:t>
+            </a:r>
+            <a:endParaRPr lang="en-US" altLang="ko-KR" dirty="0" smtClean="0"/>
+          </a:p>
+          <a:p>
+            <a:r>
+              <a:rPr lang="en-US" altLang="ko-KR" dirty="0"/>
+              <a:t>	</a:t>
+            </a:r>
+            <a:r>
+              <a:rPr lang="ko-KR" altLang="en-US" dirty="0" smtClean="0"/>
+              <a:t>해준다</a:t>
+            </a:r>
+            <a:r>
+              <a:rPr lang="en-US" altLang="ko-KR" dirty="0" smtClean="0"/>
+              <a:t>. </a:t>
+            </a:r>
+          </a:p>
+        </p:txBody>
+      </p:sp>
+    </p:spTree>
+    <p:extLst>
+      <p:ext uri="{BB962C8B-B14F-4D97-AF65-F5344CB8AC3E}">
+        <p14:creationId xmlns:p14="http://schemas.microsoft.com/office/powerpoint/2010/main" val="3570464820"/>
+      </p:ext>
+    </p:extLst>
+  </p:cSld>
+  <p:clrMapOvr>
+    <a:masterClrMapping/>
+  </p:clrMapOvr>
+  <p:timing>
+    <p:tnLst>
+      <p:par>
+        <p:cTn id="1" dur="indefinite" restart="never" nodeType="tmRoot"/>
+      </p:par>
+    </p:tnLst>
+  </p:timing>
+</p:sld>
+</file>
+
+<file path=ppt/slides/slide20.xml><?xml version="1.0" encoding="utf-8"?>
 <p:sld xmlns:a="http://schemas.openxmlformats.org/drawingml/2006/main" xmlns:r="http://schemas.openxmlformats.org/officeDocument/2006/relationships" xmlns:p="http://schemas.openxmlformats.org/presentationml/2006/main">
   <p:cSld>
     <p:bg>
@@ -7220,7 +8406,7 @@
 </p:sld>
 </file>
 
-<file path=ppt/slides/slide19.xml><?xml version="1.0" encoding="utf-8"?>
+<file path=ppt/slides/slide21.xml><?xml version="1.0" encoding="utf-8"?>
 <p:sld xmlns:a="http://schemas.openxmlformats.org/drawingml/2006/main" xmlns:r="http://schemas.openxmlformats.org/officeDocument/2006/relationships" xmlns:p="http://schemas.openxmlformats.org/presentationml/2006/main">
   <p:cSld>
     <p:spTree>
@@ -8022,295 +9208,6 @@
   <p:clrMapOvr>
     <a:masterClrMapping/>
   </p:clrMapOvr>
-</p:sld>
-</file>
-
-<file path=ppt/slides/slide2.xml><?xml version="1.0" encoding="utf-8"?>
-<p:sld xmlns:a="http://schemas.openxmlformats.org/drawingml/2006/main" xmlns:r="http://schemas.openxmlformats.org/officeDocument/2006/relationships" xmlns:p="http://schemas.openxmlformats.org/presentationml/2006/main">
-  <p:cSld>
-    <p:spTree>
-      <p:nvGrpSpPr>
-        <p:cNvPr id="1" name=""/>
-        <p:cNvGrpSpPr/>
-        <p:nvPr/>
-      </p:nvGrpSpPr>
-      <p:grpSpPr>
-        <a:xfrm>
-          <a:off x="0" y="0"/>
-          <a:ext cx="0" cy="0"/>
-          <a:chOff x="0" y="0"/>
-          <a:chExt cx="0" cy="0"/>
-        </a:xfrm>
-      </p:grpSpPr>
-      <p:sp>
-        <p:nvSpPr>
-          <p:cNvPr id="4" name="TextBox 3"/>
-          <p:cNvSpPr txBox="1"/>
-          <p:nvPr/>
-        </p:nvSpPr>
-        <p:spPr>
-          <a:xfrm>
-            <a:off x="832022" y="543697"/>
-            <a:ext cx="4959178" cy="1015663"/>
-          </a:xfrm>
-          <a:prstGeom prst="rect">
-            <a:avLst/>
-          </a:prstGeom>
-          <a:noFill/>
-        </p:spPr>
-        <p:txBody>
-          <a:bodyPr wrap="square" rtlCol="0">
-            <a:spAutoFit/>
-          </a:bodyPr>
-          <a:lstStyle/>
-          <a:p>
-            <a:r>
-              <a:rPr lang="en-US" altLang="ko-KR" sz="2400" dirty="0" smtClean="0"/>
-              <a:t>Recommender System </a:t>
-            </a:r>
-          </a:p>
-          <a:p>
-            <a:endParaRPr lang="en-US" altLang="ko-KR" dirty="0"/>
-          </a:p>
-          <a:p>
-            <a:r>
-              <a:rPr lang="ko-KR" altLang="en-US" dirty="0" smtClean="0"/>
-              <a:t> </a:t>
-            </a:r>
-            <a:endParaRPr lang="ko-KR" altLang="en-US" dirty="0"/>
-          </a:p>
-        </p:txBody>
-      </p:sp>
-      <p:sp>
-        <p:nvSpPr>
-          <p:cNvPr id="5" name="TextBox 4"/>
-          <p:cNvSpPr txBox="1"/>
-          <p:nvPr/>
-        </p:nvSpPr>
-        <p:spPr>
-          <a:xfrm>
-            <a:off x="1598141" y="1559360"/>
-            <a:ext cx="8460259" cy="646331"/>
-          </a:xfrm>
-          <a:prstGeom prst="rect">
-            <a:avLst/>
-          </a:prstGeom>
-          <a:noFill/>
-        </p:spPr>
-        <p:txBody>
-          <a:bodyPr wrap="square" rtlCol="0">
-            <a:spAutoFit/>
-          </a:bodyPr>
-          <a:lstStyle/>
-          <a:p>
-            <a:r>
-              <a:rPr lang="en-US" altLang="ko-KR" dirty="0" smtClean="0">
-                <a:solidFill>
-                  <a:schemeClr val="accent1"/>
-                </a:solidFill>
-              </a:rPr>
-              <a:t>Recommender System </a:t>
-            </a:r>
-            <a:r>
-              <a:rPr lang="ko-KR" altLang="en-US" dirty="0" smtClean="0"/>
-              <a:t>은 기존 데이터로 사용자의 성향을 분석한 후 그 성향을 토대로 사용자가 어떤 아이템에 내릴 평가를 예상하는 시스템이다</a:t>
-            </a:r>
-            <a:r>
-              <a:rPr lang="en-US" altLang="ko-KR" dirty="0" smtClean="0"/>
-              <a:t>. </a:t>
-            </a:r>
-            <a:endParaRPr lang="en-US" altLang="ko-KR" dirty="0"/>
-          </a:p>
-        </p:txBody>
-      </p:sp>
-      <p:sp>
-        <p:nvSpPr>
-          <p:cNvPr id="7" name="TextBox 6"/>
-          <p:cNvSpPr txBox="1"/>
-          <p:nvPr/>
-        </p:nvSpPr>
-        <p:spPr>
-          <a:xfrm>
-            <a:off x="1598141" y="3369276"/>
-            <a:ext cx="5329881" cy="2308324"/>
-          </a:xfrm>
-          <a:prstGeom prst="rect">
-            <a:avLst/>
-          </a:prstGeom>
-          <a:noFill/>
-        </p:spPr>
-        <p:txBody>
-          <a:bodyPr wrap="square" rtlCol="0">
-            <a:spAutoFit/>
-          </a:bodyPr>
-          <a:lstStyle/>
-          <a:p>
-            <a:r>
-              <a:rPr lang="ko-KR" altLang="en-US" dirty="0" smtClean="0">
-                <a:solidFill>
-                  <a:schemeClr val="accent4"/>
-                </a:solidFill>
-              </a:rPr>
-              <a:t>예</a:t>
-            </a:r>
-            <a:r>
-              <a:rPr lang="en-US" altLang="ko-KR" dirty="0" smtClean="0">
-                <a:solidFill>
-                  <a:schemeClr val="accent4"/>
-                </a:solidFill>
-              </a:rPr>
-              <a:t>)</a:t>
-            </a:r>
-          </a:p>
-          <a:p>
-            <a:r>
-              <a:rPr lang="en-US" altLang="ko-KR" dirty="0"/>
-              <a:t>	</a:t>
-            </a:r>
-            <a:r>
-              <a:rPr lang="ko-KR" altLang="en-US" dirty="0" smtClean="0"/>
-              <a:t>사용자 </a:t>
-            </a:r>
-            <a:r>
-              <a:rPr lang="en-US" altLang="ko-KR" dirty="0" smtClean="0"/>
-              <a:t>A </a:t>
-            </a:r>
-            <a:r>
-              <a:rPr lang="ko-KR" altLang="en-US" dirty="0" smtClean="0"/>
-              <a:t>가 아이폰과 맥북에 좋은 평점</a:t>
-            </a:r>
-            <a:r>
-              <a:rPr lang="en-US" altLang="ko-KR" dirty="0" smtClean="0"/>
-              <a:t>	</a:t>
-            </a:r>
-            <a:r>
-              <a:rPr lang="ko-KR" altLang="en-US" dirty="0" smtClean="0"/>
-              <a:t>을 부여했고</a:t>
-            </a:r>
-            <a:r>
-              <a:rPr lang="en-US" altLang="ko-KR" dirty="0" smtClean="0"/>
-              <a:t>, </a:t>
-            </a:r>
-            <a:r>
-              <a:rPr lang="ko-KR" altLang="en-US" dirty="0" smtClean="0"/>
-              <a:t>윈도스 제품에는 낮은 평점</a:t>
-            </a:r>
-            <a:r>
-              <a:rPr lang="en-US" altLang="ko-KR" dirty="0" smtClean="0"/>
-              <a:t>	</a:t>
-            </a:r>
-            <a:r>
-              <a:rPr lang="ko-KR" altLang="en-US" dirty="0" smtClean="0"/>
-              <a:t>을 부여했다</a:t>
-            </a:r>
-            <a:r>
-              <a:rPr lang="en-US" altLang="ko-KR" dirty="0" smtClean="0"/>
-              <a:t>. Recommender System </a:t>
-            </a:r>
-            <a:r>
-              <a:rPr lang="ko-KR" altLang="en-US" dirty="0" smtClean="0"/>
-              <a:t>은 </a:t>
-            </a:r>
-            <a:endParaRPr lang="en-US" altLang="ko-KR" dirty="0" smtClean="0"/>
-          </a:p>
-          <a:p>
-            <a:r>
-              <a:rPr lang="en-US" altLang="ko-KR" dirty="0"/>
-              <a:t>	</a:t>
-            </a:r>
-            <a:r>
-              <a:rPr lang="ko-KR" altLang="en-US" dirty="0" smtClean="0"/>
-              <a:t>이 데이터를 가지고 </a:t>
-            </a:r>
-            <a:r>
-              <a:rPr lang="en-US" altLang="ko-KR" dirty="0" smtClean="0"/>
-              <a:t>“</a:t>
-            </a:r>
-            <a:r>
-              <a:rPr lang="ko-KR" altLang="en-US" dirty="0" smtClean="0"/>
-              <a:t>사용자 </a:t>
-            </a:r>
-            <a:r>
-              <a:rPr lang="en-US" altLang="ko-KR" dirty="0" smtClean="0"/>
-              <a:t>A </a:t>
-            </a:r>
-            <a:r>
-              <a:rPr lang="ko-KR" altLang="en-US" dirty="0" smtClean="0"/>
-              <a:t>는 애플</a:t>
-            </a:r>
-            <a:endParaRPr lang="en-US" altLang="ko-KR" dirty="0" smtClean="0"/>
-          </a:p>
-          <a:p>
-            <a:r>
-              <a:rPr lang="en-US" altLang="ko-KR" dirty="0"/>
-              <a:t>	</a:t>
-            </a:r>
-            <a:r>
-              <a:rPr lang="ko-KR" altLang="en-US" dirty="0" smtClean="0"/>
-              <a:t>제품을 좋아한다</a:t>
-            </a:r>
-            <a:r>
-              <a:rPr lang="en-US" altLang="ko-KR" dirty="0" smtClean="0"/>
-              <a:t>“ </a:t>
-            </a:r>
-            <a:r>
-              <a:rPr lang="ko-KR" altLang="en-US" dirty="0" smtClean="0"/>
-              <a:t>라는 결론은 내리고 </a:t>
-            </a:r>
-            <a:endParaRPr lang="en-US" altLang="ko-KR" dirty="0" smtClean="0"/>
-          </a:p>
-          <a:p>
-            <a:r>
-              <a:rPr lang="en-US" altLang="ko-KR" dirty="0"/>
-              <a:t>	</a:t>
-            </a:r>
-            <a:r>
-              <a:rPr lang="ko-KR" altLang="en-US" dirty="0" smtClean="0"/>
-              <a:t>그에 맞게 사용자 </a:t>
-            </a:r>
-            <a:r>
-              <a:rPr lang="en-US" altLang="ko-KR" dirty="0" smtClean="0"/>
-              <a:t>A </a:t>
-            </a:r>
-            <a:r>
-              <a:rPr lang="ko-KR" altLang="en-US" dirty="0" smtClean="0"/>
-              <a:t>한테 제품을 추천</a:t>
-            </a:r>
-            <a:endParaRPr lang="en-US" altLang="ko-KR" dirty="0" smtClean="0"/>
-          </a:p>
-          <a:p>
-            <a:r>
-              <a:rPr lang="en-US" altLang="ko-KR" dirty="0"/>
-              <a:t>	</a:t>
-            </a:r>
-            <a:r>
-              <a:rPr lang="ko-KR" altLang="en-US" dirty="0" smtClean="0"/>
-              <a:t>해준다</a:t>
-            </a:r>
-            <a:r>
-              <a:rPr lang="en-US" altLang="ko-KR" dirty="0" smtClean="0"/>
-              <a:t>. </a:t>
-            </a:r>
-          </a:p>
-        </p:txBody>
-      </p:sp>
-    </p:spTree>
-    <p:extLst>
-      <p:ext uri="{BB962C8B-B14F-4D97-AF65-F5344CB8AC3E}">
-        <p14:creationId xmlns:p14="http://schemas.microsoft.com/office/powerpoint/2010/main" val="3570464820"/>
-      </p:ext>
-    </p:extLst>
-  </p:cSld>
-  <p:clrMapOvr>
-    <a:masterClrMapping/>
-  </p:clrMapOvr>
-  <p:timing>
-    <p:tnLst>
-      <p:par>
-        <p:cTn id="1" dur="indefinite" restart="never" nodeType="tmRoot"/>
-      </p:par>
-    </p:tnLst>
-  </p:timing>
 </p:sld>
 </file>
 
